--- a/중간보고서/중간보고서.pptx
+++ b/중간보고서/중간보고서.pptx
@@ -27,6 +27,7 @@
     <p:sldId id="388" r:id="rId21"/>
     <p:sldId id="390" r:id="rId22"/>
     <p:sldId id="389" r:id="rId23"/>
+    <p:sldId id="391" r:id="rId24"/>
   </p:sldIdLst>
   <p:sldSz cx="9144000" cy="6858000" type="screen4x3"/>
   <p:notesSz cx="6858000" cy="9144000"/>
@@ -1840,7 +1841,7 @@
           <a:p>
             <a:fld id="{A586DD9E-CBA2-4CC8-AA80-6840ED2F7CD9}" type="datetimeFigureOut">
               <a:rPr lang="ko-KR" altLang="en-US" smtClean="0"/>
-              <a:t>2020-07-24</a:t>
+              <a:t>2020-07-25</a:t>
             </a:fld>
             <a:endParaRPr lang="ko-KR" altLang="en-US"/>
           </a:p>
@@ -2010,7 +2011,7 @@
           <a:p>
             <a:fld id="{A586DD9E-CBA2-4CC8-AA80-6840ED2F7CD9}" type="datetimeFigureOut">
               <a:rPr lang="ko-KR" altLang="en-US" smtClean="0"/>
-              <a:t>2020-07-24</a:t>
+              <a:t>2020-07-25</a:t>
             </a:fld>
             <a:endParaRPr lang="ko-KR" altLang="en-US"/>
           </a:p>
@@ -2190,7 +2191,7 @@
           <a:p>
             <a:fld id="{A586DD9E-CBA2-4CC8-AA80-6840ED2F7CD9}" type="datetimeFigureOut">
               <a:rPr lang="ko-KR" altLang="en-US" smtClean="0"/>
-              <a:t>2020-07-24</a:t>
+              <a:t>2020-07-25</a:t>
             </a:fld>
             <a:endParaRPr lang="ko-KR" altLang="en-US"/>
           </a:p>
@@ -2360,7 +2361,7 @@
           <a:p>
             <a:fld id="{A586DD9E-CBA2-4CC8-AA80-6840ED2F7CD9}" type="datetimeFigureOut">
               <a:rPr lang="ko-KR" altLang="en-US" smtClean="0"/>
-              <a:t>2020-07-24</a:t>
+              <a:t>2020-07-25</a:t>
             </a:fld>
             <a:endParaRPr lang="ko-KR" altLang="en-US"/>
           </a:p>
@@ -2604,7 +2605,7 @@
           <a:p>
             <a:fld id="{A586DD9E-CBA2-4CC8-AA80-6840ED2F7CD9}" type="datetimeFigureOut">
               <a:rPr lang="ko-KR" altLang="en-US" smtClean="0"/>
-              <a:t>2020-07-24</a:t>
+              <a:t>2020-07-25</a:t>
             </a:fld>
             <a:endParaRPr lang="ko-KR" altLang="en-US"/>
           </a:p>
@@ -2836,7 +2837,7 @@
           <a:p>
             <a:fld id="{A586DD9E-CBA2-4CC8-AA80-6840ED2F7CD9}" type="datetimeFigureOut">
               <a:rPr lang="ko-KR" altLang="en-US" smtClean="0"/>
-              <a:t>2020-07-24</a:t>
+              <a:t>2020-07-25</a:t>
             </a:fld>
             <a:endParaRPr lang="ko-KR" altLang="en-US"/>
           </a:p>
@@ -3203,7 +3204,7 @@
           <a:p>
             <a:fld id="{A586DD9E-CBA2-4CC8-AA80-6840ED2F7CD9}" type="datetimeFigureOut">
               <a:rPr lang="ko-KR" altLang="en-US" smtClean="0"/>
-              <a:t>2020-07-24</a:t>
+              <a:t>2020-07-25</a:t>
             </a:fld>
             <a:endParaRPr lang="ko-KR" altLang="en-US"/>
           </a:p>
@@ -3321,7 +3322,7 @@
           <a:p>
             <a:fld id="{A586DD9E-CBA2-4CC8-AA80-6840ED2F7CD9}" type="datetimeFigureOut">
               <a:rPr lang="ko-KR" altLang="en-US" smtClean="0"/>
-              <a:t>2020-07-24</a:t>
+              <a:t>2020-07-25</a:t>
             </a:fld>
             <a:endParaRPr lang="ko-KR" altLang="en-US"/>
           </a:p>
@@ -3416,7 +3417,7 @@
           <a:p>
             <a:fld id="{A586DD9E-CBA2-4CC8-AA80-6840ED2F7CD9}" type="datetimeFigureOut">
               <a:rPr lang="ko-KR" altLang="en-US" smtClean="0"/>
-              <a:t>2020-07-24</a:t>
+              <a:t>2020-07-25</a:t>
             </a:fld>
             <a:endParaRPr lang="ko-KR" altLang="en-US"/>
           </a:p>
@@ -3693,7 +3694,7 @@
           <a:p>
             <a:fld id="{A586DD9E-CBA2-4CC8-AA80-6840ED2F7CD9}" type="datetimeFigureOut">
               <a:rPr lang="ko-KR" altLang="en-US" smtClean="0"/>
-              <a:t>2020-07-24</a:t>
+              <a:t>2020-07-25</a:t>
             </a:fld>
             <a:endParaRPr lang="ko-KR" altLang="en-US"/>
           </a:p>
@@ -3950,7 +3951,7 @@
           <a:p>
             <a:fld id="{A586DD9E-CBA2-4CC8-AA80-6840ED2F7CD9}" type="datetimeFigureOut">
               <a:rPr lang="ko-KR" altLang="en-US" smtClean="0"/>
-              <a:t>2020-07-24</a:t>
+              <a:t>2020-07-25</a:t>
             </a:fld>
             <a:endParaRPr lang="ko-KR" altLang="en-US"/>
           </a:p>
@@ -4163,7 +4164,7 @@
           <a:p>
             <a:fld id="{A586DD9E-CBA2-4CC8-AA80-6840ED2F7CD9}" type="datetimeFigureOut">
               <a:rPr lang="ko-KR" altLang="en-US" smtClean="0"/>
-              <a:t>2020-07-24</a:t>
+              <a:t>2020-07-25</a:t>
             </a:fld>
             <a:endParaRPr lang="ko-KR" altLang="en-US"/>
           </a:p>
@@ -5745,60 +5746,6 @@
       </p:sp>
       <p:sp>
         <p:nvSpPr>
-          <p:cNvPr id="12" name="바닥글 개체 틀 11"/>
-          <p:cNvSpPr>
-            <a:spLocks noGrp="1"/>
-          </p:cNvSpPr>
-          <p:nvPr>
-            <p:ph type="ftr" sz="quarter" idx="11"/>
-          </p:nvPr>
-        </p:nvSpPr>
-        <p:spPr/>
-        <p:txBody>
-          <a:bodyPr/>
-          <a:lstStyle/>
-          <a:p>
-            <a:pPr marL="0" marR="0" lvl="0" indent="0" algn="ctr" defTabSz="914400" rtl="0" eaLnBrk="1" fontAlgn="auto" latinLnBrk="1" hangingPunct="1">
-              <a:lnSpc>
-                <a:spcPct val="100000"/>
-              </a:lnSpc>
-              <a:spcBef>
-                <a:spcPts val="0"/>
-              </a:spcBef>
-              <a:spcAft>
-                <a:spcPts val="0"/>
-              </a:spcAft>
-              <a:buClrTx/>
-              <a:buSzTx/>
-              <a:buFontTx/>
-              <a:buNone/>
-              <a:tabLst/>
-              <a:defRPr/>
-            </a:pPr>
-            <a:r>
-              <a:rPr kumimoji="0" lang="ko-KR" altLang="en-US" sz="1200" b="0" i="0" u="none" strike="noStrike" kern="1200" cap="none" spc="0" normalizeH="0" baseline="0" noProof="0">
-                <a:ln>
-                  <a:noFill/>
-                </a:ln>
-                <a:solidFill>
-                  <a:prstClr val="black">
-                    <a:tint val="75000"/>
-                  </a:prstClr>
-                </a:solidFill>
-                <a:effectLst/>
-                <a:uLnTx/>
-                <a:uFillTx/>
-                <a:latin typeface="맑은 고딕"/>
-                <a:ea typeface="맑은 고딕" panose="020B0503020000020004" pitchFamily="50" charset="-127"/>
-                <a:cs typeface="+mn-cs"/>
-              </a:rPr>
-              <a:t>한이음 ▶ 프로그램 설계서</a:t>
-            </a:r>
-          </a:p>
-        </p:txBody>
-      </p:sp>
-      <p:sp>
-        <p:nvSpPr>
           <p:cNvPr id="51" name="직사각형 50"/>
           <p:cNvSpPr/>
           <p:nvPr/>
@@ -9377,136 +9324,6 @@
           </a:p>
         </p:txBody>
       </p:sp>
-      <p:sp>
-        <p:nvSpPr>
-          <p:cNvPr id="14" name="바닥글 개체 틀 11">
-            <a:extLst>
-              <a:ext uri="{FF2B5EF4-FFF2-40B4-BE49-F238E27FC236}">
-                <a16:creationId xmlns:a16="http://schemas.microsoft.com/office/drawing/2014/main" id="{2FC7E8DE-0A25-49F1-9D57-D19484AD9F6A}"/>
-              </a:ext>
-            </a:extLst>
-          </p:cNvPr>
-          <p:cNvSpPr txBox="1">
-            <a:spLocks/>
-          </p:cNvSpPr>
-          <p:nvPr/>
-        </p:nvSpPr>
-        <p:spPr>
-          <a:xfrm>
-            <a:off x="3181350" y="6508751"/>
-            <a:ext cx="3086100" cy="365125"/>
-          </a:xfrm>
-          <a:prstGeom prst="rect">
-            <a:avLst/>
-          </a:prstGeom>
-        </p:spPr>
-        <p:txBody>
-          <a:bodyPr vert="horz" lIns="91440" tIns="45720" rIns="91440" bIns="45720" rtlCol="0" anchor="ctr"/>
-          <a:lstStyle>
-            <a:defPPr>
-              <a:defRPr lang="en-US"/>
-            </a:defPPr>
-            <a:lvl1pPr marL="0" algn="ctr" defTabSz="457200" rtl="0" eaLnBrk="1" latinLnBrk="0" hangingPunct="1">
-              <a:defRPr sz="1200" kern="1200">
-                <a:solidFill>
-                  <a:schemeClr val="tx1">
-                    <a:tint val="75000"/>
-                  </a:schemeClr>
-                </a:solidFill>
-                <a:latin typeface="+mn-lt"/>
-                <a:ea typeface="+mn-ea"/>
-                <a:cs typeface="+mn-cs"/>
-              </a:defRPr>
-            </a:lvl1pPr>
-            <a:lvl2pPr marL="457200" algn="l" defTabSz="457200" rtl="0" eaLnBrk="1" latinLnBrk="0" hangingPunct="1">
-              <a:defRPr sz="1800" kern="1200">
-                <a:solidFill>
-                  <a:schemeClr val="tx1"/>
-                </a:solidFill>
-                <a:latin typeface="+mn-lt"/>
-                <a:ea typeface="+mn-ea"/>
-                <a:cs typeface="+mn-cs"/>
-              </a:defRPr>
-            </a:lvl2pPr>
-            <a:lvl3pPr marL="914400" algn="l" defTabSz="457200" rtl="0" eaLnBrk="1" latinLnBrk="0" hangingPunct="1">
-              <a:defRPr sz="1800" kern="1200">
-                <a:solidFill>
-                  <a:schemeClr val="tx1"/>
-                </a:solidFill>
-                <a:latin typeface="+mn-lt"/>
-                <a:ea typeface="+mn-ea"/>
-                <a:cs typeface="+mn-cs"/>
-              </a:defRPr>
-            </a:lvl3pPr>
-            <a:lvl4pPr marL="1371600" algn="l" defTabSz="457200" rtl="0" eaLnBrk="1" latinLnBrk="0" hangingPunct="1">
-              <a:defRPr sz="1800" kern="1200">
-                <a:solidFill>
-                  <a:schemeClr val="tx1"/>
-                </a:solidFill>
-                <a:latin typeface="+mn-lt"/>
-                <a:ea typeface="+mn-ea"/>
-                <a:cs typeface="+mn-cs"/>
-              </a:defRPr>
-            </a:lvl4pPr>
-            <a:lvl5pPr marL="1828800" algn="l" defTabSz="457200" rtl="0" eaLnBrk="1" latinLnBrk="0" hangingPunct="1">
-              <a:defRPr sz="1800" kern="1200">
-                <a:solidFill>
-                  <a:schemeClr val="tx1"/>
-                </a:solidFill>
-                <a:latin typeface="+mn-lt"/>
-                <a:ea typeface="+mn-ea"/>
-                <a:cs typeface="+mn-cs"/>
-              </a:defRPr>
-            </a:lvl5pPr>
-            <a:lvl6pPr marL="2286000" algn="l" defTabSz="457200" rtl="0" eaLnBrk="1" latinLnBrk="0" hangingPunct="1">
-              <a:defRPr sz="1800" kern="1200">
-                <a:solidFill>
-                  <a:schemeClr val="tx1"/>
-                </a:solidFill>
-                <a:latin typeface="+mn-lt"/>
-                <a:ea typeface="+mn-ea"/>
-                <a:cs typeface="+mn-cs"/>
-              </a:defRPr>
-            </a:lvl6pPr>
-            <a:lvl7pPr marL="2743200" algn="l" defTabSz="457200" rtl="0" eaLnBrk="1" latinLnBrk="0" hangingPunct="1">
-              <a:defRPr sz="1800" kern="1200">
-                <a:solidFill>
-                  <a:schemeClr val="tx1"/>
-                </a:solidFill>
-                <a:latin typeface="+mn-lt"/>
-                <a:ea typeface="+mn-ea"/>
-                <a:cs typeface="+mn-cs"/>
-              </a:defRPr>
-            </a:lvl7pPr>
-            <a:lvl8pPr marL="3200400" algn="l" defTabSz="457200" rtl="0" eaLnBrk="1" latinLnBrk="0" hangingPunct="1">
-              <a:defRPr sz="1800" kern="1200">
-                <a:solidFill>
-                  <a:schemeClr val="tx1"/>
-                </a:solidFill>
-                <a:latin typeface="+mn-lt"/>
-                <a:ea typeface="+mn-ea"/>
-                <a:cs typeface="+mn-cs"/>
-              </a:defRPr>
-            </a:lvl8pPr>
-            <a:lvl9pPr marL="3657600" algn="l" defTabSz="457200" rtl="0" eaLnBrk="1" latinLnBrk="0" hangingPunct="1">
-              <a:defRPr sz="1800" kern="1200">
-                <a:solidFill>
-                  <a:schemeClr val="tx1"/>
-                </a:solidFill>
-                <a:latin typeface="+mn-lt"/>
-                <a:ea typeface="+mn-ea"/>
-                <a:cs typeface="+mn-cs"/>
-              </a:defRPr>
-            </a:lvl9pPr>
-          </a:lstStyle>
-          <a:p>
-            <a:r>
-              <a:rPr lang="ko-KR" altLang="en-US"/>
-              <a:t>한이음 ▶ 프로그램 설계서</a:t>
-            </a:r>
-          </a:p>
-        </p:txBody>
-      </p:sp>
     </p:spTree>
     <p:extLst>
       <p:ext uri="{BB962C8B-B14F-4D97-AF65-F5344CB8AC3E}">
@@ -9924,28 +9741,6 @@
                 <a:schemeClr val="tx1"/>
               </a:solidFill>
             </a:endParaRPr>
-          </a:p>
-        </p:txBody>
-      </p:sp>
-      <p:sp>
-        <p:nvSpPr>
-          <p:cNvPr id="14" name="바닥글 개체 틀 13"/>
-          <p:cNvSpPr>
-            <a:spLocks noGrp="1"/>
-          </p:cNvSpPr>
-          <p:nvPr>
-            <p:ph type="ftr" sz="quarter" idx="11"/>
-          </p:nvPr>
-        </p:nvSpPr>
-        <p:spPr/>
-        <p:txBody>
-          <a:bodyPr/>
-          <a:lstStyle/>
-          <a:p>
-            <a:r>
-              <a:rPr lang="ko-KR" altLang="en-US"/>
-              <a:t>한이음 ▶ 프로그램 설계서</a:t>
-            </a:r>
           </a:p>
         </p:txBody>
       </p:sp>
@@ -20075,28 +19870,6 @@
       </p:sp>
       <p:sp>
         <p:nvSpPr>
-          <p:cNvPr id="12" name="바닥글 개체 틀 11"/>
-          <p:cNvSpPr>
-            <a:spLocks noGrp="1"/>
-          </p:cNvSpPr>
-          <p:nvPr>
-            <p:ph type="ftr" sz="quarter" idx="11"/>
-          </p:nvPr>
-        </p:nvSpPr>
-        <p:spPr/>
-        <p:txBody>
-          <a:bodyPr/>
-          <a:lstStyle/>
-          <a:p>
-            <a:r>
-              <a:rPr lang="ko-KR" altLang="en-US"/>
-              <a:t>한이음 ▶ 프로그램 설계서</a:t>
-            </a:r>
-          </a:p>
-        </p:txBody>
-      </p:sp>
-      <p:sp>
-        <p:nvSpPr>
           <p:cNvPr id="51" name="직사각형 50"/>
           <p:cNvSpPr/>
           <p:nvPr/>
@@ -20566,28 +20339,6 @@
           </a:p>
         </p:txBody>
       </p:sp>
-      <p:sp>
-        <p:nvSpPr>
-          <p:cNvPr id="12" name="바닥글 개체 틀 11"/>
-          <p:cNvSpPr>
-            <a:spLocks noGrp="1"/>
-          </p:cNvSpPr>
-          <p:nvPr>
-            <p:ph type="ftr" sz="quarter" idx="11"/>
-          </p:nvPr>
-        </p:nvSpPr>
-        <p:spPr/>
-        <p:txBody>
-          <a:bodyPr/>
-          <a:lstStyle/>
-          <a:p>
-            <a:r>
-              <a:rPr lang="ko-KR" altLang="en-US"/>
-              <a:t>한이음 ▶ 프로그램 설계서</a:t>
-            </a:r>
-          </a:p>
-        </p:txBody>
-      </p:sp>
       <p:graphicFrame>
         <p:nvGraphicFramePr>
           <p:cNvPr id="2" name="표 1"/>
@@ -23355,28 +23106,6 @@
                 <a:schemeClr val="tx1"/>
               </a:solidFill>
             </a:endParaRPr>
-          </a:p>
-        </p:txBody>
-      </p:sp>
-      <p:sp>
-        <p:nvSpPr>
-          <p:cNvPr id="12" name="바닥글 개체 틀 11"/>
-          <p:cNvSpPr>
-            <a:spLocks noGrp="1"/>
-          </p:cNvSpPr>
-          <p:nvPr>
-            <p:ph type="ftr" sz="quarter" idx="11"/>
-          </p:nvPr>
-        </p:nvSpPr>
-        <p:spPr/>
-        <p:txBody>
-          <a:bodyPr/>
-          <a:lstStyle/>
-          <a:p>
-            <a:r>
-              <a:rPr lang="ko-KR" altLang="en-US"/>
-              <a:t>한이음 ▶ 프로그램 설계서</a:t>
-            </a:r>
           </a:p>
         </p:txBody>
       </p:sp>
@@ -28764,155 +28493,6 @@
           </a:ln>
         </p:spPr>
       </p:pic>
-      <p:sp>
-        <p:nvSpPr>
-          <p:cNvPr id="36" name="바닥글 개체 틀 11">
-            <a:extLst>
-              <a:ext uri="{FF2B5EF4-FFF2-40B4-BE49-F238E27FC236}">
-                <a16:creationId xmlns:a16="http://schemas.microsoft.com/office/drawing/2014/main" id="{4D16C82D-7F24-4378-AB19-4AFBC6B399E3}"/>
-              </a:ext>
-            </a:extLst>
-          </p:cNvPr>
-          <p:cNvSpPr>
-            <a:spLocks noGrp="1"/>
-          </p:cNvSpPr>
-          <p:nvPr>
-            <p:ph type="ftr" sz="quarter" idx="11"/>
-          </p:nvPr>
-        </p:nvSpPr>
-        <p:spPr>
-          <a:xfrm>
-            <a:off x="3144513" y="6365804"/>
-            <a:ext cx="2895600" cy="365125"/>
-          </a:xfrm>
-        </p:spPr>
-        <p:txBody>
-          <a:bodyPr/>
-          <a:lstStyle/>
-          <a:p>
-            <a:pPr marL="0" marR="0" lvl="0" indent="0" algn="ctr" defTabSz="914400" rtl="0" eaLnBrk="1" fontAlgn="auto" latinLnBrk="1" hangingPunct="1">
-              <a:lnSpc>
-                <a:spcPct val="100000"/>
-              </a:lnSpc>
-              <a:spcBef>
-                <a:spcPts val="0"/>
-              </a:spcBef>
-              <a:spcAft>
-                <a:spcPts val="0"/>
-              </a:spcAft>
-              <a:buClrTx/>
-              <a:buSzTx/>
-              <a:buFontTx/>
-              <a:buNone/>
-              <a:tabLst/>
-              <a:defRPr/>
-            </a:pPr>
-            <a:r>
-              <a:rPr kumimoji="0" lang="ko-KR" altLang="en-US" sz="1200" b="0" i="0" u="none" strike="noStrike" kern="1200" cap="none" spc="0" normalizeH="0" baseline="0" noProof="0">
-                <a:ln>
-                  <a:noFill/>
-                </a:ln>
-                <a:solidFill>
-                  <a:prstClr val="black">
-                    <a:tint val="75000"/>
-                  </a:prstClr>
-                </a:solidFill>
-                <a:effectLst/>
-                <a:uLnTx/>
-                <a:uFillTx/>
-                <a:latin typeface="맑은 고딕"/>
-                <a:ea typeface="맑은 고딕" panose="020B0503020000020004" pitchFamily="50" charset="-127"/>
-                <a:cs typeface="+mn-cs"/>
-              </a:rPr>
-              <a:t>한이음 ▶ 프로그램 설계서</a:t>
-            </a:r>
-          </a:p>
-        </p:txBody>
-      </p:sp>
-      <p:sp>
-        <p:nvSpPr>
-          <p:cNvPr id="38" name="직사각형 37">
-            <a:extLst>
-              <a:ext uri="{FF2B5EF4-FFF2-40B4-BE49-F238E27FC236}">
-                <a16:creationId xmlns:a16="http://schemas.microsoft.com/office/drawing/2014/main" id="{D83B160B-4E72-4E4B-9069-2746DC3CA995}"/>
-              </a:ext>
-            </a:extLst>
-          </p:cNvPr>
-          <p:cNvSpPr/>
-          <p:nvPr/>
-        </p:nvSpPr>
-        <p:spPr>
-          <a:xfrm>
-            <a:off x="222255" y="1473901"/>
-            <a:ext cx="8740117" cy="4763411"/>
-          </a:xfrm>
-          <a:prstGeom prst="rect">
-            <a:avLst/>
-          </a:prstGeom>
-          <a:noFill/>
-          <a:ln>
-            <a:solidFill>
-              <a:schemeClr val="accent1"/>
-            </a:solidFill>
-          </a:ln>
-        </p:spPr>
-        <p:style>
-          <a:lnRef idx="0">
-            <a:scrgbClr r="0" g="0" b="0"/>
-          </a:lnRef>
-          <a:fillRef idx="0">
-            <a:scrgbClr r="0" g="0" b="0"/>
-          </a:fillRef>
-          <a:effectRef idx="0">
-            <a:scrgbClr r="0" g="0" b="0"/>
-          </a:effectRef>
-          <a:fontRef idx="minor">
-            <a:schemeClr val="lt1"/>
-          </a:fontRef>
-        </p:style>
-        <p:txBody>
-          <a:bodyPr rot="0" spcFirstLastPara="0" vertOverflow="overflow" horzOverflow="overflow" vert="horz" wrap="square" lIns="91440" tIns="45720" rIns="91440" bIns="45720" numCol="1" spcCol="0" rtlCol="0" fromWordArt="0" anchor="ctr" anchorCtr="0" forceAA="0" compatLnSpc="1">
-            <a:prstTxWarp prst="textNoShape">
-              <a:avLst/>
-            </a:prstTxWarp>
-            <a:noAutofit/>
-          </a:bodyPr>
-          <a:lstStyle/>
-          <a:p>
-            <a:pPr marL="0" marR="0" lvl="0" indent="0" algn="ctr" defTabSz="914400" rtl="0" eaLnBrk="1" fontAlgn="auto" latinLnBrk="1" hangingPunct="1">
-              <a:lnSpc>
-                <a:spcPct val="100000"/>
-              </a:lnSpc>
-              <a:spcBef>
-                <a:spcPts val="0"/>
-              </a:spcBef>
-              <a:spcAft>
-                <a:spcPts val="0"/>
-              </a:spcAft>
-              <a:buClrTx/>
-              <a:buSzTx/>
-              <a:buFontTx/>
-              <a:buNone/>
-              <a:tabLst/>
-              <a:defRPr/>
-            </a:pPr>
-            <a:endParaRPr kumimoji="0" lang="ko-KR" altLang="en-US" sz="1800" b="1" i="0" u="none" strike="noStrike" kern="1200" cap="none" spc="0" normalizeH="0" baseline="0" noProof="0" dirty="0">
-              <a:ln>
-                <a:noFill/>
-              </a:ln>
-              <a:solidFill>
-                <a:prstClr val="black"/>
-              </a:solidFill>
-              <a:effectLst/>
-              <a:uLnTx/>
-              <a:uFillTx/>
-              <a:latin typeface="맑은 고딕"/>
-              <a:ea typeface="맑은 고딕" panose="020B0503020000020004" pitchFamily="50" charset="-127"/>
-              <a:cs typeface="+mn-cs"/>
-            </a:endParaRPr>
-          </a:p>
-        </p:txBody>
-      </p:sp>
       <p:pic>
         <p:nvPicPr>
           <p:cNvPr id="39" name="image14.png">
@@ -28938,7 +28518,7 @@
         </p:blipFill>
         <p:spPr>
           <a:xfrm>
-            <a:off x="222255" y="1241378"/>
+            <a:off x="196883" y="1268760"/>
             <a:ext cx="8740117" cy="5211957"/>
           </a:xfrm>
           <a:prstGeom prst="rect">
@@ -28977,106 +28557,6 @@
           <a:chExt cx="0" cy="0"/>
         </a:xfrm>
       </p:grpSpPr>
-      <p:sp>
-        <p:nvSpPr>
-          <p:cNvPr id="3" name="텍스트 개체 틀 2">
-            <a:extLst>
-              <a:ext uri="{FF2B5EF4-FFF2-40B4-BE49-F238E27FC236}">
-                <a16:creationId xmlns:a16="http://schemas.microsoft.com/office/drawing/2014/main" id="{D3BE3D1B-2F5B-4B11-BFCB-275FFE69E9D8}"/>
-              </a:ext>
-            </a:extLst>
-          </p:cNvPr>
-          <p:cNvSpPr>
-            <a:spLocks noGrp="1"/>
-          </p:cNvSpPr>
-          <p:nvPr>
-            <p:ph type="body" idx="1"/>
-          </p:nvPr>
-        </p:nvSpPr>
-        <p:spPr/>
-        <p:txBody>
-          <a:bodyPr/>
-          <a:lstStyle/>
-          <a:p>
-            <a:endParaRPr lang="ko-KR" altLang="en-US"/>
-          </a:p>
-        </p:txBody>
-      </p:sp>
-      <p:sp>
-        <p:nvSpPr>
-          <p:cNvPr id="4" name="내용 개체 틀 3">
-            <a:extLst>
-              <a:ext uri="{FF2B5EF4-FFF2-40B4-BE49-F238E27FC236}">
-                <a16:creationId xmlns:a16="http://schemas.microsoft.com/office/drawing/2014/main" id="{6DAC33F8-4D52-466D-931E-40A3B27DFF82}"/>
-              </a:ext>
-            </a:extLst>
-          </p:cNvPr>
-          <p:cNvSpPr>
-            <a:spLocks noGrp="1"/>
-          </p:cNvSpPr>
-          <p:nvPr>
-            <p:ph sz="half" idx="2"/>
-          </p:nvPr>
-        </p:nvSpPr>
-        <p:spPr/>
-        <p:txBody>
-          <a:bodyPr/>
-          <a:lstStyle/>
-          <a:p>
-            <a:endParaRPr lang="ko-KR" altLang="en-US"/>
-          </a:p>
-        </p:txBody>
-      </p:sp>
-      <p:sp>
-        <p:nvSpPr>
-          <p:cNvPr id="5" name="텍스트 개체 틀 4">
-            <a:extLst>
-              <a:ext uri="{FF2B5EF4-FFF2-40B4-BE49-F238E27FC236}">
-                <a16:creationId xmlns:a16="http://schemas.microsoft.com/office/drawing/2014/main" id="{05D3BF92-8577-451A-854F-AEAE90E86612}"/>
-              </a:ext>
-            </a:extLst>
-          </p:cNvPr>
-          <p:cNvSpPr>
-            <a:spLocks noGrp="1"/>
-          </p:cNvSpPr>
-          <p:nvPr>
-            <p:ph type="body" sz="quarter" idx="3"/>
-          </p:nvPr>
-        </p:nvSpPr>
-        <p:spPr/>
-        <p:txBody>
-          <a:bodyPr/>
-          <a:lstStyle/>
-          <a:p>
-            <a:endParaRPr lang="ko-KR" altLang="en-US"/>
-          </a:p>
-        </p:txBody>
-      </p:sp>
-      <p:sp>
-        <p:nvSpPr>
-          <p:cNvPr id="6" name="내용 개체 틀 5">
-            <a:extLst>
-              <a:ext uri="{FF2B5EF4-FFF2-40B4-BE49-F238E27FC236}">
-                <a16:creationId xmlns:a16="http://schemas.microsoft.com/office/drawing/2014/main" id="{E0825409-9BE1-4DE0-9260-793A261172AE}"/>
-              </a:ext>
-            </a:extLst>
-          </p:cNvPr>
-          <p:cNvSpPr>
-            <a:spLocks noGrp="1"/>
-          </p:cNvSpPr>
-          <p:nvPr>
-            <p:ph sz="quarter" idx="4"/>
-          </p:nvPr>
-        </p:nvSpPr>
-        <p:spPr/>
-        <p:txBody>
-          <a:bodyPr/>
-          <a:lstStyle/>
-          <a:p>
-            <a:endParaRPr lang="ko-KR" altLang="en-US"/>
-          </a:p>
-        </p:txBody>
-      </p:sp>
       <p:sp>
         <p:nvSpPr>
           <p:cNvPr id="7" name="직사각형 6">
@@ -29505,174 +28985,6 @@
           </a:ln>
         </p:spPr>
       </p:pic>
-      <p:sp>
-        <p:nvSpPr>
-          <p:cNvPr id="13" name="바닥글 개체 틀 11">
-            <a:extLst>
-              <a:ext uri="{FF2B5EF4-FFF2-40B4-BE49-F238E27FC236}">
-                <a16:creationId xmlns:a16="http://schemas.microsoft.com/office/drawing/2014/main" id="{A023A023-BF9D-49B9-A65A-E5457CE46966}"/>
-              </a:ext>
-            </a:extLst>
-          </p:cNvPr>
-          <p:cNvSpPr>
-            <a:spLocks noGrp="1"/>
-          </p:cNvSpPr>
-          <p:nvPr>
-            <p:ph type="ftr" sz="quarter" idx="11"/>
-          </p:nvPr>
-        </p:nvSpPr>
-        <p:spPr>
-          <a:xfrm>
-            <a:off x="3144513" y="6365804"/>
-            <a:ext cx="2895600" cy="365125"/>
-          </a:xfrm>
-        </p:spPr>
-        <p:txBody>
-          <a:bodyPr/>
-          <a:lstStyle/>
-          <a:p>
-            <a:pPr marL="0" marR="0" lvl="0" indent="0" algn="ctr" defTabSz="914400" rtl="0" eaLnBrk="1" fontAlgn="auto" latinLnBrk="1" hangingPunct="1">
-              <a:lnSpc>
-                <a:spcPct val="100000"/>
-              </a:lnSpc>
-              <a:spcBef>
-                <a:spcPts val="0"/>
-              </a:spcBef>
-              <a:spcAft>
-                <a:spcPts val="0"/>
-              </a:spcAft>
-              <a:buClrTx/>
-              <a:buSzTx/>
-              <a:buFontTx/>
-              <a:buNone/>
-              <a:tabLst/>
-              <a:defRPr/>
-            </a:pPr>
-            <a:r>
-              <a:rPr kumimoji="0" lang="ko-KR" altLang="en-US" sz="1200" b="0" i="0" u="none" strike="noStrike" kern="1200" cap="none" spc="0" normalizeH="0" baseline="0" noProof="0" dirty="0" err="1">
-                <a:ln>
-                  <a:noFill/>
-                </a:ln>
-                <a:solidFill>
-                  <a:prstClr val="black">
-                    <a:tint val="75000"/>
-                  </a:prstClr>
-                </a:solidFill>
-                <a:effectLst/>
-                <a:uLnTx/>
-                <a:uFillTx/>
-                <a:latin typeface="맑은 고딕"/>
-                <a:ea typeface="맑은 고딕" panose="020B0503020000020004" pitchFamily="50" charset="-127"/>
-                <a:cs typeface="+mn-cs"/>
-              </a:rPr>
-              <a:t>한이음</a:t>
-            </a:r>
-            <a:r>
-              <a:rPr kumimoji="0" lang="ko-KR" altLang="en-US" sz="1200" b="0" i="0" u="none" strike="noStrike" kern="1200" cap="none" spc="0" normalizeH="0" baseline="0" noProof="0" dirty="0">
-                <a:ln>
-                  <a:noFill/>
-                </a:ln>
-                <a:solidFill>
-                  <a:prstClr val="black">
-                    <a:tint val="75000"/>
-                  </a:prstClr>
-                </a:solidFill>
-                <a:effectLst/>
-                <a:uLnTx/>
-                <a:uFillTx/>
-                <a:latin typeface="맑은 고딕"/>
-                <a:ea typeface="맑은 고딕" panose="020B0503020000020004" pitchFamily="50" charset="-127"/>
-                <a:cs typeface="+mn-cs"/>
-              </a:rPr>
-              <a:t> ▶ 프로그램 설계서</a:t>
-            </a:r>
-          </a:p>
-        </p:txBody>
-      </p:sp>
-      <p:sp>
-        <p:nvSpPr>
-          <p:cNvPr id="15" name="직사각형 14">
-            <a:extLst>
-              <a:ext uri="{FF2B5EF4-FFF2-40B4-BE49-F238E27FC236}">
-                <a16:creationId xmlns:a16="http://schemas.microsoft.com/office/drawing/2014/main" id="{CDEC60D1-A07F-402C-8CB6-D726B9E275E0}"/>
-              </a:ext>
-            </a:extLst>
-          </p:cNvPr>
-          <p:cNvSpPr/>
-          <p:nvPr/>
-        </p:nvSpPr>
-        <p:spPr>
-          <a:xfrm>
-            <a:off x="222255" y="1473901"/>
-            <a:ext cx="8740117" cy="4763411"/>
-          </a:xfrm>
-          <a:prstGeom prst="rect">
-            <a:avLst/>
-          </a:prstGeom>
-          <a:noFill/>
-          <a:ln>
-            <a:solidFill>
-              <a:schemeClr val="accent1"/>
-            </a:solidFill>
-          </a:ln>
-        </p:spPr>
-        <p:style>
-          <a:lnRef idx="0">
-            <a:scrgbClr r="0" g="0" b="0"/>
-          </a:lnRef>
-          <a:fillRef idx="0">
-            <a:scrgbClr r="0" g="0" b="0"/>
-          </a:fillRef>
-          <a:effectRef idx="0">
-            <a:scrgbClr r="0" g="0" b="0"/>
-          </a:effectRef>
-          <a:fontRef idx="minor">
-            <a:schemeClr val="lt1"/>
-          </a:fontRef>
-        </p:style>
-        <p:txBody>
-          <a:bodyPr rot="0" spcFirstLastPara="0" vertOverflow="overflow" horzOverflow="overflow" vert="horz" wrap="square" lIns="91440" tIns="45720" rIns="91440" bIns="45720" numCol="1" spcCol="0" rtlCol="0" fromWordArt="0" anchor="ctr" anchorCtr="0" forceAA="0" compatLnSpc="1">
-            <a:prstTxWarp prst="textNoShape">
-              <a:avLst/>
-            </a:prstTxWarp>
-            <a:noAutofit/>
-          </a:bodyPr>
-          <a:lstStyle/>
-          <a:p>
-            <a:pPr marL="0" marR="0" lvl="0" indent="0" algn="ctr" defTabSz="914400" rtl="0" eaLnBrk="1" fontAlgn="auto" latinLnBrk="1" hangingPunct="1">
-              <a:lnSpc>
-                <a:spcPct val="100000"/>
-              </a:lnSpc>
-              <a:spcBef>
-                <a:spcPts val="0"/>
-              </a:spcBef>
-              <a:spcAft>
-                <a:spcPts val="0"/>
-              </a:spcAft>
-              <a:buClrTx/>
-              <a:buSzTx/>
-              <a:buFontTx/>
-              <a:buNone/>
-              <a:tabLst/>
-              <a:defRPr/>
-            </a:pPr>
-            <a:endParaRPr kumimoji="0" lang="ko-KR" altLang="en-US" sz="1800" b="1" i="0" u="none" strike="noStrike" kern="1200" cap="none" spc="0" normalizeH="0" baseline="0" noProof="0" dirty="0">
-              <a:ln>
-                <a:noFill/>
-              </a:ln>
-              <a:solidFill>
-                <a:prstClr val="black"/>
-              </a:solidFill>
-              <a:effectLst/>
-              <a:uLnTx/>
-              <a:uFillTx/>
-              <a:latin typeface="맑은 고딕"/>
-              <a:ea typeface="맑은 고딕" panose="020B0503020000020004" pitchFamily="50" charset="-127"/>
-              <a:cs typeface="+mn-cs"/>
-            </a:endParaRPr>
-          </a:p>
-        </p:txBody>
-      </p:sp>
       <p:pic>
         <p:nvPicPr>
           <p:cNvPr id="16" name="image14.png">
@@ -29698,7 +29010,7 @@
         </p:blipFill>
         <p:spPr>
           <a:xfrm>
-            <a:off x="181628" y="1241378"/>
+            <a:off x="123192" y="1276245"/>
             <a:ext cx="8780744" cy="5211957"/>
           </a:xfrm>
           <a:prstGeom prst="rect">
@@ -29902,154 +29214,6 @@
           </a:fontRef>
         </p:style>
       </p:cxnSp>
-      <p:sp>
-        <p:nvSpPr>
-          <p:cNvPr id="30" name="제목 12">
-            <a:extLst>
-              <a:ext uri="{FF2B5EF4-FFF2-40B4-BE49-F238E27FC236}">
-                <a16:creationId xmlns:a16="http://schemas.microsoft.com/office/drawing/2014/main" id="{747C4CCF-54A7-440B-9417-FE2C9020E9BC}"/>
-              </a:ext>
-            </a:extLst>
-          </p:cNvPr>
-          <p:cNvSpPr txBox="1">
-            <a:spLocks/>
-          </p:cNvSpPr>
-          <p:nvPr/>
-        </p:nvSpPr>
-        <p:spPr>
-          <a:xfrm>
-            <a:off x="323528" y="692696"/>
-            <a:ext cx="2808312" cy="296631"/>
-          </a:xfrm>
-          <a:prstGeom prst="rect">
-            <a:avLst/>
-          </a:prstGeom>
-        </p:spPr>
-        <p:txBody>
-          <a:bodyPr vert="horz" lIns="91440" tIns="45720" rIns="91440" bIns="45720" rtlCol="0" anchor="t">
-            <a:noAutofit/>
-          </a:bodyPr>
-          <a:lstStyle/>
-          <a:p>
-            <a:pPr marL="0" marR="0" lvl="0" indent="0" algn="l" defTabSz="914400" rtl="0" eaLnBrk="1" fontAlgn="auto" latinLnBrk="1" hangingPunct="1">
-              <a:lnSpc>
-                <a:spcPct val="100000"/>
-              </a:lnSpc>
-              <a:spcBef>
-                <a:spcPct val="0"/>
-              </a:spcBef>
-              <a:spcAft>
-                <a:spcPts val="0"/>
-              </a:spcAft>
-              <a:buClrTx/>
-              <a:buSzTx/>
-              <a:buFontTx/>
-              <a:buNone/>
-              <a:tabLst/>
-              <a:defRPr/>
-            </a:pPr>
-            <a:r>
-              <a:rPr kumimoji="0" lang="en-US" altLang="ko-KR" sz="1700" b="1" i="0" u="none" strike="noStrike" kern="1200" cap="none" spc="0" normalizeH="0" baseline="0" noProof="0" dirty="0">
-                <a:ln>
-                  <a:noFill/>
-                </a:ln>
-                <a:solidFill>
-                  <a:prstClr val="white"/>
-                </a:solidFill>
-                <a:effectLst/>
-                <a:uLnTx/>
-                <a:uFillTx/>
-                <a:latin typeface="맑은 고딕" panose="020B0503020000020004" pitchFamily="50" charset="-127"/>
-                <a:ea typeface="맑은 고딕" panose="020B0503020000020004" pitchFamily="50" charset="-127"/>
-                <a:cs typeface="+mn-cs"/>
-              </a:rPr>
-              <a:t>| </a:t>
-            </a:r>
-            <a:r>
-              <a:rPr kumimoji="0" lang="ko-KR" altLang="en-US" sz="1700" b="1" i="0" u="none" strike="noStrike" kern="1200" cap="none" spc="0" normalizeH="0" baseline="0" noProof="0" dirty="0" err="1">
-                <a:ln>
-                  <a:noFill/>
-                </a:ln>
-                <a:solidFill>
-                  <a:prstClr val="white"/>
-                </a:solidFill>
-                <a:effectLst/>
-                <a:uLnTx/>
-                <a:uFillTx/>
-                <a:latin typeface="맑은 고딕" panose="020B0503020000020004" pitchFamily="50" charset="-127"/>
-                <a:ea typeface="맑은 고딕" panose="020B0503020000020004" pitchFamily="50" charset="-127"/>
-                <a:cs typeface="+mn-cs"/>
-              </a:rPr>
-              <a:t>핵심소스코드</a:t>
-            </a:r>
-            <a:r>
-              <a:rPr kumimoji="0" lang="en-US" altLang="ko-KR" sz="1700" b="0" i="0" u="none" strike="noStrike" kern="1200" cap="none" spc="-50" normalizeH="0" baseline="0" noProof="0" dirty="0">
-                <a:ln>
-                  <a:noFill/>
-                </a:ln>
-                <a:solidFill>
-                  <a:prstClr val="white"/>
-                </a:solidFill>
-                <a:effectLst/>
-                <a:uLnTx/>
-                <a:uFillTx/>
-                <a:latin typeface="맑은 고딕" panose="020B0503020000020004" pitchFamily="50" charset="-127"/>
-                <a:ea typeface="맑은 고딕" panose="020B0503020000020004" pitchFamily="50" charset="-127"/>
-                <a:cs typeface="+mn-cs"/>
-              </a:rPr>
-              <a:t>(open </a:t>
-            </a:r>
-            <a:r>
-              <a:rPr kumimoji="0" lang="en-US" altLang="ko-KR" sz="1700" b="0" i="0" u="none" strike="noStrike" kern="1200" cap="none" spc="-50" normalizeH="0" baseline="0" noProof="0" dirty="0" err="1">
-                <a:ln>
-                  <a:noFill/>
-                </a:ln>
-                <a:solidFill>
-                  <a:prstClr val="white"/>
-                </a:solidFill>
-                <a:effectLst/>
-                <a:uLnTx/>
-                <a:uFillTx/>
-                <a:latin typeface="맑은 고딕" panose="020B0503020000020004" pitchFamily="50" charset="-127"/>
-                <a:ea typeface="맑은 고딕" panose="020B0503020000020004" pitchFamily="50" charset="-127"/>
-                <a:cs typeface="+mn-cs"/>
-              </a:rPr>
-              <a:t>api</a:t>
-            </a:r>
-            <a:r>
-              <a:rPr kumimoji="0" lang="en-US" altLang="ko-KR" sz="1700" b="0" i="0" u="none" strike="noStrike" kern="1200" cap="none" spc="-50" normalizeH="0" baseline="0" noProof="0" dirty="0">
-                <a:ln>
-                  <a:noFill/>
-                </a:ln>
-                <a:solidFill>
-                  <a:prstClr val="white"/>
-                </a:solidFill>
-                <a:effectLst/>
-                <a:uLnTx/>
-                <a:uFillTx/>
-                <a:latin typeface="맑은 고딕" panose="020B0503020000020004" pitchFamily="50" charset="-127"/>
-                <a:ea typeface="맑은 고딕" panose="020B0503020000020004" pitchFamily="50" charset="-127"/>
-                <a:cs typeface="+mn-cs"/>
-              </a:rPr>
-              <a:t>)(3)</a:t>
-            </a:r>
-            <a:endParaRPr kumimoji="0" lang="ko-KR" altLang="en-US" sz="1700" b="0" i="0" u="none" strike="noStrike" kern="1200" cap="none" spc="-50" normalizeH="0" baseline="0" noProof="0" dirty="0">
-              <a:ln>
-                <a:noFill/>
-              </a:ln>
-              <a:solidFill>
-                <a:prstClr val="white"/>
-              </a:solidFill>
-              <a:effectLst/>
-              <a:uLnTx/>
-              <a:uFillTx/>
-              <a:latin typeface="맑은 고딕" panose="020B0503020000020004" pitchFamily="50" charset="-127"/>
-              <a:ea typeface="맑은 고딕" panose="020B0503020000020004" pitchFamily="50" charset="-127"/>
-              <a:cs typeface="+mn-cs"/>
-            </a:endParaRPr>
-          </a:p>
-        </p:txBody>
-      </p:sp>
       <p:pic>
         <p:nvPicPr>
           <p:cNvPr id="31" name="Picture 6">
@@ -30148,71 +29312,6 @@
           </a:ln>
         </p:spPr>
       </p:pic>
-      <p:sp>
-        <p:nvSpPr>
-          <p:cNvPr id="33" name="바닥글 개체 틀 10">
-            <a:extLst>
-              <a:ext uri="{FF2B5EF4-FFF2-40B4-BE49-F238E27FC236}">
-                <a16:creationId xmlns:a16="http://schemas.microsoft.com/office/drawing/2014/main" id="{86833BBE-6662-4272-B441-9E2EB3E0FF4D}"/>
-              </a:ext>
-            </a:extLst>
-          </p:cNvPr>
-          <p:cNvSpPr>
-            <a:spLocks noGrp="1"/>
-          </p:cNvSpPr>
-          <p:nvPr>
-            <p:ph type="ftr" sz="quarter" idx="11"/>
-          </p:nvPr>
-        </p:nvSpPr>
-        <p:spPr>
-          <a:xfrm>
-            <a:off x="3124200" y="6356350"/>
-            <a:ext cx="2895600" cy="365125"/>
-          </a:xfrm>
-        </p:spPr>
-        <p:txBody>
-          <a:bodyPr/>
-          <a:lstStyle/>
-          <a:p>
-            <a:pPr marL="0" marR="0" lvl="0" indent="0" algn="ctr" defTabSz="914400" rtl="0" eaLnBrk="1" fontAlgn="auto" latinLnBrk="1" hangingPunct="1">
-              <a:lnSpc>
-                <a:spcPct val="100000"/>
-              </a:lnSpc>
-              <a:spcBef>
-                <a:spcPts val="0"/>
-              </a:spcBef>
-              <a:spcAft>
-                <a:spcPts val="0"/>
-              </a:spcAft>
-              <a:buClrTx/>
-              <a:buSzTx/>
-              <a:buFontTx/>
-              <a:buNone/>
-              <a:tabLst/>
-              <a:defRPr/>
-            </a:pPr>
-            <a:r>
-              <a:rPr kumimoji="0" lang="ko-KR" altLang="en-US" sz="1200" b="0" i="0" u="none" strike="noStrike" kern="1200" cap="none" spc="0" normalizeH="0" baseline="0" noProof="0">
-                <a:ln>
-                  <a:noFill/>
-                </a:ln>
-                <a:solidFill>
-                  <a:prstClr val="black">
-                    <a:tint val="75000"/>
-                  </a:prstClr>
-                </a:solidFill>
-                <a:effectLst/>
-                <a:uLnTx/>
-                <a:uFillTx/>
-                <a:latin typeface="맑은 고딕"/>
-                <a:ea typeface="맑은 고딕" panose="020B0503020000020004" pitchFamily="50" charset="-127"/>
-                <a:cs typeface="+mn-cs"/>
-              </a:rPr>
-              <a:t>한이음 ▶ 프로그램 설계서</a:t>
-            </a:r>
-          </a:p>
-        </p:txBody>
-      </p:sp>
       <p:pic>
         <p:nvPicPr>
           <p:cNvPr id="35" name="그림 34">
@@ -30240,7 +29339,7 @@
         </p:blipFill>
         <p:spPr>
           <a:xfrm>
-            <a:off x="668369" y="2109177"/>
+            <a:off x="642996" y="1918130"/>
             <a:ext cx="7248662" cy="4247173"/>
           </a:xfrm>
           <a:prstGeom prst="rect">
@@ -30262,8 +29361,8 @@
         </p:nvSpPr>
         <p:spPr>
           <a:xfrm>
-            <a:off x="323528" y="1175040"/>
-            <a:ext cx="7593503" cy="646331"/>
+            <a:off x="323528" y="1353064"/>
+            <a:ext cx="7887599" cy="307777"/>
           </a:xfrm>
           <a:prstGeom prst="rect">
             <a:avLst/>
@@ -30294,7 +29393,7 @@
               <a:defRPr/>
             </a:pPr>
             <a:r>
-              <a:rPr kumimoji="0" lang="ko-KR" altLang="en-US" sz="1800" b="0" i="0" u="none" strike="noStrike" kern="1200" cap="none" spc="0" normalizeH="0" baseline="0" noProof="0" dirty="0">
+              <a:rPr kumimoji="0" lang="ko-KR" altLang="en-US" sz="1400" b="0" i="0" u="none" strike="noStrike" kern="1200" cap="none" spc="0" normalizeH="0" baseline="0" noProof="0" dirty="0">
                 <a:ln>
                   <a:noFill/>
                 </a:ln>
@@ -30311,7 +29410,7 @@
               <a:t>신청한 공공데이터 포털의 </a:t>
             </a:r>
             <a:r>
-              <a:rPr kumimoji="0" lang="en-US" altLang="ko-KR" sz="1800" b="0" i="0" u="none" strike="noStrike" kern="1200" cap="none" spc="0" normalizeH="0" baseline="0" noProof="0" dirty="0">
+              <a:rPr kumimoji="0" lang="en-US" altLang="ko-KR" sz="1400" b="0" i="0" u="none" strike="noStrike" kern="1200" cap="none" spc="0" normalizeH="0" baseline="0" noProof="0" dirty="0">
                 <a:ln>
                   <a:noFill/>
                 </a:ln>
@@ -30328,7 +29427,7 @@
               <a:t>xml </a:t>
             </a:r>
             <a:r>
-              <a:rPr kumimoji="0" lang="ko-KR" altLang="en-US" sz="1800" b="0" i="0" u="none" strike="noStrike" kern="1200" cap="none" spc="0" normalizeH="0" baseline="0" noProof="0" dirty="0">
+              <a:rPr kumimoji="0" lang="ko-KR" altLang="en-US" sz="1400" b="0" i="0" u="none" strike="noStrike" kern="1200" cap="none" spc="0" normalizeH="0" baseline="0" noProof="0" dirty="0">
                 <a:ln>
                   <a:noFill/>
                 </a:ln>
@@ -30345,7 +29444,7 @@
               <a:t>파일을 </a:t>
             </a:r>
             <a:r>
-              <a:rPr kumimoji="0" lang="en-US" altLang="ko-KR" sz="1800" b="0" i="0" u="none" strike="noStrike" kern="1200" cap="none" spc="0" normalizeH="0" baseline="0" noProof="0" dirty="0">
+              <a:rPr kumimoji="0" lang="en-US" altLang="ko-KR" sz="1400" b="0" i="0" u="none" strike="noStrike" kern="1200" cap="none" spc="0" normalizeH="0" baseline="0" noProof="0" dirty="0">
                 <a:ln>
                   <a:noFill/>
                 </a:ln>
@@ -30359,10 +29458,10 @@
                 <a:ea typeface="맑은 고딕" panose="020B0503020000020004" pitchFamily="50" charset="-127"/>
                 <a:cs typeface="+mn-cs"/>
               </a:rPr>
-              <a:t>Android studio </a:t>
-            </a:r>
-            <a:r>
-              <a:rPr kumimoji="0" lang="ko-KR" altLang="en-US" sz="1800" b="0" i="0" u="none" strike="noStrike" kern="1200" cap="none" spc="0" normalizeH="0" baseline="0" noProof="0" dirty="0">
+              <a:t>Android studio</a:t>
+            </a:r>
+            <a:r>
+              <a:rPr kumimoji="0" lang="ko-KR" altLang="en-US" sz="1400" b="0" i="0" u="none" strike="noStrike" kern="1200" cap="none" spc="0" normalizeH="0" baseline="0" noProof="0" dirty="0">
                 <a:ln>
                   <a:noFill/>
                 </a:ln>
@@ -30379,7 +29478,7 @@
               <a:t>에서 사용하기위해 </a:t>
             </a:r>
             <a:r>
-              <a:rPr kumimoji="0" lang="en-US" altLang="ko-KR" sz="1800" b="0" i="0" u="none" strike="noStrike" kern="1200" cap="none" spc="0" normalizeH="0" baseline="0" noProof="0" dirty="0">
+              <a:rPr kumimoji="0" lang="en-US" altLang="ko-KR" sz="1400" b="0" i="0" u="none" strike="noStrike" kern="1200" cap="none" spc="0" normalizeH="0" baseline="0" noProof="0" dirty="0">
                 <a:ln>
                   <a:noFill/>
                 </a:ln>
@@ -30396,7 +29495,7 @@
               <a:t>Parsing </a:t>
             </a:r>
             <a:r>
-              <a:rPr kumimoji="0" lang="ko-KR" altLang="en-US" sz="1800" b="0" i="0" u="none" strike="noStrike" kern="1200" cap="none" spc="0" normalizeH="0" baseline="0" noProof="0" dirty="0">
+              <a:rPr kumimoji="0" lang="ko-KR" altLang="en-US" sz="1400" b="0" i="0" u="none" strike="noStrike" kern="1200" cap="none" spc="0" normalizeH="0" baseline="0" noProof="0" dirty="0">
                 <a:ln>
                   <a:noFill/>
                 </a:ln>
@@ -30412,6 +29511,171 @@
               </a:rPr>
               <a:t>하는 메인 코드</a:t>
             </a:r>
+          </a:p>
+        </p:txBody>
+      </p:sp>
+      <p:sp>
+        <p:nvSpPr>
+          <p:cNvPr id="11" name="제목 12">
+            <a:extLst>
+              <a:ext uri="{FF2B5EF4-FFF2-40B4-BE49-F238E27FC236}">
+                <a16:creationId xmlns:a16="http://schemas.microsoft.com/office/drawing/2014/main" id="{B4A83714-6CAF-4688-9E32-3A5BAAEAA670}"/>
+              </a:ext>
+            </a:extLst>
+          </p:cNvPr>
+          <p:cNvSpPr txBox="1">
+            <a:spLocks/>
+          </p:cNvSpPr>
+          <p:nvPr/>
+        </p:nvSpPr>
+        <p:spPr>
+          <a:xfrm>
+            <a:off x="323528" y="692697"/>
+            <a:ext cx="2952328" cy="272474"/>
+          </a:xfrm>
+          <a:prstGeom prst="rect">
+            <a:avLst/>
+          </a:prstGeom>
+        </p:spPr>
+        <p:txBody>
+          <a:bodyPr vert="horz" lIns="91440" tIns="45720" rIns="91440" bIns="45720" rtlCol="0" anchor="t">
+            <a:noAutofit/>
+          </a:bodyPr>
+          <a:lstStyle/>
+          <a:p>
+            <a:pPr marL="0" marR="0" lvl="0" indent="0" algn="l" defTabSz="914400" rtl="0" eaLnBrk="1" fontAlgn="auto" latinLnBrk="1" hangingPunct="1">
+              <a:lnSpc>
+                <a:spcPct val="100000"/>
+              </a:lnSpc>
+              <a:spcBef>
+                <a:spcPct val="0"/>
+              </a:spcBef>
+              <a:spcAft>
+                <a:spcPts val="0"/>
+              </a:spcAft>
+              <a:buClrTx/>
+              <a:buSzTx/>
+              <a:buFontTx/>
+              <a:buNone/>
+              <a:tabLst/>
+              <a:defRPr/>
+            </a:pPr>
+            <a:r>
+              <a:rPr kumimoji="0" lang="en-US" altLang="ko-KR" sz="1700" b="1" i="0" u="none" strike="noStrike" kern="1200" cap="none" spc="0" normalizeH="0" baseline="0" noProof="0" dirty="0">
+                <a:ln>
+                  <a:noFill/>
+                </a:ln>
+                <a:solidFill>
+                  <a:prstClr val="white"/>
+                </a:solidFill>
+                <a:effectLst/>
+                <a:uLnTx/>
+                <a:uFillTx/>
+                <a:latin typeface="맑은 고딕" panose="020B0503020000020004" pitchFamily="50" charset="-127"/>
+                <a:ea typeface="맑은 고딕" panose="020B0503020000020004" pitchFamily="50" charset="-127"/>
+                <a:cs typeface="+mn-cs"/>
+              </a:rPr>
+              <a:t>| </a:t>
+            </a:r>
+            <a:r>
+              <a:rPr kumimoji="0" lang="ko-KR" altLang="en-US" sz="1700" b="1" i="0" u="none" strike="noStrike" kern="1200" cap="none" spc="0" normalizeH="0" baseline="0" noProof="0" dirty="0" err="1">
+                <a:ln>
+                  <a:noFill/>
+                </a:ln>
+                <a:solidFill>
+                  <a:prstClr val="white"/>
+                </a:solidFill>
+                <a:effectLst/>
+                <a:uLnTx/>
+                <a:uFillTx/>
+                <a:latin typeface="맑은 고딕" panose="020B0503020000020004" pitchFamily="50" charset="-127"/>
+                <a:ea typeface="맑은 고딕" panose="020B0503020000020004" pitchFamily="50" charset="-127"/>
+                <a:cs typeface="+mn-cs"/>
+              </a:rPr>
+              <a:t>핵심소스코드</a:t>
+            </a:r>
+            <a:r>
+              <a:rPr kumimoji="0" lang="en-US" altLang="ko-KR" sz="1700" b="1" i="0" u="none" strike="noStrike" kern="1200" cap="none" spc="0" normalizeH="0" baseline="0" noProof="0" dirty="0">
+                <a:ln>
+                  <a:noFill/>
+                </a:ln>
+                <a:solidFill>
+                  <a:prstClr val="white"/>
+                </a:solidFill>
+                <a:effectLst/>
+                <a:uLnTx/>
+                <a:uFillTx/>
+                <a:latin typeface="맑은 고딕" panose="020B0503020000020004" pitchFamily="50" charset="-127"/>
+                <a:ea typeface="맑은 고딕" panose="020B0503020000020004" pitchFamily="50" charset="-127"/>
+                <a:cs typeface="+mn-cs"/>
+              </a:rPr>
+              <a:t>(open</a:t>
+            </a:r>
+            <a:r>
+              <a:rPr kumimoji="0" lang="ko-KR" altLang="en-US" sz="1700" b="1" i="0" u="none" strike="noStrike" kern="1200" cap="none" spc="0" normalizeH="0" baseline="0" noProof="0" dirty="0">
+                <a:ln>
+                  <a:noFill/>
+                </a:ln>
+                <a:solidFill>
+                  <a:prstClr val="white"/>
+                </a:solidFill>
+                <a:effectLst/>
+                <a:uLnTx/>
+                <a:uFillTx/>
+                <a:latin typeface="맑은 고딕" panose="020B0503020000020004" pitchFamily="50" charset="-127"/>
+                <a:ea typeface="맑은 고딕" panose="020B0503020000020004" pitchFamily="50" charset="-127"/>
+                <a:cs typeface="+mn-cs"/>
+              </a:rPr>
+              <a:t> </a:t>
+            </a:r>
+            <a:r>
+              <a:rPr kumimoji="0" lang="en-US" altLang="ko-KR" sz="1700" b="1" i="0" u="none" strike="noStrike" kern="1200" cap="none" spc="0" normalizeH="0" baseline="0" noProof="0" dirty="0" err="1">
+                <a:ln>
+                  <a:noFill/>
+                </a:ln>
+                <a:solidFill>
+                  <a:prstClr val="white"/>
+                </a:solidFill>
+                <a:effectLst/>
+                <a:uLnTx/>
+                <a:uFillTx/>
+                <a:latin typeface="맑은 고딕" panose="020B0503020000020004" pitchFamily="50" charset="-127"/>
+                <a:ea typeface="맑은 고딕" panose="020B0503020000020004" pitchFamily="50" charset="-127"/>
+                <a:cs typeface="+mn-cs"/>
+              </a:rPr>
+              <a:t>api</a:t>
+            </a:r>
+            <a:r>
+              <a:rPr kumimoji="0" lang="en-US" altLang="ko-KR" sz="1700" b="1" i="0" u="none" strike="noStrike" kern="1200" cap="none" spc="0" normalizeH="0" baseline="0" noProof="0" dirty="0">
+                <a:ln>
+                  <a:noFill/>
+                </a:ln>
+                <a:solidFill>
+                  <a:prstClr val="white"/>
+                </a:solidFill>
+                <a:effectLst/>
+                <a:uLnTx/>
+                <a:uFillTx/>
+                <a:latin typeface="맑은 고딕" panose="020B0503020000020004" pitchFamily="50" charset="-127"/>
+                <a:ea typeface="맑은 고딕" panose="020B0503020000020004" pitchFamily="50" charset="-127"/>
+                <a:cs typeface="+mn-cs"/>
+              </a:rPr>
+              <a:t>)(3)</a:t>
+            </a:r>
+            <a:endParaRPr kumimoji="0" lang="ko-KR" altLang="en-US" sz="1700" b="0" i="0" u="none" strike="noStrike" kern="1200" cap="none" spc="-50" normalizeH="0" baseline="0" noProof="0" dirty="0">
+              <a:ln>
+                <a:noFill/>
+              </a:ln>
+              <a:solidFill>
+                <a:prstClr val="white"/>
+              </a:solidFill>
+              <a:effectLst/>
+              <a:uLnTx/>
+              <a:uFillTx/>
+              <a:latin typeface="맑은 고딕" panose="020B0503020000020004" pitchFamily="50" charset="-127"/>
+              <a:ea typeface="맑은 고딕" panose="020B0503020000020004" pitchFamily="50" charset="-127"/>
+              <a:cs typeface="+mn-cs"/>
+            </a:endParaRPr>
           </a:p>
         </p:txBody>
       </p:sp>
@@ -30419,6 +29683,413 @@
     <p:extLst>
       <p:ext uri="{BB962C8B-B14F-4D97-AF65-F5344CB8AC3E}">
         <p14:creationId xmlns:p14="http://schemas.microsoft.com/office/powerpoint/2010/main" val="343049837"/>
+      </p:ext>
+    </p:extLst>
+  </p:cSld>
+  <p:clrMapOvr>
+    <a:masterClrMapping/>
+  </p:clrMapOvr>
+</p:sld>
+</file>
+
+<file path=ppt/slides/slide23.xml><?xml version="1.0" encoding="utf-8"?>
+<p:sld xmlns:a="http://schemas.openxmlformats.org/drawingml/2006/main" xmlns:r="http://schemas.openxmlformats.org/officeDocument/2006/relationships" xmlns:p="http://schemas.openxmlformats.org/presentationml/2006/main">
+  <p:cSld>
+    <p:spTree>
+      <p:nvGrpSpPr>
+        <p:cNvPr id="1" name=""/>
+        <p:cNvGrpSpPr/>
+        <p:nvPr/>
+      </p:nvGrpSpPr>
+      <p:grpSpPr>
+        <a:xfrm>
+          <a:off x="0" y="0"/>
+          <a:ext cx="0" cy="0"/>
+          <a:chOff x="0" y="0"/>
+          <a:chExt cx="0" cy="0"/>
+        </a:xfrm>
+      </p:grpSpPr>
+      <p:sp>
+        <p:nvSpPr>
+          <p:cNvPr id="30" name="직사각형 29">
+            <a:extLst>
+              <a:ext uri="{FF2B5EF4-FFF2-40B4-BE49-F238E27FC236}">
+                <a16:creationId xmlns:a16="http://schemas.microsoft.com/office/drawing/2014/main" id="{DAB3DC14-37DC-42D7-91B5-213AED6C214C}"/>
+              </a:ext>
+            </a:extLst>
+          </p:cNvPr>
+          <p:cNvSpPr/>
+          <p:nvPr/>
+        </p:nvSpPr>
+        <p:spPr>
+          <a:xfrm>
+            <a:off x="107504" y="0"/>
+            <a:ext cx="3096344" cy="1124744"/>
+          </a:xfrm>
+          <a:prstGeom prst="rect">
+            <a:avLst/>
+          </a:prstGeom>
+          <a:solidFill>
+            <a:srgbClr val="3B5AA8"/>
+          </a:solidFill>
+          <a:ln>
+            <a:noFill/>
+          </a:ln>
+        </p:spPr>
+        <p:style>
+          <a:lnRef idx="2">
+            <a:schemeClr val="accent1">
+              <a:shade val="50000"/>
+            </a:schemeClr>
+          </a:lnRef>
+          <a:fillRef idx="1">
+            <a:schemeClr val="accent1"/>
+          </a:fillRef>
+          <a:effectRef idx="0">
+            <a:schemeClr val="accent1"/>
+          </a:effectRef>
+          <a:fontRef idx="minor">
+            <a:schemeClr val="lt1"/>
+          </a:fontRef>
+        </p:style>
+        <p:txBody>
+          <a:bodyPr rtlCol="0" anchor="ctr"/>
+          <a:lstStyle/>
+          <a:p>
+            <a:pPr marL="0" marR="0" lvl="0" indent="0" algn="ctr" defTabSz="914400" rtl="0" eaLnBrk="1" fontAlgn="auto" latinLnBrk="1" hangingPunct="1">
+              <a:lnSpc>
+                <a:spcPct val="100000"/>
+              </a:lnSpc>
+              <a:spcBef>
+                <a:spcPts val="0"/>
+              </a:spcBef>
+              <a:spcAft>
+                <a:spcPts val="0"/>
+              </a:spcAft>
+              <a:buClrTx/>
+              <a:buSzTx/>
+              <a:buFontTx/>
+              <a:buNone/>
+              <a:tabLst/>
+              <a:defRPr/>
+            </a:pPr>
+            <a:endParaRPr kumimoji="0" lang="ko-KR" altLang="en-US" sz="1800" b="0" i="0" u="none" strike="noStrike" kern="1200" cap="none" spc="0" normalizeH="0" baseline="0" noProof="0">
+              <a:ln>
+                <a:noFill/>
+              </a:ln>
+              <a:solidFill>
+                <a:prstClr val="white"/>
+              </a:solidFill>
+              <a:effectLst/>
+              <a:uLnTx/>
+              <a:uFillTx/>
+              <a:latin typeface="맑은 고딕"/>
+              <a:ea typeface="맑은 고딕" panose="020B0503020000020004" pitchFamily="50" charset="-127"/>
+              <a:cs typeface="+mn-cs"/>
+            </a:endParaRPr>
+          </a:p>
+        </p:txBody>
+      </p:sp>
+      <p:cxnSp>
+        <p:nvCxnSpPr>
+          <p:cNvPr id="31" name="직선 연결선 30">
+            <a:extLst>
+              <a:ext uri="{FF2B5EF4-FFF2-40B4-BE49-F238E27FC236}">
+                <a16:creationId xmlns:a16="http://schemas.microsoft.com/office/drawing/2014/main" id="{73437C0B-6788-4A14-AA92-1C8740DB47AE}"/>
+              </a:ext>
+            </a:extLst>
+          </p:cNvPr>
+          <p:cNvCxnSpPr/>
+          <p:nvPr/>
+        </p:nvCxnSpPr>
+        <p:spPr>
+          <a:xfrm>
+            <a:off x="424356" y="541195"/>
+            <a:ext cx="2591728" cy="0"/>
+          </a:xfrm>
+          <a:prstGeom prst="line">
+            <a:avLst/>
+          </a:prstGeom>
+          <a:ln w="28575">
+            <a:solidFill>
+              <a:schemeClr val="bg1">
+                <a:lumMod val="95000"/>
+              </a:schemeClr>
+            </a:solidFill>
+          </a:ln>
+        </p:spPr>
+        <p:style>
+          <a:lnRef idx="1">
+            <a:schemeClr val="accent1"/>
+          </a:lnRef>
+          <a:fillRef idx="0">
+            <a:schemeClr val="accent1"/>
+          </a:fillRef>
+          <a:effectRef idx="0">
+            <a:schemeClr val="accent1"/>
+          </a:effectRef>
+          <a:fontRef idx="minor">
+            <a:schemeClr val="tx1"/>
+          </a:fontRef>
+        </p:style>
+      </p:cxnSp>
+      <p:cxnSp>
+        <p:nvCxnSpPr>
+          <p:cNvPr id="32" name="직선 연결선 31">
+            <a:extLst>
+              <a:ext uri="{FF2B5EF4-FFF2-40B4-BE49-F238E27FC236}">
+                <a16:creationId xmlns:a16="http://schemas.microsoft.com/office/drawing/2014/main" id="{C8D70542-86F0-4987-829F-BD17418C2675}"/>
+              </a:ext>
+            </a:extLst>
+          </p:cNvPr>
+          <p:cNvCxnSpPr/>
+          <p:nvPr/>
+        </p:nvCxnSpPr>
+        <p:spPr>
+          <a:xfrm>
+            <a:off x="3275856" y="548680"/>
+            <a:ext cx="5328592" cy="0"/>
+          </a:xfrm>
+          <a:prstGeom prst="line">
+            <a:avLst/>
+          </a:prstGeom>
+          <a:ln w="28575">
+            <a:solidFill>
+              <a:srgbClr val="3B5AA8"/>
+            </a:solidFill>
+          </a:ln>
+        </p:spPr>
+        <p:style>
+          <a:lnRef idx="1">
+            <a:schemeClr val="accent4"/>
+          </a:lnRef>
+          <a:fillRef idx="0">
+            <a:schemeClr val="accent4"/>
+          </a:fillRef>
+          <a:effectRef idx="0">
+            <a:schemeClr val="accent4"/>
+          </a:effectRef>
+          <a:fontRef idx="minor">
+            <a:schemeClr val="tx1"/>
+          </a:fontRef>
+        </p:style>
+      </p:cxnSp>
+      <p:sp>
+        <p:nvSpPr>
+          <p:cNvPr id="33" name="제목 12">
+            <a:extLst>
+              <a:ext uri="{FF2B5EF4-FFF2-40B4-BE49-F238E27FC236}">
+                <a16:creationId xmlns:a16="http://schemas.microsoft.com/office/drawing/2014/main" id="{7B7F16A0-DE67-46D7-AB49-9B59BEB770AD}"/>
+              </a:ext>
+            </a:extLst>
+          </p:cNvPr>
+          <p:cNvSpPr txBox="1">
+            <a:spLocks/>
+          </p:cNvSpPr>
+          <p:nvPr/>
+        </p:nvSpPr>
+        <p:spPr>
+          <a:xfrm>
+            <a:off x="323528" y="692696"/>
+            <a:ext cx="3791272" cy="332649"/>
+          </a:xfrm>
+          <a:prstGeom prst="rect">
+            <a:avLst/>
+          </a:prstGeom>
+        </p:spPr>
+        <p:txBody>
+          <a:bodyPr vert="horz" lIns="91440" tIns="45720" rIns="91440" bIns="45720" rtlCol="0" anchor="t">
+            <a:noAutofit/>
+          </a:bodyPr>
+          <a:lstStyle/>
+          <a:p>
+            <a:pPr marL="0" marR="0" lvl="0" indent="0" algn="l" defTabSz="914400" rtl="0" eaLnBrk="1" fontAlgn="auto" latinLnBrk="1" hangingPunct="1">
+              <a:lnSpc>
+                <a:spcPct val="100000"/>
+              </a:lnSpc>
+              <a:spcBef>
+                <a:spcPct val="0"/>
+              </a:spcBef>
+              <a:spcAft>
+                <a:spcPts val="0"/>
+              </a:spcAft>
+              <a:buClrTx/>
+              <a:buSzTx/>
+              <a:buFontTx/>
+              <a:buNone/>
+              <a:tabLst/>
+              <a:defRPr/>
+            </a:pPr>
+            <a:r>
+              <a:rPr kumimoji="0" lang="en-US" altLang="ko-KR" sz="1700" b="1" i="0" u="none" strike="noStrike" kern="1200" cap="none" spc="0" normalizeH="0" baseline="0" noProof="0" dirty="0">
+                <a:ln>
+                  <a:noFill/>
+                </a:ln>
+                <a:solidFill>
+                  <a:prstClr val="white"/>
+                </a:solidFill>
+                <a:effectLst/>
+                <a:uLnTx/>
+                <a:uFillTx/>
+                <a:latin typeface="맑은 고딕" panose="020B0503020000020004" pitchFamily="50" charset="-127"/>
+                <a:ea typeface="맑은 고딕" panose="020B0503020000020004" pitchFamily="50" charset="-127"/>
+                <a:cs typeface="+mn-cs"/>
+              </a:rPr>
+              <a:t>| </a:t>
+            </a:r>
+            <a:r>
+              <a:rPr kumimoji="0" lang="ko-KR" altLang="en-US" sz="1700" b="1" i="0" u="none" strike="noStrike" kern="1200" cap="none" spc="0" normalizeH="0" baseline="0" noProof="0" dirty="0" err="1">
+                <a:ln>
+                  <a:noFill/>
+                </a:ln>
+                <a:solidFill>
+                  <a:prstClr val="white"/>
+                </a:solidFill>
+                <a:effectLst/>
+                <a:uLnTx/>
+                <a:uFillTx/>
+                <a:latin typeface="맑은 고딕" panose="020B0503020000020004" pitchFamily="50" charset="-127"/>
+                <a:ea typeface="맑은 고딕" panose="020B0503020000020004" pitchFamily="50" charset="-127"/>
+                <a:cs typeface="+mn-cs"/>
+              </a:rPr>
+              <a:t>핵심소스코드</a:t>
+            </a:r>
+            <a:r>
+              <a:rPr kumimoji="0" lang="en-US" altLang="ko-KR" sz="1700" b="1" i="0" u="none" strike="noStrike" kern="1200" cap="none" spc="0" normalizeH="0" baseline="0" noProof="0" dirty="0">
+                <a:ln>
+                  <a:noFill/>
+                </a:ln>
+                <a:solidFill>
+                  <a:prstClr val="white"/>
+                </a:solidFill>
+                <a:effectLst/>
+                <a:uLnTx/>
+                <a:uFillTx/>
+                <a:latin typeface="맑은 고딕" panose="020B0503020000020004" pitchFamily="50" charset="-127"/>
+                <a:ea typeface="맑은 고딕" panose="020B0503020000020004" pitchFamily="50" charset="-127"/>
+                <a:cs typeface="+mn-cs"/>
+              </a:rPr>
+              <a:t>(App)(1)</a:t>
+            </a:r>
+            <a:endParaRPr kumimoji="0" lang="ko-KR" altLang="en-US" sz="1700" b="0" i="0" u="none" strike="noStrike" kern="1200" cap="none" spc="-50" normalizeH="0" baseline="0" noProof="0" dirty="0">
+              <a:ln>
+                <a:noFill/>
+              </a:ln>
+              <a:solidFill>
+                <a:prstClr val="white"/>
+              </a:solidFill>
+              <a:effectLst/>
+              <a:uLnTx/>
+              <a:uFillTx/>
+              <a:latin typeface="맑은 고딕" panose="020B0503020000020004" pitchFamily="50" charset="-127"/>
+              <a:ea typeface="맑은 고딕" panose="020B0503020000020004" pitchFamily="50" charset="-127"/>
+              <a:cs typeface="+mn-cs"/>
+            </a:endParaRPr>
+          </a:p>
+        </p:txBody>
+      </p:sp>
+      <p:pic>
+        <p:nvPicPr>
+          <p:cNvPr id="34" name="Picture 6">
+            <a:extLst>
+              <a:ext uri="{FF2B5EF4-FFF2-40B4-BE49-F238E27FC236}">
+                <a16:creationId xmlns:a16="http://schemas.microsoft.com/office/drawing/2014/main" id="{5A780C21-34A1-405C-B744-B5687E7D5062}"/>
+              </a:ext>
+            </a:extLst>
+          </p:cNvPr>
+          <p:cNvPicPr>
+            <a:picLocks noChangeAspect="1" noChangeArrowheads="1"/>
+          </p:cNvPicPr>
+          <p:nvPr/>
+        </p:nvPicPr>
+        <p:blipFill>
+          <a:blip r:embed="rId2" cstate="print">
+            <a:extLst>
+              <a:ext uri="{28A0092B-C50C-407E-A947-70E740481C1C}">
+                <a14:useLocalDpi xmlns:a14="http://schemas.microsoft.com/office/drawing/2010/main" val="0"/>
+              </a:ext>
+            </a:extLst>
+          </a:blip>
+          <a:srcRect/>
+          <a:stretch>
+            <a:fillRect/>
+          </a:stretch>
+        </p:blipFill>
+        <p:spPr bwMode="auto">
+          <a:xfrm>
+            <a:off x="8388424" y="78041"/>
+            <a:ext cx="677336" cy="398631"/>
+          </a:xfrm>
+          <a:prstGeom prst="rect">
+            <a:avLst/>
+          </a:prstGeom>
+          <a:noFill/>
+          <a:ln>
+            <a:noFill/>
+          </a:ln>
+          <a:extLst>
+            <a:ext uri="{909E8E84-426E-40DD-AFC4-6F175D3DCCD1}">
+              <a14:hiddenFill xmlns:a14="http://schemas.microsoft.com/office/drawing/2010/main">
+                <a:solidFill>
+                  <a:schemeClr val="accent1"/>
+                </a:solidFill>
+              </a14:hiddenFill>
+            </a:ext>
+            <a:ext uri="{91240B29-F687-4F45-9708-019B960494DF}">
+              <a14:hiddenLine xmlns:a14="http://schemas.microsoft.com/office/drawing/2010/main" w="9525">
+                <a:solidFill>
+                  <a:schemeClr val="tx1"/>
+                </a:solidFill>
+                <a:miter lim="800000"/>
+                <a:headEnd/>
+                <a:tailEnd/>
+              </a14:hiddenLine>
+            </a:ext>
+          </a:extLst>
+        </p:spPr>
+      </p:pic>
+      <p:pic>
+        <p:nvPicPr>
+          <p:cNvPr id="35" name="Picture 2">
+            <a:extLst>
+              <a:ext uri="{FF2B5EF4-FFF2-40B4-BE49-F238E27FC236}">
+                <a16:creationId xmlns:a16="http://schemas.microsoft.com/office/drawing/2014/main" id="{D0986A7D-8ACF-428C-8E71-3BB2434DC343}"/>
+              </a:ext>
+            </a:extLst>
+          </p:cNvPr>
+          <p:cNvPicPr>
+            <a:picLocks noChangeAspect="1" noChangeArrowheads="1"/>
+          </p:cNvPicPr>
+          <p:nvPr/>
+        </p:nvPicPr>
+        <p:blipFill>
+          <a:blip r:embed="rId3" cstate="print"/>
+          <a:srcRect/>
+          <a:stretch>
+            <a:fillRect/>
+          </a:stretch>
+        </p:blipFill>
+        <p:spPr bwMode="auto">
+          <a:xfrm>
+            <a:off x="8676456" y="476671"/>
+            <a:ext cx="454960" cy="158965"/>
+          </a:xfrm>
+          <a:prstGeom prst="rect">
+            <a:avLst/>
+          </a:prstGeom>
+          <a:noFill/>
+          <a:ln w="9525">
+            <a:noFill/>
+            <a:miter lim="800000"/>
+            <a:headEnd/>
+            <a:tailEnd/>
+          </a:ln>
+        </p:spPr>
+      </p:pic>
+    </p:spTree>
+    <p:extLst>
+      <p:ext uri="{BB962C8B-B14F-4D97-AF65-F5344CB8AC3E}">
+        <p14:creationId xmlns:p14="http://schemas.microsoft.com/office/powerpoint/2010/main" val="2391547034"/>
       </p:ext>
     </p:extLst>
   </p:cSld>
@@ -37935,42 +37606,48 @@
       </p:graphicFrame>
       <p:graphicFrame>
         <p:nvGraphicFramePr>
-          <p:cNvPr id="4" name="표 3"/>
+          <p:cNvPr id="11" name="표 10">
+            <a:extLst>
+              <a:ext uri="{FF2B5EF4-FFF2-40B4-BE49-F238E27FC236}">
+                <a16:creationId xmlns:a16="http://schemas.microsoft.com/office/drawing/2014/main" id="{7AC90CA3-72D1-4057-9FAF-C29E54C4E9C1}"/>
+              </a:ext>
+            </a:extLst>
+          </p:cNvPr>
           <p:cNvGraphicFramePr>
             <a:graphicFrameLocks noGrp="1"/>
           </p:cNvGraphicFramePr>
           <p:nvPr>
             <p:extLst>
               <p:ext uri="{D42A27DB-BD31-4B8C-83A1-F6EECF244321}">
-                <p14:modId xmlns:p14="http://schemas.microsoft.com/office/powerpoint/2010/main" val="581057527"/>
+                <p14:modId xmlns:p14="http://schemas.microsoft.com/office/powerpoint/2010/main" val="18371539"/>
               </p:ext>
             </p:extLst>
           </p:nvPr>
         </p:nvGraphicFramePr>
         <p:xfrm>
-          <a:off x="4521462" y="1268762"/>
-          <a:ext cx="4544298" cy="4176839"/>
+          <a:off x="4583456" y="1268762"/>
+          <a:ext cx="4320480" cy="4352854"/>
         </p:xfrm>
         <a:graphic>
           <a:graphicData uri="http://schemas.openxmlformats.org/drawingml/2006/table">
             <a:tbl>
               <a:tblPr/>
               <a:tblGrid>
-                <a:gridCol w="522605">
+                <a:gridCol w="432048">
                   <a:extLst>
                     <a:ext uri="{9D8B030D-6E8A-4147-A177-3AD203B41FA5}">
                       <a16:colId xmlns:a16="http://schemas.microsoft.com/office/drawing/2014/main" val="20000"/>
                     </a:ext>
                   </a:extLst>
                 </a:gridCol>
-                <a:gridCol w="1337524">
+                <a:gridCol w="1224136">
                   <a:extLst>
                     <a:ext uri="{9D8B030D-6E8A-4147-A177-3AD203B41FA5}">
                       <a16:colId xmlns:a16="http://schemas.microsoft.com/office/drawing/2014/main" val="20001"/>
                     </a:ext>
                   </a:extLst>
                 </a:gridCol>
-                <a:gridCol w="2684169">
+                <a:gridCol w="2664296">
                   <a:extLst>
                     <a:ext uri="{9D8B030D-6E8A-4147-A177-3AD203B41FA5}">
                       <a16:colId xmlns:a16="http://schemas.microsoft.com/office/drawing/2014/main" val="20002"/>
@@ -37978,7 +37655,7 @@
                   </a:extLst>
                 </a:gridCol>
               </a:tblGrid>
-              <a:tr h="213653">
+              <a:tr h="239919">
                 <a:tc>
                   <a:txBody>
                     <a:bodyPr/>
@@ -38001,19 +37678,14 @@
                             <a:srgbClr val="000000"/>
                           </a:solidFill>
                           <a:effectLst/>
-                          <a:ea typeface="맑은 고딕"/>
+                          <a:latin typeface="맑은 고딕" panose="020B0503020000020004" pitchFamily="50" charset="-127"/>
+                          <a:ea typeface="맑은 고딕" panose="020B0503020000020004" pitchFamily="50" charset="-127"/>
                         </a:rPr>
                         <a:t>구분</a:t>
                       </a:r>
-                      <a:endParaRPr lang="ko-KR" altLang="en-US" sz="900" b="1" kern="0" spc="0" dirty="0">
-                        <a:solidFill>
-                          <a:srgbClr val="000000"/>
-                        </a:solidFill>
-                        <a:effectLst/>
-                      </a:endParaRPr>
                     </a:p>
                   </a:txBody>
-                  <a:tcPr marL="30996" marR="30996" marT="8571" marB="8571" anchor="ctr">
+                  <a:tcPr marL="36000" marR="36000" marT="8571" marB="8571" anchor="ctr">
                     <a:lnL w="3556" cap="flat" cmpd="sng" algn="ctr">
                       <a:solidFill>
                         <a:srgbClr val="000000"/>
@@ -38080,19 +37752,14 @@
                             <a:srgbClr val="000000"/>
                           </a:solidFill>
                           <a:effectLst/>
-                          <a:ea typeface="맑은 고딕"/>
+                          <a:latin typeface="맑은 고딕" panose="020B0503020000020004" pitchFamily="50" charset="-127"/>
+                          <a:ea typeface="맑은 고딕" panose="020B0503020000020004" pitchFamily="50" charset="-127"/>
                         </a:rPr>
                         <a:t>기능</a:t>
                       </a:r>
-                      <a:endParaRPr lang="ko-KR" altLang="en-US" sz="900" b="1" kern="0" spc="0" dirty="0">
-                        <a:solidFill>
-                          <a:srgbClr val="000000"/>
-                        </a:solidFill>
-                        <a:effectLst/>
-                      </a:endParaRPr>
                     </a:p>
                   </a:txBody>
-                  <a:tcPr marL="30996" marR="30996" marT="8571" marB="8571" anchor="ctr">
+                  <a:tcPr marL="36000" marR="36000" marT="8571" marB="8571" anchor="ctr">
                     <a:lnL w="3556" cap="flat" cmpd="sng" algn="ctr">
                       <a:solidFill>
                         <a:srgbClr val="000000"/>
@@ -38159,19 +37826,14 @@
                             <a:srgbClr val="000000"/>
                           </a:solidFill>
                           <a:effectLst/>
-                          <a:ea typeface="맑은 고딕"/>
+                          <a:latin typeface="맑은 고딕" panose="020B0503020000020004" pitchFamily="50" charset="-127"/>
+                          <a:ea typeface="맑은 고딕" panose="020B0503020000020004" pitchFamily="50" charset="-127"/>
                         </a:rPr>
                         <a:t>설명</a:t>
                       </a:r>
-                      <a:endParaRPr lang="ko-KR" altLang="en-US" sz="900" b="1" kern="0" spc="0" dirty="0">
-                        <a:solidFill>
-                          <a:srgbClr val="000000"/>
-                        </a:solidFill>
-                        <a:effectLst/>
-                      </a:endParaRPr>
                     </a:p>
                   </a:txBody>
-                  <a:tcPr marL="30996" marR="30996" marT="8571" marB="8571" anchor="ctr">
+                  <a:tcPr marL="36000" marR="36000" marT="8571" marB="8571" anchor="ctr">
                     <a:lnL w="3556" cap="flat" cmpd="sng" algn="ctr">
                       <a:solidFill>
                         <a:srgbClr val="000000"/>
@@ -38222,27 +37884,55 @@
                   </a:ext>
                 </a:extLst>
               </a:tr>
-              <a:tr h="501859">
-                <a:tc rowSpan="6">
+              <a:tr h="494739">
+                <a:tc rowSpan="7">
                   <a:txBody>
                     <a:bodyPr/>
                     <a:lstStyle/>
                     <a:p>
-                      <a:pPr latinLnBrk="1"/>
+                      <a:pPr marL="0" marR="0" indent="0" algn="ctr" fontAlgn="base" latinLnBrk="0">
+                        <a:lnSpc>
+                          <a:spcPct val="160000"/>
+                        </a:lnSpc>
+                        <a:spcBef>
+                          <a:spcPts val="0"/>
+                        </a:spcBef>
+                        <a:spcAft>
+                          <a:spcPts val="0"/>
+                        </a:spcAft>
+                      </a:pPr>
                       <a:r>
-                        <a:rPr lang="en-US" altLang="ko-KR" sz="1100" dirty="0">
-                          <a:latin typeface="+mn-ea"/>
-                          <a:ea typeface="+mn-ea"/>
+                        <a:rPr lang="en-US" sz="900" kern="0" spc="0">
+                          <a:solidFill>
+                            <a:srgbClr val="000000"/>
+                          </a:solidFill>
+                          <a:effectLst/>
+                          <a:latin typeface="맑은 고딕" panose="020B0503020000020004" pitchFamily="50" charset="-127"/>
+                          <a:ea typeface="맑은 고딕" panose="020B0503020000020004" pitchFamily="50" charset="-127"/>
                         </a:rPr>
                         <a:t>S/W</a:t>
                       </a:r>
-                      <a:endParaRPr lang="ko-KR" altLang="en-US" sz="1100" dirty="0">
-                        <a:latin typeface="+mn-ea"/>
-                        <a:ea typeface="+mn-ea"/>
-                      </a:endParaRPr>
                     </a:p>
                   </a:txBody>
-                  <a:tcPr anchor="ctr">
+                  <a:tcPr marL="36000" marR="36000" marT="8571" marB="8571" anchor="ctr">
+                    <a:lnL w="3556" cap="flat" cmpd="sng" algn="ctr">
+                      <a:solidFill>
+                        <a:srgbClr val="000000"/>
+                      </a:solidFill>
+                      <a:prstDash val="solid"/>
+                      <a:round/>
+                      <a:headEnd type="none" w="med" len="med"/>
+                      <a:tailEnd type="none" w="med" len="med"/>
+                    </a:lnL>
+                    <a:lnR w="3556" cap="flat" cmpd="sng" algn="ctr">
+                      <a:solidFill>
+                        <a:srgbClr val="000000"/>
+                      </a:solidFill>
+                      <a:prstDash val="solid"/>
+                      <a:round/>
+                      <a:headEnd type="none" w="med" len="med"/>
+                      <a:tailEnd type="none" w="med" len="med"/>
+                    </a:lnR>
                     <a:lnT w="3556" cap="flat" cmpd="sng" algn="ctr">
                       <a:solidFill>
                         <a:srgbClr val="000000"/>
@@ -38252,6 +37942,15 @@
                       <a:headEnd type="none" w="med" len="med"/>
                       <a:tailEnd type="none" w="med" len="med"/>
                     </a:lnT>
+                    <a:lnB w="3556" cap="flat" cmpd="sng" algn="ctr">
+                      <a:solidFill>
+                        <a:srgbClr val="000000"/>
+                      </a:solidFill>
+                      <a:prstDash val="solid"/>
+                      <a:round/>
+                      <a:headEnd type="none" w="med" len="med"/>
+                      <a:tailEnd type="none" w="med" len="med"/>
+                    </a:lnB>
                   </a:tcPr>
                 </a:tc>
                 <a:tc>
@@ -38287,6 +37986,15 @@
                     </a:p>
                   </a:txBody>
                   <a:tcPr marL="36000" marR="36000" marT="8571" marB="8571" anchor="ctr">
+                    <a:lnL w="3556" cap="flat" cmpd="sng" algn="ctr">
+                      <a:solidFill>
+                        <a:srgbClr val="000000"/>
+                      </a:solidFill>
+                      <a:prstDash val="solid"/>
+                      <a:round/>
+                      <a:headEnd type="none" w="med" len="med"/>
+                      <a:tailEnd type="none" w="med" len="med"/>
+                    </a:lnL>
                     <a:lnR w="3556" cap="flat" cmpd="sng" algn="ctr">
                       <a:solidFill>
                         <a:srgbClr val="000000"/>
@@ -38410,30 +38118,17 @@
                   </a:ext>
                 </a:extLst>
               </a:tr>
-              <a:tr h="761955">
+              <a:tr h="494739">
                 <a:tc vMerge="1">
                   <a:txBody>
                     <a:bodyPr/>
                     <a:lstStyle/>
                     <a:p>
                       <a:pPr latinLnBrk="1"/>
-                      <a:endParaRPr lang="ko-KR" altLang="en-US" sz="1000" dirty="0">
-                        <a:latin typeface="+mn-ea"/>
-                        <a:ea typeface="+mn-ea"/>
-                      </a:endParaRPr>
+                      <a:endParaRPr lang="ko-KR" altLang="en-US"/>
                     </a:p>
                   </a:txBody>
-                  <a:tcPr>
-                    <a:lnT w="3556" cap="flat" cmpd="sng" algn="ctr">
-                      <a:solidFill>
-                        <a:srgbClr val="000000"/>
-                      </a:solidFill>
-                      <a:prstDash val="solid"/>
-                      <a:round/>
-                      <a:headEnd type="none" w="med" len="med"/>
-                      <a:tailEnd type="none" w="med" len="med"/>
-                    </a:lnT>
-                  </a:tcPr>
+                  <a:tcPr/>
                 </a:tc>
                 <a:tc>
                   <a:txBody>
@@ -38598,7 +38293,7 @@
                   </a:ext>
                 </a:extLst>
               </a:tr>
-              <a:tr h="1022051">
+              <a:tr h="494739">
                 <a:tc vMerge="1">
                   <a:txBody>
                     <a:bodyPr/>
@@ -38627,7 +38322,7 @@
                         </a:spcAft>
                       </a:pPr>
                       <a:r>
-                        <a:rPr lang="en-US" altLang="ko-KR" sz="1100" kern="0" spc="0" dirty="0">
+                        <a:rPr lang="en-US" altLang="ko-KR" sz="900" kern="0" spc="0" dirty="0">
                           <a:solidFill>
                             <a:srgbClr val="000000"/>
                           </a:solidFill>
@@ -38637,7 +38332,7 @@
                         </a:rPr>
                         <a:t>Server(DB)</a:t>
                       </a:r>
-                      <a:endParaRPr lang="ko-KR" altLang="en-US" sz="1100" kern="0" spc="0" dirty="0">
+                      <a:endParaRPr lang="ko-KR" altLang="en-US" sz="900" kern="0" spc="0" dirty="0">
                         <a:solidFill>
                           <a:srgbClr val="000000"/>
                         </a:solidFill>
@@ -38709,14 +38404,23 @@
                         <a:defRPr/>
                       </a:pPr>
                       <a:r>
-                        <a:rPr lang="ko-KR" altLang="en-US" sz="1100" dirty="0"/>
+                        <a:rPr lang="ko-KR" altLang="en-US" sz="900" dirty="0">
+                          <a:latin typeface="+mn-ea"/>
+                          <a:ea typeface="+mn-ea"/>
+                        </a:rPr>
                         <a:t>영상처리한 데이터를 서버를 통해 앱으로 전달한다</a:t>
                       </a:r>
                       <a:r>
-                        <a:rPr lang="en-US" altLang="ko-KR" sz="1100" dirty="0"/>
+                        <a:rPr lang="en-US" altLang="ko-KR" sz="900" dirty="0">
+                          <a:latin typeface="+mn-ea"/>
+                          <a:ea typeface="+mn-ea"/>
+                        </a:rPr>
                         <a:t>.</a:t>
                       </a:r>
-                      <a:endParaRPr lang="ko-KR" altLang="en-US" sz="1100" dirty="0"/>
+                      <a:endParaRPr lang="ko-KR" altLang="en-US" sz="900" dirty="0">
+                        <a:latin typeface="+mn-ea"/>
+                        <a:ea typeface="+mn-ea"/>
+                      </a:endParaRPr>
                     </a:p>
                   </a:txBody>
                   <a:tcPr marL="30996" marR="30996" marT="8571" marB="8571" anchor="ctr">
@@ -38764,7 +38468,7 @@
                   </a:ext>
                 </a:extLst>
               </a:tr>
-              <a:tr h="1022051">
+              <a:tr h="668821">
                 <a:tc vMerge="1">
                   <a:txBody>
                     <a:bodyPr/>
@@ -38792,17 +38496,20 @@
                           <a:spcPts val="0"/>
                         </a:spcAft>
                       </a:pPr>
-                      <a:endParaRPr lang="ko-KR" altLang="en-US" sz="1100" kern="0" spc="0" dirty="0">
-                        <a:solidFill>
-                          <a:srgbClr val="000000"/>
-                        </a:solidFill>
-                        <a:effectLst/>
-                        <a:latin typeface="+mn-ea"/>
-                        <a:ea typeface="+mn-ea"/>
-                      </a:endParaRPr>
+                      <a:r>
+                        <a:rPr lang="ko-KR" altLang="en-US" sz="900" kern="0" spc="0" dirty="0">
+                          <a:solidFill>
+                            <a:srgbClr val="000000"/>
+                          </a:solidFill>
+                          <a:effectLst/>
+                          <a:latin typeface="맑은 고딕" panose="020B0503020000020004" pitchFamily="50" charset="-127"/>
+                          <a:ea typeface="맑은 고딕" panose="020B0503020000020004" pitchFamily="50" charset="-127"/>
+                        </a:rPr>
+                        <a:t>현 위치 표시</a:t>
+                      </a:r>
                     </a:p>
                   </a:txBody>
-                  <a:tcPr marL="30996" marR="30996" marT="8571" marB="8571" anchor="ctr">
+                  <a:tcPr marL="36000" marR="36000" marT="8571" marB="8571" anchor="ctr">
                     <a:lnL w="3556" cap="flat" cmpd="sng" algn="ctr">
                       <a:solidFill>
                         <a:srgbClr val="000000"/>
@@ -38857,17 +38564,31 @@
                           <a:spcPts val="0"/>
                         </a:spcAft>
                       </a:pPr>
-                      <a:endParaRPr lang="ko-KR" altLang="en-US" sz="1100" kern="0" spc="0" dirty="0">
-                        <a:solidFill>
-                          <a:srgbClr val="000000"/>
-                        </a:solidFill>
-                        <a:effectLst/>
-                        <a:latin typeface="+mn-ea"/>
-                        <a:ea typeface="+mn-ea"/>
-                      </a:endParaRPr>
+                      <a:r>
+                        <a:rPr lang="en-US" altLang="ko-KR" sz="900" kern="0" spc="0" dirty="0">
+                          <a:solidFill>
+                            <a:srgbClr val="000000"/>
+                          </a:solidFill>
+                          <a:effectLst/>
+                          <a:latin typeface="맑은 고딕" panose="020B0503020000020004" pitchFamily="50" charset="-127"/>
+                          <a:ea typeface="맑은 고딕" panose="020B0503020000020004" pitchFamily="50" charset="-127"/>
+                        </a:rPr>
+                        <a:t>Google map SDK</a:t>
+                      </a:r>
+                      <a:r>
+                        <a:rPr lang="ko-KR" altLang="en-US" sz="900" kern="0" spc="0" dirty="0">
+                          <a:solidFill>
+                            <a:srgbClr val="000000"/>
+                          </a:solidFill>
+                          <a:effectLst/>
+                          <a:latin typeface="맑은 고딕" panose="020B0503020000020004" pitchFamily="50" charset="-127"/>
+                          <a:ea typeface="맑은 고딕" panose="020B0503020000020004" pitchFamily="50" charset="-127"/>
+                        </a:rPr>
+                        <a:t>를 사용하여 사용자의 현 위치 표시</a:t>
+                      </a:r>
                     </a:p>
                   </a:txBody>
-                  <a:tcPr marL="30996" marR="30996" marT="8571" marB="8571" anchor="ctr">
+                  <a:tcPr marL="36000" marR="36000" marT="8571" marB="8571" anchor="ctr">
                     <a:lnL w="3556" cap="flat" cmpd="sng" algn="ctr">
                       <a:solidFill>
                         <a:srgbClr val="000000"/>
@@ -38912,7 +38633,7 @@
                   </a:ext>
                 </a:extLst>
               </a:tr>
-              <a:tr h="354075">
+              <a:tr h="668821">
                 <a:tc vMerge="1">
                   <a:txBody>
                     <a:bodyPr/>
@@ -38940,17 +38661,39 @@
                           <a:spcPts val="0"/>
                         </a:spcAft>
                       </a:pPr>
-                      <a:endParaRPr lang="ko-KR" altLang="en-US" sz="1100" kern="0" spc="0" dirty="0">
+                      <a:r>
+                        <a:rPr lang="ko-KR" altLang="en-US" sz="900" kern="0" spc="0" dirty="0">
+                          <a:solidFill>
+                            <a:srgbClr val="000000"/>
+                          </a:solidFill>
+                          <a:effectLst/>
+                          <a:latin typeface="맑은 고딕" panose="020B0503020000020004" pitchFamily="50" charset="-127"/>
+                          <a:ea typeface="맑은 고딕" panose="020B0503020000020004" pitchFamily="50" charset="-127"/>
+                        </a:rPr>
+                        <a:t>대기인원 파악</a:t>
+                      </a:r>
+                      <a:r>
+                        <a:rPr lang="en-US" altLang="ko-KR" sz="900" kern="0" spc="0" dirty="0">
+                          <a:solidFill>
+                            <a:srgbClr val="000000"/>
+                          </a:solidFill>
+                          <a:effectLst/>
+                          <a:latin typeface="맑은 고딕" panose="020B0503020000020004" pitchFamily="50" charset="-127"/>
+                          <a:ea typeface="맑은 고딕" panose="020B0503020000020004" pitchFamily="50" charset="-127"/>
+                        </a:rPr>
+                        <a:t> 2</a:t>
+                      </a:r>
+                      <a:endParaRPr lang="ko-KR" altLang="en-US" sz="900" kern="0" spc="0" dirty="0">
                         <a:solidFill>
                           <a:srgbClr val="000000"/>
                         </a:solidFill>
                         <a:effectLst/>
-                        <a:latin typeface="+mn-ea"/>
-                        <a:ea typeface="+mn-ea"/>
+                        <a:latin typeface="맑은 고딕" panose="020B0503020000020004" pitchFamily="50" charset="-127"/>
+                        <a:ea typeface="맑은 고딕" panose="020B0503020000020004" pitchFamily="50" charset="-127"/>
                       </a:endParaRPr>
                     </a:p>
                   </a:txBody>
-                  <a:tcPr marL="30996" marR="30996" marT="8571" marB="8571" anchor="ctr">
+                  <a:tcPr marL="36000" marR="36000" marT="8571" marB="8571" anchor="ctr">
                     <a:lnL w="3556" cap="flat" cmpd="sng" algn="ctr">
                       <a:solidFill>
                         <a:srgbClr val="000000"/>
@@ -39005,17 +38748,127 @@
                           <a:spcPts val="0"/>
                         </a:spcAft>
                       </a:pPr>
-                      <a:endParaRPr lang="ko-KR" altLang="en-US" sz="1100" kern="0" spc="0" dirty="0">
+                      <a:r>
+                        <a:rPr lang="ko-KR" altLang="en-US" sz="900" kern="0" spc="0" dirty="0">
+                          <a:solidFill>
+                            <a:srgbClr val="000000"/>
+                          </a:solidFill>
+                          <a:effectLst/>
+                          <a:latin typeface="맑은 고딕" panose="020B0503020000020004" pitchFamily="50" charset="-127"/>
+                          <a:ea typeface="맑은 고딕" panose="020B0503020000020004" pitchFamily="50" charset="-127"/>
+                        </a:rPr>
+                        <a:t>측정되는 사람의 들어오는 위치와</a:t>
+                      </a:r>
+                      <a:r>
+                        <a:rPr lang="en-US" altLang="ko-KR" sz="900" kern="0" spc="0" dirty="0">
+                          <a:solidFill>
+                            <a:srgbClr val="000000"/>
+                          </a:solidFill>
+                          <a:effectLst/>
+                          <a:latin typeface="맑은 고딕" panose="020B0503020000020004" pitchFamily="50" charset="-127"/>
+                          <a:ea typeface="맑은 고딕" panose="020B0503020000020004" pitchFamily="50" charset="-127"/>
+                        </a:rPr>
+                        <a:t>, </a:t>
+                      </a:r>
+                      <a:r>
+                        <a:rPr lang="ko-KR" altLang="en-US" sz="900" kern="0" spc="0" dirty="0">
+                          <a:solidFill>
+                            <a:srgbClr val="000000"/>
+                          </a:solidFill>
+                          <a:effectLst/>
+                          <a:latin typeface="맑은 고딕" panose="020B0503020000020004" pitchFamily="50" charset="-127"/>
+                          <a:ea typeface="맑은 고딕" panose="020B0503020000020004" pitchFamily="50" charset="-127"/>
+                        </a:rPr>
+                        <a:t>지나가는 위치를 알아내</a:t>
+                      </a:r>
+                      <a:r>
+                        <a:rPr lang="en-US" altLang="ko-KR" sz="900" kern="0" spc="0" dirty="0">
+                          <a:solidFill>
+                            <a:srgbClr val="000000"/>
+                          </a:solidFill>
+                          <a:effectLst/>
+                          <a:latin typeface="맑은 고딕" panose="020B0503020000020004" pitchFamily="50" charset="-127"/>
+                          <a:ea typeface="맑은 고딕" panose="020B0503020000020004" pitchFamily="50" charset="-127"/>
+                        </a:rPr>
+                        <a:t>, </a:t>
+                      </a:r>
+                      <a:r>
+                        <a:rPr lang="ko-KR" altLang="en-US" sz="900" kern="0" spc="0" dirty="0">
+                          <a:solidFill>
+                            <a:srgbClr val="000000"/>
+                          </a:solidFill>
+                          <a:effectLst/>
+                          <a:latin typeface="맑은 고딕" panose="020B0503020000020004" pitchFamily="50" charset="-127"/>
+                          <a:ea typeface="맑은 고딕" panose="020B0503020000020004" pitchFamily="50" charset="-127"/>
+                        </a:rPr>
+                        <a:t>가상의 출입구를 형성</a:t>
+                      </a:r>
+                      <a:r>
+                        <a:rPr lang="en-US" altLang="ko-KR" sz="900" kern="0" spc="0" dirty="0">
+                          <a:solidFill>
+                            <a:srgbClr val="000000"/>
+                          </a:solidFill>
+                          <a:effectLst/>
+                          <a:latin typeface="맑은 고딕" panose="020B0503020000020004" pitchFamily="50" charset="-127"/>
+                          <a:ea typeface="맑은 고딕" panose="020B0503020000020004" pitchFamily="50" charset="-127"/>
+                        </a:rPr>
+                        <a:t>, </a:t>
+                      </a:r>
+                      <a:r>
+                        <a:rPr lang="ko-KR" altLang="en-US" sz="900" kern="0" spc="0" dirty="0">
+                          <a:solidFill>
+                            <a:srgbClr val="000000"/>
+                          </a:solidFill>
+                          <a:effectLst/>
+                          <a:latin typeface="맑은 고딕" panose="020B0503020000020004" pitchFamily="50" charset="-127"/>
+                          <a:ea typeface="맑은 고딕" panose="020B0503020000020004" pitchFamily="50" charset="-127"/>
+                        </a:rPr>
+                        <a:t>이를 지나면 카운트를 실시하여</a:t>
+                      </a:r>
+                      <a:r>
+                        <a:rPr lang="en-US" altLang="ko-KR" sz="900" kern="0" spc="0" dirty="0">
+                          <a:solidFill>
+                            <a:srgbClr val="000000"/>
+                          </a:solidFill>
+                          <a:effectLst/>
+                          <a:latin typeface="맑은 고딕" panose="020B0503020000020004" pitchFamily="50" charset="-127"/>
+                          <a:ea typeface="맑은 고딕" panose="020B0503020000020004" pitchFamily="50" charset="-127"/>
+                        </a:rPr>
+                        <a:t>, </a:t>
+                      </a:r>
+                      <a:r>
+                        <a:rPr lang="ko-KR" altLang="en-US" sz="900" kern="0" spc="0" dirty="0">
+                          <a:solidFill>
+                            <a:srgbClr val="000000"/>
+                          </a:solidFill>
+                          <a:effectLst/>
+                          <a:latin typeface="맑은 고딕" panose="020B0503020000020004" pitchFamily="50" charset="-127"/>
+                          <a:ea typeface="맑은 고딕" panose="020B0503020000020004" pitchFamily="50" charset="-127"/>
+                        </a:rPr>
+                        <a:t>대기줄의 인원파악을 진행</a:t>
+                      </a:r>
+                      <a:r>
+                        <a:rPr lang="en-US" altLang="ko-KR" sz="900" kern="0" spc="0" dirty="0">
+                          <a:solidFill>
+                            <a:srgbClr val="000000"/>
+                          </a:solidFill>
+                          <a:effectLst/>
+                          <a:latin typeface="맑은 고딕" panose="020B0503020000020004" pitchFamily="50" charset="-127"/>
+                          <a:ea typeface="맑은 고딕" panose="020B0503020000020004" pitchFamily="50" charset="-127"/>
+                        </a:rPr>
+                        <a:t>.</a:t>
+                      </a:r>
+                      <a:endParaRPr lang="ko-KR" altLang="en-US" sz="900" kern="0" spc="0" dirty="0">
                         <a:solidFill>
                           <a:srgbClr val="000000"/>
                         </a:solidFill>
                         <a:effectLst/>
-                        <a:latin typeface="+mn-ea"/>
-                        <a:ea typeface="+mn-ea"/>
+                        <a:latin typeface="맑은 고딕" panose="020B0503020000020004" pitchFamily="50" charset="-127"/>
+                        <a:ea typeface="맑은 고딕" panose="020B0503020000020004" pitchFamily="50" charset="-127"/>
                       </a:endParaRPr>
                     </a:p>
                   </a:txBody>
-                  <a:tcPr marL="30996" marR="30996" marT="8571" marB="8571" anchor="ctr">
+                  <a:tcPr marL="36000" marR="36000" marT="8571" marB="8571" anchor="ctr">
                     <a:lnL w="3556" cap="flat" cmpd="sng" algn="ctr">
                       <a:solidFill>
                         <a:srgbClr val="000000"/>
@@ -39060,7 +38913,7 @@
                   </a:ext>
                 </a:extLst>
               </a:tr>
-              <a:tr h="301195">
+              <a:tr h="222933">
                 <a:tc vMerge="1">
                   <a:txBody>
                     <a:bodyPr/>
@@ -39088,17 +38941,82 @@
                           <a:spcPts val="0"/>
                         </a:spcAft>
                       </a:pPr>
-                      <a:endParaRPr lang="ko-KR" altLang="en-US" sz="1100" kern="0" spc="0" dirty="0">
+                      <a:r>
+                        <a:rPr lang="ko-KR" altLang="en-US" sz="900" kern="0" spc="0">
+                          <a:solidFill>
+                            <a:srgbClr val="000000"/>
+                          </a:solidFill>
+                          <a:effectLst/>
+                          <a:latin typeface="맑은 고딕" panose="020B0503020000020004" pitchFamily="50" charset="-127"/>
+                          <a:ea typeface="맑은 고딕" panose="020B0503020000020004" pitchFamily="50" charset="-127"/>
+                        </a:rPr>
+                        <a:t>버스도착정보항목조회</a:t>
+                      </a:r>
+                      <a:endParaRPr lang="en-US" altLang="ko-KR" sz="900" kern="0" spc="0">
                         <a:solidFill>
                           <a:srgbClr val="000000"/>
                         </a:solidFill>
                         <a:effectLst/>
-                        <a:latin typeface="+mn-ea"/>
-                        <a:ea typeface="+mn-ea"/>
+                        <a:latin typeface="맑은 고딕" panose="020B0503020000020004" pitchFamily="50" charset="-127"/>
+                        <a:ea typeface="맑은 고딕" panose="020B0503020000020004" pitchFamily="50" charset="-127"/>
+                      </a:endParaRPr>
+                    </a:p>
+                    <a:p>
+                      <a:pPr marL="0" marR="0" indent="0" algn="ctr" fontAlgn="base" latinLnBrk="0">
+                        <a:lnSpc>
+                          <a:spcPct val="160000"/>
+                        </a:lnSpc>
+                        <a:spcBef>
+                          <a:spcPts val="0"/>
+                        </a:spcBef>
+                        <a:spcAft>
+                          <a:spcPts val="0"/>
+                        </a:spcAft>
+                      </a:pPr>
+                      <a:r>
+                        <a:rPr lang="en-US" altLang="ko-KR" sz="900" kern="0" spc="0">
+                          <a:solidFill>
+                            <a:srgbClr val="000000"/>
+                          </a:solidFill>
+                          <a:effectLst/>
+                          <a:latin typeface="맑은 고딕" panose="020B0503020000020004" pitchFamily="50" charset="-127"/>
+                          <a:ea typeface="맑은 고딕" panose="020B0503020000020004" pitchFamily="50" charset="-127"/>
+                        </a:rPr>
+                        <a:t>(open</a:t>
+                      </a:r>
+                      <a:r>
+                        <a:rPr lang="ko-KR" altLang="en-US" sz="900" kern="0" spc="0">
+                          <a:solidFill>
+                            <a:srgbClr val="000000"/>
+                          </a:solidFill>
+                          <a:effectLst/>
+                          <a:latin typeface="맑은 고딕" panose="020B0503020000020004" pitchFamily="50" charset="-127"/>
+                          <a:ea typeface="맑은 고딕" panose="020B0503020000020004" pitchFamily="50" charset="-127"/>
+                        </a:rPr>
+                        <a:t> </a:t>
+                      </a:r>
+                      <a:r>
+                        <a:rPr lang="en-US" altLang="ko-KR" sz="900" kern="0" spc="0">
+                          <a:solidFill>
+                            <a:srgbClr val="000000"/>
+                          </a:solidFill>
+                          <a:effectLst/>
+                          <a:latin typeface="맑은 고딕" panose="020B0503020000020004" pitchFamily="50" charset="-127"/>
+                          <a:ea typeface="맑은 고딕" panose="020B0503020000020004" pitchFamily="50" charset="-127"/>
+                        </a:rPr>
+                        <a:t>api)</a:t>
+                      </a:r>
+                      <a:endParaRPr lang="ko-KR" altLang="en-US" sz="900" kern="0" spc="0" dirty="0">
+                        <a:solidFill>
+                          <a:srgbClr val="000000"/>
+                        </a:solidFill>
+                        <a:effectLst/>
+                        <a:latin typeface="맑은 고딕" panose="020B0503020000020004" pitchFamily="50" charset="-127"/>
+                        <a:ea typeface="맑은 고딕" panose="020B0503020000020004" pitchFamily="50" charset="-127"/>
                       </a:endParaRPr>
                     </a:p>
                   </a:txBody>
-                  <a:tcPr marL="30996" marR="30996" marT="8571" marB="8571" anchor="ctr">
+                  <a:tcPr marL="36000" marR="36000" marT="8571" marB="8571" anchor="ctr">
                     <a:lnL w="3556" cap="flat" cmpd="sng" algn="ctr">
                       <a:solidFill>
                         <a:srgbClr val="000000"/>
@@ -39141,6 +39059,54 @@
                   <a:txBody>
                     <a:bodyPr/>
                     <a:lstStyle/>
+                    <a:p>
+                      <a:pPr marL="0" marR="0" lvl="0" indent="0" algn="just" defTabSz="914400" rtl="0" eaLnBrk="1" fontAlgn="base" latinLnBrk="1" hangingPunct="1">
+                        <a:lnSpc>
+                          <a:spcPct val="160000"/>
+                        </a:lnSpc>
+                        <a:spcBef>
+                          <a:spcPts val="0"/>
+                        </a:spcBef>
+                        <a:spcAft>
+                          <a:spcPts val="0"/>
+                        </a:spcAft>
+                        <a:buClrTx/>
+                        <a:buSzTx/>
+                        <a:buFontTx/>
+                        <a:buNone/>
+                        <a:tabLst/>
+                        <a:defRPr/>
+                      </a:pPr>
+                      <a:r>
+                        <a:rPr lang="en-US" altLang="ko-KR" sz="900" dirty="0"/>
+                        <a:t>8100</a:t>
+                      </a:r>
+                      <a:r>
+                        <a:rPr lang="ko-KR" altLang="en-US" sz="900" dirty="0"/>
+                        <a:t>번 버스와 </a:t>
+                      </a:r>
+                      <a:r>
+                        <a:rPr lang="en-US" altLang="ko-KR" sz="900" dirty="0"/>
+                        <a:t>M4102</a:t>
+                      </a:r>
+                      <a:r>
+                        <a:rPr lang="ko-KR" altLang="en-US" sz="900" dirty="0"/>
+                        <a:t>번 버스의 빈좌석을 </a:t>
+                      </a:r>
+                      <a:r>
+                        <a:rPr lang="ko-KR" altLang="en-US" sz="900" dirty="0" err="1"/>
+                        <a:t>공공데이터포털에서</a:t>
+                      </a:r>
+                      <a:r>
+                        <a:rPr lang="ko-KR" altLang="en-US" sz="900" dirty="0"/>
+                        <a:t> 받아온다</a:t>
+                      </a:r>
+                      <a:r>
+                        <a:rPr lang="en-US" altLang="ko-KR" sz="900" dirty="0"/>
+                        <a:t>.</a:t>
+                      </a:r>
+                      <a:endParaRPr lang="ko-KR" altLang="en-US" sz="900" dirty="0"/>
+                    </a:p>
                     <a:p>
                       <a:pPr marL="0" marR="0" indent="0" algn="just" fontAlgn="base" latinLnBrk="1">
                         <a:lnSpc>
@@ -39153,17 +39119,17 @@
                           <a:spcPts val="0"/>
                         </a:spcAft>
                       </a:pPr>
-                      <a:endParaRPr lang="ko-KR" altLang="en-US" sz="1100" kern="0" spc="0" dirty="0">
+                      <a:endParaRPr lang="ko-KR" altLang="en-US" sz="900" kern="0" spc="0" dirty="0">
                         <a:solidFill>
                           <a:srgbClr val="000000"/>
                         </a:solidFill>
                         <a:effectLst/>
-                        <a:latin typeface="+mn-ea"/>
-                        <a:ea typeface="+mn-ea"/>
+                        <a:latin typeface="맑은 고딕" panose="020B0503020000020004" pitchFamily="50" charset="-127"/>
+                        <a:ea typeface="맑은 고딕" panose="020B0503020000020004" pitchFamily="50" charset="-127"/>
                       </a:endParaRPr>
                     </a:p>
                   </a:txBody>
-                  <a:tcPr marL="30996" marR="30996" marT="8571" marB="8571" anchor="ctr">
+                  <a:tcPr marL="36000" marR="36000" marT="8571" marB="8571" anchor="ctr">
                     <a:lnL w="3556" cap="flat" cmpd="sng" algn="ctr">
                       <a:solidFill>
                         <a:srgbClr val="000000"/>
@@ -39205,6 +39171,245 @@
                 <a:extLst>
                   <a:ext uri="{0D108BD9-81ED-4DB2-BD59-A6C34878D82A}">
                     <a16:rowId xmlns:a16="http://schemas.microsoft.com/office/drawing/2014/main" val="10006"/>
+                  </a:ext>
+                </a:extLst>
+              </a:tr>
+              <a:tr h="239919">
+                <a:tc vMerge="1">
+                  <a:txBody>
+                    <a:bodyPr/>
+                    <a:lstStyle/>
+                    <a:p>
+                      <a:pPr latinLnBrk="1"/>
+                      <a:endParaRPr lang="ko-KR" altLang="en-US"/>
+                    </a:p>
+                  </a:txBody>
+                  <a:tcPr/>
+                </a:tc>
+                <a:tc>
+                  <a:txBody>
+                    <a:bodyPr/>
+                    <a:lstStyle/>
+                    <a:p>
+                      <a:pPr marL="0" marR="0" indent="0" algn="ctr" fontAlgn="base" latinLnBrk="0">
+                        <a:lnSpc>
+                          <a:spcPct val="160000"/>
+                        </a:lnSpc>
+                        <a:spcBef>
+                          <a:spcPts val="0"/>
+                        </a:spcBef>
+                        <a:spcAft>
+                          <a:spcPts val="0"/>
+                        </a:spcAft>
+                      </a:pPr>
+                      <a:r>
+                        <a:rPr lang="ko-KR" altLang="en-US" sz="900" kern="0" spc="0">
+                          <a:solidFill>
+                            <a:srgbClr val="000000"/>
+                          </a:solidFill>
+                          <a:effectLst/>
+                          <a:latin typeface="맑은 고딕" panose="020B0503020000020004" pitchFamily="50" charset="-127"/>
+                          <a:ea typeface="맑은 고딕" panose="020B0503020000020004" pitchFamily="50" charset="-127"/>
+                        </a:rPr>
+                        <a:t>버스위치정보조회</a:t>
+                      </a:r>
+                      <a:endParaRPr lang="en-US" altLang="ko-KR" sz="900" kern="0" spc="0">
+                        <a:solidFill>
+                          <a:srgbClr val="000000"/>
+                        </a:solidFill>
+                        <a:effectLst/>
+                        <a:latin typeface="맑은 고딕" panose="020B0503020000020004" pitchFamily="50" charset="-127"/>
+                        <a:ea typeface="맑은 고딕" panose="020B0503020000020004" pitchFamily="50" charset="-127"/>
+                      </a:endParaRPr>
+                    </a:p>
+                    <a:p>
+                      <a:pPr marL="0" marR="0" indent="0" algn="ctr" fontAlgn="base" latinLnBrk="0">
+                        <a:lnSpc>
+                          <a:spcPct val="160000"/>
+                        </a:lnSpc>
+                        <a:spcBef>
+                          <a:spcPts val="0"/>
+                        </a:spcBef>
+                        <a:spcAft>
+                          <a:spcPts val="0"/>
+                        </a:spcAft>
+                      </a:pPr>
+                      <a:r>
+                        <a:rPr lang="en-US" altLang="ko-KR" sz="900" kern="0" spc="0">
+                          <a:solidFill>
+                            <a:srgbClr val="000000"/>
+                          </a:solidFill>
+                          <a:effectLst/>
+                          <a:latin typeface="맑은 고딕" panose="020B0503020000020004" pitchFamily="50" charset="-127"/>
+                          <a:ea typeface="맑은 고딕" panose="020B0503020000020004" pitchFamily="50" charset="-127"/>
+                        </a:rPr>
+                        <a:t>(open api)</a:t>
+                      </a:r>
+                      <a:endParaRPr lang="ko-KR" altLang="en-US" sz="900" kern="0" spc="0" dirty="0">
+                        <a:solidFill>
+                          <a:srgbClr val="000000"/>
+                        </a:solidFill>
+                        <a:effectLst/>
+                        <a:latin typeface="맑은 고딕" panose="020B0503020000020004" pitchFamily="50" charset="-127"/>
+                        <a:ea typeface="맑은 고딕" panose="020B0503020000020004" pitchFamily="50" charset="-127"/>
+                      </a:endParaRPr>
+                    </a:p>
+                  </a:txBody>
+                  <a:tcPr marL="36000" marR="36000" marT="8571" marB="8571" anchor="ctr">
+                    <a:lnL w="3556" cap="flat" cmpd="sng" algn="ctr">
+                      <a:solidFill>
+                        <a:srgbClr val="000000"/>
+                      </a:solidFill>
+                      <a:prstDash val="solid"/>
+                      <a:round/>
+                      <a:headEnd type="none" w="med" len="med"/>
+                      <a:tailEnd type="none" w="med" len="med"/>
+                    </a:lnL>
+                    <a:lnR w="3556" cap="flat" cmpd="sng" algn="ctr">
+                      <a:solidFill>
+                        <a:srgbClr val="000000"/>
+                      </a:solidFill>
+                      <a:prstDash val="solid"/>
+                      <a:round/>
+                      <a:headEnd type="none" w="med" len="med"/>
+                      <a:tailEnd type="none" w="med" len="med"/>
+                    </a:lnR>
+                    <a:lnT w="3556" cap="flat" cmpd="sng" algn="ctr">
+                      <a:solidFill>
+                        <a:srgbClr val="000000"/>
+                      </a:solidFill>
+                      <a:prstDash val="solid"/>
+                      <a:round/>
+                      <a:headEnd type="none" w="med" len="med"/>
+                      <a:tailEnd type="none" w="med" len="med"/>
+                    </a:lnT>
+                    <a:lnB w="3556" cap="flat" cmpd="sng" algn="ctr">
+                      <a:solidFill>
+                        <a:srgbClr val="000000"/>
+                      </a:solidFill>
+                      <a:prstDash val="solid"/>
+                      <a:round/>
+                      <a:headEnd type="none" w="med" len="med"/>
+                      <a:tailEnd type="none" w="med" len="med"/>
+                    </a:lnB>
+                  </a:tcPr>
+                </a:tc>
+                <a:tc>
+                  <a:txBody>
+                    <a:bodyPr/>
+                    <a:lstStyle/>
+                    <a:p>
+                      <a:pPr marL="0" marR="0" lvl="0" indent="0" algn="just" defTabSz="914400" rtl="0" eaLnBrk="1" fontAlgn="base" latinLnBrk="1" hangingPunct="1">
+                        <a:lnSpc>
+                          <a:spcPct val="160000"/>
+                        </a:lnSpc>
+                        <a:spcBef>
+                          <a:spcPts val="0"/>
+                        </a:spcBef>
+                        <a:spcAft>
+                          <a:spcPts val="0"/>
+                        </a:spcAft>
+                        <a:buClrTx/>
+                        <a:buSzTx/>
+                        <a:buFontTx/>
+                        <a:buNone/>
+                        <a:tabLst/>
+                        <a:defRPr/>
+                      </a:pPr>
+                      <a:r>
+                        <a:rPr lang="en-US" altLang="ko-KR" sz="900" dirty="0"/>
+                        <a:t>8100</a:t>
+                      </a:r>
+                      <a:r>
+                        <a:rPr lang="ko-KR" altLang="en-US" sz="900" dirty="0"/>
+                        <a:t>번 버스와 </a:t>
+                      </a:r>
+                      <a:r>
+                        <a:rPr lang="en-US" altLang="ko-KR" sz="900" dirty="0"/>
+                        <a:t>M4102</a:t>
+                      </a:r>
+                      <a:r>
+                        <a:rPr lang="ko-KR" altLang="en-US" sz="900" dirty="0"/>
+                        <a:t>번 버스의 현 위치정보를 </a:t>
+                      </a:r>
+                      <a:r>
+                        <a:rPr lang="ko-KR" altLang="en-US" sz="900" dirty="0" err="1"/>
+                        <a:t>공공데이터포털에서</a:t>
+                      </a:r>
+                      <a:r>
+                        <a:rPr lang="ko-KR" altLang="en-US" sz="900" dirty="0"/>
+                        <a:t> 받아온다</a:t>
+                      </a:r>
+                      <a:r>
+                        <a:rPr lang="en-US" altLang="ko-KR" sz="900" dirty="0"/>
+                        <a:t>.</a:t>
+                      </a:r>
+                      <a:endParaRPr lang="ko-KR" altLang="en-US" sz="900" dirty="0"/>
+                    </a:p>
+                    <a:p>
+                      <a:pPr marL="0" marR="0" indent="0" algn="just" fontAlgn="base" latinLnBrk="1">
+                        <a:lnSpc>
+                          <a:spcPct val="160000"/>
+                        </a:lnSpc>
+                        <a:spcBef>
+                          <a:spcPts val="0"/>
+                        </a:spcBef>
+                        <a:spcAft>
+                          <a:spcPts val="0"/>
+                        </a:spcAft>
+                      </a:pPr>
+                      <a:endParaRPr lang="ko-KR" altLang="en-US" sz="900" kern="0" spc="0" dirty="0">
+                        <a:solidFill>
+                          <a:srgbClr val="000000"/>
+                        </a:solidFill>
+                        <a:effectLst/>
+                        <a:latin typeface="맑은 고딕" panose="020B0503020000020004" pitchFamily="50" charset="-127"/>
+                        <a:ea typeface="맑은 고딕" panose="020B0503020000020004" pitchFamily="50" charset="-127"/>
+                      </a:endParaRPr>
+                    </a:p>
+                  </a:txBody>
+                  <a:tcPr marL="36000" marR="36000" marT="8571" marB="8571" anchor="ctr">
+                    <a:lnL w="3556" cap="flat" cmpd="sng" algn="ctr">
+                      <a:solidFill>
+                        <a:srgbClr val="000000"/>
+                      </a:solidFill>
+                      <a:prstDash val="solid"/>
+                      <a:round/>
+                      <a:headEnd type="none" w="med" len="med"/>
+                      <a:tailEnd type="none" w="med" len="med"/>
+                    </a:lnL>
+                    <a:lnR w="3556" cap="flat" cmpd="sng" algn="ctr">
+                      <a:solidFill>
+                        <a:srgbClr val="000000"/>
+                      </a:solidFill>
+                      <a:prstDash val="solid"/>
+                      <a:round/>
+                      <a:headEnd type="none" w="med" len="med"/>
+                      <a:tailEnd type="none" w="med" len="med"/>
+                    </a:lnR>
+                    <a:lnT w="3556" cap="flat" cmpd="sng" algn="ctr">
+                      <a:solidFill>
+                        <a:srgbClr val="000000"/>
+                      </a:solidFill>
+                      <a:prstDash val="solid"/>
+                      <a:round/>
+                      <a:headEnd type="none" w="med" len="med"/>
+                      <a:tailEnd type="none" w="med" len="med"/>
+                    </a:lnT>
+                    <a:lnB w="3556" cap="flat" cmpd="sng" algn="ctr">
+                      <a:solidFill>
+                        <a:srgbClr val="000000"/>
+                      </a:solidFill>
+                      <a:prstDash val="solid"/>
+                      <a:round/>
+                      <a:headEnd type="none" w="med" len="med"/>
+                      <a:tailEnd type="none" w="med" len="med"/>
+                    </a:lnB>
+                  </a:tcPr>
+                </a:tc>
+                <a:extLst>
+                  <a:ext uri="{0D108BD9-81ED-4DB2-BD59-A6C34878D82A}">
+                    <a16:rowId xmlns:a16="http://schemas.microsoft.com/office/drawing/2014/main" val="10007"/>
                   </a:ext>
                 </a:extLst>
               </a:tr>

--- a/중간보고서/중간보고서.pptx
+++ b/중간보고서/중간보고서.pptx
@@ -21,13 +21,12 @@
     <p:sldId id="352" r:id="rId15"/>
     <p:sldId id="354" r:id="rId16"/>
     <p:sldId id="380" r:id="rId17"/>
-    <p:sldId id="353" r:id="rId18"/>
-    <p:sldId id="339" r:id="rId19"/>
-    <p:sldId id="382" r:id="rId20"/>
-    <p:sldId id="388" r:id="rId21"/>
-    <p:sldId id="390" r:id="rId22"/>
-    <p:sldId id="389" r:id="rId23"/>
-    <p:sldId id="391" r:id="rId24"/>
+    <p:sldId id="339" r:id="rId18"/>
+    <p:sldId id="382" r:id="rId19"/>
+    <p:sldId id="388" r:id="rId20"/>
+    <p:sldId id="390" r:id="rId21"/>
+    <p:sldId id="389" r:id="rId22"/>
+    <p:sldId id="391" r:id="rId23"/>
   </p:sldIdLst>
   <p:sldSz cx="9144000" cy="6858000" type="screen4x3"/>
   <p:notesSz cx="6858000" cy="9144000"/>
@@ -19526,7 +19525,7 @@
       </p:grpSpPr>
       <p:sp>
         <p:nvSpPr>
-          <p:cNvPr id="21" name="직사각형 20"/>
+          <p:cNvPr id="14" name="직사각형 13"/>
           <p:cNvSpPr/>
           <p:nvPr/>
         </p:nvSpPr>
@@ -19572,7 +19571,7 @@
       </p:sp>
       <p:cxnSp>
         <p:nvCxnSpPr>
-          <p:cNvPr id="22" name="직선 연결선 21"/>
+          <p:cNvPr id="17" name="직선 연결선 16"/>
           <p:cNvCxnSpPr/>
           <p:nvPr/>
         </p:nvCxnSpPr>
@@ -19609,7 +19608,7 @@
       </p:cxnSp>
       <p:cxnSp>
         <p:nvCxnSpPr>
-          <p:cNvPr id="25" name="직선 연결선 24"/>
+          <p:cNvPr id="18" name="직선 연결선 17"/>
           <p:cNvCxnSpPr/>
           <p:nvPr/>
         </p:nvCxnSpPr>
@@ -19644,7 +19643,7 @@
       </p:cxnSp>
       <p:sp>
         <p:nvSpPr>
-          <p:cNvPr id="28" name="제목 12"/>
+          <p:cNvPr id="19" name="제목 12"/>
           <p:cNvSpPr txBox="1">
             <a:spLocks/>
           </p:cNvSpPr>
@@ -19652,8 +19651,8 @@
         </p:nvSpPr>
         <p:spPr>
           <a:xfrm>
-            <a:off x="323528" y="692698"/>
-            <a:ext cx="2952328" cy="272475"/>
+            <a:off x="323528" y="692696"/>
+            <a:ext cx="2808312" cy="296631"/>
           </a:xfrm>
           <a:prstGeom prst="rect">
             <a:avLst/>
@@ -19665,17 +19664,34 @@
           </a:bodyPr>
           <a:lstStyle/>
           <a:p>
-            <a:pPr lvl="0">
+            <a:pPr marL="0" marR="0" lvl="0" indent="0" algn="l" defTabSz="914400" rtl="0" eaLnBrk="1" fontAlgn="auto" latinLnBrk="1" hangingPunct="1">
+              <a:lnSpc>
+                <a:spcPct val="100000"/>
+              </a:lnSpc>
               <a:spcBef>
                 <a:spcPct val="0"/>
               </a:spcBef>
+              <a:spcAft>
+                <a:spcPts val="0"/>
+              </a:spcAft>
+              <a:buClrTx/>
+              <a:buSzTx/>
+              <a:buFontTx/>
+              <a:buNone/>
+              <a:tabLst/>
               <a:defRPr/>
             </a:pPr>
             <a:r>
-              <a:rPr lang="en-US" altLang="ko-KR" sz="1700" b="1">
+              <a:rPr kumimoji="0" lang="en-US" altLang="ko-KR" sz="1700" b="1" i="0" u="none" strike="noStrike" kern="1200" cap="none" spc="0" normalizeH="0" baseline="0" noProof="0">
+                <a:ln>
+                  <a:noFill/>
+                </a:ln>
                 <a:solidFill>
                   <a:schemeClr val="bg1"/>
                 </a:solidFill>
+                <a:effectLst/>
+                <a:uLnTx/>
+                <a:uFillTx/>
                 <a:latin typeface="+mn-ea"/>
                 <a:cs typeface="+mj-cs"/>
               </a:rPr>
@@ -19687,8 +19703,9 @@
                   <a:schemeClr val="bg1"/>
                 </a:solidFill>
                 <a:latin typeface="+mn-ea"/>
-              </a:rPr>
-              <a:t>기능 처리도</a:t>
+                <a:cs typeface="+mj-cs"/>
+              </a:rPr>
+              <a:t>프로그램 </a:t>
             </a:r>
             <a:r>
               <a:rPr lang="en-US" altLang="ko-KR" sz="1700" b="1">
@@ -19696,39 +19713,45 @@
                   <a:schemeClr val="bg1"/>
                 </a:solidFill>
                 <a:latin typeface="+mn-ea"/>
-              </a:rPr>
-              <a:t>(</a:t>
-            </a:r>
-            <a:r>
-              <a:rPr lang="ko-KR" altLang="en-US" sz="1700" b="1">
+                <a:cs typeface="+mj-cs"/>
+              </a:rPr>
+              <a:t>- </a:t>
+            </a:r>
+            <a:r>
+              <a:rPr kumimoji="0" lang="ko-KR" altLang="en-US" sz="1700" b="1" i="0" u="none" strike="noStrike" kern="1200" cap="none" spc="0" normalizeH="0" baseline="0" noProof="0" dirty="0">
+                <a:ln>
+                  <a:noFill/>
+                </a:ln>
                 <a:solidFill>
                   <a:schemeClr val="bg1"/>
                 </a:solidFill>
+                <a:effectLst/>
+                <a:uLnTx/>
+                <a:uFillTx/>
                 <a:latin typeface="+mn-ea"/>
-              </a:rPr>
-              <a:t>기능 흐름도</a:t>
-            </a:r>
-            <a:r>
-              <a:rPr lang="en-US" altLang="ko-KR" sz="1700" b="1">
-                <a:solidFill>
-                  <a:schemeClr val="bg1"/>
-                </a:solidFill>
-                <a:latin typeface="+mn-ea"/>
-              </a:rPr>
-              <a:t>)</a:t>
-            </a:r>
-            <a:endParaRPr lang="ko-KR" altLang="en-US" sz="1700" spc="-51" dirty="0">
+                <a:cs typeface="+mj-cs"/>
+              </a:rPr>
+              <a:t>목록</a:t>
+            </a:r>
+            <a:endParaRPr kumimoji="0" lang="ko-KR" altLang="en-US" sz="1700" b="0" i="0" u="none" strike="noStrike" kern="1200" cap="none" spc="-50" normalizeH="0" baseline="0" noProof="0" dirty="0">
+              <a:ln>
+                <a:noFill/>
+              </a:ln>
               <a:solidFill>
                 <a:schemeClr val="bg1"/>
               </a:solidFill>
+              <a:effectLst/>
+              <a:uLnTx/>
+              <a:uFillTx/>
               <a:latin typeface="+mn-ea"/>
+              <a:cs typeface="+mj-cs"/>
             </a:endParaRPr>
           </a:p>
         </p:txBody>
       </p:sp>
       <p:pic>
         <p:nvPicPr>
-          <p:cNvPr id="29" name="Picture 6"/>
+          <p:cNvPr id="21" name="Picture 6"/>
           <p:cNvPicPr>
             <a:picLocks noChangeAspect="1" noChangeArrowheads="1"/>
           </p:cNvPicPr>
@@ -19749,7 +19772,7 @@
         </p:blipFill>
         <p:spPr bwMode="auto">
           <a:xfrm>
-            <a:off x="8388424" y="78044"/>
+            <a:off x="8388424" y="78041"/>
             <a:ext cx="677336" cy="398631"/>
           </a:xfrm>
           <a:prstGeom prst="rect">
@@ -19782,7 +19805,7 @@
       </p:pic>
       <p:pic>
         <p:nvPicPr>
-          <p:cNvPr id="30" name="Picture 2"/>
+          <p:cNvPr id="1026" name="Picture 2"/>
           <p:cNvPicPr>
             <a:picLocks noChangeAspect="1" noChangeArrowheads="1"/>
           </p:cNvPicPr>
@@ -19797,7 +19820,7 @@
         </p:blipFill>
         <p:spPr bwMode="auto">
           <a:xfrm>
-            <a:off x="8676456" y="476673"/>
+            <a:off x="8676456" y="476671"/>
             <a:ext cx="454960" cy="158965"/>
           </a:xfrm>
           <a:prstGeom prst="rect">
@@ -19814,13 +19837,13 @@
       </p:pic>
       <p:sp>
         <p:nvSpPr>
-          <p:cNvPr id="32" name="막힌 원호 31"/>
+          <p:cNvPr id="35" name="막힌 원호 34"/>
           <p:cNvSpPr/>
           <p:nvPr/>
         </p:nvSpPr>
         <p:spPr>
           <a:xfrm flipV="1">
-            <a:off x="-577694" y="-576000"/>
+            <a:off x="-577697" y="-576001"/>
             <a:ext cx="1181047" cy="1167213"/>
           </a:xfrm>
           <a:prstGeom prst="blockArc">
@@ -19868,83 +19891,2382 @@
           </a:p>
         </p:txBody>
       </p:sp>
-      <p:sp>
-        <p:nvSpPr>
-          <p:cNvPr id="51" name="직사각형 50"/>
-          <p:cNvSpPr/>
-          <p:nvPr/>
-        </p:nvSpPr>
-        <p:spPr>
-          <a:xfrm>
-            <a:off x="3851920" y="548682"/>
-            <a:ext cx="5112568" cy="338554"/>
-          </a:xfrm>
-          <a:prstGeom prst="rect">
-            <a:avLst/>
-          </a:prstGeom>
-        </p:spPr>
-        <p:txBody>
-          <a:bodyPr wrap="square">
-            <a:spAutoFit/>
-          </a:bodyPr>
-          <a:lstStyle/>
-          <a:p>
-            <a:pPr marL="265107" indent="-265107" algn="r" latinLnBrk="0"/>
-            <a:r>
-              <a:rPr lang="ko-KR" altLang="en-US" sz="1600" b="1" i="1" dirty="0">
-                <a:solidFill>
-                  <a:srgbClr val="FF0000"/>
-                </a:solidFill>
-                <a:latin typeface="+mj-lt"/>
-              </a:rPr>
-              <a:t>샘플</a:t>
-            </a:r>
-            <a:r>
-              <a:rPr lang="en-US" altLang="ko-KR" sz="1600" b="1" i="1" dirty="0">
-                <a:solidFill>
-                  <a:srgbClr val="FF0000"/>
-                </a:solidFill>
-                <a:latin typeface="+mj-lt"/>
-              </a:rPr>
-              <a:t> 2</a:t>
-            </a:r>
-            <a:endParaRPr lang="ko-KR" altLang="en-US" sz="1600" b="1" i="1" dirty="0">
-              <a:solidFill>
-                <a:srgbClr val="FF0000"/>
-              </a:solidFill>
-              <a:latin typeface="+mj-lt"/>
-            </a:endParaRPr>
-          </a:p>
-        </p:txBody>
-      </p:sp>
-      <p:pic>
-        <p:nvPicPr>
-          <p:cNvPr id="17" name="그림 16"/>
-          <p:cNvPicPr>
-            <a:picLocks noChangeAspect="1"/>
-          </p:cNvPicPr>
-          <p:nvPr/>
-        </p:nvPicPr>
-        <p:blipFill>
-          <a:blip r:embed="rId4"/>
-          <a:stretch>
-            <a:fillRect/>
-          </a:stretch>
-        </p:blipFill>
-        <p:spPr>
-          <a:xfrm>
-            <a:off x="359395" y="1280718"/>
-            <a:ext cx="8461079" cy="4916063"/>
-          </a:xfrm>
-          <a:prstGeom prst="rect">
-            <a:avLst/>
-          </a:prstGeom>
-        </p:spPr>
-      </p:pic>
+      <p:graphicFrame>
+        <p:nvGraphicFramePr>
+          <p:cNvPr id="2" name="표 1"/>
+          <p:cNvGraphicFramePr>
+            <a:graphicFrameLocks noGrp="1"/>
+          </p:cNvGraphicFramePr>
+          <p:nvPr>
+            <p:extLst>
+              <p:ext uri="{D42A27DB-BD31-4B8C-83A1-F6EECF244321}">
+                <p14:modId xmlns:p14="http://schemas.microsoft.com/office/powerpoint/2010/main" val="2380700600"/>
+              </p:ext>
+            </p:extLst>
+          </p:nvPr>
+        </p:nvGraphicFramePr>
+        <p:xfrm>
+          <a:off x="298210" y="1286056"/>
+          <a:ext cx="8547580" cy="4656729"/>
+        </p:xfrm>
+        <a:graphic>
+          <a:graphicData uri="http://schemas.openxmlformats.org/drawingml/2006/table">
+            <a:tbl>
+              <a:tblPr/>
+              <a:tblGrid>
+                <a:gridCol w="1233540">
+                  <a:extLst>
+                    <a:ext uri="{9D8B030D-6E8A-4147-A177-3AD203B41FA5}">
+                      <a16:colId xmlns:a16="http://schemas.microsoft.com/office/drawing/2014/main" val="20000"/>
+                    </a:ext>
+                  </a:extLst>
+                </a:gridCol>
+                <a:gridCol w="2726900">
+                  <a:extLst>
+                    <a:ext uri="{9D8B030D-6E8A-4147-A177-3AD203B41FA5}">
+                      <a16:colId xmlns:a16="http://schemas.microsoft.com/office/drawing/2014/main" val="20001"/>
+                    </a:ext>
+                  </a:extLst>
+                </a:gridCol>
+                <a:gridCol w="4587140">
+                  <a:extLst>
+                    <a:ext uri="{9D8B030D-6E8A-4147-A177-3AD203B41FA5}">
+                      <a16:colId xmlns:a16="http://schemas.microsoft.com/office/drawing/2014/main" val="20002"/>
+                    </a:ext>
+                  </a:extLst>
+                </a:gridCol>
+              </a:tblGrid>
+              <a:tr h="371004">
+                <a:tc>
+                  <a:txBody>
+                    <a:bodyPr/>
+                    <a:lstStyle/>
+                    <a:p>
+                      <a:pPr marL="0" marR="0" indent="0" algn="ctr" fontAlgn="base" latinLnBrk="0">
+                        <a:lnSpc>
+                          <a:spcPct val="160000"/>
+                        </a:lnSpc>
+                        <a:spcBef>
+                          <a:spcPts val="0"/>
+                        </a:spcBef>
+                        <a:spcAft>
+                          <a:spcPts val="0"/>
+                        </a:spcAft>
+                      </a:pPr>
+                      <a:r>
+                        <a:rPr lang="ko-KR" altLang="en-US" sz="1200" b="1" kern="0" spc="0" dirty="0">
+                          <a:solidFill>
+                            <a:srgbClr val="000000"/>
+                          </a:solidFill>
+                          <a:effectLst/>
+                          <a:latin typeface="+mj-lt"/>
+                          <a:ea typeface="맑은 고딕"/>
+                        </a:rPr>
+                        <a:t>기능 분류</a:t>
+                      </a:r>
+                      <a:endParaRPr lang="ko-KR" altLang="en-US" sz="1200" b="1" kern="0" spc="0" dirty="0">
+                        <a:solidFill>
+                          <a:srgbClr val="000000"/>
+                        </a:solidFill>
+                        <a:effectLst/>
+                        <a:latin typeface="+mj-lt"/>
+                      </a:endParaRPr>
+                    </a:p>
+                  </a:txBody>
+                  <a:tcPr marL="42251" marR="42251" marT="11681" marB="11681" anchor="ctr">
+                    <a:lnL w="3556" cap="flat" cmpd="sng" algn="ctr">
+                      <a:solidFill>
+                        <a:srgbClr val="000000"/>
+                      </a:solidFill>
+                      <a:prstDash val="solid"/>
+                      <a:round/>
+                      <a:headEnd type="none" w="med" len="med"/>
+                      <a:tailEnd type="none" w="med" len="med"/>
+                    </a:lnL>
+                    <a:lnR w="3556" cap="flat" cmpd="sng" algn="ctr">
+                      <a:solidFill>
+                        <a:srgbClr val="000000"/>
+                      </a:solidFill>
+                      <a:prstDash val="solid"/>
+                      <a:round/>
+                      <a:headEnd type="none" w="med" len="med"/>
+                      <a:tailEnd type="none" w="med" len="med"/>
+                    </a:lnR>
+                    <a:lnT w="3556" cap="flat" cmpd="sng" algn="ctr">
+                      <a:solidFill>
+                        <a:srgbClr val="000000"/>
+                      </a:solidFill>
+                      <a:prstDash val="solid"/>
+                      <a:round/>
+                      <a:headEnd type="none" w="med" len="med"/>
+                      <a:tailEnd type="none" w="med" len="med"/>
+                    </a:lnT>
+                    <a:lnB w="3556" cap="flat" cmpd="sng" algn="ctr">
+                      <a:solidFill>
+                        <a:srgbClr val="000000"/>
+                      </a:solidFill>
+                      <a:prstDash val="solid"/>
+                      <a:round/>
+                      <a:headEnd type="none" w="med" len="med"/>
+                      <a:tailEnd type="none" w="med" len="med"/>
+                    </a:lnB>
+                    <a:solidFill>
+                      <a:srgbClr val="C1D6ED"/>
+                    </a:solidFill>
+                  </a:tcPr>
+                </a:tc>
+                <a:tc>
+                  <a:txBody>
+                    <a:bodyPr/>
+                    <a:lstStyle/>
+                    <a:p>
+                      <a:pPr marL="0" marR="0" indent="0" algn="ctr" fontAlgn="base" latinLnBrk="0">
+                        <a:lnSpc>
+                          <a:spcPct val="160000"/>
+                        </a:lnSpc>
+                        <a:spcBef>
+                          <a:spcPts val="0"/>
+                        </a:spcBef>
+                        <a:spcAft>
+                          <a:spcPts val="0"/>
+                        </a:spcAft>
+                      </a:pPr>
+                      <a:r>
+                        <a:rPr lang="ko-KR" altLang="en-US" sz="1200" b="1" kern="0" spc="0" dirty="0">
+                          <a:solidFill>
+                            <a:srgbClr val="000000"/>
+                          </a:solidFill>
+                          <a:effectLst/>
+                          <a:latin typeface="+mj-lt"/>
+                          <a:ea typeface="맑은 고딕"/>
+                        </a:rPr>
+                        <a:t>기능번호</a:t>
+                      </a:r>
+                      <a:endParaRPr lang="ko-KR" altLang="en-US" sz="1200" b="1" kern="0" spc="0" dirty="0">
+                        <a:solidFill>
+                          <a:srgbClr val="000000"/>
+                        </a:solidFill>
+                        <a:effectLst/>
+                        <a:latin typeface="+mj-lt"/>
+                      </a:endParaRPr>
+                    </a:p>
+                  </a:txBody>
+                  <a:tcPr marL="42251" marR="42251" marT="11681" marB="11681" anchor="ctr">
+                    <a:lnL w="3556" cap="flat" cmpd="sng" algn="ctr">
+                      <a:solidFill>
+                        <a:srgbClr val="000000"/>
+                      </a:solidFill>
+                      <a:prstDash val="solid"/>
+                      <a:round/>
+                      <a:headEnd type="none" w="med" len="med"/>
+                      <a:tailEnd type="none" w="med" len="med"/>
+                    </a:lnL>
+                    <a:lnR w="3556" cap="flat" cmpd="sng" algn="ctr">
+                      <a:solidFill>
+                        <a:srgbClr val="000000"/>
+                      </a:solidFill>
+                      <a:prstDash val="solid"/>
+                      <a:round/>
+                      <a:headEnd type="none" w="med" len="med"/>
+                      <a:tailEnd type="none" w="med" len="med"/>
+                    </a:lnR>
+                    <a:lnT w="3556" cap="flat" cmpd="sng" algn="ctr">
+                      <a:solidFill>
+                        <a:srgbClr val="000000"/>
+                      </a:solidFill>
+                      <a:prstDash val="solid"/>
+                      <a:round/>
+                      <a:headEnd type="none" w="med" len="med"/>
+                      <a:tailEnd type="none" w="med" len="med"/>
+                    </a:lnT>
+                    <a:lnB w="3556" cap="flat" cmpd="sng" algn="ctr">
+                      <a:solidFill>
+                        <a:srgbClr val="000000"/>
+                      </a:solidFill>
+                      <a:prstDash val="solid"/>
+                      <a:round/>
+                      <a:headEnd type="none" w="med" len="med"/>
+                      <a:tailEnd type="none" w="med" len="med"/>
+                    </a:lnB>
+                    <a:solidFill>
+                      <a:srgbClr val="C1D6ED"/>
+                    </a:solidFill>
+                  </a:tcPr>
+                </a:tc>
+                <a:tc>
+                  <a:txBody>
+                    <a:bodyPr/>
+                    <a:lstStyle/>
+                    <a:p>
+                      <a:pPr marL="0" marR="0" indent="0" algn="ctr" fontAlgn="base" latinLnBrk="0">
+                        <a:lnSpc>
+                          <a:spcPct val="160000"/>
+                        </a:lnSpc>
+                        <a:spcBef>
+                          <a:spcPts val="0"/>
+                        </a:spcBef>
+                        <a:spcAft>
+                          <a:spcPts val="0"/>
+                        </a:spcAft>
+                      </a:pPr>
+                      <a:r>
+                        <a:rPr lang="ko-KR" altLang="en-US" sz="1200" b="1" kern="0" spc="0">
+                          <a:solidFill>
+                            <a:srgbClr val="000000"/>
+                          </a:solidFill>
+                          <a:effectLst/>
+                          <a:latin typeface="+mj-lt"/>
+                          <a:ea typeface="맑은 고딕"/>
+                        </a:rPr>
+                        <a:t>기능 명</a:t>
+                      </a:r>
+                      <a:endParaRPr lang="ko-KR" altLang="en-US" sz="1200" b="1" kern="0" spc="0">
+                        <a:solidFill>
+                          <a:srgbClr val="000000"/>
+                        </a:solidFill>
+                        <a:effectLst/>
+                        <a:latin typeface="+mj-lt"/>
+                      </a:endParaRPr>
+                    </a:p>
+                  </a:txBody>
+                  <a:tcPr marL="42251" marR="42251" marT="11681" marB="11681" anchor="ctr">
+                    <a:lnL w="3556" cap="flat" cmpd="sng" algn="ctr">
+                      <a:solidFill>
+                        <a:srgbClr val="000000"/>
+                      </a:solidFill>
+                      <a:prstDash val="solid"/>
+                      <a:round/>
+                      <a:headEnd type="none" w="med" len="med"/>
+                      <a:tailEnd type="none" w="med" len="med"/>
+                    </a:lnL>
+                    <a:lnR w="3556" cap="flat" cmpd="sng" algn="ctr">
+                      <a:solidFill>
+                        <a:srgbClr val="000000"/>
+                      </a:solidFill>
+                      <a:prstDash val="solid"/>
+                      <a:round/>
+                      <a:headEnd type="none" w="med" len="med"/>
+                      <a:tailEnd type="none" w="med" len="med"/>
+                    </a:lnR>
+                    <a:lnT w="3556" cap="flat" cmpd="sng" algn="ctr">
+                      <a:solidFill>
+                        <a:srgbClr val="000000"/>
+                      </a:solidFill>
+                      <a:prstDash val="solid"/>
+                      <a:round/>
+                      <a:headEnd type="none" w="med" len="med"/>
+                      <a:tailEnd type="none" w="med" len="med"/>
+                    </a:lnT>
+                    <a:lnB w="3556" cap="flat" cmpd="sng" algn="ctr">
+                      <a:solidFill>
+                        <a:srgbClr val="000000"/>
+                      </a:solidFill>
+                      <a:prstDash val="solid"/>
+                      <a:round/>
+                      <a:headEnd type="none" w="med" len="med"/>
+                      <a:tailEnd type="none" w="med" len="med"/>
+                    </a:lnB>
+                    <a:solidFill>
+                      <a:srgbClr val="C1D6ED"/>
+                    </a:solidFill>
+                  </a:tcPr>
+                </a:tc>
+                <a:extLst>
+                  <a:ext uri="{0D108BD9-81ED-4DB2-BD59-A6C34878D82A}">
+                    <a16:rowId xmlns:a16="http://schemas.microsoft.com/office/drawing/2014/main" val="10000"/>
+                  </a:ext>
+                </a:extLst>
+              </a:tr>
+              <a:tr h="371004">
+                <a:tc rowSpan="5">
+                  <a:txBody>
+                    <a:bodyPr/>
+                    <a:lstStyle/>
+                    <a:p>
+                      <a:pPr marL="0" marR="0" indent="0" algn="ctr" fontAlgn="base" latinLnBrk="0">
+                        <a:lnSpc>
+                          <a:spcPct val="160000"/>
+                        </a:lnSpc>
+                        <a:spcBef>
+                          <a:spcPts val="0"/>
+                        </a:spcBef>
+                        <a:spcAft>
+                          <a:spcPts val="0"/>
+                        </a:spcAft>
+                      </a:pPr>
+                      <a:r>
+                        <a:rPr lang="en-US" sz="1200" kern="0" spc="0" dirty="0">
+                          <a:solidFill>
+                            <a:srgbClr val="000000"/>
+                          </a:solidFill>
+                          <a:effectLst/>
+                          <a:latin typeface="+mj-lt"/>
+                        </a:rPr>
+                        <a:t>VED</a:t>
+                      </a:r>
+                    </a:p>
+                    <a:p>
+                      <a:pPr marL="0" marR="0" indent="0" algn="ctr" fontAlgn="base" latinLnBrk="0">
+                        <a:lnSpc>
+                          <a:spcPct val="160000"/>
+                        </a:lnSpc>
+                        <a:spcBef>
+                          <a:spcPts val="0"/>
+                        </a:spcBef>
+                        <a:spcAft>
+                          <a:spcPts val="0"/>
+                        </a:spcAft>
+                      </a:pPr>
+                      <a:r>
+                        <a:rPr lang="en-US" sz="1200" kern="0" spc="0" dirty="0">
+                          <a:solidFill>
+                            <a:srgbClr val="000000"/>
+                          </a:solidFill>
+                          <a:effectLst/>
+                          <a:latin typeface="+mj-lt"/>
+                        </a:rPr>
+                        <a:t>(Video Edit)</a:t>
+                      </a:r>
+                    </a:p>
+                  </a:txBody>
+                  <a:tcPr marL="42251" marR="42251" marT="11681" marB="11681" anchor="ctr">
+                    <a:lnL w="3556" cap="flat" cmpd="sng" algn="ctr">
+                      <a:solidFill>
+                        <a:srgbClr val="000000"/>
+                      </a:solidFill>
+                      <a:prstDash val="solid"/>
+                      <a:round/>
+                      <a:headEnd type="none" w="med" len="med"/>
+                      <a:tailEnd type="none" w="med" len="med"/>
+                    </a:lnL>
+                    <a:lnR w="3556" cap="flat" cmpd="sng" algn="ctr">
+                      <a:solidFill>
+                        <a:srgbClr val="000000"/>
+                      </a:solidFill>
+                      <a:prstDash val="solid"/>
+                      <a:round/>
+                      <a:headEnd type="none" w="med" len="med"/>
+                      <a:tailEnd type="none" w="med" len="med"/>
+                    </a:lnR>
+                    <a:lnT w="3556" cap="flat" cmpd="sng" algn="ctr">
+                      <a:solidFill>
+                        <a:srgbClr val="000000"/>
+                      </a:solidFill>
+                      <a:prstDash val="solid"/>
+                      <a:round/>
+                      <a:headEnd type="none" w="med" len="med"/>
+                      <a:tailEnd type="none" w="med" len="med"/>
+                    </a:lnT>
+                    <a:lnB w="3556" cap="flat" cmpd="sng" algn="ctr">
+                      <a:solidFill>
+                        <a:srgbClr val="000000"/>
+                      </a:solidFill>
+                      <a:prstDash val="solid"/>
+                      <a:round/>
+                      <a:headEnd type="none" w="med" len="med"/>
+                      <a:tailEnd type="none" w="med" len="med"/>
+                    </a:lnB>
+                  </a:tcPr>
+                </a:tc>
+                <a:tc>
+                  <a:txBody>
+                    <a:bodyPr/>
+                    <a:lstStyle/>
+                    <a:p>
+                      <a:pPr marL="0" marR="0" indent="0" algn="just" fontAlgn="base" latinLnBrk="1">
+                        <a:lnSpc>
+                          <a:spcPct val="160000"/>
+                        </a:lnSpc>
+                        <a:spcBef>
+                          <a:spcPts val="0"/>
+                        </a:spcBef>
+                        <a:spcAft>
+                          <a:spcPts val="0"/>
+                        </a:spcAft>
+                      </a:pPr>
+                      <a:r>
+                        <a:rPr lang="en-US" sz="1200" kern="0" spc="0" dirty="0">
+                          <a:solidFill>
+                            <a:srgbClr val="000000"/>
+                          </a:solidFill>
+                          <a:effectLst/>
+                          <a:latin typeface="+mj-lt"/>
+                        </a:rPr>
+                        <a:t> VED-01-01</a:t>
+                      </a:r>
+                    </a:p>
+                  </a:txBody>
+                  <a:tcPr marL="42251" marR="42251" marT="11681" marB="11681" anchor="ctr">
+                    <a:lnL w="3556" cap="flat" cmpd="sng" algn="ctr">
+                      <a:solidFill>
+                        <a:srgbClr val="000000"/>
+                      </a:solidFill>
+                      <a:prstDash val="solid"/>
+                      <a:round/>
+                      <a:headEnd type="none" w="med" len="med"/>
+                      <a:tailEnd type="none" w="med" len="med"/>
+                    </a:lnL>
+                    <a:lnR w="3556" cap="flat" cmpd="sng" algn="ctr">
+                      <a:solidFill>
+                        <a:srgbClr val="000000"/>
+                      </a:solidFill>
+                      <a:prstDash val="solid"/>
+                      <a:round/>
+                      <a:headEnd type="none" w="med" len="med"/>
+                      <a:tailEnd type="none" w="med" len="med"/>
+                    </a:lnR>
+                    <a:lnT w="3556" cap="flat" cmpd="sng" algn="ctr">
+                      <a:solidFill>
+                        <a:srgbClr val="000000"/>
+                      </a:solidFill>
+                      <a:prstDash val="solid"/>
+                      <a:round/>
+                      <a:headEnd type="none" w="med" len="med"/>
+                      <a:tailEnd type="none" w="med" len="med"/>
+                    </a:lnT>
+                    <a:lnB w="3556" cap="flat" cmpd="sng" algn="ctr">
+                      <a:solidFill>
+                        <a:srgbClr val="000000"/>
+                      </a:solidFill>
+                      <a:prstDash val="solid"/>
+                      <a:round/>
+                      <a:headEnd type="none" w="med" len="med"/>
+                      <a:tailEnd type="none" w="med" len="med"/>
+                    </a:lnB>
+                  </a:tcPr>
+                </a:tc>
+                <a:tc>
+                  <a:txBody>
+                    <a:bodyPr/>
+                    <a:lstStyle/>
+                    <a:p>
+                      <a:pPr marL="0" marR="0" indent="0" algn="just" fontAlgn="base" latinLnBrk="1">
+                        <a:lnSpc>
+                          <a:spcPct val="160000"/>
+                        </a:lnSpc>
+                        <a:spcBef>
+                          <a:spcPts val="0"/>
+                        </a:spcBef>
+                        <a:spcAft>
+                          <a:spcPts val="0"/>
+                        </a:spcAft>
+                      </a:pPr>
+                      <a:r>
+                        <a:rPr lang="ko-KR" altLang="en-US" sz="1200" kern="0" spc="0" dirty="0">
+                          <a:solidFill>
+                            <a:srgbClr val="000000"/>
+                          </a:solidFill>
+                          <a:effectLst/>
+                          <a:latin typeface="+mn-ea"/>
+                          <a:ea typeface="+mn-ea"/>
+                        </a:rPr>
+                        <a:t>영상처리 </a:t>
+                      </a:r>
+                      <a:r>
+                        <a:rPr lang="en-US" altLang="ko-KR" sz="1200" kern="0" spc="0" dirty="0">
+                          <a:solidFill>
+                            <a:srgbClr val="000000"/>
+                          </a:solidFill>
+                          <a:effectLst/>
+                          <a:latin typeface="+mn-ea"/>
+                          <a:ea typeface="+mn-ea"/>
+                        </a:rPr>
+                        <a:t>– HOG </a:t>
+                      </a:r>
+                      <a:r>
+                        <a:rPr lang="ko-KR" altLang="en-US" sz="1200" kern="0" spc="0" dirty="0">
+                          <a:solidFill>
+                            <a:srgbClr val="000000"/>
+                          </a:solidFill>
+                          <a:effectLst/>
+                          <a:latin typeface="+mn-ea"/>
+                          <a:ea typeface="+mn-ea"/>
+                        </a:rPr>
+                        <a:t>알고리즘</a:t>
+                      </a:r>
+                    </a:p>
+                  </a:txBody>
+                  <a:tcPr marL="42251" marR="42251" marT="11681" marB="11681" anchor="ctr">
+                    <a:lnL w="3556" cap="flat" cmpd="sng" algn="ctr">
+                      <a:solidFill>
+                        <a:srgbClr val="000000"/>
+                      </a:solidFill>
+                      <a:prstDash val="solid"/>
+                      <a:round/>
+                      <a:headEnd type="none" w="med" len="med"/>
+                      <a:tailEnd type="none" w="med" len="med"/>
+                    </a:lnL>
+                    <a:lnR w="3556" cap="flat" cmpd="sng" algn="ctr">
+                      <a:solidFill>
+                        <a:srgbClr val="000000"/>
+                      </a:solidFill>
+                      <a:prstDash val="solid"/>
+                      <a:round/>
+                      <a:headEnd type="none" w="med" len="med"/>
+                      <a:tailEnd type="none" w="med" len="med"/>
+                    </a:lnR>
+                    <a:lnT w="3556" cap="flat" cmpd="sng" algn="ctr">
+                      <a:solidFill>
+                        <a:srgbClr val="000000"/>
+                      </a:solidFill>
+                      <a:prstDash val="solid"/>
+                      <a:round/>
+                      <a:headEnd type="none" w="med" len="med"/>
+                      <a:tailEnd type="none" w="med" len="med"/>
+                    </a:lnT>
+                    <a:lnB w="3556" cap="flat" cmpd="sng" algn="ctr">
+                      <a:solidFill>
+                        <a:srgbClr val="000000"/>
+                      </a:solidFill>
+                      <a:prstDash val="solid"/>
+                      <a:round/>
+                      <a:headEnd type="none" w="med" len="med"/>
+                      <a:tailEnd type="none" w="med" len="med"/>
+                    </a:lnB>
+                  </a:tcPr>
+                </a:tc>
+                <a:extLst>
+                  <a:ext uri="{0D108BD9-81ED-4DB2-BD59-A6C34878D82A}">
+                    <a16:rowId xmlns:a16="http://schemas.microsoft.com/office/drawing/2014/main" val="10001"/>
+                  </a:ext>
+                </a:extLst>
+              </a:tr>
+              <a:tr h="371004">
+                <a:tc vMerge="1">
+                  <a:txBody>
+                    <a:bodyPr/>
+                    <a:lstStyle/>
+                    <a:p>
+                      <a:pPr latinLnBrk="1"/>
+                      <a:endParaRPr lang="ko-KR" altLang="en-US"/>
+                    </a:p>
+                  </a:txBody>
+                  <a:tcPr/>
+                </a:tc>
+                <a:tc>
+                  <a:txBody>
+                    <a:bodyPr/>
+                    <a:lstStyle/>
+                    <a:p>
+                      <a:pPr marL="0" marR="0" indent="0" algn="just" fontAlgn="base" latinLnBrk="1">
+                        <a:lnSpc>
+                          <a:spcPct val="160000"/>
+                        </a:lnSpc>
+                        <a:spcBef>
+                          <a:spcPts val="0"/>
+                        </a:spcBef>
+                        <a:spcAft>
+                          <a:spcPts val="0"/>
+                        </a:spcAft>
+                      </a:pPr>
+                      <a:r>
+                        <a:rPr lang="en-US" sz="1200" kern="0" spc="0" dirty="0">
+                          <a:solidFill>
+                            <a:srgbClr val="000000"/>
+                          </a:solidFill>
+                          <a:effectLst/>
+                          <a:latin typeface="+mj-lt"/>
+                        </a:rPr>
+                        <a:t> VED-01-02</a:t>
+                      </a:r>
+                    </a:p>
+                  </a:txBody>
+                  <a:tcPr marL="42251" marR="42251" marT="11681" marB="11681" anchor="ctr">
+                    <a:lnL w="3556" cap="flat" cmpd="sng" algn="ctr">
+                      <a:solidFill>
+                        <a:srgbClr val="000000"/>
+                      </a:solidFill>
+                      <a:prstDash val="solid"/>
+                      <a:round/>
+                      <a:headEnd type="none" w="med" len="med"/>
+                      <a:tailEnd type="none" w="med" len="med"/>
+                    </a:lnL>
+                    <a:lnR w="3556" cap="flat" cmpd="sng" algn="ctr">
+                      <a:solidFill>
+                        <a:srgbClr val="000000"/>
+                      </a:solidFill>
+                      <a:prstDash val="solid"/>
+                      <a:round/>
+                      <a:headEnd type="none" w="med" len="med"/>
+                      <a:tailEnd type="none" w="med" len="med"/>
+                    </a:lnR>
+                    <a:lnT w="3556" cap="flat" cmpd="sng" algn="ctr">
+                      <a:solidFill>
+                        <a:srgbClr val="000000"/>
+                      </a:solidFill>
+                      <a:prstDash val="solid"/>
+                      <a:round/>
+                      <a:headEnd type="none" w="med" len="med"/>
+                      <a:tailEnd type="none" w="med" len="med"/>
+                    </a:lnT>
+                    <a:lnB w="3556" cap="flat" cmpd="sng" algn="ctr">
+                      <a:solidFill>
+                        <a:srgbClr val="000000"/>
+                      </a:solidFill>
+                      <a:prstDash val="solid"/>
+                      <a:round/>
+                      <a:headEnd type="none" w="med" len="med"/>
+                      <a:tailEnd type="none" w="med" len="med"/>
+                    </a:lnB>
+                  </a:tcPr>
+                </a:tc>
+                <a:tc>
+                  <a:txBody>
+                    <a:bodyPr/>
+                    <a:lstStyle/>
+                    <a:p>
+                      <a:pPr marL="0" marR="0" indent="0" algn="just" fontAlgn="base" latinLnBrk="1">
+                        <a:lnSpc>
+                          <a:spcPct val="160000"/>
+                        </a:lnSpc>
+                        <a:spcBef>
+                          <a:spcPts val="0"/>
+                        </a:spcBef>
+                        <a:spcAft>
+                          <a:spcPts val="0"/>
+                        </a:spcAft>
+                      </a:pPr>
+                      <a:r>
+                        <a:rPr lang="ko-KR" altLang="en-US" sz="1200" kern="0" spc="0" dirty="0">
+                          <a:solidFill>
+                            <a:srgbClr val="000000"/>
+                          </a:solidFill>
+                          <a:effectLst/>
+                          <a:latin typeface="+mn-ea"/>
+                          <a:ea typeface="+mn-ea"/>
+                        </a:rPr>
+                        <a:t>영상처리 </a:t>
+                      </a:r>
+                      <a:r>
+                        <a:rPr lang="en-US" altLang="ko-KR" sz="1200" kern="0" spc="0" dirty="0">
+                          <a:solidFill>
+                            <a:srgbClr val="000000"/>
+                          </a:solidFill>
+                          <a:effectLst/>
+                          <a:latin typeface="+mn-ea"/>
+                          <a:ea typeface="+mn-ea"/>
+                        </a:rPr>
+                        <a:t>– </a:t>
+                      </a:r>
+                      <a:r>
+                        <a:rPr lang="en-US" altLang="ko-KR" sz="1200" kern="0" spc="0" dirty="0" err="1">
+                          <a:solidFill>
+                            <a:srgbClr val="000000"/>
+                          </a:solidFill>
+                          <a:effectLst/>
+                          <a:latin typeface="+mn-ea"/>
+                          <a:ea typeface="+mn-ea"/>
+                        </a:rPr>
+                        <a:t>Haar</a:t>
+                      </a:r>
+                      <a:r>
+                        <a:rPr lang="en-US" altLang="ko-KR" sz="1200" kern="0" spc="0" dirty="0">
+                          <a:solidFill>
+                            <a:srgbClr val="000000"/>
+                          </a:solidFill>
+                          <a:effectLst/>
+                          <a:latin typeface="+mn-ea"/>
+                          <a:ea typeface="+mn-ea"/>
+                        </a:rPr>
+                        <a:t> cascade</a:t>
+                      </a:r>
+                      <a:endParaRPr lang="ko-KR" altLang="en-US" sz="1200" kern="0" spc="0" dirty="0">
+                        <a:solidFill>
+                          <a:srgbClr val="000000"/>
+                        </a:solidFill>
+                        <a:effectLst/>
+                        <a:latin typeface="+mn-ea"/>
+                        <a:ea typeface="+mn-ea"/>
+                      </a:endParaRPr>
+                    </a:p>
+                  </a:txBody>
+                  <a:tcPr marL="42251" marR="42251" marT="11681" marB="11681" anchor="ctr">
+                    <a:lnL w="3556" cap="flat" cmpd="sng" algn="ctr">
+                      <a:solidFill>
+                        <a:srgbClr val="000000"/>
+                      </a:solidFill>
+                      <a:prstDash val="solid"/>
+                      <a:round/>
+                      <a:headEnd type="none" w="med" len="med"/>
+                      <a:tailEnd type="none" w="med" len="med"/>
+                    </a:lnL>
+                    <a:lnR w="3556" cap="flat" cmpd="sng" algn="ctr">
+                      <a:solidFill>
+                        <a:srgbClr val="000000"/>
+                      </a:solidFill>
+                      <a:prstDash val="solid"/>
+                      <a:round/>
+                      <a:headEnd type="none" w="med" len="med"/>
+                      <a:tailEnd type="none" w="med" len="med"/>
+                    </a:lnR>
+                    <a:lnT w="3556" cap="flat" cmpd="sng" algn="ctr">
+                      <a:solidFill>
+                        <a:srgbClr val="000000"/>
+                      </a:solidFill>
+                      <a:prstDash val="solid"/>
+                      <a:round/>
+                      <a:headEnd type="none" w="med" len="med"/>
+                      <a:tailEnd type="none" w="med" len="med"/>
+                    </a:lnT>
+                    <a:lnB w="3556" cap="flat" cmpd="sng" algn="ctr">
+                      <a:solidFill>
+                        <a:srgbClr val="000000"/>
+                      </a:solidFill>
+                      <a:prstDash val="solid"/>
+                      <a:round/>
+                      <a:headEnd type="none" w="med" len="med"/>
+                      <a:tailEnd type="none" w="med" len="med"/>
+                    </a:lnB>
+                  </a:tcPr>
+                </a:tc>
+                <a:extLst>
+                  <a:ext uri="{0D108BD9-81ED-4DB2-BD59-A6C34878D82A}">
+                    <a16:rowId xmlns:a16="http://schemas.microsoft.com/office/drawing/2014/main" val="10002"/>
+                  </a:ext>
+                </a:extLst>
+              </a:tr>
+              <a:tr h="371004">
+                <a:tc vMerge="1">
+                  <a:txBody>
+                    <a:bodyPr/>
+                    <a:lstStyle/>
+                    <a:p>
+                      <a:pPr latinLnBrk="1"/>
+                      <a:endParaRPr lang="ko-KR" altLang="en-US"/>
+                    </a:p>
+                  </a:txBody>
+                  <a:tcPr/>
+                </a:tc>
+                <a:tc>
+                  <a:txBody>
+                    <a:bodyPr/>
+                    <a:lstStyle/>
+                    <a:p>
+                      <a:pPr marL="0" marR="0" indent="0" algn="just" fontAlgn="base" latinLnBrk="1">
+                        <a:lnSpc>
+                          <a:spcPct val="160000"/>
+                        </a:lnSpc>
+                        <a:spcBef>
+                          <a:spcPts val="0"/>
+                        </a:spcBef>
+                        <a:spcAft>
+                          <a:spcPts val="0"/>
+                        </a:spcAft>
+                      </a:pPr>
+                      <a:r>
+                        <a:rPr lang="en-US" sz="1200" kern="0" spc="0" dirty="0">
+                          <a:solidFill>
+                            <a:srgbClr val="000000"/>
+                          </a:solidFill>
+                          <a:effectLst/>
+                          <a:latin typeface="+mj-lt"/>
+                        </a:rPr>
+                        <a:t> VED-01-03</a:t>
+                      </a:r>
+                    </a:p>
+                  </a:txBody>
+                  <a:tcPr marL="42251" marR="42251" marT="11681" marB="11681" anchor="ctr">
+                    <a:lnL w="3556" cap="flat" cmpd="sng" algn="ctr">
+                      <a:solidFill>
+                        <a:srgbClr val="000000"/>
+                      </a:solidFill>
+                      <a:prstDash val="solid"/>
+                      <a:round/>
+                      <a:headEnd type="none" w="med" len="med"/>
+                      <a:tailEnd type="none" w="med" len="med"/>
+                    </a:lnL>
+                    <a:lnR w="3556" cap="flat" cmpd="sng" algn="ctr">
+                      <a:solidFill>
+                        <a:srgbClr val="000000"/>
+                      </a:solidFill>
+                      <a:prstDash val="solid"/>
+                      <a:round/>
+                      <a:headEnd type="none" w="med" len="med"/>
+                      <a:tailEnd type="none" w="med" len="med"/>
+                    </a:lnR>
+                    <a:lnT w="3556" cap="flat" cmpd="sng" algn="ctr">
+                      <a:solidFill>
+                        <a:srgbClr val="000000"/>
+                      </a:solidFill>
+                      <a:prstDash val="solid"/>
+                      <a:round/>
+                      <a:headEnd type="none" w="med" len="med"/>
+                      <a:tailEnd type="none" w="med" len="med"/>
+                    </a:lnT>
+                    <a:lnB w="3556" cap="flat" cmpd="sng" algn="ctr">
+                      <a:solidFill>
+                        <a:srgbClr val="000000"/>
+                      </a:solidFill>
+                      <a:prstDash val="solid"/>
+                      <a:round/>
+                      <a:headEnd type="none" w="med" len="med"/>
+                      <a:tailEnd type="none" w="med" len="med"/>
+                    </a:lnB>
+                  </a:tcPr>
+                </a:tc>
+                <a:tc>
+                  <a:txBody>
+                    <a:bodyPr/>
+                    <a:lstStyle/>
+                    <a:p>
+                      <a:pPr marL="0" marR="0" indent="0" algn="just" fontAlgn="base" latinLnBrk="1">
+                        <a:lnSpc>
+                          <a:spcPct val="160000"/>
+                        </a:lnSpc>
+                        <a:spcBef>
+                          <a:spcPts val="0"/>
+                        </a:spcBef>
+                        <a:spcAft>
+                          <a:spcPts val="0"/>
+                        </a:spcAft>
+                      </a:pPr>
+                      <a:r>
+                        <a:rPr lang="ko-KR" altLang="en-US" sz="1200" kern="0" spc="0" dirty="0" err="1">
+                          <a:solidFill>
+                            <a:srgbClr val="000000"/>
+                          </a:solidFill>
+                          <a:effectLst/>
+                          <a:latin typeface="+mn-ea"/>
+                          <a:ea typeface="+mn-ea"/>
+                        </a:rPr>
+                        <a:t>대기줄</a:t>
+                      </a:r>
+                      <a:r>
+                        <a:rPr lang="ko-KR" altLang="en-US" sz="1200" kern="0" spc="0" dirty="0">
+                          <a:solidFill>
+                            <a:srgbClr val="000000"/>
+                          </a:solidFill>
+                          <a:effectLst/>
+                          <a:latin typeface="+mn-ea"/>
+                          <a:ea typeface="+mn-ea"/>
+                        </a:rPr>
+                        <a:t> 파악</a:t>
+                      </a:r>
+                    </a:p>
+                  </a:txBody>
+                  <a:tcPr marL="42251" marR="42251" marT="11681" marB="11681" anchor="ctr">
+                    <a:lnL w="3556" cap="flat" cmpd="sng" algn="ctr">
+                      <a:solidFill>
+                        <a:srgbClr val="000000"/>
+                      </a:solidFill>
+                      <a:prstDash val="solid"/>
+                      <a:round/>
+                      <a:headEnd type="none" w="med" len="med"/>
+                      <a:tailEnd type="none" w="med" len="med"/>
+                    </a:lnL>
+                    <a:lnR w="3556" cap="flat" cmpd="sng" algn="ctr">
+                      <a:solidFill>
+                        <a:srgbClr val="000000"/>
+                      </a:solidFill>
+                      <a:prstDash val="solid"/>
+                      <a:round/>
+                      <a:headEnd type="none" w="med" len="med"/>
+                      <a:tailEnd type="none" w="med" len="med"/>
+                    </a:lnR>
+                    <a:lnT w="3556" cap="flat" cmpd="sng" algn="ctr">
+                      <a:solidFill>
+                        <a:srgbClr val="000000"/>
+                      </a:solidFill>
+                      <a:prstDash val="solid"/>
+                      <a:round/>
+                      <a:headEnd type="none" w="med" len="med"/>
+                      <a:tailEnd type="none" w="med" len="med"/>
+                    </a:lnT>
+                    <a:lnB w="3556" cap="flat" cmpd="sng" algn="ctr">
+                      <a:solidFill>
+                        <a:srgbClr val="000000"/>
+                      </a:solidFill>
+                      <a:prstDash val="solid"/>
+                      <a:round/>
+                      <a:headEnd type="none" w="med" len="med"/>
+                      <a:tailEnd type="none" w="med" len="med"/>
+                    </a:lnB>
+                  </a:tcPr>
+                </a:tc>
+                <a:extLst>
+                  <a:ext uri="{0D108BD9-81ED-4DB2-BD59-A6C34878D82A}">
+                    <a16:rowId xmlns:a16="http://schemas.microsoft.com/office/drawing/2014/main" val="10003"/>
+                  </a:ext>
+                </a:extLst>
+              </a:tr>
+              <a:tr h="371004">
+                <a:tc vMerge="1">
+                  <a:txBody>
+                    <a:bodyPr/>
+                    <a:lstStyle/>
+                    <a:p>
+                      <a:pPr latinLnBrk="1"/>
+                      <a:endParaRPr lang="ko-KR" altLang="en-US"/>
+                    </a:p>
+                  </a:txBody>
+                  <a:tcPr/>
+                </a:tc>
+                <a:tc>
+                  <a:txBody>
+                    <a:bodyPr/>
+                    <a:lstStyle/>
+                    <a:p>
+                      <a:pPr marL="0" marR="0" indent="0" algn="just" fontAlgn="base" latinLnBrk="1">
+                        <a:lnSpc>
+                          <a:spcPct val="160000"/>
+                        </a:lnSpc>
+                        <a:spcBef>
+                          <a:spcPts val="0"/>
+                        </a:spcBef>
+                        <a:spcAft>
+                          <a:spcPts val="0"/>
+                        </a:spcAft>
+                      </a:pPr>
+                      <a:r>
+                        <a:rPr lang="en-US" sz="1200" kern="0" spc="0" dirty="0">
+                          <a:solidFill>
+                            <a:srgbClr val="000000"/>
+                          </a:solidFill>
+                          <a:effectLst/>
+                          <a:latin typeface="+mj-lt"/>
+                        </a:rPr>
+                        <a:t> VED-01-04</a:t>
+                      </a:r>
+                    </a:p>
+                  </a:txBody>
+                  <a:tcPr marL="42251" marR="42251" marT="11681" marB="11681" anchor="ctr">
+                    <a:lnL w="3556" cap="flat" cmpd="sng" algn="ctr">
+                      <a:solidFill>
+                        <a:srgbClr val="000000"/>
+                      </a:solidFill>
+                      <a:prstDash val="solid"/>
+                      <a:round/>
+                      <a:headEnd type="none" w="med" len="med"/>
+                      <a:tailEnd type="none" w="med" len="med"/>
+                    </a:lnL>
+                    <a:lnR w="3556" cap="flat" cmpd="sng" algn="ctr">
+                      <a:solidFill>
+                        <a:srgbClr val="000000"/>
+                      </a:solidFill>
+                      <a:prstDash val="solid"/>
+                      <a:round/>
+                      <a:headEnd type="none" w="med" len="med"/>
+                      <a:tailEnd type="none" w="med" len="med"/>
+                    </a:lnR>
+                    <a:lnT w="3556" cap="flat" cmpd="sng" algn="ctr">
+                      <a:solidFill>
+                        <a:srgbClr val="000000"/>
+                      </a:solidFill>
+                      <a:prstDash val="solid"/>
+                      <a:round/>
+                      <a:headEnd type="none" w="med" len="med"/>
+                      <a:tailEnd type="none" w="med" len="med"/>
+                    </a:lnT>
+                    <a:lnB w="3556" cap="flat" cmpd="sng" algn="ctr">
+                      <a:solidFill>
+                        <a:srgbClr val="000000"/>
+                      </a:solidFill>
+                      <a:prstDash val="solid"/>
+                      <a:round/>
+                      <a:headEnd type="none" w="med" len="med"/>
+                      <a:tailEnd type="none" w="med" len="med"/>
+                    </a:lnB>
+                  </a:tcPr>
+                </a:tc>
+                <a:tc>
+                  <a:txBody>
+                    <a:bodyPr/>
+                    <a:lstStyle/>
+                    <a:p>
+                      <a:pPr marL="0" marR="0" indent="0" algn="just" fontAlgn="base" latinLnBrk="1">
+                        <a:lnSpc>
+                          <a:spcPct val="160000"/>
+                        </a:lnSpc>
+                        <a:spcBef>
+                          <a:spcPts val="0"/>
+                        </a:spcBef>
+                        <a:spcAft>
+                          <a:spcPts val="0"/>
+                        </a:spcAft>
+                      </a:pPr>
+                      <a:r>
+                        <a:rPr lang="ko-KR" altLang="en-US" sz="1200" kern="0" spc="0" dirty="0">
+                          <a:solidFill>
+                            <a:srgbClr val="000000"/>
+                          </a:solidFill>
+                          <a:effectLst/>
+                          <a:latin typeface="+mn-ea"/>
+                          <a:ea typeface="+mn-ea"/>
+                        </a:rPr>
+                        <a:t>현재 정류장 </a:t>
+                      </a:r>
+                      <a:r>
+                        <a:rPr lang="en-US" altLang="ko-KR" sz="1200" kern="0" spc="0" dirty="0">
+                          <a:solidFill>
+                            <a:srgbClr val="000000"/>
+                          </a:solidFill>
+                          <a:effectLst/>
+                          <a:latin typeface="+mn-ea"/>
+                          <a:ea typeface="+mn-ea"/>
+                        </a:rPr>
+                        <a:t>ID, </a:t>
+                      </a:r>
+                      <a:r>
+                        <a:rPr lang="ko-KR" altLang="en-US" sz="1200" kern="0" spc="0" dirty="0">
+                          <a:solidFill>
+                            <a:srgbClr val="000000"/>
+                          </a:solidFill>
+                          <a:effectLst/>
+                          <a:latin typeface="+mn-ea"/>
+                          <a:ea typeface="+mn-ea"/>
+                        </a:rPr>
+                        <a:t>시간</a:t>
+                      </a:r>
+                      <a:r>
+                        <a:rPr lang="en-US" altLang="ko-KR" sz="1200" kern="0" spc="0" dirty="0">
+                          <a:solidFill>
+                            <a:srgbClr val="000000"/>
+                          </a:solidFill>
+                          <a:effectLst/>
+                          <a:latin typeface="+mn-ea"/>
+                          <a:ea typeface="+mn-ea"/>
+                        </a:rPr>
+                        <a:t>, </a:t>
+                      </a:r>
+                      <a:r>
+                        <a:rPr lang="ko-KR" altLang="en-US" sz="1200" kern="0" spc="0" dirty="0">
+                          <a:solidFill>
+                            <a:srgbClr val="000000"/>
+                          </a:solidFill>
+                          <a:effectLst/>
+                          <a:latin typeface="+mn-ea"/>
+                          <a:ea typeface="+mn-ea"/>
+                        </a:rPr>
+                        <a:t>파악한 대기인원을 데이터화</a:t>
+                      </a:r>
+                    </a:p>
+                  </a:txBody>
+                  <a:tcPr marL="42251" marR="42251" marT="11681" marB="11681" anchor="ctr">
+                    <a:lnL w="3556" cap="flat" cmpd="sng" algn="ctr">
+                      <a:solidFill>
+                        <a:srgbClr val="000000"/>
+                      </a:solidFill>
+                      <a:prstDash val="solid"/>
+                      <a:round/>
+                      <a:headEnd type="none" w="med" len="med"/>
+                      <a:tailEnd type="none" w="med" len="med"/>
+                    </a:lnL>
+                    <a:lnR w="3556" cap="flat" cmpd="sng" algn="ctr">
+                      <a:solidFill>
+                        <a:srgbClr val="000000"/>
+                      </a:solidFill>
+                      <a:prstDash val="solid"/>
+                      <a:round/>
+                      <a:headEnd type="none" w="med" len="med"/>
+                      <a:tailEnd type="none" w="med" len="med"/>
+                    </a:lnR>
+                    <a:lnT w="3556" cap="flat" cmpd="sng" algn="ctr">
+                      <a:solidFill>
+                        <a:srgbClr val="000000"/>
+                      </a:solidFill>
+                      <a:prstDash val="solid"/>
+                      <a:round/>
+                      <a:headEnd type="none" w="med" len="med"/>
+                      <a:tailEnd type="none" w="med" len="med"/>
+                    </a:lnT>
+                    <a:lnB w="3556" cap="flat" cmpd="sng" algn="ctr">
+                      <a:solidFill>
+                        <a:srgbClr val="000000"/>
+                      </a:solidFill>
+                      <a:prstDash val="solid"/>
+                      <a:round/>
+                      <a:headEnd type="none" w="med" len="med"/>
+                      <a:tailEnd type="none" w="med" len="med"/>
+                    </a:lnB>
+                  </a:tcPr>
+                </a:tc>
+                <a:extLst>
+                  <a:ext uri="{0D108BD9-81ED-4DB2-BD59-A6C34878D82A}">
+                    <a16:rowId xmlns:a16="http://schemas.microsoft.com/office/drawing/2014/main" val="10004"/>
+                  </a:ext>
+                </a:extLst>
+              </a:tr>
+              <a:tr h="371004">
+                <a:tc vMerge="1">
+                  <a:txBody>
+                    <a:bodyPr/>
+                    <a:lstStyle/>
+                    <a:p>
+                      <a:pPr marL="0" marR="0" indent="0" algn="ctr" fontAlgn="base" latinLnBrk="0">
+                        <a:lnSpc>
+                          <a:spcPct val="160000"/>
+                        </a:lnSpc>
+                        <a:spcBef>
+                          <a:spcPts val="0"/>
+                        </a:spcBef>
+                        <a:spcAft>
+                          <a:spcPts val="0"/>
+                        </a:spcAft>
+                      </a:pPr>
+                      <a:endParaRPr lang="en-US" sz="1200" kern="0" spc="0" dirty="0">
+                        <a:solidFill>
+                          <a:srgbClr val="000000"/>
+                        </a:solidFill>
+                        <a:effectLst/>
+                        <a:latin typeface="+mj-lt"/>
+                      </a:endParaRPr>
+                    </a:p>
+                  </a:txBody>
+                  <a:tcPr marL="42251" marR="42251" marT="11681" marB="11681" anchor="ctr">
+                    <a:lnL w="3556" cap="flat" cmpd="sng" algn="ctr">
+                      <a:solidFill>
+                        <a:srgbClr val="000000"/>
+                      </a:solidFill>
+                      <a:prstDash val="solid"/>
+                      <a:round/>
+                      <a:headEnd type="none" w="med" len="med"/>
+                      <a:tailEnd type="none" w="med" len="med"/>
+                    </a:lnL>
+                    <a:lnR w="3556" cap="flat" cmpd="sng" algn="ctr">
+                      <a:solidFill>
+                        <a:srgbClr val="000000"/>
+                      </a:solidFill>
+                      <a:prstDash val="solid"/>
+                      <a:round/>
+                      <a:headEnd type="none" w="med" len="med"/>
+                      <a:tailEnd type="none" w="med" len="med"/>
+                    </a:lnR>
+                    <a:lnT w="3556" cap="flat" cmpd="sng" algn="ctr">
+                      <a:solidFill>
+                        <a:srgbClr val="000000"/>
+                      </a:solidFill>
+                      <a:prstDash val="solid"/>
+                      <a:round/>
+                      <a:headEnd type="none" w="med" len="med"/>
+                      <a:tailEnd type="none" w="med" len="med"/>
+                    </a:lnT>
+                    <a:lnB w="3556" cap="flat" cmpd="sng" algn="ctr">
+                      <a:solidFill>
+                        <a:srgbClr val="000000"/>
+                      </a:solidFill>
+                      <a:prstDash val="solid"/>
+                      <a:round/>
+                      <a:headEnd type="none" w="med" len="med"/>
+                      <a:tailEnd type="none" w="med" len="med"/>
+                    </a:lnB>
+                  </a:tcPr>
+                </a:tc>
+                <a:tc>
+                  <a:txBody>
+                    <a:bodyPr/>
+                    <a:lstStyle/>
+                    <a:p>
+                      <a:pPr marL="0" marR="0" lvl="0" indent="0" algn="just" defTabSz="914400" rtl="0" eaLnBrk="1" fontAlgn="base" latinLnBrk="1" hangingPunct="1">
+                        <a:lnSpc>
+                          <a:spcPct val="160000"/>
+                        </a:lnSpc>
+                        <a:spcBef>
+                          <a:spcPts val="0"/>
+                        </a:spcBef>
+                        <a:spcAft>
+                          <a:spcPts val="0"/>
+                        </a:spcAft>
+                        <a:buClrTx/>
+                        <a:buSzTx/>
+                        <a:buFontTx/>
+                        <a:buNone/>
+                        <a:tabLst/>
+                        <a:defRPr/>
+                      </a:pPr>
+                      <a:r>
+                        <a:rPr lang="en-US" altLang="ko-KR" sz="1200" kern="0" spc="0" dirty="0">
+                          <a:solidFill>
+                            <a:srgbClr val="000000"/>
+                          </a:solidFill>
+                          <a:effectLst/>
+                          <a:latin typeface="+mj-lt"/>
+                          <a:ea typeface="+mn-ea"/>
+                          <a:cs typeface="+mn-cs"/>
+                        </a:rPr>
+                        <a:t> VED-01-05</a:t>
+                      </a:r>
+                    </a:p>
+                  </a:txBody>
+                  <a:tcPr marL="42251" marR="42251" marT="11681" marB="11681" anchor="ctr">
+                    <a:lnL w="3556" cap="flat" cmpd="sng" algn="ctr">
+                      <a:solidFill>
+                        <a:srgbClr val="000000"/>
+                      </a:solidFill>
+                      <a:prstDash val="solid"/>
+                      <a:round/>
+                      <a:headEnd type="none" w="med" len="med"/>
+                      <a:tailEnd type="none" w="med" len="med"/>
+                    </a:lnL>
+                    <a:lnR w="3556" cap="flat" cmpd="sng" algn="ctr">
+                      <a:solidFill>
+                        <a:srgbClr val="000000"/>
+                      </a:solidFill>
+                      <a:prstDash val="solid"/>
+                      <a:round/>
+                      <a:headEnd type="none" w="med" len="med"/>
+                      <a:tailEnd type="none" w="med" len="med"/>
+                    </a:lnR>
+                    <a:lnT w="3556" cap="flat" cmpd="sng" algn="ctr">
+                      <a:solidFill>
+                        <a:srgbClr val="000000"/>
+                      </a:solidFill>
+                      <a:prstDash val="solid"/>
+                      <a:round/>
+                      <a:headEnd type="none" w="med" len="med"/>
+                      <a:tailEnd type="none" w="med" len="med"/>
+                    </a:lnT>
+                    <a:lnB w="3556" cap="flat" cmpd="sng" algn="ctr">
+                      <a:solidFill>
+                        <a:srgbClr val="000000"/>
+                      </a:solidFill>
+                      <a:prstDash val="solid"/>
+                      <a:round/>
+                      <a:headEnd type="none" w="med" len="med"/>
+                      <a:tailEnd type="none" w="med" len="med"/>
+                    </a:lnB>
+                  </a:tcPr>
+                </a:tc>
+                <a:tc>
+                  <a:txBody>
+                    <a:bodyPr/>
+                    <a:lstStyle/>
+                    <a:p>
+                      <a:pPr marL="0" marR="0" indent="0" algn="just" fontAlgn="base" latinLnBrk="1">
+                        <a:lnSpc>
+                          <a:spcPct val="160000"/>
+                        </a:lnSpc>
+                        <a:spcBef>
+                          <a:spcPts val="0"/>
+                        </a:spcBef>
+                        <a:spcAft>
+                          <a:spcPts val="0"/>
+                        </a:spcAft>
+                      </a:pPr>
+                      <a:r>
+                        <a:rPr lang="ko-KR" altLang="en-US" sz="1200" kern="0" spc="0" dirty="0">
+                          <a:solidFill>
+                            <a:srgbClr val="000000"/>
+                          </a:solidFill>
+                          <a:effectLst/>
+                          <a:latin typeface="+mn-ea"/>
+                          <a:ea typeface="+mn-ea"/>
+                        </a:rPr>
+                        <a:t>데이터를 서버</a:t>
+                      </a:r>
+                      <a:r>
+                        <a:rPr lang="en-US" altLang="ko-KR" sz="1200" kern="0" spc="0" dirty="0">
+                          <a:solidFill>
+                            <a:srgbClr val="000000"/>
+                          </a:solidFill>
+                          <a:effectLst/>
+                          <a:latin typeface="+mn-ea"/>
+                          <a:ea typeface="+mn-ea"/>
+                        </a:rPr>
+                        <a:t>(</a:t>
+                      </a:r>
+                      <a:r>
+                        <a:rPr lang="ko-KR" altLang="en-US" sz="1200" kern="0" spc="0" dirty="0">
+                          <a:solidFill>
+                            <a:srgbClr val="000000"/>
+                          </a:solidFill>
+                          <a:effectLst/>
+                          <a:latin typeface="+mn-ea"/>
+                          <a:ea typeface="+mn-ea"/>
+                        </a:rPr>
+                        <a:t>클라우드 컴퓨터</a:t>
+                      </a:r>
+                      <a:r>
+                        <a:rPr lang="en-US" altLang="ko-KR" sz="1200" kern="0" spc="0" dirty="0">
+                          <a:solidFill>
+                            <a:srgbClr val="000000"/>
+                          </a:solidFill>
+                          <a:effectLst/>
+                          <a:latin typeface="+mn-ea"/>
+                          <a:ea typeface="+mn-ea"/>
+                        </a:rPr>
+                        <a:t>)</a:t>
+                      </a:r>
+                      <a:r>
+                        <a:rPr lang="ko-KR" altLang="en-US" sz="1200" kern="0" spc="0" dirty="0">
+                          <a:solidFill>
+                            <a:srgbClr val="000000"/>
+                          </a:solidFill>
+                          <a:effectLst/>
+                          <a:latin typeface="+mn-ea"/>
+                          <a:ea typeface="+mn-ea"/>
+                        </a:rPr>
+                        <a:t>에 전송</a:t>
+                      </a:r>
+                    </a:p>
+                  </a:txBody>
+                  <a:tcPr marL="42251" marR="42251" marT="11681" marB="11681" anchor="ctr">
+                    <a:lnL w="3556" cap="flat" cmpd="sng" algn="ctr">
+                      <a:solidFill>
+                        <a:srgbClr val="000000"/>
+                      </a:solidFill>
+                      <a:prstDash val="solid"/>
+                      <a:round/>
+                      <a:headEnd type="none" w="med" len="med"/>
+                      <a:tailEnd type="none" w="med" len="med"/>
+                    </a:lnL>
+                    <a:lnR w="3556" cap="flat" cmpd="sng" algn="ctr">
+                      <a:solidFill>
+                        <a:srgbClr val="000000"/>
+                      </a:solidFill>
+                      <a:prstDash val="solid"/>
+                      <a:round/>
+                      <a:headEnd type="none" w="med" len="med"/>
+                      <a:tailEnd type="none" w="med" len="med"/>
+                    </a:lnR>
+                    <a:lnT w="3556" cap="flat" cmpd="sng" algn="ctr">
+                      <a:solidFill>
+                        <a:srgbClr val="000000"/>
+                      </a:solidFill>
+                      <a:prstDash val="solid"/>
+                      <a:round/>
+                      <a:headEnd type="none" w="med" len="med"/>
+                      <a:tailEnd type="none" w="med" len="med"/>
+                    </a:lnT>
+                    <a:lnB w="3556" cap="flat" cmpd="sng" algn="ctr">
+                      <a:solidFill>
+                        <a:srgbClr val="000000"/>
+                      </a:solidFill>
+                      <a:prstDash val="solid"/>
+                      <a:round/>
+                      <a:headEnd type="none" w="med" len="med"/>
+                      <a:tailEnd type="none" w="med" len="med"/>
+                    </a:lnB>
+                  </a:tcPr>
+                </a:tc>
+                <a:extLst>
+                  <a:ext uri="{0D108BD9-81ED-4DB2-BD59-A6C34878D82A}">
+                    <a16:rowId xmlns:a16="http://schemas.microsoft.com/office/drawing/2014/main" val="3266603490"/>
+                  </a:ext>
+                </a:extLst>
+              </a:tr>
+              <a:tr h="371004">
+                <a:tc>
+                  <a:txBody>
+                    <a:bodyPr/>
+                    <a:lstStyle/>
+                    <a:p>
+                      <a:pPr marL="0" marR="0" indent="0" algn="ctr" fontAlgn="base" latinLnBrk="0">
+                        <a:lnSpc>
+                          <a:spcPct val="160000"/>
+                        </a:lnSpc>
+                        <a:spcBef>
+                          <a:spcPts val="0"/>
+                        </a:spcBef>
+                        <a:spcAft>
+                          <a:spcPts val="0"/>
+                        </a:spcAft>
+                      </a:pPr>
+                      <a:r>
+                        <a:rPr lang="en-US" sz="1200" kern="0" spc="0" dirty="0">
+                          <a:solidFill>
+                            <a:srgbClr val="000000"/>
+                          </a:solidFill>
+                          <a:effectLst/>
+                          <a:latin typeface="+mj-lt"/>
+                        </a:rPr>
+                        <a:t>SV</a:t>
+                      </a:r>
+                    </a:p>
+                    <a:p>
+                      <a:pPr marL="0" marR="0" indent="0" algn="ctr" fontAlgn="base" latinLnBrk="0">
+                        <a:lnSpc>
+                          <a:spcPct val="160000"/>
+                        </a:lnSpc>
+                        <a:spcBef>
+                          <a:spcPts val="0"/>
+                        </a:spcBef>
+                        <a:spcAft>
+                          <a:spcPts val="0"/>
+                        </a:spcAft>
+                      </a:pPr>
+                      <a:r>
+                        <a:rPr lang="en-US" sz="1200" kern="0" spc="0" dirty="0">
+                          <a:solidFill>
+                            <a:srgbClr val="000000"/>
+                          </a:solidFill>
+                          <a:effectLst/>
+                          <a:latin typeface="+mj-lt"/>
+                        </a:rPr>
+                        <a:t>(Server)</a:t>
+                      </a:r>
+                    </a:p>
+                  </a:txBody>
+                  <a:tcPr marL="42251" marR="42251" marT="11681" marB="11681" anchor="ctr">
+                    <a:lnL w="3556" cap="flat" cmpd="sng" algn="ctr">
+                      <a:solidFill>
+                        <a:srgbClr val="000000"/>
+                      </a:solidFill>
+                      <a:prstDash val="solid"/>
+                      <a:round/>
+                      <a:headEnd type="none" w="med" len="med"/>
+                      <a:tailEnd type="none" w="med" len="med"/>
+                    </a:lnL>
+                    <a:lnR w="3556" cap="flat" cmpd="sng" algn="ctr">
+                      <a:solidFill>
+                        <a:srgbClr val="000000"/>
+                      </a:solidFill>
+                      <a:prstDash val="solid"/>
+                      <a:round/>
+                      <a:headEnd type="none" w="med" len="med"/>
+                      <a:tailEnd type="none" w="med" len="med"/>
+                    </a:lnR>
+                    <a:lnT w="3556" cap="flat" cmpd="sng" algn="ctr">
+                      <a:solidFill>
+                        <a:srgbClr val="000000"/>
+                      </a:solidFill>
+                      <a:prstDash val="solid"/>
+                      <a:round/>
+                      <a:headEnd type="none" w="med" len="med"/>
+                      <a:tailEnd type="none" w="med" len="med"/>
+                    </a:lnT>
+                    <a:lnB w="3556" cap="flat" cmpd="sng" algn="ctr">
+                      <a:solidFill>
+                        <a:srgbClr val="000000"/>
+                      </a:solidFill>
+                      <a:prstDash val="solid"/>
+                      <a:round/>
+                      <a:headEnd type="none" w="med" len="med"/>
+                      <a:tailEnd type="none" w="med" len="med"/>
+                    </a:lnB>
+                  </a:tcPr>
+                </a:tc>
+                <a:tc>
+                  <a:txBody>
+                    <a:bodyPr/>
+                    <a:lstStyle/>
+                    <a:p>
+                      <a:pPr marL="0" marR="0" indent="0" algn="just" fontAlgn="base" latinLnBrk="1">
+                        <a:lnSpc>
+                          <a:spcPct val="160000"/>
+                        </a:lnSpc>
+                        <a:spcBef>
+                          <a:spcPts val="0"/>
+                        </a:spcBef>
+                        <a:spcAft>
+                          <a:spcPts val="0"/>
+                        </a:spcAft>
+                      </a:pPr>
+                      <a:r>
+                        <a:rPr lang="en-US" sz="1200" kern="0" spc="0" dirty="0">
+                          <a:solidFill>
+                            <a:srgbClr val="000000"/>
+                          </a:solidFill>
+                          <a:effectLst/>
+                          <a:latin typeface="+mj-lt"/>
+                        </a:rPr>
+                        <a:t> SV-01</a:t>
+                      </a:r>
+                    </a:p>
+                  </a:txBody>
+                  <a:tcPr marL="42251" marR="42251" marT="11681" marB="11681" anchor="ctr">
+                    <a:lnL w="3556" cap="flat" cmpd="sng" algn="ctr">
+                      <a:solidFill>
+                        <a:srgbClr val="000000"/>
+                      </a:solidFill>
+                      <a:prstDash val="solid"/>
+                      <a:round/>
+                      <a:headEnd type="none" w="med" len="med"/>
+                      <a:tailEnd type="none" w="med" len="med"/>
+                    </a:lnL>
+                    <a:lnR w="3556" cap="flat" cmpd="sng" algn="ctr">
+                      <a:solidFill>
+                        <a:srgbClr val="000000"/>
+                      </a:solidFill>
+                      <a:prstDash val="solid"/>
+                      <a:round/>
+                      <a:headEnd type="none" w="med" len="med"/>
+                      <a:tailEnd type="none" w="med" len="med"/>
+                    </a:lnR>
+                    <a:lnT w="3556" cap="flat" cmpd="sng" algn="ctr">
+                      <a:solidFill>
+                        <a:srgbClr val="000000"/>
+                      </a:solidFill>
+                      <a:prstDash val="solid"/>
+                      <a:round/>
+                      <a:headEnd type="none" w="med" len="med"/>
+                      <a:tailEnd type="none" w="med" len="med"/>
+                    </a:lnT>
+                    <a:lnB w="3556" cap="flat" cmpd="sng" algn="ctr">
+                      <a:solidFill>
+                        <a:srgbClr val="000000"/>
+                      </a:solidFill>
+                      <a:prstDash val="solid"/>
+                      <a:round/>
+                      <a:headEnd type="none" w="med" len="med"/>
+                      <a:tailEnd type="none" w="med" len="med"/>
+                    </a:lnB>
+                  </a:tcPr>
+                </a:tc>
+                <a:tc>
+                  <a:txBody>
+                    <a:bodyPr/>
+                    <a:lstStyle/>
+                    <a:p>
+                      <a:pPr marL="0" marR="0" indent="0" algn="just" fontAlgn="base" latinLnBrk="1">
+                        <a:lnSpc>
+                          <a:spcPct val="160000"/>
+                        </a:lnSpc>
+                        <a:spcBef>
+                          <a:spcPts val="0"/>
+                        </a:spcBef>
+                        <a:spcAft>
+                          <a:spcPts val="0"/>
+                        </a:spcAft>
+                      </a:pPr>
+                      <a:r>
+                        <a:rPr lang="ko-KR" altLang="en-US" sz="1200" kern="0" spc="0" dirty="0">
+                          <a:solidFill>
+                            <a:srgbClr val="000000"/>
+                          </a:solidFill>
+                          <a:effectLst/>
+                          <a:latin typeface="+mn-ea"/>
+                          <a:ea typeface="+mn-ea"/>
+                        </a:rPr>
+                        <a:t> 전달받은 데이터를 앱으로 전달</a:t>
+                      </a:r>
+                    </a:p>
+                  </a:txBody>
+                  <a:tcPr marL="42251" marR="42251" marT="11681" marB="11681" anchor="ctr">
+                    <a:lnL w="3556" cap="flat" cmpd="sng" algn="ctr">
+                      <a:solidFill>
+                        <a:srgbClr val="000000"/>
+                      </a:solidFill>
+                      <a:prstDash val="solid"/>
+                      <a:round/>
+                      <a:headEnd type="none" w="med" len="med"/>
+                      <a:tailEnd type="none" w="med" len="med"/>
+                    </a:lnL>
+                    <a:lnR w="3556" cap="flat" cmpd="sng" algn="ctr">
+                      <a:solidFill>
+                        <a:srgbClr val="000000"/>
+                      </a:solidFill>
+                      <a:prstDash val="solid"/>
+                      <a:round/>
+                      <a:headEnd type="none" w="med" len="med"/>
+                      <a:tailEnd type="none" w="med" len="med"/>
+                    </a:lnR>
+                    <a:lnT w="3556" cap="flat" cmpd="sng" algn="ctr">
+                      <a:solidFill>
+                        <a:srgbClr val="000000"/>
+                      </a:solidFill>
+                      <a:prstDash val="solid"/>
+                      <a:round/>
+                      <a:headEnd type="none" w="med" len="med"/>
+                      <a:tailEnd type="none" w="med" len="med"/>
+                    </a:lnT>
+                    <a:lnB w="3556" cap="flat" cmpd="sng" algn="ctr">
+                      <a:solidFill>
+                        <a:srgbClr val="000000"/>
+                      </a:solidFill>
+                      <a:prstDash val="solid"/>
+                      <a:round/>
+                      <a:headEnd type="none" w="med" len="med"/>
+                      <a:tailEnd type="none" w="med" len="med"/>
+                    </a:lnB>
+                  </a:tcPr>
+                </a:tc>
+                <a:extLst>
+                  <a:ext uri="{0D108BD9-81ED-4DB2-BD59-A6C34878D82A}">
+                    <a16:rowId xmlns:a16="http://schemas.microsoft.com/office/drawing/2014/main" val="10005"/>
+                  </a:ext>
+                </a:extLst>
+              </a:tr>
+              <a:tr h="371004">
+                <a:tc rowSpan="5">
+                  <a:txBody>
+                    <a:bodyPr/>
+                    <a:lstStyle/>
+                    <a:p>
+                      <a:pPr marL="0" marR="0" indent="0" algn="ctr" fontAlgn="base" latinLnBrk="0">
+                        <a:lnSpc>
+                          <a:spcPct val="160000"/>
+                        </a:lnSpc>
+                        <a:spcBef>
+                          <a:spcPts val="0"/>
+                        </a:spcBef>
+                        <a:spcAft>
+                          <a:spcPts val="0"/>
+                        </a:spcAft>
+                      </a:pPr>
+                      <a:r>
+                        <a:rPr lang="en-US" sz="1200" kern="0" spc="0" dirty="0">
+                          <a:solidFill>
+                            <a:srgbClr val="000000"/>
+                          </a:solidFill>
+                          <a:effectLst/>
+                          <a:latin typeface="+mj-lt"/>
+                        </a:rPr>
+                        <a:t>MAIN</a:t>
+                      </a:r>
+                    </a:p>
+                    <a:p>
+                      <a:pPr marL="0" marR="0" indent="0" algn="ctr" fontAlgn="base" latinLnBrk="0">
+                        <a:lnSpc>
+                          <a:spcPct val="160000"/>
+                        </a:lnSpc>
+                        <a:spcBef>
+                          <a:spcPts val="0"/>
+                        </a:spcBef>
+                        <a:spcAft>
+                          <a:spcPts val="0"/>
+                        </a:spcAft>
+                      </a:pPr>
+                      <a:r>
+                        <a:rPr lang="en-US" sz="1200" kern="0" spc="0" dirty="0">
+                          <a:solidFill>
+                            <a:srgbClr val="000000"/>
+                          </a:solidFill>
+                          <a:effectLst/>
+                          <a:latin typeface="+mj-lt"/>
+                        </a:rPr>
+                        <a:t>(App main)</a:t>
+                      </a:r>
+                    </a:p>
+                  </a:txBody>
+                  <a:tcPr marL="42251" marR="42251" marT="11681" marB="11681" anchor="ctr">
+                    <a:lnL w="3556" cap="flat" cmpd="sng" algn="ctr">
+                      <a:solidFill>
+                        <a:srgbClr val="000000"/>
+                      </a:solidFill>
+                      <a:prstDash val="solid"/>
+                      <a:round/>
+                      <a:headEnd type="none" w="med" len="med"/>
+                      <a:tailEnd type="none" w="med" len="med"/>
+                    </a:lnL>
+                    <a:lnR w="3556" cap="flat" cmpd="sng" algn="ctr">
+                      <a:solidFill>
+                        <a:srgbClr val="000000"/>
+                      </a:solidFill>
+                      <a:prstDash val="solid"/>
+                      <a:round/>
+                      <a:headEnd type="none" w="med" len="med"/>
+                      <a:tailEnd type="none" w="med" len="med"/>
+                    </a:lnR>
+                    <a:lnT w="3556" cap="flat" cmpd="sng" algn="ctr">
+                      <a:solidFill>
+                        <a:srgbClr val="000000"/>
+                      </a:solidFill>
+                      <a:prstDash val="solid"/>
+                      <a:round/>
+                      <a:headEnd type="none" w="med" len="med"/>
+                      <a:tailEnd type="none" w="med" len="med"/>
+                    </a:lnT>
+                    <a:lnB w="3556" cap="flat" cmpd="sng" algn="ctr">
+                      <a:solidFill>
+                        <a:srgbClr val="000000"/>
+                      </a:solidFill>
+                      <a:prstDash val="solid"/>
+                      <a:round/>
+                      <a:headEnd type="none" w="med" len="med"/>
+                      <a:tailEnd type="none" w="med" len="med"/>
+                    </a:lnB>
+                  </a:tcPr>
+                </a:tc>
+                <a:tc>
+                  <a:txBody>
+                    <a:bodyPr/>
+                    <a:lstStyle/>
+                    <a:p>
+                      <a:pPr algn="just" latinLnBrk="1"/>
+                      <a:r>
+                        <a:rPr lang="en-US" altLang="ko-KR" sz="1200" b="0" kern="0" spc="0" dirty="0">
+                          <a:solidFill>
+                            <a:srgbClr val="000000"/>
+                          </a:solidFill>
+                          <a:effectLst/>
+                          <a:latin typeface="+mj-lt"/>
+                        </a:rPr>
+                        <a:t>MAIN</a:t>
+                      </a:r>
+                      <a:r>
+                        <a:rPr lang="en-US" altLang="ko-KR" sz="1200" b="0" dirty="0">
+                          <a:latin typeface="+mj-lt"/>
+                        </a:rPr>
+                        <a:t>-01-01</a:t>
+                      </a:r>
+                      <a:endParaRPr lang="ko-KR" altLang="en-US" sz="1200" b="0" dirty="0">
+                        <a:latin typeface="+mj-lt"/>
+                      </a:endParaRPr>
+                    </a:p>
+                  </a:txBody>
+                  <a:tcPr anchor="ctr">
+                    <a:lnL w="3556" cap="flat" cmpd="sng" algn="ctr">
+                      <a:solidFill>
+                        <a:srgbClr val="000000"/>
+                      </a:solidFill>
+                      <a:prstDash val="solid"/>
+                      <a:round/>
+                      <a:headEnd type="none" w="med" len="med"/>
+                      <a:tailEnd type="none" w="med" len="med"/>
+                    </a:lnL>
+                    <a:lnR w="3556" cap="flat" cmpd="sng" algn="ctr">
+                      <a:solidFill>
+                        <a:srgbClr val="000000"/>
+                      </a:solidFill>
+                      <a:prstDash val="solid"/>
+                      <a:round/>
+                      <a:headEnd type="none" w="med" len="med"/>
+                      <a:tailEnd type="none" w="med" len="med"/>
+                    </a:lnR>
+                    <a:lnT w="3556" cap="flat" cmpd="sng" algn="ctr">
+                      <a:solidFill>
+                        <a:srgbClr val="000000"/>
+                      </a:solidFill>
+                      <a:prstDash val="solid"/>
+                      <a:round/>
+                      <a:headEnd type="none" w="med" len="med"/>
+                      <a:tailEnd type="none" w="med" len="med"/>
+                    </a:lnT>
+                    <a:lnB w="3556" cap="flat" cmpd="sng" algn="ctr">
+                      <a:solidFill>
+                        <a:srgbClr val="000000"/>
+                      </a:solidFill>
+                      <a:prstDash val="solid"/>
+                      <a:round/>
+                      <a:headEnd type="none" w="med" len="med"/>
+                      <a:tailEnd type="none" w="med" len="med"/>
+                    </a:lnB>
+                  </a:tcPr>
+                </a:tc>
+                <a:tc>
+                  <a:txBody>
+                    <a:bodyPr/>
+                    <a:lstStyle/>
+                    <a:p>
+                      <a:pPr algn="just" latinLnBrk="1"/>
+                      <a:r>
+                        <a:rPr lang="ko-KR" altLang="en-US" sz="1200" dirty="0">
+                          <a:latin typeface="+mn-ea"/>
+                          <a:ea typeface="+mn-ea"/>
+                        </a:rPr>
+                        <a:t>대기인원 조회할 버스선택</a:t>
+                      </a:r>
+                    </a:p>
+                  </a:txBody>
+                  <a:tcPr anchor="ctr">
+                    <a:lnL w="3556" cap="flat" cmpd="sng" algn="ctr">
+                      <a:solidFill>
+                        <a:srgbClr val="000000"/>
+                      </a:solidFill>
+                      <a:prstDash val="solid"/>
+                      <a:round/>
+                      <a:headEnd type="none" w="med" len="med"/>
+                      <a:tailEnd type="none" w="med" len="med"/>
+                    </a:lnL>
+                    <a:lnR w="3556" cap="flat" cmpd="sng" algn="ctr">
+                      <a:solidFill>
+                        <a:srgbClr val="000000"/>
+                      </a:solidFill>
+                      <a:prstDash val="solid"/>
+                      <a:round/>
+                      <a:headEnd type="none" w="med" len="med"/>
+                      <a:tailEnd type="none" w="med" len="med"/>
+                    </a:lnR>
+                    <a:lnT w="3556" cap="flat" cmpd="sng" algn="ctr">
+                      <a:solidFill>
+                        <a:srgbClr val="000000"/>
+                      </a:solidFill>
+                      <a:prstDash val="solid"/>
+                      <a:round/>
+                      <a:headEnd type="none" w="med" len="med"/>
+                      <a:tailEnd type="none" w="med" len="med"/>
+                    </a:lnT>
+                    <a:lnB w="3556" cap="flat" cmpd="sng" algn="ctr">
+                      <a:solidFill>
+                        <a:srgbClr val="000000"/>
+                      </a:solidFill>
+                      <a:prstDash val="solid"/>
+                      <a:round/>
+                      <a:headEnd type="none" w="med" len="med"/>
+                      <a:tailEnd type="none" w="med" len="med"/>
+                    </a:lnB>
+                  </a:tcPr>
+                </a:tc>
+                <a:extLst>
+                  <a:ext uri="{0D108BD9-81ED-4DB2-BD59-A6C34878D82A}">
+                    <a16:rowId xmlns:a16="http://schemas.microsoft.com/office/drawing/2014/main" val="10006"/>
+                  </a:ext>
+                </a:extLst>
+              </a:tr>
+              <a:tr h="371004">
+                <a:tc vMerge="1">
+                  <a:txBody>
+                    <a:bodyPr/>
+                    <a:lstStyle/>
+                    <a:p>
+                      <a:pPr latinLnBrk="1"/>
+                      <a:endParaRPr lang="ko-KR" altLang="en-US"/>
+                    </a:p>
+                  </a:txBody>
+                  <a:tcPr/>
+                </a:tc>
+                <a:tc>
+                  <a:txBody>
+                    <a:bodyPr/>
+                    <a:lstStyle/>
+                    <a:p>
+                      <a:pPr algn="just" latinLnBrk="1"/>
+                      <a:r>
+                        <a:rPr lang="en-US" altLang="ko-KR" sz="1200" b="0" kern="0" spc="0" dirty="0">
+                          <a:solidFill>
+                            <a:srgbClr val="000000"/>
+                          </a:solidFill>
+                          <a:effectLst/>
+                          <a:latin typeface="+mj-lt"/>
+                        </a:rPr>
+                        <a:t>MAIN</a:t>
+                      </a:r>
+                      <a:r>
+                        <a:rPr lang="en-US" altLang="ko-KR" sz="1200" b="0" dirty="0">
+                          <a:latin typeface="+mj-lt"/>
+                        </a:rPr>
+                        <a:t>-01-02</a:t>
+                      </a:r>
+                      <a:endParaRPr lang="ko-KR" altLang="en-US" sz="1200" b="0" dirty="0">
+                        <a:latin typeface="+mj-lt"/>
+                      </a:endParaRPr>
+                    </a:p>
+                  </a:txBody>
+                  <a:tcPr anchor="ctr">
+                    <a:lnL w="3556" cap="flat" cmpd="sng" algn="ctr">
+                      <a:solidFill>
+                        <a:srgbClr val="000000"/>
+                      </a:solidFill>
+                      <a:prstDash val="solid"/>
+                      <a:round/>
+                      <a:headEnd type="none" w="med" len="med"/>
+                      <a:tailEnd type="none" w="med" len="med"/>
+                    </a:lnL>
+                    <a:lnR w="3556" cap="flat" cmpd="sng" algn="ctr">
+                      <a:solidFill>
+                        <a:srgbClr val="000000"/>
+                      </a:solidFill>
+                      <a:prstDash val="solid"/>
+                      <a:round/>
+                      <a:headEnd type="none" w="med" len="med"/>
+                      <a:tailEnd type="none" w="med" len="med"/>
+                    </a:lnR>
+                    <a:lnT w="3556" cap="flat" cmpd="sng" algn="ctr">
+                      <a:solidFill>
+                        <a:srgbClr val="000000"/>
+                      </a:solidFill>
+                      <a:prstDash val="solid"/>
+                      <a:round/>
+                      <a:headEnd type="none" w="med" len="med"/>
+                      <a:tailEnd type="none" w="med" len="med"/>
+                    </a:lnT>
+                    <a:lnB w="3556" cap="flat" cmpd="sng" algn="ctr">
+                      <a:solidFill>
+                        <a:srgbClr val="000000"/>
+                      </a:solidFill>
+                      <a:prstDash val="solid"/>
+                      <a:round/>
+                      <a:headEnd type="none" w="med" len="med"/>
+                      <a:tailEnd type="none" w="med" len="med"/>
+                    </a:lnB>
+                  </a:tcPr>
+                </a:tc>
+                <a:tc>
+                  <a:txBody>
+                    <a:bodyPr/>
+                    <a:lstStyle/>
+                    <a:p>
+                      <a:pPr algn="just" latinLnBrk="1"/>
+                      <a:r>
+                        <a:rPr lang="ko-KR" altLang="en-US" sz="1200" dirty="0">
+                          <a:latin typeface="+mn-ea"/>
+                          <a:ea typeface="+mn-ea"/>
+                        </a:rPr>
+                        <a:t>대기인원 안내</a:t>
+                      </a:r>
+                    </a:p>
+                  </a:txBody>
+                  <a:tcPr anchor="ctr">
+                    <a:lnL w="3556" cap="flat" cmpd="sng" algn="ctr">
+                      <a:solidFill>
+                        <a:srgbClr val="000000"/>
+                      </a:solidFill>
+                      <a:prstDash val="solid"/>
+                      <a:round/>
+                      <a:headEnd type="none" w="med" len="med"/>
+                      <a:tailEnd type="none" w="med" len="med"/>
+                    </a:lnL>
+                    <a:lnR w="3556" cap="flat" cmpd="sng" algn="ctr">
+                      <a:solidFill>
+                        <a:srgbClr val="000000"/>
+                      </a:solidFill>
+                      <a:prstDash val="solid"/>
+                      <a:round/>
+                      <a:headEnd type="none" w="med" len="med"/>
+                      <a:tailEnd type="none" w="med" len="med"/>
+                    </a:lnR>
+                    <a:lnT w="3556" cap="flat" cmpd="sng" algn="ctr">
+                      <a:solidFill>
+                        <a:srgbClr val="000000"/>
+                      </a:solidFill>
+                      <a:prstDash val="solid"/>
+                      <a:round/>
+                      <a:headEnd type="none" w="med" len="med"/>
+                      <a:tailEnd type="none" w="med" len="med"/>
+                    </a:lnT>
+                    <a:lnB w="3556" cap="flat" cmpd="sng" algn="ctr">
+                      <a:solidFill>
+                        <a:srgbClr val="000000"/>
+                      </a:solidFill>
+                      <a:prstDash val="solid"/>
+                      <a:round/>
+                      <a:headEnd type="none" w="med" len="med"/>
+                      <a:tailEnd type="none" w="med" len="med"/>
+                    </a:lnB>
+                  </a:tcPr>
+                </a:tc>
+                <a:extLst>
+                  <a:ext uri="{0D108BD9-81ED-4DB2-BD59-A6C34878D82A}">
+                    <a16:rowId xmlns:a16="http://schemas.microsoft.com/office/drawing/2014/main" val="10007"/>
+                  </a:ext>
+                </a:extLst>
+              </a:tr>
+              <a:tr h="371004">
+                <a:tc vMerge="1">
+                  <a:txBody>
+                    <a:bodyPr/>
+                    <a:lstStyle/>
+                    <a:p>
+                      <a:pPr latinLnBrk="1"/>
+                      <a:endParaRPr lang="ko-KR" altLang="en-US"/>
+                    </a:p>
+                  </a:txBody>
+                  <a:tcPr/>
+                </a:tc>
+                <a:tc>
+                  <a:txBody>
+                    <a:bodyPr/>
+                    <a:lstStyle/>
+                    <a:p>
+                      <a:pPr algn="just" latinLnBrk="1"/>
+                      <a:r>
+                        <a:rPr lang="en-US" altLang="ko-KR" sz="1200" b="0" kern="0" spc="0" dirty="0">
+                          <a:solidFill>
+                            <a:srgbClr val="000000"/>
+                          </a:solidFill>
+                          <a:effectLst/>
+                          <a:latin typeface="+mj-lt"/>
+                        </a:rPr>
+                        <a:t>MAIN</a:t>
+                      </a:r>
+                      <a:r>
+                        <a:rPr lang="en-US" altLang="ko-KR" sz="1200" b="0" dirty="0">
+                          <a:latin typeface="+mj-lt"/>
+                        </a:rPr>
+                        <a:t>-02-01</a:t>
+                      </a:r>
+                      <a:endParaRPr lang="ko-KR" altLang="en-US" sz="1200" b="0" dirty="0">
+                        <a:latin typeface="+mj-lt"/>
+                      </a:endParaRPr>
+                    </a:p>
+                  </a:txBody>
+                  <a:tcPr anchor="ctr">
+                    <a:lnL w="3556" cap="flat" cmpd="sng" algn="ctr">
+                      <a:solidFill>
+                        <a:srgbClr val="000000"/>
+                      </a:solidFill>
+                      <a:prstDash val="solid"/>
+                      <a:round/>
+                      <a:headEnd type="none" w="med" len="med"/>
+                      <a:tailEnd type="none" w="med" len="med"/>
+                    </a:lnL>
+                    <a:lnR w="3556" cap="flat" cmpd="sng" algn="ctr">
+                      <a:solidFill>
+                        <a:srgbClr val="000000"/>
+                      </a:solidFill>
+                      <a:prstDash val="solid"/>
+                      <a:round/>
+                      <a:headEnd type="none" w="med" len="med"/>
+                      <a:tailEnd type="none" w="med" len="med"/>
+                    </a:lnR>
+                    <a:lnT w="3556" cap="flat" cmpd="sng" algn="ctr">
+                      <a:solidFill>
+                        <a:srgbClr val="000000"/>
+                      </a:solidFill>
+                      <a:prstDash val="solid"/>
+                      <a:round/>
+                      <a:headEnd type="none" w="med" len="med"/>
+                      <a:tailEnd type="none" w="med" len="med"/>
+                    </a:lnT>
+                    <a:lnB w="3556" cap="flat" cmpd="sng" algn="ctr">
+                      <a:solidFill>
+                        <a:srgbClr val="000000"/>
+                      </a:solidFill>
+                      <a:prstDash val="solid"/>
+                      <a:round/>
+                      <a:headEnd type="none" w="med" len="med"/>
+                      <a:tailEnd type="none" w="med" len="med"/>
+                    </a:lnB>
+                  </a:tcPr>
+                </a:tc>
+                <a:tc>
+                  <a:txBody>
+                    <a:bodyPr/>
+                    <a:lstStyle/>
+                    <a:p>
+                      <a:pPr algn="just" latinLnBrk="1"/>
+                      <a:r>
+                        <a:rPr lang="ko-KR" altLang="en-US" sz="1200" dirty="0">
+                          <a:latin typeface="+mn-ea"/>
+                          <a:ea typeface="+mn-ea"/>
+                        </a:rPr>
+                        <a:t>사용자의 현 위치 표시</a:t>
+                      </a:r>
+                    </a:p>
+                  </a:txBody>
+                  <a:tcPr anchor="ctr">
+                    <a:lnL w="3556" cap="flat" cmpd="sng" algn="ctr">
+                      <a:solidFill>
+                        <a:srgbClr val="000000"/>
+                      </a:solidFill>
+                      <a:prstDash val="solid"/>
+                      <a:round/>
+                      <a:headEnd type="none" w="med" len="med"/>
+                      <a:tailEnd type="none" w="med" len="med"/>
+                    </a:lnL>
+                    <a:lnR w="3556" cap="flat" cmpd="sng" algn="ctr">
+                      <a:solidFill>
+                        <a:srgbClr val="000000"/>
+                      </a:solidFill>
+                      <a:prstDash val="solid"/>
+                      <a:round/>
+                      <a:headEnd type="none" w="med" len="med"/>
+                      <a:tailEnd type="none" w="med" len="med"/>
+                    </a:lnR>
+                    <a:lnT w="3556" cap="flat" cmpd="sng" algn="ctr">
+                      <a:solidFill>
+                        <a:srgbClr val="000000"/>
+                      </a:solidFill>
+                      <a:prstDash val="solid"/>
+                      <a:round/>
+                      <a:headEnd type="none" w="med" len="med"/>
+                      <a:tailEnd type="none" w="med" len="med"/>
+                    </a:lnT>
+                    <a:lnB w="3556" cap="flat" cmpd="sng" algn="ctr">
+                      <a:solidFill>
+                        <a:srgbClr val="000000"/>
+                      </a:solidFill>
+                      <a:prstDash val="solid"/>
+                      <a:round/>
+                      <a:headEnd type="none" w="med" len="med"/>
+                      <a:tailEnd type="none" w="med" len="med"/>
+                    </a:lnB>
+                  </a:tcPr>
+                </a:tc>
+                <a:extLst>
+                  <a:ext uri="{0D108BD9-81ED-4DB2-BD59-A6C34878D82A}">
+                    <a16:rowId xmlns:a16="http://schemas.microsoft.com/office/drawing/2014/main" val="10008"/>
+                  </a:ext>
+                </a:extLst>
+              </a:tr>
+              <a:tr h="371004">
+                <a:tc vMerge="1">
+                  <a:txBody>
+                    <a:bodyPr/>
+                    <a:lstStyle/>
+                    <a:p>
+                      <a:pPr latinLnBrk="1"/>
+                      <a:endParaRPr lang="ko-KR" altLang="en-US"/>
+                    </a:p>
+                  </a:txBody>
+                  <a:tcPr/>
+                </a:tc>
+                <a:tc>
+                  <a:txBody>
+                    <a:bodyPr/>
+                    <a:lstStyle/>
+                    <a:p>
+                      <a:pPr algn="just" latinLnBrk="1"/>
+                      <a:r>
+                        <a:rPr lang="en-US" altLang="ko-KR" sz="1200" b="0" kern="0" spc="0" dirty="0">
+                          <a:solidFill>
+                            <a:srgbClr val="000000"/>
+                          </a:solidFill>
+                          <a:effectLst/>
+                          <a:latin typeface="+mj-lt"/>
+                        </a:rPr>
+                        <a:t>MAIN</a:t>
+                      </a:r>
+                      <a:r>
+                        <a:rPr lang="en-US" altLang="ko-KR" sz="1200" b="0" dirty="0">
+                          <a:latin typeface="+mj-lt"/>
+                        </a:rPr>
+                        <a:t>-03-01</a:t>
+                      </a:r>
+                      <a:endParaRPr lang="ko-KR" altLang="en-US" sz="1200" b="0" dirty="0">
+                        <a:latin typeface="+mj-lt"/>
+                      </a:endParaRPr>
+                    </a:p>
+                  </a:txBody>
+                  <a:tcPr anchor="ctr">
+                    <a:lnL w="3556" cap="flat" cmpd="sng" algn="ctr">
+                      <a:solidFill>
+                        <a:srgbClr val="000000"/>
+                      </a:solidFill>
+                      <a:prstDash val="solid"/>
+                      <a:round/>
+                      <a:headEnd type="none" w="med" len="med"/>
+                      <a:tailEnd type="none" w="med" len="med"/>
+                    </a:lnL>
+                    <a:lnR w="3556" cap="flat" cmpd="sng" algn="ctr">
+                      <a:solidFill>
+                        <a:srgbClr val="000000"/>
+                      </a:solidFill>
+                      <a:prstDash val="solid"/>
+                      <a:round/>
+                      <a:headEnd type="none" w="med" len="med"/>
+                      <a:tailEnd type="none" w="med" len="med"/>
+                    </a:lnR>
+                    <a:lnT w="3556" cap="flat" cmpd="sng" algn="ctr">
+                      <a:solidFill>
+                        <a:srgbClr val="000000"/>
+                      </a:solidFill>
+                      <a:prstDash val="solid"/>
+                      <a:round/>
+                      <a:headEnd type="none" w="med" len="med"/>
+                      <a:tailEnd type="none" w="med" len="med"/>
+                    </a:lnT>
+                    <a:lnB w="3556" cap="flat" cmpd="sng" algn="ctr">
+                      <a:solidFill>
+                        <a:srgbClr val="000000"/>
+                      </a:solidFill>
+                      <a:prstDash val="solid"/>
+                      <a:round/>
+                      <a:headEnd type="none" w="med" len="med"/>
+                      <a:tailEnd type="none" w="med" len="med"/>
+                    </a:lnB>
+                  </a:tcPr>
+                </a:tc>
+                <a:tc>
+                  <a:txBody>
+                    <a:bodyPr/>
+                    <a:lstStyle/>
+                    <a:p>
+                      <a:pPr algn="just" latinLnBrk="1"/>
+                      <a:r>
+                        <a:rPr lang="ko-KR" altLang="en-US" sz="1200" dirty="0">
+                          <a:latin typeface="+mn-ea"/>
+                          <a:ea typeface="+mn-ea"/>
+                        </a:rPr>
+                        <a:t>출발지</a:t>
+                      </a:r>
+                      <a:r>
+                        <a:rPr lang="en-US" altLang="ko-KR" sz="1200" dirty="0">
+                          <a:latin typeface="+mn-ea"/>
+                          <a:ea typeface="+mn-ea"/>
+                        </a:rPr>
+                        <a:t>, </a:t>
+                      </a:r>
+                      <a:r>
+                        <a:rPr lang="ko-KR" altLang="en-US" sz="1200" dirty="0">
+                          <a:latin typeface="+mn-ea"/>
+                          <a:ea typeface="+mn-ea"/>
+                        </a:rPr>
+                        <a:t>도착지 설정</a:t>
+                      </a:r>
+                    </a:p>
+                  </a:txBody>
+                  <a:tcPr anchor="ctr">
+                    <a:lnL w="3556" cap="flat" cmpd="sng" algn="ctr">
+                      <a:solidFill>
+                        <a:srgbClr val="000000"/>
+                      </a:solidFill>
+                      <a:prstDash val="solid"/>
+                      <a:round/>
+                      <a:headEnd type="none" w="med" len="med"/>
+                      <a:tailEnd type="none" w="med" len="med"/>
+                    </a:lnL>
+                    <a:lnR w="3556" cap="flat" cmpd="sng" algn="ctr">
+                      <a:solidFill>
+                        <a:srgbClr val="000000"/>
+                      </a:solidFill>
+                      <a:prstDash val="solid"/>
+                      <a:round/>
+                      <a:headEnd type="none" w="med" len="med"/>
+                      <a:tailEnd type="none" w="med" len="med"/>
+                    </a:lnR>
+                    <a:lnT w="3556" cap="flat" cmpd="sng" algn="ctr">
+                      <a:solidFill>
+                        <a:srgbClr val="000000"/>
+                      </a:solidFill>
+                      <a:prstDash val="solid"/>
+                      <a:round/>
+                      <a:headEnd type="none" w="med" len="med"/>
+                      <a:tailEnd type="none" w="med" len="med"/>
+                    </a:lnT>
+                    <a:lnB w="3556" cap="flat" cmpd="sng" algn="ctr">
+                      <a:solidFill>
+                        <a:srgbClr val="000000"/>
+                      </a:solidFill>
+                      <a:prstDash val="solid"/>
+                      <a:round/>
+                      <a:headEnd type="none" w="med" len="med"/>
+                      <a:tailEnd type="none" w="med" len="med"/>
+                    </a:lnB>
+                  </a:tcPr>
+                </a:tc>
+                <a:extLst>
+                  <a:ext uri="{0D108BD9-81ED-4DB2-BD59-A6C34878D82A}">
+                    <a16:rowId xmlns:a16="http://schemas.microsoft.com/office/drawing/2014/main" val="10009"/>
+                  </a:ext>
+                </a:extLst>
+              </a:tr>
+              <a:tr h="371004">
+                <a:tc vMerge="1">
+                  <a:txBody>
+                    <a:bodyPr/>
+                    <a:lstStyle/>
+                    <a:p>
+                      <a:pPr latinLnBrk="1"/>
+                      <a:endParaRPr lang="ko-KR" altLang="en-US"/>
+                    </a:p>
+                  </a:txBody>
+                  <a:tcPr/>
+                </a:tc>
+                <a:tc>
+                  <a:txBody>
+                    <a:bodyPr/>
+                    <a:lstStyle/>
+                    <a:p>
+                      <a:pPr algn="just" latinLnBrk="1"/>
+                      <a:r>
+                        <a:rPr lang="en-US" altLang="ko-KR" sz="1200" b="0" kern="0" spc="0" dirty="0">
+                          <a:solidFill>
+                            <a:srgbClr val="000000"/>
+                          </a:solidFill>
+                          <a:effectLst/>
+                          <a:latin typeface="+mj-lt"/>
+                        </a:rPr>
+                        <a:t>MAIN</a:t>
+                      </a:r>
+                      <a:r>
+                        <a:rPr lang="en-US" altLang="ko-KR" sz="1200" b="0" dirty="0">
+                          <a:latin typeface="+mj-lt"/>
+                        </a:rPr>
+                        <a:t>-03-02</a:t>
+                      </a:r>
+                      <a:endParaRPr lang="ko-KR" altLang="en-US" sz="1200" b="0" dirty="0">
+                        <a:latin typeface="+mj-lt"/>
+                      </a:endParaRPr>
+                    </a:p>
+                  </a:txBody>
+                  <a:tcPr anchor="ctr">
+                    <a:lnL w="3556" cap="flat" cmpd="sng" algn="ctr">
+                      <a:solidFill>
+                        <a:srgbClr val="000000"/>
+                      </a:solidFill>
+                      <a:prstDash val="solid"/>
+                      <a:round/>
+                      <a:headEnd type="none" w="med" len="med"/>
+                      <a:tailEnd type="none" w="med" len="med"/>
+                    </a:lnL>
+                    <a:lnR w="3556" cap="flat" cmpd="sng" algn="ctr">
+                      <a:solidFill>
+                        <a:srgbClr val="000000"/>
+                      </a:solidFill>
+                      <a:prstDash val="solid"/>
+                      <a:round/>
+                      <a:headEnd type="none" w="med" len="med"/>
+                      <a:tailEnd type="none" w="med" len="med"/>
+                    </a:lnR>
+                    <a:lnT w="3556" cap="flat" cmpd="sng" algn="ctr">
+                      <a:solidFill>
+                        <a:srgbClr val="000000"/>
+                      </a:solidFill>
+                      <a:prstDash val="solid"/>
+                      <a:round/>
+                      <a:headEnd type="none" w="med" len="med"/>
+                      <a:tailEnd type="none" w="med" len="med"/>
+                    </a:lnT>
+                    <a:lnB w="3556" cap="flat" cmpd="sng" algn="ctr">
+                      <a:solidFill>
+                        <a:srgbClr val="000000"/>
+                      </a:solidFill>
+                      <a:prstDash val="solid"/>
+                      <a:round/>
+                      <a:headEnd type="none" w="med" len="med"/>
+                      <a:tailEnd type="none" w="med" len="med"/>
+                    </a:lnB>
+                  </a:tcPr>
+                </a:tc>
+                <a:tc>
+                  <a:txBody>
+                    <a:bodyPr/>
+                    <a:lstStyle/>
+                    <a:p>
+                      <a:pPr algn="just" latinLnBrk="1"/>
+                      <a:r>
+                        <a:rPr lang="ko-KR" altLang="en-US" sz="1200" dirty="0">
+                          <a:latin typeface="+mn-ea"/>
+                          <a:ea typeface="+mn-ea"/>
+                        </a:rPr>
+                        <a:t>추천 경로 안내</a:t>
+                      </a:r>
+                    </a:p>
+                  </a:txBody>
+                  <a:tcPr anchor="ctr">
+                    <a:lnL w="3556" cap="flat" cmpd="sng" algn="ctr">
+                      <a:solidFill>
+                        <a:srgbClr val="000000"/>
+                      </a:solidFill>
+                      <a:prstDash val="solid"/>
+                      <a:round/>
+                      <a:headEnd type="none" w="med" len="med"/>
+                      <a:tailEnd type="none" w="med" len="med"/>
+                    </a:lnL>
+                    <a:lnR w="3556" cap="flat" cmpd="sng" algn="ctr">
+                      <a:solidFill>
+                        <a:srgbClr val="000000"/>
+                      </a:solidFill>
+                      <a:prstDash val="solid"/>
+                      <a:round/>
+                      <a:headEnd type="none" w="med" len="med"/>
+                      <a:tailEnd type="none" w="med" len="med"/>
+                    </a:lnR>
+                    <a:lnT w="3556" cap="flat" cmpd="sng" algn="ctr">
+                      <a:solidFill>
+                        <a:srgbClr val="000000"/>
+                      </a:solidFill>
+                      <a:prstDash val="solid"/>
+                      <a:round/>
+                      <a:headEnd type="none" w="med" len="med"/>
+                      <a:tailEnd type="none" w="med" len="med"/>
+                    </a:lnT>
+                    <a:lnB w="3556" cap="flat" cmpd="sng" algn="ctr">
+                      <a:solidFill>
+                        <a:srgbClr val="000000"/>
+                      </a:solidFill>
+                      <a:prstDash val="solid"/>
+                      <a:round/>
+                      <a:headEnd type="none" w="med" len="med"/>
+                      <a:tailEnd type="none" w="med" len="med"/>
+                    </a:lnB>
+                  </a:tcPr>
+                </a:tc>
+                <a:extLst>
+                  <a:ext uri="{0D108BD9-81ED-4DB2-BD59-A6C34878D82A}">
+                    <a16:rowId xmlns:a16="http://schemas.microsoft.com/office/drawing/2014/main" val="10010"/>
+                  </a:ext>
+                </a:extLst>
+              </a:tr>
+            </a:tbl>
+          </a:graphicData>
+        </a:graphic>
+      </p:graphicFrame>
     </p:spTree>
     <p:extLst>
       <p:ext uri="{BB962C8B-B14F-4D97-AF65-F5344CB8AC3E}">
-        <p14:creationId xmlns:p14="http://schemas.microsoft.com/office/powerpoint/2010/main" val="1961503956"/>
+        <p14:creationId xmlns:p14="http://schemas.microsoft.com/office/powerpoint/2010/main" val="904391866"/>
       </p:ext>
     </p:extLst>
   </p:cSld>
@@ -20348,2776 +22670,6 @@
           <p:nvPr>
             <p:extLst>
               <p:ext uri="{D42A27DB-BD31-4B8C-83A1-F6EECF244321}">
-                <p14:modId xmlns:p14="http://schemas.microsoft.com/office/powerpoint/2010/main" val="2380700600"/>
-              </p:ext>
-            </p:extLst>
-          </p:nvPr>
-        </p:nvGraphicFramePr>
-        <p:xfrm>
-          <a:off x="298210" y="1286056"/>
-          <a:ext cx="8547580" cy="4656729"/>
-        </p:xfrm>
-        <a:graphic>
-          <a:graphicData uri="http://schemas.openxmlformats.org/drawingml/2006/table">
-            <a:tbl>
-              <a:tblPr/>
-              <a:tblGrid>
-                <a:gridCol w="1233540">
-                  <a:extLst>
-                    <a:ext uri="{9D8B030D-6E8A-4147-A177-3AD203B41FA5}">
-                      <a16:colId xmlns:a16="http://schemas.microsoft.com/office/drawing/2014/main" val="20000"/>
-                    </a:ext>
-                  </a:extLst>
-                </a:gridCol>
-                <a:gridCol w="2726900">
-                  <a:extLst>
-                    <a:ext uri="{9D8B030D-6E8A-4147-A177-3AD203B41FA5}">
-                      <a16:colId xmlns:a16="http://schemas.microsoft.com/office/drawing/2014/main" val="20001"/>
-                    </a:ext>
-                  </a:extLst>
-                </a:gridCol>
-                <a:gridCol w="4587140">
-                  <a:extLst>
-                    <a:ext uri="{9D8B030D-6E8A-4147-A177-3AD203B41FA5}">
-                      <a16:colId xmlns:a16="http://schemas.microsoft.com/office/drawing/2014/main" val="20002"/>
-                    </a:ext>
-                  </a:extLst>
-                </a:gridCol>
-              </a:tblGrid>
-              <a:tr h="371004">
-                <a:tc>
-                  <a:txBody>
-                    <a:bodyPr/>
-                    <a:lstStyle/>
-                    <a:p>
-                      <a:pPr marL="0" marR="0" indent="0" algn="ctr" fontAlgn="base" latinLnBrk="0">
-                        <a:lnSpc>
-                          <a:spcPct val="160000"/>
-                        </a:lnSpc>
-                        <a:spcBef>
-                          <a:spcPts val="0"/>
-                        </a:spcBef>
-                        <a:spcAft>
-                          <a:spcPts val="0"/>
-                        </a:spcAft>
-                      </a:pPr>
-                      <a:r>
-                        <a:rPr lang="ko-KR" altLang="en-US" sz="1200" b="1" kern="0" spc="0" dirty="0">
-                          <a:solidFill>
-                            <a:srgbClr val="000000"/>
-                          </a:solidFill>
-                          <a:effectLst/>
-                          <a:latin typeface="+mj-lt"/>
-                          <a:ea typeface="맑은 고딕"/>
-                        </a:rPr>
-                        <a:t>기능 분류</a:t>
-                      </a:r>
-                      <a:endParaRPr lang="ko-KR" altLang="en-US" sz="1200" b="1" kern="0" spc="0" dirty="0">
-                        <a:solidFill>
-                          <a:srgbClr val="000000"/>
-                        </a:solidFill>
-                        <a:effectLst/>
-                        <a:latin typeface="+mj-lt"/>
-                      </a:endParaRPr>
-                    </a:p>
-                  </a:txBody>
-                  <a:tcPr marL="42251" marR="42251" marT="11681" marB="11681" anchor="ctr">
-                    <a:lnL w="3556" cap="flat" cmpd="sng" algn="ctr">
-                      <a:solidFill>
-                        <a:srgbClr val="000000"/>
-                      </a:solidFill>
-                      <a:prstDash val="solid"/>
-                      <a:round/>
-                      <a:headEnd type="none" w="med" len="med"/>
-                      <a:tailEnd type="none" w="med" len="med"/>
-                    </a:lnL>
-                    <a:lnR w="3556" cap="flat" cmpd="sng" algn="ctr">
-                      <a:solidFill>
-                        <a:srgbClr val="000000"/>
-                      </a:solidFill>
-                      <a:prstDash val="solid"/>
-                      <a:round/>
-                      <a:headEnd type="none" w="med" len="med"/>
-                      <a:tailEnd type="none" w="med" len="med"/>
-                    </a:lnR>
-                    <a:lnT w="3556" cap="flat" cmpd="sng" algn="ctr">
-                      <a:solidFill>
-                        <a:srgbClr val="000000"/>
-                      </a:solidFill>
-                      <a:prstDash val="solid"/>
-                      <a:round/>
-                      <a:headEnd type="none" w="med" len="med"/>
-                      <a:tailEnd type="none" w="med" len="med"/>
-                    </a:lnT>
-                    <a:lnB w="3556" cap="flat" cmpd="sng" algn="ctr">
-                      <a:solidFill>
-                        <a:srgbClr val="000000"/>
-                      </a:solidFill>
-                      <a:prstDash val="solid"/>
-                      <a:round/>
-                      <a:headEnd type="none" w="med" len="med"/>
-                      <a:tailEnd type="none" w="med" len="med"/>
-                    </a:lnB>
-                    <a:solidFill>
-                      <a:srgbClr val="C1D6ED"/>
-                    </a:solidFill>
-                  </a:tcPr>
-                </a:tc>
-                <a:tc>
-                  <a:txBody>
-                    <a:bodyPr/>
-                    <a:lstStyle/>
-                    <a:p>
-                      <a:pPr marL="0" marR="0" indent="0" algn="ctr" fontAlgn="base" latinLnBrk="0">
-                        <a:lnSpc>
-                          <a:spcPct val="160000"/>
-                        </a:lnSpc>
-                        <a:spcBef>
-                          <a:spcPts val="0"/>
-                        </a:spcBef>
-                        <a:spcAft>
-                          <a:spcPts val="0"/>
-                        </a:spcAft>
-                      </a:pPr>
-                      <a:r>
-                        <a:rPr lang="ko-KR" altLang="en-US" sz="1200" b="1" kern="0" spc="0" dirty="0">
-                          <a:solidFill>
-                            <a:srgbClr val="000000"/>
-                          </a:solidFill>
-                          <a:effectLst/>
-                          <a:latin typeface="+mj-lt"/>
-                          <a:ea typeface="맑은 고딕"/>
-                        </a:rPr>
-                        <a:t>기능번호</a:t>
-                      </a:r>
-                      <a:endParaRPr lang="ko-KR" altLang="en-US" sz="1200" b="1" kern="0" spc="0" dirty="0">
-                        <a:solidFill>
-                          <a:srgbClr val="000000"/>
-                        </a:solidFill>
-                        <a:effectLst/>
-                        <a:latin typeface="+mj-lt"/>
-                      </a:endParaRPr>
-                    </a:p>
-                  </a:txBody>
-                  <a:tcPr marL="42251" marR="42251" marT="11681" marB="11681" anchor="ctr">
-                    <a:lnL w="3556" cap="flat" cmpd="sng" algn="ctr">
-                      <a:solidFill>
-                        <a:srgbClr val="000000"/>
-                      </a:solidFill>
-                      <a:prstDash val="solid"/>
-                      <a:round/>
-                      <a:headEnd type="none" w="med" len="med"/>
-                      <a:tailEnd type="none" w="med" len="med"/>
-                    </a:lnL>
-                    <a:lnR w="3556" cap="flat" cmpd="sng" algn="ctr">
-                      <a:solidFill>
-                        <a:srgbClr val="000000"/>
-                      </a:solidFill>
-                      <a:prstDash val="solid"/>
-                      <a:round/>
-                      <a:headEnd type="none" w="med" len="med"/>
-                      <a:tailEnd type="none" w="med" len="med"/>
-                    </a:lnR>
-                    <a:lnT w="3556" cap="flat" cmpd="sng" algn="ctr">
-                      <a:solidFill>
-                        <a:srgbClr val="000000"/>
-                      </a:solidFill>
-                      <a:prstDash val="solid"/>
-                      <a:round/>
-                      <a:headEnd type="none" w="med" len="med"/>
-                      <a:tailEnd type="none" w="med" len="med"/>
-                    </a:lnT>
-                    <a:lnB w="3556" cap="flat" cmpd="sng" algn="ctr">
-                      <a:solidFill>
-                        <a:srgbClr val="000000"/>
-                      </a:solidFill>
-                      <a:prstDash val="solid"/>
-                      <a:round/>
-                      <a:headEnd type="none" w="med" len="med"/>
-                      <a:tailEnd type="none" w="med" len="med"/>
-                    </a:lnB>
-                    <a:solidFill>
-                      <a:srgbClr val="C1D6ED"/>
-                    </a:solidFill>
-                  </a:tcPr>
-                </a:tc>
-                <a:tc>
-                  <a:txBody>
-                    <a:bodyPr/>
-                    <a:lstStyle/>
-                    <a:p>
-                      <a:pPr marL="0" marR="0" indent="0" algn="ctr" fontAlgn="base" latinLnBrk="0">
-                        <a:lnSpc>
-                          <a:spcPct val="160000"/>
-                        </a:lnSpc>
-                        <a:spcBef>
-                          <a:spcPts val="0"/>
-                        </a:spcBef>
-                        <a:spcAft>
-                          <a:spcPts val="0"/>
-                        </a:spcAft>
-                      </a:pPr>
-                      <a:r>
-                        <a:rPr lang="ko-KR" altLang="en-US" sz="1200" b="1" kern="0" spc="0">
-                          <a:solidFill>
-                            <a:srgbClr val="000000"/>
-                          </a:solidFill>
-                          <a:effectLst/>
-                          <a:latin typeface="+mj-lt"/>
-                          <a:ea typeface="맑은 고딕"/>
-                        </a:rPr>
-                        <a:t>기능 명</a:t>
-                      </a:r>
-                      <a:endParaRPr lang="ko-KR" altLang="en-US" sz="1200" b="1" kern="0" spc="0">
-                        <a:solidFill>
-                          <a:srgbClr val="000000"/>
-                        </a:solidFill>
-                        <a:effectLst/>
-                        <a:latin typeface="+mj-lt"/>
-                      </a:endParaRPr>
-                    </a:p>
-                  </a:txBody>
-                  <a:tcPr marL="42251" marR="42251" marT="11681" marB="11681" anchor="ctr">
-                    <a:lnL w="3556" cap="flat" cmpd="sng" algn="ctr">
-                      <a:solidFill>
-                        <a:srgbClr val="000000"/>
-                      </a:solidFill>
-                      <a:prstDash val="solid"/>
-                      <a:round/>
-                      <a:headEnd type="none" w="med" len="med"/>
-                      <a:tailEnd type="none" w="med" len="med"/>
-                    </a:lnL>
-                    <a:lnR w="3556" cap="flat" cmpd="sng" algn="ctr">
-                      <a:solidFill>
-                        <a:srgbClr val="000000"/>
-                      </a:solidFill>
-                      <a:prstDash val="solid"/>
-                      <a:round/>
-                      <a:headEnd type="none" w="med" len="med"/>
-                      <a:tailEnd type="none" w="med" len="med"/>
-                    </a:lnR>
-                    <a:lnT w="3556" cap="flat" cmpd="sng" algn="ctr">
-                      <a:solidFill>
-                        <a:srgbClr val="000000"/>
-                      </a:solidFill>
-                      <a:prstDash val="solid"/>
-                      <a:round/>
-                      <a:headEnd type="none" w="med" len="med"/>
-                      <a:tailEnd type="none" w="med" len="med"/>
-                    </a:lnT>
-                    <a:lnB w="3556" cap="flat" cmpd="sng" algn="ctr">
-                      <a:solidFill>
-                        <a:srgbClr val="000000"/>
-                      </a:solidFill>
-                      <a:prstDash val="solid"/>
-                      <a:round/>
-                      <a:headEnd type="none" w="med" len="med"/>
-                      <a:tailEnd type="none" w="med" len="med"/>
-                    </a:lnB>
-                    <a:solidFill>
-                      <a:srgbClr val="C1D6ED"/>
-                    </a:solidFill>
-                  </a:tcPr>
-                </a:tc>
-                <a:extLst>
-                  <a:ext uri="{0D108BD9-81ED-4DB2-BD59-A6C34878D82A}">
-                    <a16:rowId xmlns:a16="http://schemas.microsoft.com/office/drawing/2014/main" val="10000"/>
-                  </a:ext>
-                </a:extLst>
-              </a:tr>
-              <a:tr h="371004">
-                <a:tc rowSpan="5">
-                  <a:txBody>
-                    <a:bodyPr/>
-                    <a:lstStyle/>
-                    <a:p>
-                      <a:pPr marL="0" marR="0" indent="0" algn="ctr" fontAlgn="base" latinLnBrk="0">
-                        <a:lnSpc>
-                          <a:spcPct val="160000"/>
-                        </a:lnSpc>
-                        <a:spcBef>
-                          <a:spcPts val="0"/>
-                        </a:spcBef>
-                        <a:spcAft>
-                          <a:spcPts val="0"/>
-                        </a:spcAft>
-                      </a:pPr>
-                      <a:r>
-                        <a:rPr lang="en-US" sz="1200" kern="0" spc="0" dirty="0">
-                          <a:solidFill>
-                            <a:srgbClr val="000000"/>
-                          </a:solidFill>
-                          <a:effectLst/>
-                          <a:latin typeface="+mj-lt"/>
-                        </a:rPr>
-                        <a:t>VED</a:t>
-                      </a:r>
-                    </a:p>
-                    <a:p>
-                      <a:pPr marL="0" marR="0" indent="0" algn="ctr" fontAlgn="base" latinLnBrk="0">
-                        <a:lnSpc>
-                          <a:spcPct val="160000"/>
-                        </a:lnSpc>
-                        <a:spcBef>
-                          <a:spcPts val="0"/>
-                        </a:spcBef>
-                        <a:spcAft>
-                          <a:spcPts val="0"/>
-                        </a:spcAft>
-                      </a:pPr>
-                      <a:r>
-                        <a:rPr lang="en-US" sz="1200" kern="0" spc="0" dirty="0">
-                          <a:solidFill>
-                            <a:srgbClr val="000000"/>
-                          </a:solidFill>
-                          <a:effectLst/>
-                          <a:latin typeface="+mj-lt"/>
-                        </a:rPr>
-                        <a:t>(Video Edit)</a:t>
-                      </a:r>
-                    </a:p>
-                  </a:txBody>
-                  <a:tcPr marL="42251" marR="42251" marT="11681" marB="11681" anchor="ctr">
-                    <a:lnL w="3556" cap="flat" cmpd="sng" algn="ctr">
-                      <a:solidFill>
-                        <a:srgbClr val="000000"/>
-                      </a:solidFill>
-                      <a:prstDash val="solid"/>
-                      <a:round/>
-                      <a:headEnd type="none" w="med" len="med"/>
-                      <a:tailEnd type="none" w="med" len="med"/>
-                    </a:lnL>
-                    <a:lnR w="3556" cap="flat" cmpd="sng" algn="ctr">
-                      <a:solidFill>
-                        <a:srgbClr val="000000"/>
-                      </a:solidFill>
-                      <a:prstDash val="solid"/>
-                      <a:round/>
-                      <a:headEnd type="none" w="med" len="med"/>
-                      <a:tailEnd type="none" w="med" len="med"/>
-                    </a:lnR>
-                    <a:lnT w="3556" cap="flat" cmpd="sng" algn="ctr">
-                      <a:solidFill>
-                        <a:srgbClr val="000000"/>
-                      </a:solidFill>
-                      <a:prstDash val="solid"/>
-                      <a:round/>
-                      <a:headEnd type="none" w="med" len="med"/>
-                      <a:tailEnd type="none" w="med" len="med"/>
-                    </a:lnT>
-                    <a:lnB w="3556" cap="flat" cmpd="sng" algn="ctr">
-                      <a:solidFill>
-                        <a:srgbClr val="000000"/>
-                      </a:solidFill>
-                      <a:prstDash val="solid"/>
-                      <a:round/>
-                      <a:headEnd type="none" w="med" len="med"/>
-                      <a:tailEnd type="none" w="med" len="med"/>
-                    </a:lnB>
-                  </a:tcPr>
-                </a:tc>
-                <a:tc>
-                  <a:txBody>
-                    <a:bodyPr/>
-                    <a:lstStyle/>
-                    <a:p>
-                      <a:pPr marL="0" marR="0" indent="0" algn="just" fontAlgn="base" latinLnBrk="1">
-                        <a:lnSpc>
-                          <a:spcPct val="160000"/>
-                        </a:lnSpc>
-                        <a:spcBef>
-                          <a:spcPts val="0"/>
-                        </a:spcBef>
-                        <a:spcAft>
-                          <a:spcPts val="0"/>
-                        </a:spcAft>
-                      </a:pPr>
-                      <a:r>
-                        <a:rPr lang="en-US" sz="1200" kern="0" spc="0" dirty="0">
-                          <a:solidFill>
-                            <a:srgbClr val="000000"/>
-                          </a:solidFill>
-                          <a:effectLst/>
-                          <a:latin typeface="+mj-lt"/>
-                        </a:rPr>
-                        <a:t> VED-01-01</a:t>
-                      </a:r>
-                    </a:p>
-                  </a:txBody>
-                  <a:tcPr marL="42251" marR="42251" marT="11681" marB="11681" anchor="ctr">
-                    <a:lnL w="3556" cap="flat" cmpd="sng" algn="ctr">
-                      <a:solidFill>
-                        <a:srgbClr val="000000"/>
-                      </a:solidFill>
-                      <a:prstDash val="solid"/>
-                      <a:round/>
-                      <a:headEnd type="none" w="med" len="med"/>
-                      <a:tailEnd type="none" w="med" len="med"/>
-                    </a:lnL>
-                    <a:lnR w="3556" cap="flat" cmpd="sng" algn="ctr">
-                      <a:solidFill>
-                        <a:srgbClr val="000000"/>
-                      </a:solidFill>
-                      <a:prstDash val="solid"/>
-                      <a:round/>
-                      <a:headEnd type="none" w="med" len="med"/>
-                      <a:tailEnd type="none" w="med" len="med"/>
-                    </a:lnR>
-                    <a:lnT w="3556" cap="flat" cmpd="sng" algn="ctr">
-                      <a:solidFill>
-                        <a:srgbClr val="000000"/>
-                      </a:solidFill>
-                      <a:prstDash val="solid"/>
-                      <a:round/>
-                      <a:headEnd type="none" w="med" len="med"/>
-                      <a:tailEnd type="none" w="med" len="med"/>
-                    </a:lnT>
-                    <a:lnB w="3556" cap="flat" cmpd="sng" algn="ctr">
-                      <a:solidFill>
-                        <a:srgbClr val="000000"/>
-                      </a:solidFill>
-                      <a:prstDash val="solid"/>
-                      <a:round/>
-                      <a:headEnd type="none" w="med" len="med"/>
-                      <a:tailEnd type="none" w="med" len="med"/>
-                    </a:lnB>
-                  </a:tcPr>
-                </a:tc>
-                <a:tc>
-                  <a:txBody>
-                    <a:bodyPr/>
-                    <a:lstStyle/>
-                    <a:p>
-                      <a:pPr marL="0" marR="0" indent="0" algn="just" fontAlgn="base" latinLnBrk="1">
-                        <a:lnSpc>
-                          <a:spcPct val="160000"/>
-                        </a:lnSpc>
-                        <a:spcBef>
-                          <a:spcPts val="0"/>
-                        </a:spcBef>
-                        <a:spcAft>
-                          <a:spcPts val="0"/>
-                        </a:spcAft>
-                      </a:pPr>
-                      <a:r>
-                        <a:rPr lang="ko-KR" altLang="en-US" sz="1200" kern="0" spc="0" dirty="0">
-                          <a:solidFill>
-                            <a:srgbClr val="000000"/>
-                          </a:solidFill>
-                          <a:effectLst/>
-                          <a:latin typeface="+mn-ea"/>
-                          <a:ea typeface="+mn-ea"/>
-                        </a:rPr>
-                        <a:t>영상처리 </a:t>
-                      </a:r>
-                      <a:r>
-                        <a:rPr lang="en-US" altLang="ko-KR" sz="1200" kern="0" spc="0" dirty="0">
-                          <a:solidFill>
-                            <a:srgbClr val="000000"/>
-                          </a:solidFill>
-                          <a:effectLst/>
-                          <a:latin typeface="+mn-ea"/>
-                          <a:ea typeface="+mn-ea"/>
-                        </a:rPr>
-                        <a:t>– HOG </a:t>
-                      </a:r>
-                      <a:r>
-                        <a:rPr lang="ko-KR" altLang="en-US" sz="1200" kern="0" spc="0" dirty="0">
-                          <a:solidFill>
-                            <a:srgbClr val="000000"/>
-                          </a:solidFill>
-                          <a:effectLst/>
-                          <a:latin typeface="+mn-ea"/>
-                          <a:ea typeface="+mn-ea"/>
-                        </a:rPr>
-                        <a:t>알고리즘</a:t>
-                      </a:r>
-                    </a:p>
-                  </a:txBody>
-                  <a:tcPr marL="42251" marR="42251" marT="11681" marB="11681" anchor="ctr">
-                    <a:lnL w="3556" cap="flat" cmpd="sng" algn="ctr">
-                      <a:solidFill>
-                        <a:srgbClr val="000000"/>
-                      </a:solidFill>
-                      <a:prstDash val="solid"/>
-                      <a:round/>
-                      <a:headEnd type="none" w="med" len="med"/>
-                      <a:tailEnd type="none" w="med" len="med"/>
-                    </a:lnL>
-                    <a:lnR w="3556" cap="flat" cmpd="sng" algn="ctr">
-                      <a:solidFill>
-                        <a:srgbClr val="000000"/>
-                      </a:solidFill>
-                      <a:prstDash val="solid"/>
-                      <a:round/>
-                      <a:headEnd type="none" w="med" len="med"/>
-                      <a:tailEnd type="none" w="med" len="med"/>
-                    </a:lnR>
-                    <a:lnT w="3556" cap="flat" cmpd="sng" algn="ctr">
-                      <a:solidFill>
-                        <a:srgbClr val="000000"/>
-                      </a:solidFill>
-                      <a:prstDash val="solid"/>
-                      <a:round/>
-                      <a:headEnd type="none" w="med" len="med"/>
-                      <a:tailEnd type="none" w="med" len="med"/>
-                    </a:lnT>
-                    <a:lnB w="3556" cap="flat" cmpd="sng" algn="ctr">
-                      <a:solidFill>
-                        <a:srgbClr val="000000"/>
-                      </a:solidFill>
-                      <a:prstDash val="solid"/>
-                      <a:round/>
-                      <a:headEnd type="none" w="med" len="med"/>
-                      <a:tailEnd type="none" w="med" len="med"/>
-                    </a:lnB>
-                  </a:tcPr>
-                </a:tc>
-                <a:extLst>
-                  <a:ext uri="{0D108BD9-81ED-4DB2-BD59-A6C34878D82A}">
-                    <a16:rowId xmlns:a16="http://schemas.microsoft.com/office/drawing/2014/main" val="10001"/>
-                  </a:ext>
-                </a:extLst>
-              </a:tr>
-              <a:tr h="371004">
-                <a:tc vMerge="1">
-                  <a:txBody>
-                    <a:bodyPr/>
-                    <a:lstStyle/>
-                    <a:p>
-                      <a:pPr latinLnBrk="1"/>
-                      <a:endParaRPr lang="ko-KR" altLang="en-US"/>
-                    </a:p>
-                  </a:txBody>
-                  <a:tcPr/>
-                </a:tc>
-                <a:tc>
-                  <a:txBody>
-                    <a:bodyPr/>
-                    <a:lstStyle/>
-                    <a:p>
-                      <a:pPr marL="0" marR="0" indent="0" algn="just" fontAlgn="base" latinLnBrk="1">
-                        <a:lnSpc>
-                          <a:spcPct val="160000"/>
-                        </a:lnSpc>
-                        <a:spcBef>
-                          <a:spcPts val="0"/>
-                        </a:spcBef>
-                        <a:spcAft>
-                          <a:spcPts val="0"/>
-                        </a:spcAft>
-                      </a:pPr>
-                      <a:r>
-                        <a:rPr lang="en-US" sz="1200" kern="0" spc="0" dirty="0">
-                          <a:solidFill>
-                            <a:srgbClr val="000000"/>
-                          </a:solidFill>
-                          <a:effectLst/>
-                          <a:latin typeface="+mj-lt"/>
-                        </a:rPr>
-                        <a:t> VED-01-02</a:t>
-                      </a:r>
-                    </a:p>
-                  </a:txBody>
-                  <a:tcPr marL="42251" marR="42251" marT="11681" marB="11681" anchor="ctr">
-                    <a:lnL w="3556" cap="flat" cmpd="sng" algn="ctr">
-                      <a:solidFill>
-                        <a:srgbClr val="000000"/>
-                      </a:solidFill>
-                      <a:prstDash val="solid"/>
-                      <a:round/>
-                      <a:headEnd type="none" w="med" len="med"/>
-                      <a:tailEnd type="none" w="med" len="med"/>
-                    </a:lnL>
-                    <a:lnR w="3556" cap="flat" cmpd="sng" algn="ctr">
-                      <a:solidFill>
-                        <a:srgbClr val="000000"/>
-                      </a:solidFill>
-                      <a:prstDash val="solid"/>
-                      <a:round/>
-                      <a:headEnd type="none" w="med" len="med"/>
-                      <a:tailEnd type="none" w="med" len="med"/>
-                    </a:lnR>
-                    <a:lnT w="3556" cap="flat" cmpd="sng" algn="ctr">
-                      <a:solidFill>
-                        <a:srgbClr val="000000"/>
-                      </a:solidFill>
-                      <a:prstDash val="solid"/>
-                      <a:round/>
-                      <a:headEnd type="none" w="med" len="med"/>
-                      <a:tailEnd type="none" w="med" len="med"/>
-                    </a:lnT>
-                    <a:lnB w="3556" cap="flat" cmpd="sng" algn="ctr">
-                      <a:solidFill>
-                        <a:srgbClr val="000000"/>
-                      </a:solidFill>
-                      <a:prstDash val="solid"/>
-                      <a:round/>
-                      <a:headEnd type="none" w="med" len="med"/>
-                      <a:tailEnd type="none" w="med" len="med"/>
-                    </a:lnB>
-                  </a:tcPr>
-                </a:tc>
-                <a:tc>
-                  <a:txBody>
-                    <a:bodyPr/>
-                    <a:lstStyle/>
-                    <a:p>
-                      <a:pPr marL="0" marR="0" indent="0" algn="just" fontAlgn="base" latinLnBrk="1">
-                        <a:lnSpc>
-                          <a:spcPct val="160000"/>
-                        </a:lnSpc>
-                        <a:spcBef>
-                          <a:spcPts val="0"/>
-                        </a:spcBef>
-                        <a:spcAft>
-                          <a:spcPts val="0"/>
-                        </a:spcAft>
-                      </a:pPr>
-                      <a:r>
-                        <a:rPr lang="ko-KR" altLang="en-US" sz="1200" kern="0" spc="0" dirty="0">
-                          <a:solidFill>
-                            <a:srgbClr val="000000"/>
-                          </a:solidFill>
-                          <a:effectLst/>
-                          <a:latin typeface="+mn-ea"/>
-                          <a:ea typeface="+mn-ea"/>
-                        </a:rPr>
-                        <a:t>영상처리 </a:t>
-                      </a:r>
-                      <a:r>
-                        <a:rPr lang="en-US" altLang="ko-KR" sz="1200" kern="0" spc="0" dirty="0">
-                          <a:solidFill>
-                            <a:srgbClr val="000000"/>
-                          </a:solidFill>
-                          <a:effectLst/>
-                          <a:latin typeface="+mn-ea"/>
-                          <a:ea typeface="+mn-ea"/>
-                        </a:rPr>
-                        <a:t>– </a:t>
-                      </a:r>
-                      <a:r>
-                        <a:rPr lang="en-US" altLang="ko-KR" sz="1200" kern="0" spc="0" dirty="0" err="1">
-                          <a:solidFill>
-                            <a:srgbClr val="000000"/>
-                          </a:solidFill>
-                          <a:effectLst/>
-                          <a:latin typeface="+mn-ea"/>
-                          <a:ea typeface="+mn-ea"/>
-                        </a:rPr>
-                        <a:t>Haar</a:t>
-                      </a:r>
-                      <a:r>
-                        <a:rPr lang="en-US" altLang="ko-KR" sz="1200" kern="0" spc="0" dirty="0">
-                          <a:solidFill>
-                            <a:srgbClr val="000000"/>
-                          </a:solidFill>
-                          <a:effectLst/>
-                          <a:latin typeface="+mn-ea"/>
-                          <a:ea typeface="+mn-ea"/>
-                        </a:rPr>
-                        <a:t> cascade</a:t>
-                      </a:r>
-                      <a:endParaRPr lang="ko-KR" altLang="en-US" sz="1200" kern="0" spc="0" dirty="0">
-                        <a:solidFill>
-                          <a:srgbClr val="000000"/>
-                        </a:solidFill>
-                        <a:effectLst/>
-                        <a:latin typeface="+mn-ea"/>
-                        <a:ea typeface="+mn-ea"/>
-                      </a:endParaRPr>
-                    </a:p>
-                  </a:txBody>
-                  <a:tcPr marL="42251" marR="42251" marT="11681" marB="11681" anchor="ctr">
-                    <a:lnL w="3556" cap="flat" cmpd="sng" algn="ctr">
-                      <a:solidFill>
-                        <a:srgbClr val="000000"/>
-                      </a:solidFill>
-                      <a:prstDash val="solid"/>
-                      <a:round/>
-                      <a:headEnd type="none" w="med" len="med"/>
-                      <a:tailEnd type="none" w="med" len="med"/>
-                    </a:lnL>
-                    <a:lnR w="3556" cap="flat" cmpd="sng" algn="ctr">
-                      <a:solidFill>
-                        <a:srgbClr val="000000"/>
-                      </a:solidFill>
-                      <a:prstDash val="solid"/>
-                      <a:round/>
-                      <a:headEnd type="none" w="med" len="med"/>
-                      <a:tailEnd type="none" w="med" len="med"/>
-                    </a:lnR>
-                    <a:lnT w="3556" cap="flat" cmpd="sng" algn="ctr">
-                      <a:solidFill>
-                        <a:srgbClr val="000000"/>
-                      </a:solidFill>
-                      <a:prstDash val="solid"/>
-                      <a:round/>
-                      <a:headEnd type="none" w="med" len="med"/>
-                      <a:tailEnd type="none" w="med" len="med"/>
-                    </a:lnT>
-                    <a:lnB w="3556" cap="flat" cmpd="sng" algn="ctr">
-                      <a:solidFill>
-                        <a:srgbClr val="000000"/>
-                      </a:solidFill>
-                      <a:prstDash val="solid"/>
-                      <a:round/>
-                      <a:headEnd type="none" w="med" len="med"/>
-                      <a:tailEnd type="none" w="med" len="med"/>
-                    </a:lnB>
-                  </a:tcPr>
-                </a:tc>
-                <a:extLst>
-                  <a:ext uri="{0D108BD9-81ED-4DB2-BD59-A6C34878D82A}">
-                    <a16:rowId xmlns:a16="http://schemas.microsoft.com/office/drawing/2014/main" val="10002"/>
-                  </a:ext>
-                </a:extLst>
-              </a:tr>
-              <a:tr h="371004">
-                <a:tc vMerge="1">
-                  <a:txBody>
-                    <a:bodyPr/>
-                    <a:lstStyle/>
-                    <a:p>
-                      <a:pPr latinLnBrk="1"/>
-                      <a:endParaRPr lang="ko-KR" altLang="en-US"/>
-                    </a:p>
-                  </a:txBody>
-                  <a:tcPr/>
-                </a:tc>
-                <a:tc>
-                  <a:txBody>
-                    <a:bodyPr/>
-                    <a:lstStyle/>
-                    <a:p>
-                      <a:pPr marL="0" marR="0" indent="0" algn="just" fontAlgn="base" latinLnBrk="1">
-                        <a:lnSpc>
-                          <a:spcPct val="160000"/>
-                        </a:lnSpc>
-                        <a:spcBef>
-                          <a:spcPts val="0"/>
-                        </a:spcBef>
-                        <a:spcAft>
-                          <a:spcPts val="0"/>
-                        </a:spcAft>
-                      </a:pPr>
-                      <a:r>
-                        <a:rPr lang="en-US" sz="1200" kern="0" spc="0" dirty="0">
-                          <a:solidFill>
-                            <a:srgbClr val="000000"/>
-                          </a:solidFill>
-                          <a:effectLst/>
-                          <a:latin typeface="+mj-lt"/>
-                        </a:rPr>
-                        <a:t> VED-01-03</a:t>
-                      </a:r>
-                    </a:p>
-                  </a:txBody>
-                  <a:tcPr marL="42251" marR="42251" marT="11681" marB="11681" anchor="ctr">
-                    <a:lnL w="3556" cap="flat" cmpd="sng" algn="ctr">
-                      <a:solidFill>
-                        <a:srgbClr val="000000"/>
-                      </a:solidFill>
-                      <a:prstDash val="solid"/>
-                      <a:round/>
-                      <a:headEnd type="none" w="med" len="med"/>
-                      <a:tailEnd type="none" w="med" len="med"/>
-                    </a:lnL>
-                    <a:lnR w="3556" cap="flat" cmpd="sng" algn="ctr">
-                      <a:solidFill>
-                        <a:srgbClr val="000000"/>
-                      </a:solidFill>
-                      <a:prstDash val="solid"/>
-                      <a:round/>
-                      <a:headEnd type="none" w="med" len="med"/>
-                      <a:tailEnd type="none" w="med" len="med"/>
-                    </a:lnR>
-                    <a:lnT w="3556" cap="flat" cmpd="sng" algn="ctr">
-                      <a:solidFill>
-                        <a:srgbClr val="000000"/>
-                      </a:solidFill>
-                      <a:prstDash val="solid"/>
-                      <a:round/>
-                      <a:headEnd type="none" w="med" len="med"/>
-                      <a:tailEnd type="none" w="med" len="med"/>
-                    </a:lnT>
-                    <a:lnB w="3556" cap="flat" cmpd="sng" algn="ctr">
-                      <a:solidFill>
-                        <a:srgbClr val="000000"/>
-                      </a:solidFill>
-                      <a:prstDash val="solid"/>
-                      <a:round/>
-                      <a:headEnd type="none" w="med" len="med"/>
-                      <a:tailEnd type="none" w="med" len="med"/>
-                    </a:lnB>
-                  </a:tcPr>
-                </a:tc>
-                <a:tc>
-                  <a:txBody>
-                    <a:bodyPr/>
-                    <a:lstStyle/>
-                    <a:p>
-                      <a:pPr marL="0" marR="0" indent="0" algn="just" fontAlgn="base" latinLnBrk="1">
-                        <a:lnSpc>
-                          <a:spcPct val="160000"/>
-                        </a:lnSpc>
-                        <a:spcBef>
-                          <a:spcPts val="0"/>
-                        </a:spcBef>
-                        <a:spcAft>
-                          <a:spcPts val="0"/>
-                        </a:spcAft>
-                      </a:pPr>
-                      <a:r>
-                        <a:rPr lang="ko-KR" altLang="en-US" sz="1200" kern="0" spc="0" dirty="0" err="1">
-                          <a:solidFill>
-                            <a:srgbClr val="000000"/>
-                          </a:solidFill>
-                          <a:effectLst/>
-                          <a:latin typeface="+mn-ea"/>
-                          <a:ea typeface="+mn-ea"/>
-                        </a:rPr>
-                        <a:t>대기줄</a:t>
-                      </a:r>
-                      <a:r>
-                        <a:rPr lang="ko-KR" altLang="en-US" sz="1200" kern="0" spc="0" dirty="0">
-                          <a:solidFill>
-                            <a:srgbClr val="000000"/>
-                          </a:solidFill>
-                          <a:effectLst/>
-                          <a:latin typeface="+mn-ea"/>
-                          <a:ea typeface="+mn-ea"/>
-                        </a:rPr>
-                        <a:t> 파악</a:t>
-                      </a:r>
-                    </a:p>
-                  </a:txBody>
-                  <a:tcPr marL="42251" marR="42251" marT="11681" marB="11681" anchor="ctr">
-                    <a:lnL w="3556" cap="flat" cmpd="sng" algn="ctr">
-                      <a:solidFill>
-                        <a:srgbClr val="000000"/>
-                      </a:solidFill>
-                      <a:prstDash val="solid"/>
-                      <a:round/>
-                      <a:headEnd type="none" w="med" len="med"/>
-                      <a:tailEnd type="none" w="med" len="med"/>
-                    </a:lnL>
-                    <a:lnR w="3556" cap="flat" cmpd="sng" algn="ctr">
-                      <a:solidFill>
-                        <a:srgbClr val="000000"/>
-                      </a:solidFill>
-                      <a:prstDash val="solid"/>
-                      <a:round/>
-                      <a:headEnd type="none" w="med" len="med"/>
-                      <a:tailEnd type="none" w="med" len="med"/>
-                    </a:lnR>
-                    <a:lnT w="3556" cap="flat" cmpd="sng" algn="ctr">
-                      <a:solidFill>
-                        <a:srgbClr val="000000"/>
-                      </a:solidFill>
-                      <a:prstDash val="solid"/>
-                      <a:round/>
-                      <a:headEnd type="none" w="med" len="med"/>
-                      <a:tailEnd type="none" w="med" len="med"/>
-                    </a:lnT>
-                    <a:lnB w="3556" cap="flat" cmpd="sng" algn="ctr">
-                      <a:solidFill>
-                        <a:srgbClr val="000000"/>
-                      </a:solidFill>
-                      <a:prstDash val="solid"/>
-                      <a:round/>
-                      <a:headEnd type="none" w="med" len="med"/>
-                      <a:tailEnd type="none" w="med" len="med"/>
-                    </a:lnB>
-                  </a:tcPr>
-                </a:tc>
-                <a:extLst>
-                  <a:ext uri="{0D108BD9-81ED-4DB2-BD59-A6C34878D82A}">
-                    <a16:rowId xmlns:a16="http://schemas.microsoft.com/office/drawing/2014/main" val="10003"/>
-                  </a:ext>
-                </a:extLst>
-              </a:tr>
-              <a:tr h="371004">
-                <a:tc vMerge="1">
-                  <a:txBody>
-                    <a:bodyPr/>
-                    <a:lstStyle/>
-                    <a:p>
-                      <a:pPr latinLnBrk="1"/>
-                      <a:endParaRPr lang="ko-KR" altLang="en-US"/>
-                    </a:p>
-                  </a:txBody>
-                  <a:tcPr/>
-                </a:tc>
-                <a:tc>
-                  <a:txBody>
-                    <a:bodyPr/>
-                    <a:lstStyle/>
-                    <a:p>
-                      <a:pPr marL="0" marR="0" indent="0" algn="just" fontAlgn="base" latinLnBrk="1">
-                        <a:lnSpc>
-                          <a:spcPct val="160000"/>
-                        </a:lnSpc>
-                        <a:spcBef>
-                          <a:spcPts val="0"/>
-                        </a:spcBef>
-                        <a:spcAft>
-                          <a:spcPts val="0"/>
-                        </a:spcAft>
-                      </a:pPr>
-                      <a:r>
-                        <a:rPr lang="en-US" sz="1200" kern="0" spc="0" dirty="0">
-                          <a:solidFill>
-                            <a:srgbClr val="000000"/>
-                          </a:solidFill>
-                          <a:effectLst/>
-                          <a:latin typeface="+mj-lt"/>
-                        </a:rPr>
-                        <a:t> VED-01-04</a:t>
-                      </a:r>
-                    </a:p>
-                  </a:txBody>
-                  <a:tcPr marL="42251" marR="42251" marT="11681" marB="11681" anchor="ctr">
-                    <a:lnL w="3556" cap="flat" cmpd="sng" algn="ctr">
-                      <a:solidFill>
-                        <a:srgbClr val="000000"/>
-                      </a:solidFill>
-                      <a:prstDash val="solid"/>
-                      <a:round/>
-                      <a:headEnd type="none" w="med" len="med"/>
-                      <a:tailEnd type="none" w="med" len="med"/>
-                    </a:lnL>
-                    <a:lnR w="3556" cap="flat" cmpd="sng" algn="ctr">
-                      <a:solidFill>
-                        <a:srgbClr val="000000"/>
-                      </a:solidFill>
-                      <a:prstDash val="solid"/>
-                      <a:round/>
-                      <a:headEnd type="none" w="med" len="med"/>
-                      <a:tailEnd type="none" w="med" len="med"/>
-                    </a:lnR>
-                    <a:lnT w="3556" cap="flat" cmpd="sng" algn="ctr">
-                      <a:solidFill>
-                        <a:srgbClr val="000000"/>
-                      </a:solidFill>
-                      <a:prstDash val="solid"/>
-                      <a:round/>
-                      <a:headEnd type="none" w="med" len="med"/>
-                      <a:tailEnd type="none" w="med" len="med"/>
-                    </a:lnT>
-                    <a:lnB w="3556" cap="flat" cmpd="sng" algn="ctr">
-                      <a:solidFill>
-                        <a:srgbClr val="000000"/>
-                      </a:solidFill>
-                      <a:prstDash val="solid"/>
-                      <a:round/>
-                      <a:headEnd type="none" w="med" len="med"/>
-                      <a:tailEnd type="none" w="med" len="med"/>
-                    </a:lnB>
-                  </a:tcPr>
-                </a:tc>
-                <a:tc>
-                  <a:txBody>
-                    <a:bodyPr/>
-                    <a:lstStyle/>
-                    <a:p>
-                      <a:pPr marL="0" marR="0" indent="0" algn="just" fontAlgn="base" latinLnBrk="1">
-                        <a:lnSpc>
-                          <a:spcPct val="160000"/>
-                        </a:lnSpc>
-                        <a:spcBef>
-                          <a:spcPts val="0"/>
-                        </a:spcBef>
-                        <a:spcAft>
-                          <a:spcPts val="0"/>
-                        </a:spcAft>
-                      </a:pPr>
-                      <a:r>
-                        <a:rPr lang="ko-KR" altLang="en-US" sz="1200" kern="0" spc="0" dirty="0">
-                          <a:solidFill>
-                            <a:srgbClr val="000000"/>
-                          </a:solidFill>
-                          <a:effectLst/>
-                          <a:latin typeface="+mn-ea"/>
-                          <a:ea typeface="+mn-ea"/>
-                        </a:rPr>
-                        <a:t>현재 정류장 </a:t>
-                      </a:r>
-                      <a:r>
-                        <a:rPr lang="en-US" altLang="ko-KR" sz="1200" kern="0" spc="0" dirty="0">
-                          <a:solidFill>
-                            <a:srgbClr val="000000"/>
-                          </a:solidFill>
-                          <a:effectLst/>
-                          <a:latin typeface="+mn-ea"/>
-                          <a:ea typeface="+mn-ea"/>
-                        </a:rPr>
-                        <a:t>ID, </a:t>
-                      </a:r>
-                      <a:r>
-                        <a:rPr lang="ko-KR" altLang="en-US" sz="1200" kern="0" spc="0" dirty="0">
-                          <a:solidFill>
-                            <a:srgbClr val="000000"/>
-                          </a:solidFill>
-                          <a:effectLst/>
-                          <a:latin typeface="+mn-ea"/>
-                          <a:ea typeface="+mn-ea"/>
-                        </a:rPr>
-                        <a:t>시간</a:t>
-                      </a:r>
-                      <a:r>
-                        <a:rPr lang="en-US" altLang="ko-KR" sz="1200" kern="0" spc="0" dirty="0">
-                          <a:solidFill>
-                            <a:srgbClr val="000000"/>
-                          </a:solidFill>
-                          <a:effectLst/>
-                          <a:latin typeface="+mn-ea"/>
-                          <a:ea typeface="+mn-ea"/>
-                        </a:rPr>
-                        <a:t>, </a:t>
-                      </a:r>
-                      <a:r>
-                        <a:rPr lang="ko-KR" altLang="en-US" sz="1200" kern="0" spc="0" dirty="0">
-                          <a:solidFill>
-                            <a:srgbClr val="000000"/>
-                          </a:solidFill>
-                          <a:effectLst/>
-                          <a:latin typeface="+mn-ea"/>
-                          <a:ea typeface="+mn-ea"/>
-                        </a:rPr>
-                        <a:t>파악한 대기인원을 데이터화</a:t>
-                      </a:r>
-                    </a:p>
-                  </a:txBody>
-                  <a:tcPr marL="42251" marR="42251" marT="11681" marB="11681" anchor="ctr">
-                    <a:lnL w="3556" cap="flat" cmpd="sng" algn="ctr">
-                      <a:solidFill>
-                        <a:srgbClr val="000000"/>
-                      </a:solidFill>
-                      <a:prstDash val="solid"/>
-                      <a:round/>
-                      <a:headEnd type="none" w="med" len="med"/>
-                      <a:tailEnd type="none" w="med" len="med"/>
-                    </a:lnL>
-                    <a:lnR w="3556" cap="flat" cmpd="sng" algn="ctr">
-                      <a:solidFill>
-                        <a:srgbClr val="000000"/>
-                      </a:solidFill>
-                      <a:prstDash val="solid"/>
-                      <a:round/>
-                      <a:headEnd type="none" w="med" len="med"/>
-                      <a:tailEnd type="none" w="med" len="med"/>
-                    </a:lnR>
-                    <a:lnT w="3556" cap="flat" cmpd="sng" algn="ctr">
-                      <a:solidFill>
-                        <a:srgbClr val="000000"/>
-                      </a:solidFill>
-                      <a:prstDash val="solid"/>
-                      <a:round/>
-                      <a:headEnd type="none" w="med" len="med"/>
-                      <a:tailEnd type="none" w="med" len="med"/>
-                    </a:lnT>
-                    <a:lnB w="3556" cap="flat" cmpd="sng" algn="ctr">
-                      <a:solidFill>
-                        <a:srgbClr val="000000"/>
-                      </a:solidFill>
-                      <a:prstDash val="solid"/>
-                      <a:round/>
-                      <a:headEnd type="none" w="med" len="med"/>
-                      <a:tailEnd type="none" w="med" len="med"/>
-                    </a:lnB>
-                  </a:tcPr>
-                </a:tc>
-                <a:extLst>
-                  <a:ext uri="{0D108BD9-81ED-4DB2-BD59-A6C34878D82A}">
-                    <a16:rowId xmlns:a16="http://schemas.microsoft.com/office/drawing/2014/main" val="10004"/>
-                  </a:ext>
-                </a:extLst>
-              </a:tr>
-              <a:tr h="371004">
-                <a:tc vMerge="1">
-                  <a:txBody>
-                    <a:bodyPr/>
-                    <a:lstStyle/>
-                    <a:p>
-                      <a:pPr marL="0" marR="0" indent="0" algn="ctr" fontAlgn="base" latinLnBrk="0">
-                        <a:lnSpc>
-                          <a:spcPct val="160000"/>
-                        </a:lnSpc>
-                        <a:spcBef>
-                          <a:spcPts val="0"/>
-                        </a:spcBef>
-                        <a:spcAft>
-                          <a:spcPts val="0"/>
-                        </a:spcAft>
-                      </a:pPr>
-                      <a:endParaRPr lang="en-US" sz="1200" kern="0" spc="0" dirty="0">
-                        <a:solidFill>
-                          <a:srgbClr val="000000"/>
-                        </a:solidFill>
-                        <a:effectLst/>
-                        <a:latin typeface="+mj-lt"/>
-                      </a:endParaRPr>
-                    </a:p>
-                  </a:txBody>
-                  <a:tcPr marL="42251" marR="42251" marT="11681" marB="11681" anchor="ctr">
-                    <a:lnL w="3556" cap="flat" cmpd="sng" algn="ctr">
-                      <a:solidFill>
-                        <a:srgbClr val="000000"/>
-                      </a:solidFill>
-                      <a:prstDash val="solid"/>
-                      <a:round/>
-                      <a:headEnd type="none" w="med" len="med"/>
-                      <a:tailEnd type="none" w="med" len="med"/>
-                    </a:lnL>
-                    <a:lnR w="3556" cap="flat" cmpd="sng" algn="ctr">
-                      <a:solidFill>
-                        <a:srgbClr val="000000"/>
-                      </a:solidFill>
-                      <a:prstDash val="solid"/>
-                      <a:round/>
-                      <a:headEnd type="none" w="med" len="med"/>
-                      <a:tailEnd type="none" w="med" len="med"/>
-                    </a:lnR>
-                    <a:lnT w="3556" cap="flat" cmpd="sng" algn="ctr">
-                      <a:solidFill>
-                        <a:srgbClr val="000000"/>
-                      </a:solidFill>
-                      <a:prstDash val="solid"/>
-                      <a:round/>
-                      <a:headEnd type="none" w="med" len="med"/>
-                      <a:tailEnd type="none" w="med" len="med"/>
-                    </a:lnT>
-                    <a:lnB w="3556" cap="flat" cmpd="sng" algn="ctr">
-                      <a:solidFill>
-                        <a:srgbClr val="000000"/>
-                      </a:solidFill>
-                      <a:prstDash val="solid"/>
-                      <a:round/>
-                      <a:headEnd type="none" w="med" len="med"/>
-                      <a:tailEnd type="none" w="med" len="med"/>
-                    </a:lnB>
-                  </a:tcPr>
-                </a:tc>
-                <a:tc>
-                  <a:txBody>
-                    <a:bodyPr/>
-                    <a:lstStyle/>
-                    <a:p>
-                      <a:pPr marL="0" marR="0" lvl="0" indent="0" algn="just" defTabSz="914400" rtl="0" eaLnBrk="1" fontAlgn="base" latinLnBrk="1" hangingPunct="1">
-                        <a:lnSpc>
-                          <a:spcPct val="160000"/>
-                        </a:lnSpc>
-                        <a:spcBef>
-                          <a:spcPts val="0"/>
-                        </a:spcBef>
-                        <a:spcAft>
-                          <a:spcPts val="0"/>
-                        </a:spcAft>
-                        <a:buClrTx/>
-                        <a:buSzTx/>
-                        <a:buFontTx/>
-                        <a:buNone/>
-                        <a:tabLst/>
-                        <a:defRPr/>
-                      </a:pPr>
-                      <a:r>
-                        <a:rPr lang="en-US" altLang="ko-KR" sz="1200" kern="0" spc="0" dirty="0">
-                          <a:solidFill>
-                            <a:srgbClr val="000000"/>
-                          </a:solidFill>
-                          <a:effectLst/>
-                          <a:latin typeface="+mj-lt"/>
-                          <a:ea typeface="+mn-ea"/>
-                          <a:cs typeface="+mn-cs"/>
-                        </a:rPr>
-                        <a:t> VED-01-05</a:t>
-                      </a:r>
-                    </a:p>
-                  </a:txBody>
-                  <a:tcPr marL="42251" marR="42251" marT="11681" marB="11681" anchor="ctr">
-                    <a:lnL w="3556" cap="flat" cmpd="sng" algn="ctr">
-                      <a:solidFill>
-                        <a:srgbClr val="000000"/>
-                      </a:solidFill>
-                      <a:prstDash val="solid"/>
-                      <a:round/>
-                      <a:headEnd type="none" w="med" len="med"/>
-                      <a:tailEnd type="none" w="med" len="med"/>
-                    </a:lnL>
-                    <a:lnR w="3556" cap="flat" cmpd="sng" algn="ctr">
-                      <a:solidFill>
-                        <a:srgbClr val="000000"/>
-                      </a:solidFill>
-                      <a:prstDash val="solid"/>
-                      <a:round/>
-                      <a:headEnd type="none" w="med" len="med"/>
-                      <a:tailEnd type="none" w="med" len="med"/>
-                    </a:lnR>
-                    <a:lnT w="3556" cap="flat" cmpd="sng" algn="ctr">
-                      <a:solidFill>
-                        <a:srgbClr val="000000"/>
-                      </a:solidFill>
-                      <a:prstDash val="solid"/>
-                      <a:round/>
-                      <a:headEnd type="none" w="med" len="med"/>
-                      <a:tailEnd type="none" w="med" len="med"/>
-                    </a:lnT>
-                    <a:lnB w="3556" cap="flat" cmpd="sng" algn="ctr">
-                      <a:solidFill>
-                        <a:srgbClr val="000000"/>
-                      </a:solidFill>
-                      <a:prstDash val="solid"/>
-                      <a:round/>
-                      <a:headEnd type="none" w="med" len="med"/>
-                      <a:tailEnd type="none" w="med" len="med"/>
-                    </a:lnB>
-                  </a:tcPr>
-                </a:tc>
-                <a:tc>
-                  <a:txBody>
-                    <a:bodyPr/>
-                    <a:lstStyle/>
-                    <a:p>
-                      <a:pPr marL="0" marR="0" indent="0" algn="just" fontAlgn="base" latinLnBrk="1">
-                        <a:lnSpc>
-                          <a:spcPct val="160000"/>
-                        </a:lnSpc>
-                        <a:spcBef>
-                          <a:spcPts val="0"/>
-                        </a:spcBef>
-                        <a:spcAft>
-                          <a:spcPts val="0"/>
-                        </a:spcAft>
-                      </a:pPr>
-                      <a:r>
-                        <a:rPr lang="ko-KR" altLang="en-US" sz="1200" kern="0" spc="0" dirty="0">
-                          <a:solidFill>
-                            <a:srgbClr val="000000"/>
-                          </a:solidFill>
-                          <a:effectLst/>
-                          <a:latin typeface="+mn-ea"/>
-                          <a:ea typeface="+mn-ea"/>
-                        </a:rPr>
-                        <a:t>데이터를 서버</a:t>
-                      </a:r>
-                      <a:r>
-                        <a:rPr lang="en-US" altLang="ko-KR" sz="1200" kern="0" spc="0" dirty="0">
-                          <a:solidFill>
-                            <a:srgbClr val="000000"/>
-                          </a:solidFill>
-                          <a:effectLst/>
-                          <a:latin typeface="+mn-ea"/>
-                          <a:ea typeface="+mn-ea"/>
-                        </a:rPr>
-                        <a:t>(</a:t>
-                      </a:r>
-                      <a:r>
-                        <a:rPr lang="ko-KR" altLang="en-US" sz="1200" kern="0" spc="0" dirty="0">
-                          <a:solidFill>
-                            <a:srgbClr val="000000"/>
-                          </a:solidFill>
-                          <a:effectLst/>
-                          <a:latin typeface="+mn-ea"/>
-                          <a:ea typeface="+mn-ea"/>
-                        </a:rPr>
-                        <a:t>클라우드 컴퓨터</a:t>
-                      </a:r>
-                      <a:r>
-                        <a:rPr lang="en-US" altLang="ko-KR" sz="1200" kern="0" spc="0" dirty="0">
-                          <a:solidFill>
-                            <a:srgbClr val="000000"/>
-                          </a:solidFill>
-                          <a:effectLst/>
-                          <a:latin typeface="+mn-ea"/>
-                          <a:ea typeface="+mn-ea"/>
-                        </a:rPr>
-                        <a:t>)</a:t>
-                      </a:r>
-                      <a:r>
-                        <a:rPr lang="ko-KR" altLang="en-US" sz="1200" kern="0" spc="0" dirty="0">
-                          <a:solidFill>
-                            <a:srgbClr val="000000"/>
-                          </a:solidFill>
-                          <a:effectLst/>
-                          <a:latin typeface="+mn-ea"/>
-                          <a:ea typeface="+mn-ea"/>
-                        </a:rPr>
-                        <a:t>에 전송</a:t>
-                      </a:r>
-                    </a:p>
-                  </a:txBody>
-                  <a:tcPr marL="42251" marR="42251" marT="11681" marB="11681" anchor="ctr">
-                    <a:lnL w="3556" cap="flat" cmpd="sng" algn="ctr">
-                      <a:solidFill>
-                        <a:srgbClr val="000000"/>
-                      </a:solidFill>
-                      <a:prstDash val="solid"/>
-                      <a:round/>
-                      <a:headEnd type="none" w="med" len="med"/>
-                      <a:tailEnd type="none" w="med" len="med"/>
-                    </a:lnL>
-                    <a:lnR w="3556" cap="flat" cmpd="sng" algn="ctr">
-                      <a:solidFill>
-                        <a:srgbClr val="000000"/>
-                      </a:solidFill>
-                      <a:prstDash val="solid"/>
-                      <a:round/>
-                      <a:headEnd type="none" w="med" len="med"/>
-                      <a:tailEnd type="none" w="med" len="med"/>
-                    </a:lnR>
-                    <a:lnT w="3556" cap="flat" cmpd="sng" algn="ctr">
-                      <a:solidFill>
-                        <a:srgbClr val="000000"/>
-                      </a:solidFill>
-                      <a:prstDash val="solid"/>
-                      <a:round/>
-                      <a:headEnd type="none" w="med" len="med"/>
-                      <a:tailEnd type="none" w="med" len="med"/>
-                    </a:lnT>
-                    <a:lnB w="3556" cap="flat" cmpd="sng" algn="ctr">
-                      <a:solidFill>
-                        <a:srgbClr val="000000"/>
-                      </a:solidFill>
-                      <a:prstDash val="solid"/>
-                      <a:round/>
-                      <a:headEnd type="none" w="med" len="med"/>
-                      <a:tailEnd type="none" w="med" len="med"/>
-                    </a:lnB>
-                  </a:tcPr>
-                </a:tc>
-                <a:extLst>
-                  <a:ext uri="{0D108BD9-81ED-4DB2-BD59-A6C34878D82A}">
-                    <a16:rowId xmlns:a16="http://schemas.microsoft.com/office/drawing/2014/main" val="3266603490"/>
-                  </a:ext>
-                </a:extLst>
-              </a:tr>
-              <a:tr h="371004">
-                <a:tc>
-                  <a:txBody>
-                    <a:bodyPr/>
-                    <a:lstStyle/>
-                    <a:p>
-                      <a:pPr marL="0" marR="0" indent="0" algn="ctr" fontAlgn="base" latinLnBrk="0">
-                        <a:lnSpc>
-                          <a:spcPct val="160000"/>
-                        </a:lnSpc>
-                        <a:spcBef>
-                          <a:spcPts val="0"/>
-                        </a:spcBef>
-                        <a:spcAft>
-                          <a:spcPts val="0"/>
-                        </a:spcAft>
-                      </a:pPr>
-                      <a:r>
-                        <a:rPr lang="en-US" sz="1200" kern="0" spc="0" dirty="0">
-                          <a:solidFill>
-                            <a:srgbClr val="000000"/>
-                          </a:solidFill>
-                          <a:effectLst/>
-                          <a:latin typeface="+mj-lt"/>
-                        </a:rPr>
-                        <a:t>SV</a:t>
-                      </a:r>
-                    </a:p>
-                    <a:p>
-                      <a:pPr marL="0" marR="0" indent="0" algn="ctr" fontAlgn="base" latinLnBrk="0">
-                        <a:lnSpc>
-                          <a:spcPct val="160000"/>
-                        </a:lnSpc>
-                        <a:spcBef>
-                          <a:spcPts val="0"/>
-                        </a:spcBef>
-                        <a:spcAft>
-                          <a:spcPts val="0"/>
-                        </a:spcAft>
-                      </a:pPr>
-                      <a:r>
-                        <a:rPr lang="en-US" sz="1200" kern="0" spc="0" dirty="0">
-                          <a:solidFill>
-                            <a:srgbClr val="000000"/>
-                          </a:solidFill>
-                          <a:effectLst/>
-                          <a:latin typeface="+mj-lt"/>
-                        </a:rPr>
-                        <a:t>(Server)</a:t>
-                      </a:r>
-                    </a:p>
-                  </a:txBody>
-                  <a:tcPr marL="42251" marR="42251" marT="11681" marB="11681" anchor="ctr">
-                    <a:lnL w="3556" cap="flat" cmpd="sng" algn="ctr">
-                      <a:solidFill>
-                        <a:srgbClr val="000000"/>
-                      </a:solidFill>
-                      <a:prstDash val="solid"/>
-                      <a:round/>
-                      <a:headEnd type="none" w="med" len="med"/>
-                      <a:tailEnd type="none" w="med" len="med"/>
-                    </a:lnL>
-                    <a:lnR w="3556" cap="flat" cmpd="sng" algn="ctr">
-                      <a:solidFill>
-                        <a:srgbClr val="000000"/>
-                      </a:solidFill>
-                      <a:prstDash val="solid"/>
-                      <a:round/>
-                      <a:headEnd type="none" w="med" len="med"/>
-                      <a:tailEnd type="none" w="med" len="med"/>
-                    </a:lnR>
-                    <a:lnT w="3556" cap="flat" cmpd="sng" algn="ctr">
-                      <a:solidFill>
-                        <a:srgbClr val="000000"/>
-                      </a:solidFill>
-                      <a:prstDash val="solid"/>
-                      <a:round/>
-                      <a:headEnd type="none" w="med" len="med"/>
-                      <a:tailEnd type="none" w="med" len="med"/>
-                    </a:lnT>
-                    <a:lnB w="3556" cap="flat" cmpd="sng" algn="ctr">
-                      <a:solidFill>
-                        <a:srgbClr val="000000"/>
-                      </a:solidFill>
-                      <a:prstDash val="solid"/>
-                      <a:round/>
-                      <a:headEnd type="none" w="med" len="med"/>
-                      <a:tailEnd type="none" w="med" len="med"/>
-                    </a:lnB>
-                  </a:tcPr>
-                </a:tc>
-                <a:tc>
-                  <a:txBody>
-                    <a:bodyPr/>
-                    <a:lstStyle/>
-                    <a:p>
-                      <a:pPr marL="0" marR="0" indent="0" algn="just" fontAlgn="base" latinLnBrk="1">
-                        <a:lnSpc>
-                          <a:spcPct val="160000"/>
-                        </a:lnSpc>
-                        <a:spcBef>
-                          <a:spcPts val="0"/>
-                        </a:spcBef>
-                        <a:spcAft>
-                          <a:spcPts val="0"/>
-                        </a:spcAft>
-                      </a:pPr>
-                      <a:r>
-                        <a:rPr lang="en-US" sz="1200" kern="0" spc="0" dirty="0">
-                          <a:solidFill>
-                            <a:srgbClr val="000000"/>
-                          </a:solidFill>
-                          <a:effectLst/>
-                          <a:latin typeface="+mj-lt"/>
-                        </a:rPr>
-                        <a:t> SV-01</a:t>
-                      </a:r>
-                    </a:p>
-                  </a:txBody>
-                  <a:tcPr marL="42251" marR="42251" marT="11681" marB="11681" anchor="ctr">
-                    <a:lnL w="3556" cap="flat" cmpd="sng" algn="ctr">
-                      <a:solidFill>
-                        <a:srgbClr val="000000"/>
-                      </a:solidFill>
-                      <a:prstDash val="solid"/>
-                      <a:round/>
-                      <a:headEnd type="none" w="med" len="med"/>
-                      <a:tailEnd type="none" w="med" len="med"/>
-                    </a:lnL>
-                    <a:lnR w="3556" cap="flat" cmpd="sng" algn="ctr">
-                      <a:solidFill>
-                        <a:srgbClr val="000000"/>
-                      </a:solidFill>
-                      <a:prstDash val="solid"/>
-                      <a:round/>
-                      <a:headEnd type="none" w="med" len="med"/>
-                      <a:tailEnd type="none" w="med" len="med"/>
-                    </a:lnR>
-                    <a:lnT w="3556" cap="flat" cmpd="sng" algn="ctr">
-                      <a:solidFill>
-                        <a:srgbClr val="000000"/>
-                      </a:solidFill>
-                      <a:prstDash val="solid"/>
-                      <a:round/>
-                      <a:headEnd type="none" w="med" len="med"/>
-                      <a:tailEnd type="none" w="med" len="med"/>
-                    </a:lnT>
-                    <a:lnB w="3556" cap="flat" cmpd="sng" algn="ctr">
-                      <a:solidFill>
-                        <a:srgbClr val="000000"/>
-                      </a:solidFill>
-                      <a:prstDash val="solid"/>
-                      <a:round/>
-                      <a:headEnd type="none" w="med" len="med"/>
-                      <a:tailEnd type="none" w="med" len="med"/>
-                    </a:lnB>
-                  </a:tcPr>
-                </a:tc>
-                <a:tc>
-                  <a:txBody>
-                    <a:bodyPr/>
-                    <a:lstStyle/>
-                    <a:p>
-                      <a:pPr marL="0" marR="0" indent="0" algn="just" fontAlgn="base" latinLnBrk="1">
-                        <a:lnSpc>
-                          <a:spcPct val="160000"/>
-                        </a:lnSpc>
-                        <a:spcBef>
-                          <a:spcPts val="0"/>
-                        </a:spcBef>
-                        <a:spcAft>
-                          <a:spcPts val="0"/>
-                        </a:spcAft>
-                      </a:pPr>
-                      <a:r>
-                        <a:rPr lang="ko-KR" altLang="en-US" sz="1200" kern="0" spc="0" dirty="0">
-                          <a:solidFill>
-                            <a:srgbClr val="000000"/>
-                          </a:solidFill>
-                          <a:effectLst/>
-                          <a:latin typeface="+mn-ea"/>
-                          <a:ea typeface="+mn-ea"/>
-                        </a:rPr>
-                        <a:t> 전달받은 데이터를 앱으로 전달</a:t>
-                      </a:r>
-                    </a:p>
-                  </a:txBody>
-                  <a:tcPr marL="42251" marR="42251" marT="11681" marB="11681" anchor="ctr">
-                    <a:lnL w="3556" cap="flat" cmpd="sng" algn="ctr">
-                      <a:solidFill>
-                        <a:srgbClr val="000000"/>
-                      </a:solidFill>
-                      <a:prstDash val="solid"/>
-                      <a:round/>
-                      <a:headEnd type="none" w="med" len="med"/>
-                      <a:tailEnd type="none" w="med" len="med"/>
-                    </a:lnL>
-                    <a:lnR w="3556" cap="flat" cmpd="sng" algn="ctr">
-                      <a:solidFill>
-                        <a:srgbClr val="000000"/>
-                      </a:solidFill>
-                      <a:prstDash val="solid"/>
-                      <a:round/>
-                      <a:headEnd type="none" w="med" len="med"/>
-                      <a:tailEnd type="none" w="med" len="med"/>
-                    </a:lnR>
-                    <a:lnT w="3556" cap="flat" cmpd="sng" algn="ctr">
-                      <a:solidFill>
-                        <a:srgbClr val="000000"/>
-                      </a:solidFill>
-                      <a:prstDash val="solid"/>
-                      <a:round/>
-                      <a:headEnd type="none" w="med" len="med"/>
-                      <a:tailEnd type="none" w="med" len="med"/>
-                    </a:lnT>
-                    <a:lnB w="3556" cap="flat" cmpd="sng" algn="ctr">
-                      <a:solidFill>
-                        <a:srgbClr val="000000"/>
-                      </a:solidFill>
-                      <a:prstDash val="solid"/>
-                      <a:round/>
-                      <a:headEnd type="none" w="med" len="med"/>
-                      <a:tailEnd type="none" w="med" len="med"/>
-                    </a:lnB>
-                  </a:tcPr>
-                </a:tc>
-                <a:extLst>
-                  <a:ext uri="{0D108BD9-81ED-4DB2-BD59-A6C34878D82A}">
-                    <a16:rowId xmlns:a16="http://schemas.microsoft.com/office/drawing/2014/main" val="10005"/>
-                  </a:ext>
-                </a:extLst>
-              </a:tr>
-              <a:tr h="371004">
-                <a:tc rowSpan="5">
-                  <a:txBody>
-                    <a:bodyPr/>
-                    <a:lstStyle/>
-                    <a:p>
-                      <a:pPr marL="0" marR="0" indent="0" algn="ctr" fontAlgn="base" latinLnBrk="0">
-                        <a:lnSpc>
-                          <a:spcPct val="160000"/>
-                        </a:lnSpc>
-                        <a:spcBef>
-                          <a:spcPts val="0"/>
-                        </a:spcBef>
-                        <a:spcAft>
-                          <a:spcPts val="0"/>
-                        </a:spcAft>
-                      </a:pPr>
-                      <a:r>
-                        <a:rPr lang="en-US" sz="1200" kern="0" spc="0" dirty="0">
-                          <a:solidFill>
-                            <a:srgbClr val="000000"/>
-                          </a:solidFill>
-                          <a:effectLst/>
-                          <a:latin typeface="+mj-lt"/>
-                        </a:rPr>
-                        <a:t>MAIN</a:t>
-                      </a:r>
-                    </a:p>
-                    <a:p>
-                      <a:pPr marL="0" marR="0" indent="0" algn="ctr" fontAlgn="base" latinLnBrk="0">
-                        <a:lnSpc>
-                          <a:spcPct val="160000"/>
-                        </a:lnSpc>
-                        <a:spcBef>
-                          <a:spcPts val="0"/>
-                        </a:spcBef>
-                        <a:spcAft>
-                          <a:spcPts val="0"/>
-                        </a:spcAft>
-                      </a:pPr>
-                      <a:r>
-                        <a:rPr lang="en-US" sz="1200" kern="0" spc="0" dirty="0">
-                          <a:solidFill>
-                            <a:srgbClr val="000000"/>
-                          </a:solidFill>
-                          <a:effectLst/>
-                          <a:latin typeface="+mj-lt"/>
-                        </a:rPr>
-                        <a:t>(App main)</a:t>
-                      </a:r>
-                    </a:p>
-                  </a:txBody>
-                  <a:tcPr marL="42251" marR="42251" marT="11681" marB="11681" anchor="ctr">
-                    <a:lnL w="3556" cap="flat" cmpd="sng" algn="ctr">
-                      <a:solidFill>
-                        <a:srgbClr val="000000"/>
-                      </a:solidFill>
-                      <a:prstDash val="solid"/>
-                      <a:round/>
-                      <a:headEnd type="none" w="med" len="med"/>
-                      <a:tailEnd type="none" w="med" len="med"/>
-                    </a:lnL>
-                    <a:lnR w="3556" cap="flat" cmpd="sng" algn="ctr">
-                      <a:solidFill>
-                        <a:srgbClr val="000000"/>
-                      </a:solidFill>
-                      <a:prstDash val="solid"/>
-                      <a:round/>
-                      <a:headEnd type="none" w="med" len="med"/>
-                      <a:tailEnd type="none" w="med" len="med"/>
-                    </a:lnR>
-                    <a:lnT w="3556" cap="flat" cmpd="sng" algn="ctr">
-                      <a:solidFill>
-                        <a:srgbClr val="000000"/>
-                      </a:solidFill>
-                      <a:prstDash val="solid"/>
-                      <a:round/>
-                      <a:headEnd type="none" w="med" len="med"/>
-                      <a:tailEnd type="none" w="med" len="med"/>
-                    </a:lnT>
-                    <a:lnB w="3556" cap="flat" cmpd="sng" algn="ctr">
-                      <a:solidFill>
-                        <a:srgbClr val="000000"/>
-                      </a:solidFill>
-                      <a:prstDash val="solid"/>
-                      <a:round/>
-                      <a:headEnd type="none" w="med" len="med"/>
-                      <a:tailEnd type="none" w="med" len="med"/>
-                    </a:lnB>
-                  </a:tcPr>
-                </a:tc>
-                <a:tc>
-                  <a:txBody>
-                    <a:bodyPr/>
-                    <a:lstStyle/>
-                    <a:p>
-                      <a:pPr algn="just" latinLnBrk="1"/>
-                      <a:r>
-                        <a:rPr lang="en-US" altLang="ko-KR" sz="1200" b="0" kern="0" spc="0" dirty="0">
-                          <a:solidFill>
-                            <a:srgbClr val="000000"/>
-                          </a:solidFill>
-                          <a:effectLst/>
-                          <a:latin typeface="+mj-lt"/>
-                        </a:rPr>
-                        <a:t>MAIN</a:t>
-                      </a:r>
-                      <a:r>
-                        <a:rPr lang="en-US" altLang="ko-KR" sz="1200" b="0" dirty="0">
-                          <a:latin typeface="+mj-lt"/>
-                        </a:rPr>
-                        <a:t>-01-01</a:t>
-                      </a:r>
-                      <a:endParaRPr lang="ko-KR" altLang="en-US" sz="1200" b="0" dirty="0">
-                        <a:latin typeface="+mj-lt"/>
-                      </a:endParaRPr>
-                    </a:p>
-                  </a:txBody>
-                  <a:tcPr anchor="ctr">
-                    <a:lnL w="3556" cap="flat" cmpd="sng" algn="ctr">
-                      <a:solidFill>
-                        <a:srgbClr val="000000"/>
-                      </a:solidFill>
-                      <a:prstDash val="solid"/>
-                      <a:round/>
-                      <a:headEnd type="none" w="med" len="med"/>
-                      <a:tailEnd type="none" w="med" len="med"/>
-                    </a:lnL>
-                    <a:lnR w="3556" cap="flat" cmpd="sng" algn="ctr">
-                      <a:solidFill>
-                        <a:srgbClr val="000000"/>
-                      </a:solidFill>
-                      <a:prstDash val="solid"/>
-                      <a:round/>
-                      <a:headEnd type="none" w="med" len="med"/>
-                      <a:tailEnd type="none" w="med" len="med"/>
-                    </a:lnR>
-                    <a:lnT w="3556" cap="flat" cmpd="sng" algn="ctr">
-                      <a:solidFill>
-                        <a:srgbClr val="000000"/>
-                      </a:solidFill>
-                      <a:prstDash val="solid"/>
-                      <a:round/>
-                      <a:headEnd type="none" w="med" len="med"/>
-                      <a:tailEnd type="none" w="med" len="med"/>
-                    </a:lnT>
-                    <a:lnB w="3556" cap="flat" cmpd="sng" algn="ctr">
-                      <a:solidFill>
-                        <a:srgbClr val="000000"/>
-                      </a:solidFill>
-                      <a:prstDash val="solid"/>
-                      <a:round/>
-                      <a:headEnd type="none" w="med" len="med"/>
-                      <a:tailEnd type="none" w="med" len="med"/>
-                    </a:lnB>
-                  </a:tcPr>
-                </a:tc>
-                <a:tc>
-                  <a:txBody>
-                    <a:bodyPr/>
-                    <a:lstStyle/>
-                    <a:p>
-                      <a:pPr algn="just" latinLnBrk="1"/>
-                      <a:r>
-                        <a:rPr lang="ko-KR" altLang="en-US" sz="1200" dirty="0">
-                          <a:latin typeface="+mn-ea"/>
-                          <a:ea typeface="+mn-ea"/>
-                        </a:rPr>
-                        <a:t>대기인원 조회할 버스선택</a:t>
-                      </a:r>
-                    </a:p>
-                  </a:txBody>
-                  <a:tcPr anchor="ctr">
-                    <a:lnL w="3556" cap="flat" cmpd="sng" algn="ctr">
-                      <a:solidFill>
-                        <a:srgbClr val="000000"/>
-                      </a:solidFill>
-                      <a:prstDash val="solid"/>
-                      <a:round/>
-                      <a:headEnd type="none" w="med" len="med"/>
-                      <a:tailEnd type="none" w="med" len="med"/>
-                    </a:lnL>
-                    <a:lnR w="3556" cap="flat" cmpd="sng" algn="ctr">
-                      <a:solidFill>
-                        <a:srgbClr val="000000"/>
-                      </a:solidFill>
-                      <a:prstDash val="solid"/>
-                      <a:round/>
-                      <a:headEnd type="none" w="med" len="med"/>
-                      <a:tailEnd type="none" w="med" len="med"/>
-                    </a:lnR>
-                    <a:lnT w="3556" cap="flat" cmpd="sng" algn="ctr">
-                      <a:solidFill>
-                        <a:srgbClr val="000000"/>
-                      </a:solidFill>
-                      <a:prstDash val="solid"/>
-                      <a:round/>
-                      <a:headEnd type="none" w="med" len="med"/>
-                      <a:tailEnd type="none" w="med" len="med"/>
-                    </a:lnT>
-                    <a:lnB w="3556" cap="flat" cmpd="sng" algn="ctr">
-                      <a:solidFill>
-                        <a:srgbClr val="000000"/>
-                      </a:solidFill>
-                      <a:prstDash val="solid"/>
-                      <a:round/>
-                      <a:headEnd type="none" w="med" len="med"/>
-                      <a:tailEnd type="none" w="med" len="med"/>
-                    </a:lnB>
-                  </a:tcPr>
-                </a:tc>
-                <a:extLst>
-                  <a:ext uri="{0D108BD9-81ED-4DB2-BD59-A6C34878D82A}">
-                    <a16:rowId xmlns:a16="http://schemas.microsoft.com/office/drawing/2014/main" val="10006"/>
-                  </a:ext>
-                </a:extLst>
-              </a:tr>
-              <a:tr h="371004">
-                <a:tc vMerge="1">
-                  <a:txBody>
-                    <a:bodyPr/>
-                    <a:lstStyle/>
-                    <a:p>
-                      <a:pPr latinLnBrk="1"/>
-                      <a:endParaRPr lang="ko-KR" altLang="en-US"/>
-                    </a:p>
-                  </a:txBody>
-                  <a:tcPr/>
-                </a:tc>
-                <a:tc>
-                  <a:txBody>
-                    <a:bodyPr/>
-                    <a:lstStyle/>
-                    <a:p>
-                      <a:pPr algn="just" latinLnBrk="1"/>
-                      <a:r>
-                        <a:rPr lang="en-US" altLang="ko-KR" sz="1200" b="0" kern="0" spc="0" dirty="0">
-                          <a:solidFill>
-                            <a:srgbClr val="000000"/>
-                          </a:solidFill>
-                          <a:effectLst/>
-                          <a:latin typeface="+mj-lt"/>
-                        </a:rPr>
-                        <a:t>MAIN</a:t>
-                      </a:r>
-                      <a:r>
-                        <a:rPr lang="en-US" altLang="ko-KR" sz="1200" b="0" dirty="0">
-                          <a:latin typeface="+mj-lt"/>
-                        </a:rPr>
-                        <a:t>-01-02</a:t>
-                      </a:r>
-                      <a:endParaRPr lang="ko-KR" altLang="en-US" sz="1200" b="0" dirty="0">
-                        <a:latin typeface="+mj-lt"/>
-                      </a:endParaRPr>
-                    </a:p>
-                  </a:txBody>
-                  <a:tcPr anchor="ctr">
-                    <a:lnL w="3556" cap="flat" cmpd="sng" algn="ctr">
-                      <a:solidFill>
-                        <a:srgbClr val="000000"/>
-                      </a:solidFill>
-                      <a:prstDash val="solid"/>
-                      <a:round/>
-                      <a:headEnd type="none" w="med" len="med"/>
-                      <a:tailEnd type="none" w="med" len="med"/>
-                    </a:lnL>
-                    <a:lnR w="3556" cap="flat" cmpd="sng" algn="ctr">
-                      <a:solidFill>
-                        <a:srgbClr val="000000"/>
-                      </a:solidFill>
-                      <a:prstDash val="solid"/>
-                      <a:round/>
-                      <a:headEnd type="none" w="med" len="med"/>
-                      <a:tailEnd type="none" w="med" len="med"/>
-                    </a:lnR>
-                    <a:lnT w="3556" cap="flat" cmpd="sng" algn="ctr">
-                      <a:solidFill>
-                        <a:srgbClr val="000000"/>
-                      </a:solidFill>
-                      <a:prstDash val="solid"/>
-                      <a:round/>
-                      <a:headEnd type="none" w="med" len="med"/>
-                      <a:tailEnd type="none" w="med" len="med"/>
-                    </a:lnT>
-                    <a:lnB w="3556" cap="flat" cmpd="sng" algn="ctr">
-                      <a:solidFill>
-                        <a:srgbClr val="000000"/>
-                      </a:solidFill>
-                      <a:prstDash val="solid"/>
-                      <a:round/>
-                      <a:headEnd type="none" w="med" len="med"/>
-                      <a:tailEnd type="none" w="med" len="med"/>
-                    </a:lnB>
-                  </a:tcPr>
-                </a:tc>
-                <a:tc>
-                  <a:txBody>
-                    <a:bodyPr/>
-                    <a:lstStyle/>
-                    <a:p>
-                      <a:pPr algn="just" latinLnBrk="1"/>
-                      <a:r>
-                        <a:rPr lang="ko-KR" altLang="en-US" sz="1200" dirty="0">
-                          <a:latin typeface="+mn-ea"/>
-                          <a:ea typeface="+mn-ea"/>
-                        </a:rPr>
-                        <a:t>대기인원 안내</a:t>
-                      </a:r>
-                    </a:p>
-                  </a:txBody>
-                  <a:tcPr anchor="ctr">
-                    <a:lnL w="3556" cap="flat" cmpd="sng" algn="ctr">
-                      <a:solidFill>
-                        <a:srgbClr val="000000"/>
-                      </a:solidFill>
-                      <a:prstDash val="solid"/>
-                      <a:round/>
-                      <a:headEnd type="none" w="med" len="med"/>
-                      <a:tailEnd type="none" w="med" len="med"/>
-                    </a:lnL>
-                    <a:lnR w="3556" cap="flat" cmpd="sng" algn="ctr">
-                      <a:solidFill>
-                        <a:srgbClr val="000000"/>
-                      </a:solidFill>
-                      <a:prstDash val="solid"/>
-                      <a:round/>
-                      <a:headEnd type="none" w="med" len="med"/>
-                      <a:tailEnd type="none" w="med" len="med"/>
-                    </a:lnR>
-                    <a:lnT w="3556" cap="flat" cmpd="sng" algn="ctr">
-                      <a:solidFill>
-                        <a:srgbClr val="000000"/>
-                      </a:solidFill>
-                      <a:prstDash val="solid"/>
-                      <a:round/>
-                      <a:headEnd type="none" w="med" len="med"/>
-                      <a:tailEnd type="none" w="med" len="med"/>
-                    </a:lnT>
-                    <a:lnB w="3556" cap="flat" cmpd="sng" algn="ctr">
-                      <a:solidFill>
-                        <a:srgbClr val="000000"/>
-                      </a:solidFill>
-                      <a:prstDash val="solid"/>
-                      <a:round/>
-                      <a:headEnd type="none" w="med" len="med"/>
-                      <a:tailEnd type="none" w="med" len="med"/>
-                    </a:lnB>
-                  </a:tcPr>
-                </a:tc>
-                <a:extLst>
-                  <a:ext uri="{0D108BD9-81ED-4DB2-BD59-A6C34878D82A}">
-                    <a16:rowId xmlns:a16="http://schemas.microsoft.com/office/drawing/2014/main" val="10007"/>
-                  </a:ext>
-                </a:extLst>
-              </a:tr>
-              <a:tr h="371004">
-                <a:tc vMerge="1">
-                  <a:txBody>
-                    <a:bodyPr/>
-                    <a:lstStyle/>
-                    <a:p>
-                      <a:pPr latinLnBrk="1"/>
-                      <a:endParaRPr lang="ko-KR" altLang="en-US"/>
-                    </a:p>
-                  </a:txBody>
-                  <a:tcPr/>
-                </a:tc>
-                <a:tc>
-                  <a:txBody>
-                    <a:bodyPr/>
-                    <a:lstStyle/>
-                    <a:p>
-                      <a:pPr algn="just" latinLnBrk="1"/>
-                      <a:r>
-                        <a:rPr lang="en-US" altLang="ko-KR" sz="1200" b="0" kern="0" spc="0" dirty="0">
-                          <a:solidFill>
-                            <a:srgbClr val="000000"/>
-                          </a:solidFill>
-                          <a:effectLst/>
-                          <a:latin typeface="+mj-lt"/>
-                        </a:rPr>
-                        <a:t>MAIN</a:t>
-                      </a:r>
-                      <a:r>
-                        <a:rPr lang="en-US" altLang="ko-KR" sz="1200" b="0" dirty="0">
-                          <a:latin typeface="+mj-lt"/>
-                        </a:rPr>
-                        <a:t>-02-01</a:t>
-                      </a:r>
-                      <a:endParaRPr lang="ko-KR" altLang="en-US" sz="1200" b="0" dirty="0">
-                        <a:latin typeface="+mj-lt"/>
-                      </a:endParaRPr>
-                    </a:p>
-                  </a:txBody>
-                  <a:tcPr anchor="ctr">
-                    <a:lnL w="3556" cap="flat" cmpd="sng" algn="ctr">
-                      <a:solidFill>
-                        <a:srgbClr val="000000"/>
-                      </a:solidFill>
-                      <a:prstDash val="solid"/>
-                      <a:round/>
-                      <a:headEnd type="none" w="med" len="med"/>
-                      <a:tailEnd type="none" w="med" len="med"/>
-                    </a:lnL>
-                    <a:lnR w="3556" cap="flat" cmpd="sng" algn="ctr">
-                      <a:solidFill>
-                        <a:srgbClr val="000000"/>
-                      </a:solidFill>
-                      <a:prstDash val="solid"/>
-                      <a:round/>
-                      <a:headEnd type="none" w="med" len="med"/>
-                      <a:tailEnd type="none" w="med" len="med"/>
-                    </a:lnR>
-                    <a:lnT w="3556" cap="flat" cmpd="sng" algn="ctr">
-                      <a:solidFill>
-                        <a:srgbClr val="000000"/>
-                      </a:solidFill>
-                      <a:prstDash val="solid"/>
-                      <a:round/>
-                      <a:headEnd type="none" w="med" len="med"/>
-                      <a:tailEnd type="none" w="med" len="med"/>
-                    </a:lnT>
-                    <a:lnB w="3556" cap="flat" cmpd="sng" algn="ctr">
-                      <a:solidFill>
-                        <a:srgbClr val="000000"/>
-                      </a:solidFill>
-                      <a:prstDash val="solid"/>
-                      <a:round/>
-                      <a:headEnd type="none" w="med" len="med"/>
-                      <a:tailEnd type="none" w="med" len="med"/>
-                    </a:lnB>
-                  </a:tcPr>
-                </a:tc>
-                <a:tc>
-                  <a:txBody>
-                    <a:bodyPr/>
-                    <a:lstStyle/>
-                    <a:p>
-                      <a:pPr algn="just" latinLnBrk="1"/>
-                      <a:r>
-                        <a:rPr lang="ko-KR" altLang="en-US" sz="1200" dirty="0">
-                          <a:latin typeface="+mn-ea"/>
-                          <a:ea typeface="+mn-ea"/>
-                        </a:rPr>
-                        <a:t>사용자의 현 위치 표시</a:t>
-                      </a:r>
-                    </a:p>
-                  </a:txBody>
-                  <a:tcPr anchor="ctr">
-                    <a:lnL w="3556" cap="flat" cmpd="sng" algn="ctr">
-                      <a:solidFill>
-                        <a:srgbClr val="000000"/>
-                      </a:solidFill>
-                      <a:prstDash val="solid"/>
-                      <a:round/>
-                      <a:headEnd type="none" w="med" len="med"/>
-                      <a:tailEnd type="none" w="med" len="med"/>
-                    </a:lnL>
-                    <a:lnR w="3556" cap="flat" cmpd="sng" algn="ctr">
-                      <a:solidFill>
-                        <a:srgbClr val="000000"/>
-                      </a:solidFill>
-                      <a:prstDash val="solid"/>
-                      <a:round/>
-                      <a:headEnd type="none" w="med" len="med"/>
-                      <a:tailEnd type="none" w="med" len="med"/>
-                    </a:lnR>
-                    <a:lnT w="3556" cap="flat" cmpd="sng" algn="ctr">
-                      <a:solidFill>
-                        <a:srgbClr val="000000"/>
-                      </a:solidFill>
-                      <a:prstDash val="solid"/>
-                      <a:round/>
-                      <a:headEnd type="none" w="med" len="med"/>
-                      <a:tailEnd type="none" w="med" len="med"/>
-                    </a:lnT>
-                    <a:lnB w="3556" cap="flat" cmpd="sng" algn="ctr">
-                      <a:solidFill>
-                        <a:srgbClr val="000000"/>
-                      </a:solidFill>
-                      <a:prstDash val="solid"/>
-                      <a:round/>
-                      <a:headEnd type="none" w="med" len="med"/>
-                      <a:tailEnd type="none" w="med" len="med"/>
-                    </a:lnB>
-                  </a:tcPr>
-                </a:tc>
-                <a:extLst>
-                  <a:ext uri="{0D108BD9-81ED-4DB2-BD59-A6C34878D82A}">
-                    <a16:rowId xmlns:a16="http://schemas.microsoft.com/office/drawing/2014/main" val="10008"/>
-                  </a:ext>
-                </a:extLst>
-              </a:tr>
-              <a:tr h="371004">
-                <a:tc vMerge="1">
-                  <a:txBody>
-                    <a:bodyPr/>
-                    <a:lstStyle/>
-                    <a:p>
-                      <a:pPr latinLnBrk="1"/>
-                      <a:endParaRPr lang="ko-KR" altLang="en-US"/>
-                    </a:p>
-                  </a:txBody>
-                  <a:tcPr/>
-                </a:tc>
-                <a:tc>
-                  <a:txBody>
-                    <a:bodyPr/>
-                    <a:lstStyle/>
-                    <a:p>
-                      <a:pPr algn="just" latinLnBrk="1"/>
-                      <a:r>
-                        <a:rPr lang="en-US" altLang="ko-KR" sz="1200" b="0" kern="0" spc="0" dirty="0">
-                          <a:solidFill>
-                            <a:srgbClr val="000000"/>
-                          </a:solidFill>
-                          <a:effectLst/>
-                          <a:latin typeface="+mj-lt"/>
-                        </a:rPr>
-                        <a:t>MAIN</a:t>
-                      </a:r>
-                      <a:r>
-                        <a:rPr lang="en-US" altLang="ko-KR" sz="1200" b="0" dirty="0">
-                          <a:latin typeface="+mj-lt"/>
-                        </a:rPr>
-                        <a:t>-03-01</a:t>
-                      </a:r>
-                      <a:endParaRPr lang="ko-KR" altLang="en-US" sz="1200" b="0" dirty="0">
-                        <a:latin typeface="+mj-lt"/>
-                      </a:endParaRPr>
-                    </a:p>
-                  </a:txBody>
-                  <a:tcPr anchor="ctr">
-                    <a:lnL w="3556" cap="flat" cmpd="sng" algn="ctr">
-                      <a:solidFill>
-                        <a:srgbClr val="000000"/>
-                      </a:solidFill>
-                      <a:prstDash val="solid"/>
-                      <a:round/>
-                      <a:headEnd type="none" w="med" len="med"/>
-                      <a:tailEnd type="none" w="med" len="med"/>
-                    </a:lnL>
-                    <a:lnR w="3556" cap="flat" cmpd="sng" algn="ctr">
-                      <a:solidFill>
-                        <a:srgbClr val="000000"/>
-                      </a:solidFill>
-                      <a:prstDash val="solid"/>
-                      <a:round/>
-                      <a:headEnd type="none" w="med" len="med"/>
-                      <a:tailEnd type="none" w="med" len="med"/>
-                    </a:lnR>
-                    <a:lnT w="3556" cap="flat" cmpd="sng" algn="ctr">
-                      <a:solidFill>
-                        <a:srgbClr val="000000"/>
-                      </a:solidFill>
-                      <a:prstDash val="solid"/>
-                      <a:round/>
-                      <a:headEnd type="none" w="med" len="med"/>
-                      <a:tailEnd type="none" w="med" len="med"/>
-                    </a:lnT>
-                    <a:lnB w="3556" cap="flat" cmpd="sng" algn="ctr">
-                      <a:solidFill>
-                        <a:srgbClr val="000000"/>
-                      </a:solidFill>
-                      <a:prstDash val="solid"/>
-                      <a:round/>
-                      <a:headEnd type="none" w="med" len="med"/>
-                      <a:tailEnd type="none" w="med" len="med"/>
-                    </a:lnB>
-                  </a:tcPr>
-                </a:tc>
-                <a:tc>
-                  <a:txBody>
-                    <a:bodyPr/>
-                    <a:lstStyle/>
-                    <a:p>
-                      <a:pPr algn="just" latinLnBrk="1"/>
-                      <a:r>
-                        <a:rPr lang="ko-KR" altLang="en-US" sz="1200" dirty="0">
-                          <a:latin typeface="+mn-ea"/>
-                          <a:ea typeface="+mn-ea"/>
-                        </a:rPr>
-                        <a:t>출발지</a:t>
-                      </a:r>
-                      <a:r>
-                        <a:rPr lang="en-US" altLang="ko-KR" sz="1200" dirty="0">
-                          <a:latin typeface="+mn-ea"/>
-                          <a:ea typeface="+mn-ea"/>
-                        </a:rPr>
-                        <a:t>, </a:t>
-                      </a:r>
-                      <a:r>
-                        <a:rPr lang="ko-KR" altLang="en-US" sz="1200" dirty="0">
-                          <a:latin typeface="+mn-ea"/>
-                          <a:ea typeface="+mn-ea"/>
-                        </a:rPr>
-                        <a:t>도착지 설정</a:t>
-                      </a:r>
-                    </a:p>
-                  </a:txBody>
-                  <a:tcPr anchor="ctr">
-                    <a:lnL w="3556" cap="flat" cmpd="sng" algn="ctr">
-                      <a:solidFill>
-                        <a:srgbClr val="000000"/>
-                      </a:solidFill>
-                      <a:prstDash val="solid"/>
-                      <a:round/>
-                      <a:headEnd type="none" w="med" len="med"/>
-                      <a:tailEnd type="none" w="med" len="med"/>
-                    </a:lnL>
-                    <a:lnR w="3556" cap="flat" cmpd="sng" algn="ctr">
-                      <a:solidFill>
-                        <a:srgbClr val="000000"/>
-                      </a:solidFill>
-                      <a:prstDash val="solid"/>
-                      <a:round/>
-                      <a:headEnd type="none" w="med" len="med"/>
-                      <a:tailEnd type="none" w="med" len="med"/>
-                    </a:lnR>
-                    <a:lnT w="3556" cap="flat" cmpd="sng" algn="ctr">
-                      <a:solidFill>
-                        <a:srgbClr val="000000"/>
-                      </a:solidFill>
-                      <a:prstDash val="solid"/>
-                      <a:round/>
-                      <a:headEnd type="none" w="med" len="med"/>
-                      <a:tailEnd type="none" w="med" len="med"/>
-                    </a:lnT>
-                    <a:lnB w="3556" cap="flat" cmpd="sng" algn="ctr">
-                      <a:solidFill>
-                        <a:srgbClr val="000000"/>
-                      </a:solidFill>
-                      <a:prstDash val="solid"/>
-                      <a:round/>
-                      <a:headEnd type="none" w="med" len="med"/>
-                      <a:tailEnd type="none" w="med" len="med"/>
-                    </a:lnB>
-                  </a:tcPr>
-                </a:tc>
-                <a:extLst>
-                  <a:ext uri="{0D108BD9-81ED-4DB2-BD59-A6C34878D82A}">
-                    <a16:rowId xmlns:a16="http://schemas.microsoft.com/office/drawing/2014/main" val="10009"/>
-                  </a:ext>
-                </a:extLst>
-              </a:tr>
-              <a:tr h="371004">
-                <a:tc vMerge="1">
-                  <a:txBody>
-                    <a:bodyPr/>
-                    <a:lstStyle/>
-                    <a:p>
-                      <a:pPr latinLnBrk="1"/>
-                      <a:endParaRPr lang="ko-KR" altLang="en-US"/>
-                    </a:p>
-                  </a:txBody>
-                  <a:tcPr/>
-                </a:tc>
-                <a:tc>
-                  <a:txBody>
-                    <a:bodyPr/>
-                    <a:lstStyle/>
-                    <a:p>
-                      <a:pPr algn="just" latinLnBrk="1"/>
-                      <a:r>
-                        <a:rPr lang="en-US" altLang="ko-KR" sz="1200" b="0" kern="0" spc="0" dirty="0">
-                          <a:solidFill>
-                            <a:srgbClr val="000000"/>
-                          </a:solidFill>
-                          <a:effectLst/>
-                          <a:latin typeface="+mj-lt"/>
-                        </a:rPr>
-                        <a:t>MAIN</a:t>
-                      </a:r>
-                      <a:r>
-                        <a:rPr lang="en-US" altLang="ko-KR" sz="1200" b="0" dirty="0">
-                          <a:latin typeface="+mj-lt"/>
-                        </a:rPr>
-                        <a:t>-03-02</a:t>
-                      </a:r>
-                      <a:endParaRPr lang="ko-KR" altLang="en-US" sz="1200" b="0" dirty="0">
-                        <a:latin typeface="+mj-lt"/>
-                      </a:endParaRPr>
-                    </a:p>
-                  </a:txBody>
-                  <a:tcPr anchor="ctr">
-                    <a:lnL w="3556" cap="flat" cmpd="sng" algn="ctr">
-                      <a:solidFill>
-                        <a:srgbClr val="000000"/>
-                      </a:solidFill>
-                      <a:prstDash val="solid"/>
-                      <a:round/>
-                      <a:headEnd type="none" w="med" len="med"/>
-                      <a:tailEnd type="none" w="med" len="med"/>
-                    </a:lnL>
-                    <a:lnR w="3556" cap="flat" cmpd="sng" algn="ctr">
-                      <a:solidFill>
-                        <a:srgbClr val="000000"/>
-                      </a:solidFill>
-                      <a:prstDash val="solid"/>
-                      <a:round/>
-                      <a:headEnd type="none" w="med" len="med"/>
-                      <a:tailEnd type="none" w="med" len="med"/>
-                    </a:lnR>
-                    <a:lnT w="3556" cap="flat" cmpd="sng" algn="ctr">
-                      <a:solidFill>
-                        <a:srgbClr val="000000"/>
-                      </a:solidFill>
-                      <a:prstDash val="solid"/>
-                      <a:round/>
-                      <a:headEnd type="none" w="med" len="med"/>
-                      <a:tailEnd type="none" w="med" len="med"/>
-                    </a:lnT>
-                    <a:lnB w="3556" cap="flat" cmpd="sng" algn="ctr">
-                      <a:solidFill>
-                        <a:srgbClr val="000000"/>
-                      </a:solidFill>
-                      <a:prstDash val="solid"/>
-                      <a:round/>
-                      <a:headEnd type="none" w="med" len="med"/>
-                      <a:tailEnd type="none" w="med" len="med"/>
-                    </a:lnB>
-                  </a:tcPr>
-                </a:tc>
-                <a:tc>
-                  <a:txBody>
-                    <a:bodyPr/>
-                    <a:lstStyle/>
-                    <a:p>
-                      <a:pPr algn="just" latinLnBrk="1"/>
-                      <a:r>
-                        <a:rPr lang="ko-KR" altLang="en-US" sz="1200" dirty="0">
-                          <a:latin typeface="+mn-ea"/>
-                          <a:ea typeface="+mn-ea"/>
-                        </a:rPr>
-                        <a:t>추천 경로 안내</a:t>
-                      </a:r>
-                    </a:p>
-                  </a:txBody>
-                  <a:tcPr anchor="ctr">
-                    <a:lnL w="3556" cap="flat" cmpd="sng" algn="ctr">
-                      <a:solidFill>
-                        <a:srgbClr val="000000"/>
-                      </a:solidFill>
-                      <a:prstDash val="solid"/>
-                      <a:round/>
-                      <a:headEnd type="none" w="med" len="med"/>
-                      <a:tailEnd type="none" w="med" len="med"/>
-                    </a:lnL>
-                    <a:lnR w="3556" cap="flat" cmpd="sng" algn="ctr">
-                      <a:solidFill>
-                        <a:srgbClr val="000000"/>
-                      </a:solidFill>
-                      <a:prstDash val="solid"/>
-                      <a:round/>
-                      <a:headEnd type="none" w="med" len="med"/>
-                      <a:tailEnd type="none" w="med" len="med"/>
-                    </a:lnR>
-                    <a:lnT w="3556" cap="flat" cmpd="sng" algn="ctr">
-                      <a:solidFill>
-                        <a:srgbClr val="000000"/>
-                      </a:solidFill>
-                      <a:prstDash val="solid"/>
-                      <a:round/>
-                      <a:headEnd type="none" w="med" len="med"/>
-                      <a:tailEnd type="none" w="med" len="med"/>
-                    </a:lnT>
-                    <a:lnB w="3556" cap="flat" cmpd="sng" algn="ctr">
-                      <a:solidFill>
-                        <a:srgbClr val="000000"/>
-                      </a:solidFill>
-                      <a:prstDash val="solid"/>
-                      <a:round/>
-                      <a:headEnd type="none" w="med" len="med"/>
-                      <a:tailEnd type="none" w="med" len="med"/>
-                    </a:lnB>
-                  </a:tcPr>
-                </a:tc>
-                <a:extLst>
-                  <a:ext uri="{0D108BD9-81ED-4DB2-BD59-A6C34878D82A}">
-                    <a16:rowId xmlns:a16="http://schemas.microsoft.com/office/drawing/2014/main" val="10010"/>
-                  </a:ext>
-                </a:extLst>
-              </a:tr>
-            </a:tbl>
-          </a:graphicData>
-        </a:graphic>
-      </p:graphicFrame>
-    </p:spTree>
-    <p:extLst>
-      <p:ext uri="{BB962C8B-B14F-4D97-AF65-F5344CB8AC3E}">
-        <p14:creationId xmlns:p14="http://schemas.microsoft.com/office/powerpoint/2010/main" val="904391866"/>
-      </p:ext>
-    </p:extLst>
-  </p:cSld>
-  <p:clrMapOvr>
-    <a:masterClrMapping/>
-  </p:clrMapOvr>
-</p:sld>
-</file>
-
-<file path=ppt/slides/slide19.xml><?xml version="1.0" encoding="utf-8"?>
-<p:sld xmlns:a="http://schemas.openxmlformats.org/drawingml/2006/main" xmlns:r="http://schemas.openxmlformats.org/officeDocument/2006/relationships" xmlns:p="http://schemas.openxmlformats.org/presentationml/2006/main">
-  <p:cSld>
-    <p:spTree>
-      <p:nvGrpSpPr>
-        <p:cNvPr id="1" name=""/>
-        <p:cNvGrpSpPr/>
-        <p:nvPr/>
-      </p:nvGrpSpPr>
-      <p:grpSpPr>
-        <a:xfrm>
-          <a:off x="0" y="0"/>
-          <a:ext cx="0" cy="0"/>
-          <a:chOff x="0" y="0"/>
-          <a:chExt cx="0" cy="0"/>
-        </a:xfrm>
-      </p:grpSpPr>
-      <p:sp>
-        <p:nvSpPr>
-          <p:cNvPr id="14" name="직사각형 13"/>
-          <p:cNvSpPr/>
-          <p:nvPr/>
-        </p:nvSpPr>
-        <p:spPr>
-          <a:xfrm>
-            <a:off x="107504" y="0"/>
-            <a:ext cx="3096344" cy="1124744"/>
-          </a:xfrm>
-          <a:prstGeom prst="rect">
-            <a:avLst/>
-          </a:prstGeom>
-          <a:solidFill>
-            <a:srgbClr val="3B5AA8"/>
-          </a:solidFill>
-          <a:ln>
-            <a:noFill/>
-          </a:ln>
-        </p:spPr>
-        <p:style>
-          <a:lnRef idx="2">
-            <a:schemeClr val="accent1">
-              <a:shade val="50000"/>
-            </a:schemeClr>
-          </a:lnRef>
-          <a:fillRef idx="1">
-            <a:schemeClr val="accent1"/>
-          </a:fillRef>
-          <a:effectRef idx="0">
-            <a:schemeClr val="accent1"/>
-          </a:effectRef>
-          <a:fontRef idx="minor">
-            <a:schemeClr val="lt1"/>
-          </a:fontRef>
-        </p:style>
-        <p:txBody>
-          <a:bodyPr rtlCol="0" anchor="ctr"/>
-          <a:lstStyle/>
-          <a:p>
-            <a:pPr algn="ctr"/>
-            <a:endParaRPr lang="ko-KR" altLang="en-US"/>
-          </a:p>
-        </p:txBody>
-      </p:sp>
-      <p:cxnSp>
-        <p:nvCxnSpPr>
-          <p:cNvPr id="17" name="직선 연결선 16"/>
-          <p:cNvCxnSpPr/>
-          <p:nvPr/>
-        </p:nvCxnSpPr>
-        <p:spPr>
-          <a:xfrm>
-            <a:off x="424356" y="541195"/>
-            <a:ext cx="2591728" cy="0"/>
-          </a:xfrm>
-          <a:prstGeom prst="line">
-            <a:avLst/>
-          </a:prstGeom>
-          <a:ln w="28575">
-            <a:solidFill>
-              <a:schemeClr val="bg1">
-                <a:lumMod val="95000"/>
-              </a:schemeClr>
-            </a:solidFill>
-          </a:ln>
-        </p:spPr>
-        <p:style>
-          <a:lnRef idx="1">
-            <a:schemeClr val="accent1"/>
-          </a:lnRef>
-          <a:fillRef idx="0">
-            <a:schemeClr val="accent1"/>
-          </a:fillRef>
-          <a:effectRef idx="0">
-            <a:schemeClr val="accent1"/>
-          </a:effectRef>
-          <a:fontRef idx="minor">
-            <a:schemeClr val="tx1"/>
-          </a:fontRef>
-        </p:style>
-      </p:cxnSp>
-      <p:cxnSp>
-        <p:nvCxnSpPr>
-          <p:cNvPr id="18" name="직선 연결선 17"/>
-          <p:cNvCxnSpPr/>
-          <p:nvPr/>
-        </p:nvCxnSpPr>
-        <p:spPr>
-          <a:xfrm>
-            <a:off x="3275856" y="548680"/>
-            <a:ext cx="5328592" cy="0"/>
-          </a:xfrm>
-          <a:prstGeom prst="line">
-            <a:avLst/>
-          </a:prstGeom>
-          <a:ln w="28575">
-            <a:solidFill>
-              <a:srgbClr val="3B5AA8"/>
-            </a:solidFill>
-          </a:ln>
-        </p:spPr>
-        <p:style>
-          <a:lnRef idx="1">
-            <a:schemeClr val="accent4"/>
-          </a:lnRef>
-          <a:fillRef idx="0">
-            <a:schemeClr val="accent4"/>
-          </a:fillRef>
-          <a:effectRef idx="0">
-            <a:schemeClr val="accent4"/>
-          </a:effectRef>
-          <a:fontRef idx="minor">
-            <a:schemeClr val="tx1"/>
-          </a:fontRef>
-        </p:style>
-      </p:cxnSp>
-      <p:sp>
-        <p:nvSpPr>
-          <p:cNvPr id="19" name="제목 12"/>
-          <p:cNvSpPr txBox="1">
-            <a:spLocks/>
-          </p:cNvSpPr>
-          <p:nvPr/>
-        </p:nvSpPr>
-        <p:spPr>
-          <a:xfrm>
-            <a:off x="323528" y="692696"/>
-            <a:ext cx="2808312" cy="296631"/>
-          </a:xfrm>
-          <a:prstGeom prst="rect">
-            <a:avLst/>
-          </a:prstGeom>
-        </p:spPr>
-        <p:txBody>
-          <a:bodyPr vert="horz" lIns="91440" tIns="45720" rIns="91440" bIns="45720" rtlCol="0" anchor="t">
-            <a:noAutofit/>
-          </a:bodyPr>
-          <a:lstStyle/>
-          <a:p>
-            <a:pPr marL="0" marR="0" lvl="0" indent="0" algn="l" defTabSz="914400" rtl="0" eaLnBrk="1" fontAlgn="auto" latinLnBrk="1" hangingPunct="1">
-              <a:lnSpc>
-                <a:spcPct val="100000"/>
-              </a:lnSpc>
-              <a:spcBef>
-                <a:spcPct val="0"/>
-              </a:spcBef>
-              <a:spcAft>
-                <a:spcPts val="0"/>
-              </a:spcAft>
-              <a:buClrTx/>
-              <a:buSzTx/>
-              <a:buFontTx/>
-              <a:buNone/>
-              <a:tabLst/>
-              <a:defRPr/>
-            </a:pPr>
-            <a:r>
-              <a:rPr kumimoji="0" lang="en-US" altLang="ko-KR" sz="1700" b="1" i="0" u="none" strike="noStrike" kern="1200" cap="none" spc="0" normalizeH="0" baseline="0" noProof="0">
-                <a:ln>
-                  <a:noFill/>
-                </a:ln>
-                <a:solidFill>
-                  <a:schemeClr val="bg1"/>
-                </a:solidFill>
-                <a:effectLst/>
-                <a:uLnTx/>
-                <a:uFillTx/>
-                <a:latin typeface="+mn-ea"/>
-                <a:cs typeface="+mj-cs"/>
-              </a:rPr>
-              <a:t>| </a:t>
-            </a:r>
-            <a:r>
-              <a:rPr lang="ko-KR" altLang="en-US" sz="1700" b="1">
-                <a:solidFill>
-                  <a:schemeClr val="bg1"/>
-                </a:solidFill>
-                <a:latin typeface="+mn-ea"/>
-                <a:cs typeface="+mj-cs"/>
-              </a:rPr>
-              <a:t>프로그램 </a:t>
-            </a:r>
-            <a:r>
-              <a:rPr lang="en-US" altLang="ko-KR" sz="1700" b="1">
-                <a:solidFill>
-                  <a:schemeClr val="bg1"/>
-                </a:solidFill>
-                <a:latin typeface="+mn-ea"/>
-                <a:cs typeface="+mj-cs"/>
-              </a:rPr>
-              <a:t>- </a:t>
-            </a:r>
-            <a:r>
-              <a:rPr kumimoji="0" lang="ko-KR" altLang="en-US" sz="1700" b="1" i="0" u="none" strike="noStrike" kern="1200" cap="none" spc="0" normalizeH="0" baseline="0" noProof="0" dirty="0">
-                <a:ln>
-                  <a:noFill/>
-                </a:ln>
-                <a:solidFill>
-                  <a:schemeClr val="bg1"/>
-                </a:solidFill>
-                <a:effectLst/>
-                <a:uLnTx/>
-                <a:uFillTx/>
-                <a:latin typeface="+mn-ea"/>
-                <a:cs typeface="+mj-cs"/>
-              </a:rPr>
-              <a:t>목록</a:t>
-            </a:r>
-            <a:endParaRPr kumimoji="0" lang="ko-KR" altLang="en-US" sz="1700" b="0" i="0" u="none" strike="noStrike" kern="1200" cap="none" spc="-50" normalizeH="0" baseline="0" noProof="0" dirty="0">
-              <a:ln>
-                <a:noFill/>
-              </a:ln>
-              <a:solidFill>
-                <a:schemeClr val="bg1"/>
-              </a:solidFill>
-              <a:effectLst/>
-              <a:uLnTx/>
-              <a:uFillTx/>
-              <a:latin typeface="+mn-ea"/>
-              <a:cs typeface="+mj-cs"/>
-            </a:endParaRPr>
-          </a:p>
-        </p:txBody>
-      </p:sp>
-      <p:pic>
-        <p:nvPicPr>
-          <p:cNvPr id="21" name="Picture 6"/>
-          <p:cNvPicPr>
-            <a:picLocks noChangeAspect="1" noChangeArrowheads="1"/>
-          </p:cNvPicPr>
-          <p:nvPr/>
-        </p:nvPicPr>
-        <p:blipFill>
-          <a:blip r:embed="rId2" cstate="print">
-            <a:extLst>
-              <a:ext uri="{28A0092B-C50C-407E-A947-70E740481C1C}">
-                <a14:useLocalDpi xmlns:a14="http://schemas.microsoft.com/office/drawing/2010/main" val="0"/>
-              </a:ext>
-            </a:extLst>
-          </a:blip>
-          <a:srcRect/>
-          <a:stretch>
-            <a:fillRect/>
-          </a:stretch>
-        </p:blipFill>
-        <p:spPr bwMode="auto">
-          <a:xfrm>
-            <a:off x="8388424" y="78041"/>
-            <a:ext cx="677336" cy="398631"/>
-          </a:xfrm>
-          <a:prstGeom prst="rect">
-            <a:avLst/>
-          </a:prstGeom>
-          <a:noFill/>
-          <a:ln>
-            <a:noFill/>
-          </a:ln>
-          <a:extLst>
-            <a:ext uri="{909E8E84-426E-40DD-AFC4-6F175D3DCCD1}">
-              <a14:hiddenFill xmlns:a14="http://schemas.microsoft.com/office/drawing/2010/main">
-                <a:solidFill>
-                  <a:schemeClr val="accent1"/>
-                </a:solidFill>
-              </a14:hiddenFill>
-            </a:ext>
-            <a:ext uri="{91240B29-F687-4F45-9708-019B960494DF}">
-              <a14:hiddenLine xmlns:a14="http://schemas.microsoft.com/office/drawing/2010/main" w="9525">
-                <a:solidFill>
-                  <a:schemeClr val="tx1"/>
-                </a:solidFill>
-                <a:miter lim="800000"/>
-                <a:headEnd/>
-                <a:tailEnd/>
-              </a14:hiddenLine>
-            </a:ext>
-          </a:extLst>
-        </p:spPr>
-      </p:pic>
-      <p:pic>
-        <p:nvPicPr>
-          <p:cNvPr id="1026" name="Picture 2"/>
-          <p:cNvPicPr>
-            <a:picLocks noChangeAspect="1" noChangeArrowheads="1"/>
-          </p:cNvPicPr>
-          <p:nvPr/>
-        </p:nvPicPr>
-        <p:blipFill>
-          <a:blip r:embed="rId3" cstate="print"/>
-          <a:srcRect/>
-          <a:stretch>
-            <a:fillRect/>
-          </a:stretch>
-        </p:blipFill>
-        <p:spPr bwMode="auto">
-          <a:xfrm>
-            <a:off x="8676456" y="476671"/>
-            <a:ext cx="454960" cy="158965"/>
-          </a:xfrm>
-          <a:prstGeom prst="rect">
-            <a:avLst/>
-          </a:prstGeom>
-          <a:noFill/>
-          <a:ln w="9525">
-            <a:noFill/>
-            <a:miter lim="800000"/>
-            <a:headEnd/>
-            <a:tailEnd/>
-          </a:ln>
-        </p:spPr>
-      </p:pic>
-      <p:sp>
-        <p:nvSpPr>
-          <p:cNvPr id="35" name="막힌 원호 34"/>
-          <p:cNvSpPr/>
-          <p:nvPr/>
-        </p:nvSpPr>
-        <p:spPr>
-          <a:xfrm flipV="1">
-            <a:off x="-577697" y="-576001"/>
-            <a:ext cx="1181047" cy="1167213"/>
-          </a:xfrm>
-          <a:prstGeom prst="blockArc">
-            <a:avLst>
-              <a:gd name="adj1" fmla="val 16158679"/>
-              <a:gd name="adj2" fmla="val 0"/>
-              <a:gd name="adj3" fmla="val 25000"/>
-            </a:avLst>
-          </a:prstGeom>
-          <a:solidFill>
-            <a:schemeClr val="bg1"/>
-          </a:solidFill>
-          <a:ln>
-            <a:solidFill>
-              <a:schemeClr val="bg1"/>
-            </a:solidFill>
-          </a:ln>
-        </p:spPr>
-        <p:style>
-          <a:lnRef idx="2">
-            <a:schemeClr val="accent1">
-              <a:shade val="50000"/>
-            </a:schemeClr>
-          </a:lnRef>
-          <a:fillRef idx="1">
-            <a:schemeClr val="accent1"/>
-          </a:fillRef>
-          <a:effectRef idx="0">
-            <a:schemeClr val="accent1"/>
-          </a:effectRef>
-          <a:fontRef idx="minor">
-            <a:schemeClr val="lt1"/>
-          </a:fontRef>
-        </p:style>
-        <p:txBody>
-          <a:bodyPr rtlCol="0" anchor="ctr"/>
-          <a:lstStyle/>
-          <a:p>
-            <a:pPr algn="ctr"/>
-            <a:endParaRPr lang="ko-KR" altLang="en-US">
-              <a:solidFill>
-                <a:schemeClr val="tx1"/>
-              </a:solidFill>
-            </a:endParaRPr>
-          </a:p>
-        </p:txBody>
-      </p:sp>
-      <p:graphicFrame>
-        <p:nvGraphicFramePr>
-          <p:cNvPr id="2" name="표 1"/>
-          <p:cNvGraphicFramePr>
-            <a:graphicFrameLocks noGrp="1"/>
-          </p:cNvGraphicFramePr>
-          <p:nvPr>
-            <p:extLst>
-              <p:ext uri="{D42A27DB-BD31-4B8C-83A1-F6EECF244321}">
                 <p14:modId xmlns:p14="http://schemas.microsoft.com/office/powerpoint/2010/main" val="3894556327"/>
               </p:ext>
             </p:extLst>
@@ -23876,6 +23428,498 @@
     <p:extLst>
       <p:ext uri="{BB962C8B-B14F-4D97-AF65-F5344CB8AC3E}">
         <p14:creationId xmlns:p14="http://schemas.microsoft.com/office/powerpoint/2010/main" val="2749916530"/>
+      </p:ext>
+    </p:extLst>
+  </p:cSld>
+  <p:clrMapOvr>
+    <a:masterClrMapping/>
+  </p:clrMapOvr>
+</p:sld>
+</file>
+
+<file path=ppt/slides/slide19.xml><?xml version="1.0" encoding="utf-8"?>
+<p:sld xmlns:a="http://schemas.openxmlformats.org/drawingml/2006/main" xmlns:r="http://schemas.openxmlformats.org/officeDocument/2006/relationships" xmlns:p="http://schemas.openxmlformats.org/presentationml/2006/main">
+  <p:cSld>
+    <p:spTree>
+      <p:nvGrpSpPr>
+        <p:cNvPr id="1" name=""/>
+        <p:cNvGrpSpPr/>
+        <p:nvPr/>
+      </p:nvGrpSpPr>
+      <p:grpSpPr>
+        <a:xfrm>
+          <a:off x="0" y="0"/>
+          <a:ext cx="0" cy="0"/>
+          <a:chOff x="0" y="0"/>
+          <a:chExt cx="0" cy="0"/>
+        </a:xfrm>
+      </p:grpSpPr>
+      <p:sp>
+        <p:nvSpPr>
+          <p:cNvPr id="30" name="직사각형 29">
+            <a:extLst>
+              <a:ext uri="{FF2B5EF4-FFF2-40B4-BE49-F238E27FC236}">
+                <a16:creationId xmlns:a16="http://schemas.microsoft.com/office/drawing/2014/main" id="{DAB3DC14-37DC-42D7-91B5-213AED6C214C}"/>
+              </a:ext>
+            </a:extLst>
+          </p:cNvPr>
+          <p:cNvSpPr/>
+          <p:nvPr/>
+        </p:nvSpPr>
+        <p:spPr>
+          <a:xfrm>
+            <a:off x="107504" y="0"/>
+            <a:ext cx="3096344" cy="1124744"/>
+          </a:xfrm>
+          <a:prstGeom prst="rect">
+            <a:avLst/>
+          </a:prstGeom>
+          <a:solidFill>
+            <a:srgbClr val="3B5AA8"/>
+          </a:solidFill>
+          <a:ln>
+            <a:noFill/>
+          </a:ln>
+        </p:spPr>
+        <p:style>
+          <a:lnRef idx="2">
+            <a:schemeClr val="accent1">
+              <a:shade val="50000"/>
+            </a:schemeClr>
+          </a:lnRef>
+          <a:fillRef idx="1">
+            <a:schemeClr val="accent1"/>
+          </a:fillRef>
+          <a:effectRef idx="0">
+            <a:schemeClr val="accent1"/>
+          </a:effectRef>
+          <a:fontRef idx="minor">
+            <a:schemeClr val="lt1"/>
+          </a:fontRef>
+        </p:style>
+        <p:txBody>
+          <a:bodyPr rtlCol="0" anchor="ctr"/>
+          <a:lstStyle/>
+          <a:p>
+            <a:pPr marL="0" marR="0" lvl="0" indent="0" algn="ctr" defTabSz="914400" rtl="0" eaLnBrk="1" fontAlgn="auto" latinLnBrk="1" hangingPunct="1">
+              <a:lnSpc>
+                <a:spcPct val="100000"/>
+              </a:lnSpc>
+              <a:spcBef>
+                <a:spcPts val="0"/>
+              </a:spcBef>
+              <a:spcAft>
+                <a:spcPts val="0"/>
+              </a:spcAft>
+              <a:buClrTx/>
+              <a:buSzTx/>
+              <a:buFontTx/>
+              <a:buNone/>
+              <a:tabLst/>
+              <a:defRPr/>
+            </a:pPr>
+            <a:endParaRPr kumimoji="0" lang="ko-KR" altLang="en-US" sz="1800" b="0" i="0" u="none" strike="noStrike" kern="1200" cap="none" spc="0" normalizeH="0" baseline="0" noProof="0">
+              <a:ln>
+                <a:noFill/>
+              </a:ln>
+              <a:solidFill>
+                <a:prstClr val="white"/>
+              </a:solidFill>
+              <a:effectLst/>
+              <a:uLnTx/>
+              <a:uFillTx/>
+              <a:latin typeface="맑은 고딕"/>
+              <a:ea typeface="맑은 고딕" panose="020B0503020000020004" pitchFamily="50" charset="-127"/>
+              <a:cs typeface="+mn-cs"/>
+            </a:endParaRPr>
+          </a:p>
+        </p:txBody>
+      </p:sp>
+      <p:cxnSp>
+        <p:nvCxnSpPr>
+          <p:cNvPr id="31" name="직선 연결선 30">
+            <a:extLst>
+              <a:ext uri="{FF2B5EF4-FFF2-40B4-BE49-F238E27FC236}">
+                <a16:creationId xmlns:a16="http://schemas.microsoft.com/office/drawing/2014/main" id="{73437C0B-6788-4A14-AA92-1C8740DB47AE}"/>
+              </a:ext>
+            </a:extLst>
+          </p:cNvPr>
+          <p:cNvCxnSpPr/>
+          <p:nvPr/>
+        </p:nvCxnSpPr>
+        <p:spPr>
+          <a:xfrm>
+            <a:off x="424356" y="541195"/>
+            <a:ext cx="2591728" cy="0"/>
+          </a:xfrm>
+          <a:prstGeom prst="line">
+            <a:avLst/>
+          </a:prstGeom>
+          <a:ln w="28575">
+            <a:solidFill>
+              <a:schemeClr val="bg1">
+                <a:lumMod val="95000"/>
+              </a:schemeClr>
+            </a:solidFill>
+          </a:ln>
+        </p:spPr>
+        <p:style>
+          <a:lnRef idx="1">
+            <a:schemeClr val="accent1"/>
+          </a:lnRef>
+          <a:fillRef idx="0">
+            <a:schemeClr val="accent1"/>
+          </a:fillRef>
+          <a:effectRef idx="0">
+            <a:schemeClr val="accent1"/>
+          </a:effectRef>
+          <a:fontRef idx="minor">
+            <a:schemeClr val="tx1"/>
+          </a:fontRef>
+        </p:style>
+      </p:cxnSp>
+      <p:cxnSp>
+        <p:nvCxnSpPr>
+          <p:cNvPr id="32" name="직선 연결선 31">
+            <a:extLst>
+              <a:ext uri="{FF2B5EF4-FFF2-40B4-BE49-F238E27FC236}">
+                <a16:creationId xmlns:a16="http://schemas.microsoft.com/office/drawing/2014/main" id="{C8D70542-86F0-4987-829F-BD17418C2675}"/>
+              </a:ext>
+            </a:extLst>
+          </p:cNvPr>
+          <p:cNvCxnSpPr/>
+          <p:nvPr/>
+        </p:nvCxnSpPr>
+        <p:spPr>
+          <a:xfrm>
+            <a:off x="3275856" y="548680"/>
+            <a:ext cx="5328592" cy="0"/>
+          </a:xfrm>
+          <a:prstGeom prst="line">
+            <a:avLst/>
+          </a:prstGeom>
+          <a:ln w="28575">
+            <a:solidFill>
+              <a:srgbClr val="3B5AA8"/>
+            </a:solidFill>
+          </a:ln>
+        </p:spPr>
+        <p:style>
+          <a:lnRef idx="1">
+            <a:schemeClr val="accent4"/>
+          </a:lnRef>
+          <a:fillRef idx="0">
+            <a:schemeClr val="accent4"/>
+          </a:fillRef>
+          <a:effectRef idx="0">
+            <a:schemeClr val="accent4"/>
+          </a:effectRef>
+          <a:fontRef idx="minor">
+            <a:schemeClr val="tx1"/>
+          </a:fontRef>
+        </p:style>
+      </p:cxnSp>
+      <p:sp>
+        <p:nvSpPr>
+          <p:cNvPr id="33" name="제목 12">
+            <a:extLst>
+              <a:ext uri="{FF2B5EF4-FFF2-40B4-BE49-F238E27FC236}">
+                <a16:creationId xmlns:a16="http://schemas.microsoft.com/office/drawing/2014/main" id="{7B7F16A0-DE67-46D7-AB49-9B59BEB770AD}"/>
+              </a:ext>
+            </a:extLst>
+          </p:cNvPr>
+          <p:cNvSpPr txBox="1">
+            <a:spLocks/>
+          </p:cNvSpPr>
+          <p:nvPr/>
+        </p:nvSpPr>
+        <p:spPr>
+          <a:xfrm>
+            <a:off x="323528" y="692697"/>
+            <a:ext cx="2952328" cy="272474"/>
+          </a:xfrm>
+          <a:prstGeom prst="rect">
+            <a:avLst/>
+          </a:prstGeom>
+        </p:spPr>
+        <p:txBody>
+          <a:bodyPr vert="horz" lIns="91440" tIns="45720" rIns="91440" bIns="45720" rtlCol="0" anchor="t">
+            <a:noAutofit/>
+          </a:bodyPr>
+          <a:lstStyle/>
+          <a:p>
+            <a:pPr marL="0" marR="0" lvl="0" indent="0" algn="l" defTabSz="914400" rtl="0" eaLnBrk="1" fontAlgn="auto" latinLnBrk="1" hangingPunct="1">
+              <a:lnSpc>
+                <a:spcPct val="100000"/>
+              </a:lnSpc>
+              <a:spcBef>
+                <a:spcPct val="0"/>
+              </a:spcBef>
+              <a:spcAft>
+                <a:spcPts val="0"/>
+              </a:spcAft>
+              <a:buClrTx/>
+              <a:buSzTx/>
+              <a:buFontTx/>
+              <a:buNone/>
+              <a:tabLst/>
+              <a:defRPr/>
+            </a:pPr>
+            <a:r>
+              <a:rPr kumimoji="0" lang="en-US" altLang="ko-KR" sz="1700" b="1" i="0" u="none" strike="noStrike" kern="1200" cap="none" spc="0" normalizeH="0" baseline="0" noProof="0" dirty="0">
+                <a:ln>
+                  <a:noFill/>
+                </a:ln>
+                <a:solidFill>
+                  <a:prstClr val="white"/>
+                </a:solidFill>
+                <a:effectLst/>
+                <a:uLnTx/>
+                <a:uFillTx/>
+                <a:latin typeface="맑은 고딕" panose="020B0503020000020004" pitchFamily="50" charset="-127"/>
+                <a:ea typeface="맑은 고딕" panose="020B0503020000020004" pitchFamily="50" charset="-127"/>
+                <a:cs typeface="+mn-cs"/>
+              </a:rPr>
+              <a:t>| </a:t>
+            </a:r>
+            <a:r>
+              <a:rPr kumimoji="0" lang="ko-KR" altLang="en-US" sz="1700" b="1" i="0" u="none" strike="noStrike" kern="1200" cap="none" spc="0" normalizeH="0" baseline="0" noProof="0" dirty="0" err="1">
+                <a:ln>
+                  <a:noFill/>
+                </a:ln>
+                <a:solidFill>
+                  <a:prstClr val="white"/>
+                </a:solidFill>
+                <a:effectLst/>
+                <a:uLnTx/>
+                <a:uFillTx/>
+                <a:latin typeface="맑은 고딕" panose="020B0503020000020004" pitchFamily="50" charset="-127"/>
+                <a:ea typeface="맑은 고딕" panose="020B0503020000020004" pitchFamily="50" charset="-127"/>
+                <a:cs typeface="+mn-cs"/>
+              </a:rPr>
+              <a:t>핵심소스코드</a:t>
+            </a:r>
+            <a:r>
+              <a:rPr kumimoji="0" lang="en-US" altLang="ko-KR" sz="1700" b="1" i="0" u="none" strike="noStrike" kern="1200" cap="none" spc="0" normalizeH="0" baseline="0" noProof="0" dirty="0">
+                <a:ln>
+                  <a:noFill/>
+                </a:ln>
+                <a:solidFill>
+                  <a:prstClr val="white"/>
+                </a:solidFill>
+                <a:effectLst/>
+                <a:uLnTx/>
+                <a:uFillTx/>
+                <a:latin typeface="맑은 고딕" panose="020B0503020000020004" pitchFamily="50" charset="-127"/>
+                <a:ea typeface="맑은 고딕" panose="020B0503020000020004" pitchFamily="50" charset="-127"/>
+                <a:cs typeface="+mn-cs"/>
+              </a:rPr>
+              <a:t>(open</a:t>
+            </a:r>
+            <a:r>
+              <a:rPr kumimoji="0" lang="ko-KR" altLang="en-US" sz="1700" b="1" i="0" u="none" strike="noStrike" kern="1200" cap="none" spc="0" normalizeH="0" baseline="0" noProof="0" dirty="0">
+                <a:ln>
+                  <a:noFill/>
+                </a:ln>
+                <a:solidFill>
+                  <a:prstClr val="white"/>
+                </a:solidFill>
+                <a:effectLst/>
+                <a:uLnTx/>
+                <a:uFillTx/>
+                <a:latin typeface="맑은 고딕" panose="020B0503020000020004" pitchFamily="50" charset="-127"/>
+                <a:ea typeface="맑은 고딕" panose="020B0503020000020004" pitchFamily="50" charset="-127"/>
+                <a:cs typeface="+mn-cs"/>
+              </a:rPr>
+              <a:t> </a:t>
+            </a:r>
+            <a:r>
+              <a:rPr kumimoji="0" lang="en-US" altLang="ko-KR" sz="1700" b="1" i="0" u="none" strike="noStrike" kern="1200" cap="none" spc="0" normalizeH="0" baseline="0" noProof="0" dirty="0" err="1">
+                <a:ln>
+                  <a:noFill/>
+                </a:ln>
+                <a:solidFill>
+                  <a:prstClr val="white"/>
+                </a:solidFill>
+                <a:effectLst/>
+                <a:uLnTx/>
+                <a:uFillTx/>
+                <a:latin typeface="맑은 고딕" panose="020B0503020000020004" pitchFamily="50" charset="-127"/>
+                <a:ea typeface="맑은 고딕" panose="020B0503020000020004" pitchFamily="50" charset="-127"/>
+                <a:cs typeface="+mn-cs"/>
+              </a:rPr>
+              <a:t>api</a:t>
+            </a:r>
+            <a:r>
+              <a:rPr kumimoji="0" lang="en-US" altLang="ko-KR" sz="1700" b="1" i="0" u="none" strike="noStrike" kern="1200" cap="none" spc="0" normalizeH="0" baseline="0" noProof="0" dirty="0">
+                <a:ln>
+                  <a:noFill/>
+                </a:ln>
+                <a:solidFill>
+                  <a:prstClr val="white"/>
+                </a:solidFill>
+                <a:effectLst/>
+                <a:uLnTx/>
+                <a:uFillTx/>
+                <a:latin typeface="맑은 고딕" panose="020B0503020000020004" pitchFamily="50" charset="-127"/>
+                <a:ea typeface="맑은 고딕" panose="020B0503020000020004" pitchFamily="50" charset="-127"/>
+                <a:cs typeface="+mn-cs"/>
+              </a:rPr>
+              <a:t>)(1)</a:t>
+            </a:r>
+            <a:endParaRPr kumimoji="0" lang="ko-KR" altLang="en-US" sz="1700" b="0" i="0" u="none" strike="noStrike" kern="1200" cap="none" spc="-50" normalizeH="0" baseline="0" noProof="0" dirty="0">
+              <a:ln>
+                <a:noFill/>
+              </a:ln>
+              <a:solidFill>
+                <a:prstClr val="white"/>
+              </a:solidFill>
+              <a:effectLst/>
+              <a:uLnTx/>
+              <a:uFillTx/>
+              <a:latin typeface="맑은 고딕" panose="020B0503020000020004" pitchFamily="50" charset="-127"/>
+              <a:ea typeface="맑은 고딕" panose="020B0503020000020004" pitchFamily="50" charset="-127"/>
+              <a:cs typeface="+mn-cs"/>
+            </a:endParaRPr>
+          </a:p>
+        </p:txBody>
+      </p:sp>
+      <p:pic>
+        <p:nvPicPr>
+          <p:cNvPr id="34" name="Picture 6">
+            <a:extLst>
+              <a:ext uri="{FF2B5EF4-FFF2-40B4-BE49-F238E27FC236}">
+                <a16:creationId xmlns:a16="http://schemas.microsoft.com/office/drawing/2014/main" id="{5A780C21-34A1-405C-B744-B5687E7D5062}"/>
+              </a:ext>
+            </a:extLst>
+          </p:cNvPr>
+          <p:cNvPicPr>
+            <a:picLocks noChangeAspect="1" noChangeArrowheads="1"/>
+          </p:cNvPicPr>
+          <p:nvPr/>
+        </p:nvPicPr>
+        <p:blipFill>
+          <a:blip r:embed="rId2" cstate="print">
+            <a:extLst>
+              <a:ext uri="{28A0092B-C50C-407E-A947-70E740481C1C}">
+                <a14:useLocalDpi xmlns:a14="http://schemas.microsoft.com/office/drawing/2010/main" val="0"/>
+              </a:ext>
+            </a:extLst>
+          </a:blip>
+          <a:srcRect/>
+          <a:stretch>
+            <a:fillRect/>
+          </a:stretch>
+        </p:blipFill>
+        <p:spPr bwMode="auto">
+          <a:xfrm>
+            <a:off x="8388424" y="78041"/>
+            <a:ext cx="677336" cy="398631"/>
+          </a:xfrm>
+          <a:prstGeom prst="rect">
+            <a:avLst/>
+          </a:prstGeom>
+          <a:noFill/>
+          <a:ln>
+            <a:noFill/>
+          </a:ln>
+          <a:extLst>
+            <a:ext uri="{909E8E84-426E-40DD-AFC4-6F175D3DCCD1}">
+              <a14:hiddenFill xmlns:a14="http://schemas.microsoft.com/office/drawing/2010/main">
+                <a:solidFill>
+                  <a:schemeClr val="accent1"/>
+                </a:solidFill>
+              </a14:hiddenFill>
+            </a:ext>
+            <a:ext uri="{91240B29-F687-4F45-9708-019B960494DF}">
+              <a14:hiddenLine xmlns:a14="http://schemas.microsoft.com/office/drawing/2010/main" w="9525">
+                <a:solidFill>
+                  <a:schemeClr val="tx1"/>
+                </a:solidFill>
+                <a:miter lim="800000"/>
+                <a:headEnd/>
+                <a:tailEnd/>
+              </a14:hiddenLine>
+            </a:ext>
+          </a:extLst>
+        </p:spPr>
+      </p:pic>
+      <p:pic>
+        <p:nvPicPr>
+          <p:cNvPr id="35" name="Picture 2">
+            <a:extLst>
+              <a:ext uri="{FF2B5EF4-FFF2-40B4-BE49-F238E27FC236}">
+                <a16:creationId xmlns:a16="http://schemas.microsoft.com/office/drawing/2014/main" id="{D0986A7D-8ACF-428C-8E71-3BB2434DC343}"/>
+              </a:ext>
+            </a:extLst>
+          </p:cNvPr>
+          <p:cNvPicPr>
+            <a:picLocks noChangeAspect="1" noChangeArrowheads="1"/>
+          </p:cNvPicPr>
+          <p:nvPr/>
+        </p:nvPicPr>
+        <p:blipFill>
+          <a:blip r:embed="rId3" cstate="print"/>
+          <a:srcRect/>
+          <a:stretch>
+            <a:fillRect/>
+          </a:stretch>
+        </p:blipFill>
+        <p:spPr bwMode="auto">
+          <a:xfrm>
+            <a:off x="8676456" y="476671"/>
+            <a:ext cx="454960" cy="158965"/>
+          </a:xfrm>
+          <a:prstGeom prst="rect">
+            <a:avLst/>
+          </a:prstGeom>
+          <a:noFill/>
+          <a:ln w="9525">
+            <a:noFill/>
+            <a:miter lim="800000"/>
+            <a:headEnd/>
+            <a:tailEnd/>
+          </a:ln>
+        </p:spPr>
+      </p:pic>
+      <p:pic>
+        <p:nvPicPr>
+          <p:cNvPr id="39" name="image14.png">
+            <a:extLst>
+              <a:ext uri="{FF2B5EF4-FFF2-40B4-BE49-F238E27FC236}">
+                <a16:creationId xmlns:a16="http://schemas.microsoft.com/office/drawing/2014/main" id="{F6DA875D-6156-4C87-9B6B-FCF7FA2E63FB}"/>
+              </a:ext>
+            </a:extLst>
+          </p:cNvPr>
+          <p:cNvPicPr preferRelativeResize="0"/>
+          <p:nvPr/>
+        </p:nvPicPr>
+        <p:blipFill>
+          <a:blip r:embed="rId4">
+            <a:extLst>
+              <a:ext uri="{28A0092B-C50C-407E-A947-70E740481C1C}">
+                <a14:useLocalDpi xmlns:a14="http://schemas.microsoft.com/office/drawing/2010/main" val="0"/>
+              </a:ext>
+            </a:extLst>
+          </a:blip>
+          <a:srcRect/>
+          <a:stretch/>
+        </p:blipFill>
+        <p:spPr>
+          <a:xfrm>
+            <a:off x="196883" y="1268760"/>
+            <a:ext cx="8740117" cy="5211957"/>
+          </a:xfrm>
+          <a:prstGeom prst="rect">
+            <a:avLst/>
+          </a:prstGeom>
+          <a:noFill/>
+        </p:spPr>
+      </p:pic>
+    </p:spTree>
+    <p:extLst>
+      <p:ext uri="{BB962C8B-B14F-4D97-AF65-F5344CB8AC3E}">
+        <p14:creationId xmlns:p14="http://schemas.microsoft.com/office/powerpoint/2010/main" val="1360866521"/>
       </p:ext>
     </p:extLst>
   </p:cSld>
@@ -28067,498 +28111,6 @@
       </p:grpSpPr>
       <p:sp>
         <p:nvSpPr>
-          <p:cNvPr id="30" name="직사각형 29">
-            <a:extLst>
-              <a:ext uri="{FF2B5EF4-FFF2-40B4-BE49-F238E27FC236}">
-                <a16:creationId xmlns:a16="http://schemas.microsoft.com/office/drawing/2014/main" id="{DAB3DC14-37DC-42D7-91B5-213AED6C214C}"/>
-              </a:ext>
-            </a:extLst>
-          </p:cNvPr>
-          <p:cNvSpPr/>
-          <p:nvPr/>
-        </p:nvSpPr>
-        <p:spPr>
-          <a:xfrm>
-            <a:off x="107504" y="0"/>
-            <a:ext cx="3096344" cy="1124744"/>
-          </a:xfrm>
-          <a:prstGeom prst="rect">
-            <a:avLst/>
-          </a:prstGeom>
-          <a:solidFill>
-            <a:srgbClr val="3B5AA8"/>
-          </a:solidFill>
-          <a:ln>
-            <a:noFill/>
-          </a:ln>
-        </p:spPr>
-        <p:style>
-          <a:lnRef idx="2">
-            <a:schemeClr val="accent1">
-              <a:shade val="50000"/>
-            </a:schemeClr>
-          </a:lnRef>
-          <a:fillRef idx="1">
-            <a:schemeClr val="accent1"/>
-          </a:fillRef>
-          <a:effectRef idx="0">
-            <a:schemeClr val="accent1"/>
-          </a:effectRef>
-          <a:fontRef idx="minor">
-            <a:schemeClr val="lt1"/>
-          </a:fontRef>
-        </p:style>
-        <p:txBody>
-          <a:bodyPr rtlCol="0" anchor="ctr"/>
-          <a:lstStyle/>
-          <a:p>
-            <a:pPr marL="0" marR="0" lvl="0" indent="0" algn="ctr" defTabSz="914400" rtl="0" eaLnBrk="1" fontAlgn="auto" latinLnBrk="1" hangingPunct="1">
-              <a:lnSpc>
-                <a:spcPct val="100000"/>
-              </a:lnSpc>
-              <a:spcBef>
-                <a:spcPts val="0"/>
-              </a:spcBef>
-              <a:spcAft>
-                <a:spcPts val="0"/>
-              </a:spcAft>
-              <a:buClrTx/>
-              <a:buSzTx/>
-              <a:buFontTx/>
-              <a:buNone/>
-              <a:tabLst/>
-              <a:defRPr/>
-            </a:pPr>
-            <a:endParaRPr kumimoji="0" lang="ko-KR" altLang="en-US" sz="1800" b="0" i="0" u="none" strike="noStrike" kern="1200" cap="none" spc="0" normalizeH="0" baseline="0" noProof="0">
-              <a:ln>
-                <a:noFill/>
-              </a:ln>
-              <a:solidFill>
-                <a:prstClr val="white"/>
-              </a:solidFill>
-              <a:effectLst/>
-              <a:uLnTx/>
-              <a:uFillTx/>
-              <a:latin typeface="맑은 고딕"/>
-              <a:ea typeface="맑은 고딕" panose="020B0503020000020004" pitchFamily="50" charset="-127"/>
-              <a:cs typeface="+mn-cs"/>
-            </a:endParaRPr>
-          </a:p>
-        </p:txBody>
-      </p:sp>
-      <p:cxnSp>
-        <p:nvCxnSpPr>
-          <p:cNvPr id="31" name="직선 연결선 30">
-            <a:extLst>
-              <a:ext uri="{FF2B5EF4-FFF2-40B4-BE49-F238E27FC236}">
-                <a16:creationId xmlns:a16="http://schemas.microsoft.com/office/drawing/2014/main" id="{73437C0B-6788-4A14-AA92-1C8740DB47AE}"/>
-              </a:ext>
-            </a:extLst>
-          </p:cNvPr>
-          <p:cNvCxnSpPr/>
-          <p:nvPr/>
-        </p:nvCxnSpPr>
-        <p:spPr>
-          <a:xfrm>
-            <a:off x="424356" y="541195"/>
-            <a:ext cx="2591728" cy="0"/>
-          </a:xfrm>
-          <a:prstGeom prst="line">
-            <a:avLst/>
-          </a:prstGeom>
-          <a:ln w="28575">
-            <a:solidFill>
-              <a:schemeClr val="bg1">
-                <a:lumMod val="95000"/>
-              </a:schemeClr>
-            </a:solidFill>
-          </a:ln>
-        </p:spPr>
-        <p:style>
-          <a:lnRef idx="1">
-            <a:schemeClr val="accent1"/>
-          </a:lnRef>
-          <a:fillRef idx="0">
-            <a:schemeClr val="accent1"/>
-          </a:fillRef>
-          <a:effectRef idx="0">
-            <a:schemeClr val="accent1"/>
-          </a:effectRef>
-          <a:fontRef idx="minor">
-            <a:schemeClr val="tx1"/>
-          </a:fontRef>
-        </p:style>
-      </p:cxnSp>
-      <p:cxnSp>
-        <p:nvCxnSpPr>
-          <p:cNvPr id="32" name="직선 연결선 31">
-            <a:extLst>
-              <a:ext uri="{FF2B5EF4-FFF2-40B4-BE49-F238E27FC236}">
-                <a16:creationId xmlns:a16="http://schemas.microsoft.com/office/drawing/2014/main" id="{C8D70542-86F0-4987-829F-BD17418C2675}"/>
-              </a:ext>
-            </a:extLst>
-          </p:cNvPr>
-          <p:cNvCxnSpPr/>
-          <p:nvPr/>
-        </p:nvCxnSpPr>
-        <p:spPr>
-          <a:xfrm>
-            <a:off x="3275856" y="548680"/>
-            <a:ext cx="5328592" cy="0"/>
-          </a:xfrm>
-          <a:prstGeom prst="line">
-            <a:avLst/>
-          </a:prstGeom>
-          <a:ln w="28575">
-            <a:solidFill>
-              <a:srgbClr val="3B5AA8"/>
-            </a:solidFill>
-          </a:ln>
-        </p:spPr>
-        <p:style>
-          <a:lnRef idx="1">
-            <a:schemeClr val="accent4"/>
-          </a:lnRef>
-          <a:fillRef idx="0">
-            <a:schemeClr val="accent4"/>
-          </a:fillRef>
-          <a:effectRef idx="0">
-            <a:schemeClr val="accent4"/>
-          </a:effectRef>
-          <a:fontRef idx="minor">
-            <a:schemeClr val="tx1"/>
-          </a:fontRef>
-        </p:style>
-      </p:cxnSp>
-      <p:sp>
-        <p:nvSpPr>
-          <p:cNvPr id="33" name="제목 12">
-            <a:extLst>
-              <a:ext uri="{FF2B5EF4-FFF2-40B4-BE49-F238E27FC236}">
-                <a16:creationId xmlns:a16="http://schemas.microsoft.com/office/drawing/2014/main" id="{7B7F16A0-DE67-46D7-AB49-9B59BEB770AD}"/>
-              </a:ext>
-            </a:extLst>
-          </p:cNvPr>
-          <p:cNvSpPr txBox="1">
-            <a:spLocks/>
-          </p:cNvSpPr>
-          <p:nvPr/>
-        </p:nvSpPr>
-        <p:spPr>
-          <a:xfrm>
-            <a:off x="323528" y="692697"/>
-            <a:ext cx="2952328" cy="272474"/>
-          </a:xfrm>
-          <a:prstGeom prst="rect">
-            <a:avLst/>
-          </a:prstGeom>
-        </p:spPr>
-        <p:txBody>
-          <a:bodyPr vert="horz" lIns="91440" tIns="45720" rIns="91440" bIns="45720" rtlCol="0" anchor="t">
-            <a:noAutofit/>
-          </a:bodyPr>
-          <a:lstStyle/>
-          <a:p>
-            <a:pPr marL="0" marR="0" lvl="0" indent="0" algn="l" defTabSz="914400" rtl="0" eaLnBrk="1" fontAlgn="auto" latinLnBrk="1" hangingPunct="1">
-              <a:lnSpc>
-                <a:spcPct val="100000"/>
-              </a:lnSpc>
-              <a:spcBef>
-                <a:spcPct val="0"/>
-              </a:spcBef>
-              <a:spcAft>
-                <a:spcPts val="0"/>
-              </a:spcAft>
-              <a:buClrTx/>
-              <a:buSzTx/>
-              <a:buFontTx/>
-              <a:buNone/>
-              <a:tabLst/>
-              <a:defRPr/>
-            </a:pPr>
-            <a:r>
-              <a:rPr kumimoji="0" lang="en-US" altLang="ko-KR" sz="1700" b="1" i="0" u="none" strike="noStrike" kern="1200" cap="none" spc="0" normalizeH="0" baseline="0" noProof="0" dirty="0">
-                <a:ln>
-                  <a:noFill/>
-                </a:ln>
-                <a:solidFill>
-                  <a:prstClr val="white"/>
-                </a:solidFill>
-                <a:effectLst/>
-                <a:uLnTx/>
-                <a:uFillTx/>
-                <a:latin typeface="맑은 고딕" panose="020B0503020000020004" pitchFamily="50" charset="-127"/>
-                <a:ea typeface="맑은 고딕" panose="020B0503020000020004" pitchFamily="50" charset="-127"/>
-                <a:cs typeface="+mn-cs"/>
-              </a:rPr>
-              <a:t>| </a:t>
-            </a:r>
-            <a:r>
-              <a:rPr kumimoji="0" lang="ko-KR" altLang="en-US" sz="1700" b="1" i="0" u="none" strike="noStrike" kern="1200" cap="none" spc="0" normalizeH="0" baseline="0" noProof="0" dirty="0" err="1">
-                <a:ln>
-                  <a:noFill/>
-                </a:ln>
-                <a:solidFill>
-                  <a:prstClr val="white"/>
-                </a:solidFill>
-                <a:effectLst/>
-                <a:uLnTx/>
-                <a:uFillTx/>
-                <a:latin typeface="맑은 고딕" panose="020B0503020000020004" pitchFamily="50" charset="-127"/>
-                <a:ea typeface="맑은 고딕" panose="020B0503020000020004" pitchFamily="50" charset="-127"/>
-                <a:cs typeface="+mn-cs"/>
-              </a:rPr>
-              <a:t>핵심소스코드</a:t>
-            </a:r>
-            <a:r>
-              <a:rPr kumimoji="0" lang="en-US" altLang="ko-KR" sz="1700" b="1" i="0" u="none" strike="noStrike" kern="1200" cap="none" spc="0" normalizeH="0" baseline="0" noProof="0" dirty="0">
-                <a:ln>
-                  <a:noFill/>
-                </a:ln>
-                <a:solidFill>
-                  <a:prstClr val="white"/>
-                </a:solidFill>
-                <a:effectLst/>
-                <a:uLnTx/>
-                <a:uFillTx/>
-                <a:latin typeface="맑은 고딕" panose="020B0503020000020004" pitchFamily="50" charset="-127"/>
-                <a:ea typeface="맑은 고딕" panose="020B0503020000020004" pitchFamily="50" charset="-127"/>
-                <a:cs typeface="+mn-cs"/>
-              </a:rPr>
-              <a:t>(open</a:t>
-            </a:r>
-            <a:r>
-              <a:rPr kumimoji="0" lang="ko-KR" altLang="en-US" sz="1700" b="1" i="0" u="none" strike="noStrike" kern="1200" cap="none" spc="0" normalizeH="0" baseline="0" noProof="0" dirty="0">
-                <a:ln>
-                  <a:noFill/>
-                </a:ln>
-                <a:solidFill>
-                  <a:prstClr val="white"/>
-                </a:solidFill>
-                <a:effectLst/>
-                <a:uLnTx/>
-                <a:uFillTx/>
-                <a:latin typeface="맑은 고딕" panose="020B0503020000020004" pitchFamily="50" charset="-127"/>
-                <a:ea typeface="맑은 고딕" panose="020B0503020000020004" pitchFamily="50" charset="-127"/>
-                <a:cs typeface="+mn-cs"/>
-              </a:rPr>
-              <a:t> </a:t>
-            </a:r>
-            <a:r>
-              <a:rPr kumimoji="0" lang="en-US" altLang="ko-KR" sz="1700" b="1" i="0" u="none" strike="noStrike" kern="1200" cap="none" spc="0" normalizeH="0" baseline="0" noProof="0" dirty="0" err="1">
-                <a:ln>
-                  <a:noFill/>
-                </a:ln>
-                <a:solidFill>
-                  <a:prstClr val="white"/>
-                </a:solidFill>
-                <a:effectLst/>
-                <a:uLnTx/>
-                <a:uFillTx/>
-                <a:latin typeface="맑은 고딕" panose="020B0503020000020004" pitchFamily="50" charset="-127"/>
-                <a:ea typeface="맑은 고딕" panose="020B0503020000020004" pitchFamily="50" charset="-127"/>
-                <a:cs typeface="+mn-cs"/>
-              </a:rPr>
-              <a:t>api</a:t>
-            </a:r>
-            <a:r>
-              <a:rPr kumimoji="0" lang="en-US" altLang="ko-KR" sz="1700" b="1" i="0" u="none" strike="noStrike" kern="1200" cap="none" spc="0" normalizeH="0" baseline="0" noProof="0" dirty="0">
-                <a:ln>
-                  <a:noFill/>
-                </a:ln>
-                <a:solidFill>
-                  <a:prstClr val="white"/>
-                </a:solidFill>
-                <a:effectLst/>
-                <a:uLnTx/>
-                <a:uFillTx/>
-                <a:latin typeface="맑은 고딕" panose="020B0503020000020004" pitchFamily="50" charset="-127"/>
-                <a:ea typeface="맑은 고딕" panose="020B0503020000020004" pitchFamily="50" charset="-127"/>
-                <a:cs typeface="+mn-cs"/>
-              </a:rPr>
-              <a:t>)(1)</a:t>
-            </a:r>
-            <a:endParaRPr kumimoji="0" lang="ko-KR" altLang="en-US" sz="1700" b="0" i="0" u="none" strike="noStrike" kern="1200" cap="none" spc="-50" normalizeH="0" baseline="0" noProof="0" dirty="0">
-              <a:ln>
-                <a:noFill/>
-              </a:ln>
-              <a:solidFill>
-                <a:prstClr val="white"/>
-              </a:solidFill>
-              <a:effectLst/>
-              <a:uLnTx/>
-              <a:uFillTx/>
-              <a:latin typeface="맑은 고딕" panose="020B0503020000020004" pitchFamily="50" charset="-127"/>
-              <a:ea typeface="맑은 고딕" panose="020B0503020000020004" pitchFamily="50" charset="-127"/>
-              <a:cs typeface="+mn-cs"/>
-            </a:endParaRPr>
-          </a:p>
-        </p:txBody>
-      </p:sp>
-      <p:pic>
-        <p:nvPicPr>
-          <p:cNvPr id="34" name="Picture 6">
-            <a:extLst>
-              <a:ext uri="{FF2B5EF4-FFF2-40B4-BE49-F238E27FC236}">
-                <a16:creationId xmlns:a16="http://schemas.microsoft.com/office/drawing/2014/main" id="{5A780C21-34A1-405C-B744-B5687E7D5062}"/>
-              </a:ext>
-            </a:extLst>
-          </p:cNvPr>
-          <p:cNvPicPr>
-            <a:picLocks noChangeAspect="1" noChangeArrowheads="1"/>
-          </p:cNvPicPr>
-          <p:nvPr/>
-        </p:nvPicPr>
-        <p:blipFill>
-          <a:blip r:embed="rId2" cstate="print">
-            <a:extLst>
-              <a:ext uri="{28A0092B-C50C-407E-A947-70E740481C1C}">
-                <a14:useLocalDpi xmlns:a14="http://schemas.microsoft.com/office/drawing/2010/main" val="0"/>
-              </a:ext>
-            </a:extLst>
-          </a:blip>
-          <a:srcRect/>
-          <a:stretch>
-            <a:fillRect/>
-          </a:stretch>
-        </p:blipFill>
-        <p:spPr bwMode="auto">
-          <a:xfrm>
-            <a:off x="8388424" y="78041"/>
-            <a:ext cx="677336" cy="398631"/>
-          </a:xfrm>
-          <a:prstGeom prst="rect">
-            <a:avLst/>
-          </a:prstGeom>
-          <a:noFill/>
-          <a:ln>
-            <a:noFill/>
-          </a:ln>
-          <a:extLst>
-            <a:ext uri="{909E8E84-426E-40DD-AFC4-6F175D3DCCD1}">
-              <a14:hiddenFill xmlns:a14="http://schemas.microsoft.com/office/drawing/2010/main">
-                <a:solidFill>
-                  <a:schemeClr val="accent1"/>
-                </a:solidFill>
-              </a14:hiddenFill>
-            </a:ext>
-            <a:ext uri="{91240B29-F687-4F45-9708-019B960494DF}">
-              <a14:hiddenLine xmlns:a14="http://schemas.microsoft.com/office/drawing/2010/main" w="9525">
-                <a:solidFill>
-                  <a:schemeClr val="tx1"/>
-                </a:solidFill>
-                <a:miter lim="800000"/>
-                <a:headEnd/>
-                <a:tailEnd/>
-              </a14:hiddenLine>
-            </a:ext>
-          </a:extLst>
-        </p:spPr>
-      </p:pic>
-      <p:pic>
-        <p:nvPicPr>
-          <p:cNvPr id="35" name="Picture 2">
-            <a:extLst>
-              <a:ext uri="{FF2B5EF4-FFF2-40B4-BE49-F238E27FC236}">
-                <a16:creationId xmlns:a16="http://schemas.microsoft.com/office/drawing/2014/main" id="{D0986A7D-8ACF-428C-8E71-3BB2434DC343}"/>
-              </a:ext>
-            </a:extLst>
-          </p:cNvPr>
-          <p:cNvPicPr>
-            <a:picLocks noChangeAspect="1" noChangeArrowheads="1"/>
-          </p:cNvPicPr>
-          <p:nvPr/>
-        </p:nvPicPr>
-        <p:blipFill>
-          <a:blip r:embed="rId3" cstate="print"/>
-          <a:srcRect/>
-          <a:stretch>
-            <a:fillRect/>
-          </a:stretch>
-        </p:blipFill>
-        <p:spPr bwMode="auto">
-          <a:xfrm>
-            <a:off x="8676456" y="476671"/>
-            <a:ext cx="454960" cy="158965"/>
-          </a:xfrm>
-          <a:prstGeom prst="rect">
-            <a:avLst/>
-          </a:prstGeom>
-          <a:noFill/>
-          <a:ln w="9525">
-            <a:noFill/>
-            <a:miter lim="800000"/>
-            <a:headEnd/>
-            <a:tailEnd/>
-          </a:ln>
-        </p:spPr>
-      </p:pic>
-      <p:pic>
-        <p:nvPicPr>
-          <p:cNvPr id="39" name="image14.png">
-            <a:extLst>
-              <a:ext uri="{FF2B5EF4-FFF2-40B4-BE49-F238E27FC236}">
-                <a16:creationId xmlns:a16="http://schemas.microsoft.com/office/drawing/2014/main" id="{F6DA875D-6156-4C87-9B6B-FCF7FA2E63FB}"/>
-              </a:ext>
-            </a:extLst>
-          </p:cNvPr>
-          <p:cNvPicPr preferRelativeResize="0"/>
-          <p:nvPr/>
-        </p:nvPicPr>
-        <p:blipFill>
-          <a:blip r:embed="rId4">
-            <a:extLst>
-              <a:ext uri="{28A0092B-C50C-407E-A947-70E740481C1C}">
-                <a14:useLocalDpi xmlns:a14="http://schemas.microsoft.com/office/drawing/2010/main" val="0"/>
-              </a:ext>
-            </a:extLst>
-          </a:blip>
-          <a:srcRect/>
-          <a:stretch/>
-        </p:blipFill>
-        <p:spPr>
-          <a:xfrm>
-            <a:off x="196883" y="1268760"/>
-            <a:ext cx="8740117" cy="5211957"/>
-          </a:xfrm>
-          <a:prstGeom prst="rect">
-            <a:avLst/>
-          </a:prstGeom>
-          <a:noFill/>
-        </p:spPr>
-      </p:pic>
-    </p:spTree>
-    <p:extLst>
-      <p:ext uri="{BB962C8B-B14F-4D97-AF65-F5344CB8AC3E}">
-        <p14:creationId xmlns:p14="http://schemas.microsoft.com/office/powerpoint/2010/main" val="1360866521"/>
-      </p:ext>
-    </p:extLst>
-  </p:cSld>
-  <p:clrMapOvr>
-    <a:masterClrMapping/>
-  </p:clrMapOvr>
-</p:sld>
-</file>
-
-<file path=ppt/slides/slide21.xml><?xml version="1.0" encoding="utf-8"?>
-<p:sld xmlns:a="http://schemas.openxmlformats.org/drawingml/2006/main" xmlns:r="http://schemas.openxmlformats.org/officeDocument/2006/relationships" xmlns:p="http://schemas.openxmlformats.org/presentationml/2006/main">
-  <p:cSld>
-    <p:spTree>
-      <p:nvGrpSpPr>
-        <p:cNvPr id="1" name=""/>
-        <p:cNvGrpSpPr/>
-        <p:nvPr/>
-      </p:nvGrpSpPr>
-      <p:grpSpPr>
-        <a:xfrm>
-          <a:off x="0" y="0"/>
-          <a:ext cx="0" cy="0"/>
-          <a:chOff x="0" y="0"/>
-          <a:chExt cx="0" cy="0"/>
-        </a:xfrm>
-      </p:grpSpPr>
-      <p:sp>
-        <p:nvSpPr>
           <p:cNvPr id="7" name="직사각형 6">
             <a:extLst>
               <a:ext uri="{FF2B5EF4-FFF2-40B4-BE49-F238E27FC236}">
@@ -29032,7 +28584,7 @@
 </p:sld>
 </file>
 
-<file path=ppt/slides/slide22.xml><?xml version="1.0" encoding="utf-8"?>
+<file path=ppt/slides/slide21.xml><?xml version="1.0" encoding="utf-8"?>
 <p:sld xmlns:a="http://schemas.openxmlformats.org/drawingml/2006/main" xmlns:r="http://schemas.openxmlformats.org/officeDocument/2006/relationships" xmlns:p="http://schemas.openxmlformats.org/presentationml/2006/main">
   <p:cSld>
     <p:spTree>
@@ -29692,7 +29244,7 @@
 </p:sld>
 </file>
 
-<file path=ppt/slides/slide23.xml><?xml version="1.0" encoding="utf-8"?>
+<file path=ppt/slides/slide22.xml><?xml version="1.0" encoding="utf-8"?>
 <p:sld xmlns:a="http://schemas.openxmlformats.org/drawingml/2006/main" xmlns:r="http://schemas.openxmlformats.org/officeDocument/2006/relationships" xmlns:p="http://schemas.openxmlformats.org/presentationml/2006/main">
   <p:cSld>
     <p:spTree>
@@ -30086,6 +29638,108 @@
           </a:ln>
         </p:spPr>
       </p:pic>
+      <p:pic>
+        <p:nvPicPr>
+          <p:cNvPr id="3" name="그림 2">
+            <a:extLst>
+              <a:ext uri="{FF2B5EF4-FFF2-40B4-BE49-F238E27FC236}">
+                <a16:creationId xmlns:a16="http://schemas.microsoft.com/office/drawing/2014/main" id="{93EB93BC-7B79-4684-AF73-D7EA9CCAA11E}"/>
+              </a:ext>
+            </a:extLst>
+          </p:cNvPr>
+          <p:cNvPicPr>
+            <a:picLocks noChangeAspect="1"/>
+          </p:cNvPicPr>
+          <p:nvPr/>
+        </p:nvPicPr>
+        <p:blipFill>
+          <a:blip r:embed="rId4"/>
+          <a:stretch>
+            <a:fillRect/>
+          </a:stretch>
+        </p:blipFill>
+        <p:spPr>
+          <a:xfrm>
+            <a:off x="424356" y="1917491"/>
+            <a:ext cx="3657947" cy="4607859"/>
+          </a:xfrm>
+          <a:prstGeom prst="rect">
+            <a:avLst/>
+          </a:prstGeom>
+        </p:spPr>
+      </p:pic>
+      <p:sp>
+        <p:nvSpPr>
+          <p:cNvPr id="10" name="TextBox 9">
+            <a:extLst>
+              <a:ext uri="{FF2B5EF4-FFF2-40B4-BE49-F238E27FC236}">
+                <a16:creationId xmlns:a16="http://schemas.microsoft.com/office/drawing/2014/main" id="{82DD8D53-5E3A-48FD-A2AE-1771796EA5A7}"/>
+              </a:ext>
+            </a:extLst>
+          </p:cNvPr>
+          <p:cNvSpPr txBox="1"/>
+          <p:nvPr/>
+        </p:nvSpPr>
+        <p:spPr>
+          <a:xfrm>
+            <a:off x="323528" y="1353064"/>
+            <a:ext cx="7887599" cy="307777"/>
+          </a:xfrm>
+          <a:prstGeom prst="rect">
+            <a:avLst/>
+          </a:prstGeom>
+          <a:noFill/>
+        </p:spPr>
+        <p:txBody>
+          <a:bodyPr wrap="square" rtlCol="0">
+            <a:spAutoFit/>
+          </a:bodyPr>
+          <a:lstStyle/>
+          <a:p>
+            <a:pPr marL="0" marR="0" lvl="0" indent="0" algn="l" defTabSz="914400" rtl="0" eaLnBrk="1" fontAlgn="auto" latinLnBrk="1" hangingPunct="1">
+              <a:lnSpc>
+                <a:spcPct val="100000"/>
+              </a:lnSpc>
+              <a:spcBef>
+                <a:spcPts val="0"/>
+              </a:spcBef>
+              <a:spcAft>
+                <a:spcPts val="0"/>
+              </a:spcAft>
+              <a:buClrTx/>
+              <a:buSzTx/>
+              <a:buFontTx/>
+              <a:buNone/>
+              <a:tabLst/>
+              <a:defRPr/>
+            </a:pPr>
+            <a:r>
+              <a:rPr lang="ko-KR" altLang="en-US" sz="1400" dirty="0" err="1">
+                <a:solidFill>
+                  <a:prstClr val="black"/>
+                </a:solidFill>
+                <a:latin typeface="맑은 고딕"/>
+                <a:ea typeface="맑은 고딕" panose="020B0503020000020004" pitchFamily="50" charset="-127"/>
+              </a:rPr>
+              <a:t>ㅜㅁ</a:t>
+            </a:r>
+            <a:endParaRPr kumimoji="0" lang="ko-KR" altLang="en-US" sz="1400" b="0" i="0" u="none" strike="noStrike" kern="1200" cap="none" spc="0" normalizeH="0" baseline="0" noProof="0" dirty="0">
+              <a:ln>
+                <a:noFill/>
+              </a:ln>
+              <a:solidFill>
+                <a:prstClr val="black"/>
+              </a:solidFill>
+              <a:effectLst/>
+              <a:uLnTx/>
+              <a:uFillTx/>
+              <a:latin typeface="맑은 고딕"/>
+              <a:ea typeface="맑은 고딕" panose="020B0503020000020004" pitchFamily="50" charset="-127"/>
+              <a:cs typeface="+mn-cs"/>
+            </a:endParaRPr>
+          </a:p>
+        </p:txBody>
+      </p:sp>
     </p:spTree>
     <p:extLst>
       <p:ext uri="{BB962C8B-B14F-4D97-AF65-F5344CB8AC3E}">
@@ -37619,14 +37273,14 @@
           <p:nvPr>
             <p:extLst>
               <p:ext uri="{D42A27DB-BD31-4B8C-83A1-F6EECF244321}">
-                <p14:modId xmlns:p14="http://schemas.microsoft.com/office/powerpoint/2010/main" val="18371539"/>
+                <p14:modId xmlns:p14="http://schemas.microsoft.com/office/powerpoint/2010/main" val="2084968093"/>
               </p:ext>
             </p:extLst>
           </p:nvPr>
         </p:nvGraphicFramePr>
         <p:xfrm>
           <a:off x="4583456" y="1268762"/>
-          <a:ext cx="4320480" cy="4352854"/>
+          <a:ext cx="4320480" cy="3524630"/>
         </p:xfrm>
         <a:graphic>
           <a:graphicData uri="http://schemas.openxmlformats.org/drawingml/2006/table">
@@ -38661,28 +38315,6 @@
                           <a:spcPts val="0"/>
                         </a:spcAft>
                       </a:pPr>
-                      <a:r>
-                        <a:rPr lang="ko-KR" altLang="en-US" sz="900" kern="0" spc="0" dirty="0">
-                          <a:solidFill>
-                            <a:srgbClr val="000000"/>
-                          </a:solidFill>
-                          <a:effectLst/>
-                          <a:latin typeface="맑은 고딕" panose="020B0503020000020004" pitchFamily="50" charset="-127"/>
-                          <a:ea typeface="맑은 고딕" panose="020B0503020000020004" pitchFamily="50" charset="-127"/>
-                        </a:rPr>
-                        <a:t>대기인원 파악</a:t>
-                      </a:r>
-                      <a:r>
-                        <a:rPr lang="en-US" altLang="ko-KR" sz="900" kern="0" spc="0" dirty="0">
-                          <a:solidFill>
-                            <a:srgbClr val="000000"/>
-                          </a:solidFill>
-                          <a:effectLst/>
-                          <a:latin typeface="맑은 고딕" panose="020B0503020000020004" pitchFamily="50" charset="-127"/>
-                          <a:ea typeface="맑은 고딕" panose="020B0503020000020004" pitchFamily="50" charset="-127"/>
-                        </a:rPr>
-                        <a:t> 2</a:t>
-                      </a:r>
                       <a:endParaRPr lang="ko-KR" altLang="en-US" sz="900" kern="0" spc="0" dirty="0">
                         <a:solidFill>
                           <a:srgbClr val="000000"/>
@@ -38748,116 +38380,6 @@
                           <a:spcPts val="0"/>
                         </a:spcAft>
                       </a:pPr>
-                      <a:r>
-                        <a:rPr lang="ko-KR" altLang="en-US" sz="900" kern="0" spc="0" dirty="0">
-                          <a:solidFill>
-                            <a:srgbClr val="000000"/>
-                          </a:solidFill>
-                          <a:effectLst/>
-                          <a:latin typeface="맑은 고딕" panose="020B0503020000020004" pitchFamily="50" charset="-127"/>
-                          <a:ea typeface="맑은 고딕" panose="020B0503020000020004" pitchFamily="50" charset="-127"/>
-                        </a:rPr>
-                        <a:t>측정되는 사람의 들어오는 위치와</a:t>
-                      </a:r>
-                      <a:r>
-                        <a:rPr lang="en-US" altLang="ko-KR" sz="900" kern="0" spc="0" dirty="0">
-                          <a:solidFill>
-                            <a:srgbClr val="000000"/>
-                          </a:solidFill>
-                          <a:effectLst/>
-                          <a:latin typeface="맑은 고딕" panose="020B0503020000020004" pitchFamily="50" charset="-127"/>
-                          <a:ea typeface="맑은 고딕" panose="020B0503020000020004" pitchFamily="50" charset="-127"/>
-                        </a:rPr>
-                        <a:t>, </a:t>
-                      </a:r>
-                      <a:r>
-                        <a:rPr lang="ko-KR" altLang="en-US" sz="900" kern="0" spc="0" dirty="0">
-                          <a:solidFill>
-                            <a:srgbClr val="000000"/>
-                          </a:solidFill>
-                          <a:effectLst/>
-                          <a:latin typeface="맑은 고딕" panose="020B0503020000020004" pitchFamily="50" charset="-127"/>
-                          <a:ea typeface="맑은 고딕" panose="020B0503020000020004" pitchFamily="50" charset="-127"/>
-                        </a:rPr>
-                        <a:t>지나가는 위치를 알아내</a:t>
-                      </a:r>
-                      <a:r>
-                        <a:rPr lang="en-US" altLang="ko-KR" sz="900" kern="0" spc="0" dirty="0">
-                          <a:solidFill>
-                            <a:srgbClr val="000000"/>
-                          </a:solidFill>
-                          <a:effectLst/>
-                          <a:latin typeface="맑은 고딕" panose="020B0503020000020004" pitchFamily="50" charset="-127"/>
-                          <a:ea typeface="맑은 고딕" panose="020B0503020000020004" pitchFamily="50" charset="-127"/>
-                        </a:rPr>
-                        <a:t>, </a:t>
-                      </a:r>
-                      <a:r>
-                        <a:rPr lang="ko-KR" altLang="en-US" sz="900" kern="0" spc="0" dirty="0">
-                          <a:solidFill>
-                            <a:srgbClr val="000000"/>
-                          </a:solidFill>
-                          <a:effectLst/>
-                          <a:latin typeface="맑은 고딕" panose="020B0503020000020004" pitchFamily="50" charset="-127"/>
-                          <a:ea typeface="맑은 고딕" panose="020B0503020000020004" pitchFamily="50" charset="-127"/>
-                        </a:rPr>
-                        <a:t>가상의 출입구를 형성</a:t>
-                      </a:r>
-                      <a:r>
-                        <a:rPr lang="en-US" altLang="ko-KR" sz="900" kern="0" spc="0" dirty="0">
-                          <a:solidFill>
-                            <a:srgbClr val="000000"/>
-                          </a:solidFill>
-                          <a:effectLst/>
-                          <a:latin typeface="맑은 고딕" panose="020B0503020000020004" pitchFamily="50" charset="-127"/>
-                          <a:ea typeface="맑은 고딕" panose="020B0503020000020004" pitchFamily="50" charset="-127"/>
-                        </a:rPr>
-                        <a:t>, </a:t>
-                      </a:r>
-                      <a:r>
-                        <a:rPr lang="ko-KR" altLang="en-US" sz="900" kern="0" spc="0" dirty="0">
-                          <a:solidFill>
-                            <a:srgbClr val="000000"/>
-                          </a:solidFill>
-                          <a:effectLst/>
-                          <a:latin typeface="맑은 고딕" panose="020B0503020000020004" pitchFamily="50" charset="-127"/>
-                          <a:ea typeface="맑은 고딕" panose="020B0503020000020004" pitchFamily="50" charset="-127"/>
-                        </a:rPr>
-                        <a:t>이를 지나면 카운트를 실시하여</a:t>
-                      </a:r>
-                      <a:r>
-                        <a:rPr lang="en-US" altLang="ko-KR" sz="900" kern="0" spc="0" dirty="0">
-                          <a:solidFill>
-                            <a:srgbClr val="000000"/>
-                          </a:solidFill>
-                          <a:effectLst/>
-                          <a:latin typeface="맑은 고딕" panose="020B0503020000020004" pitchFamily="50" charset="-127"/>
-                          <a:ea typeface="맑은 고딕" panose="020B0503020000020004" pitchFamily="50" charset="-127"/>
-                        </a:rPr>
-                        <a:t>, </a:t>
-                      </a:r>
-                      <a:r>
-                        <a:rPr lang="ko-KR" altLang="en-US" sz="900" kern="0" spc="0" dirty="0">
-                          <a:solidFill>
-                            <a:srgbClr val="000000"/>
-                          </a:solidFill>
-                          <a:effectLst/>
-                          <a:latin typeface="맑은 고딕" panose="020B0503020000020004" pitchFamily="50" charset="-127"/>
-                          <a:ea typeface="맑은 고딕" panose="020B0503020000020004" pitchFamily="50" charset="-127"/>
-                        </a:rPr>
-                        <a:t>대기줄의 인원파악을 진행</a:t>
-                      </a:r>
-                      <a:r>
-                        <a:rPr lang="en-US" altLang="ko-KR" sz="900" kern="0" spc="0" dirty="0">
-                          <a:solidFill>
-                            <a:srgbClr val="000000"/>
-                          </a:solidFill>
-                          <a:effectLst/>
-                          <a:latin typeface="맑은 고딕" panose="020B0503020000020004" pitchFamily="50" charset="-127"/>
-                          <a:ea typeface="맑은 고딕" panose="020B0503020000020004" pitchFamily="50" charset="-127"/>
-                        </a:rPr>
-                        <a:t>.</a:t>
-                      </a:r>
                       <a:endParaRPr lang="ko-KR" altLang="en-US" sz="900" kern="0" spc="0" dirty="0">
                         <a:solidFill>
                           <a:srgbClr val="000000"/>
@@ -38941,71 +38463,6 @@
                           <a:spcPts val="0"/>
                         </a:spcAft>
                       </a:pPr>
-                      <a:r>
-                        <a:rPr lang="ko-KR" altLang="en-US" sz="900" kern="0" spc="0">
-                          <a:solidFill>
-                            <a:srgbClr val="000000"/>
-                          </a:solidFill>
-                          <a:effectLst/>
-                          <a:latin typeface="맑은 고딕" panose="020B0503020000020004" pitchFamily="50" charset="-127"/>
-                          <a:ea typeface="맑은 고딕" panose="020B0503020000020004" pitchFamily="50" charset="-127"/>
-                        </a:rPr>
-                        <a:t>버스도착정보항목조회</a:t>
-                      </a:r>
-                      <a:endParaRPr lang="en-US" altLang="ko-KR" sz="900" kern="0" spc="0">
-                        <a:solidFill>
-                          <a:srgbClr val="000000"/>
-                        </a:solidFill>
-                        <a:effectLst/>
-                        <a:latin typeface="맑은 고딕" panose="020B0503020000020004" pitchFamily="50" charset="-127"/>
-                        <a:ea typeface="맑은 고딕" panose="020B0503020000020004" pitchFamily="50" charset="-127"/>
-                      </a:endParaRPr>
-                    </a:p>
-                    <a:p>
-                      <a:pPr marL="0" marR="0" indent="0" algn="ctr" fontAlgn="base" latinLnBrk="0">
-                        <a:lnSpc>
-                          <a:spcPct val="160000"/>
-                        </a:lnSpc>
-                        <a:spcBef>
-                          <a:spcPts val="0"/>
-                        </a:spcBef>
-                        <a:spcAft>
-                          <a:spcPts val="0"/>
-                        </a:spcAft>
-                      </a:pPr>
-                      <a:r>
-                        <a:rPr lang="en-US" altLang="ko-KR" sz="900" kern="0" spc="0">
-                          <a:solidFill>
-                            <a:srgbClr val="000000"/>
-                          </a:solidFill>
-                          <a:effectLst/>
-                          <a:latin typeface="맑은 고딕" panose="020B0503020000020004" pitchFamily="50" charset="-127"/>
-                          <a:ea typeface="맑은 고딕" panose="020B0503020000020004" pitchFamily="50" charset="-127"/>
-                        </a:rPr>
-                        <a:t>(open</a:t>
-                      </a:r>
-                      <a:r>
-                        <a:rPr lang="ko-KR" altLang="en-US" sz="900" kern="0" spc="0">
-                          <a:solidFill>
-                            <a:srgbClr val="000000"/>
-                          </a:solidFill>
-                          <a:effectLst/>
-                          <a:latin typeface="맑은 고딕" panose="020B0503020000020004" pitchFamily="50" charset="-127"/>
-                          <a:ea typeface="맑은 고딕" panose="020B0503020000020004" pitchFamily="50" charset="-127"/>
-                        </a:rPr>
-                        <a:t> </a:t>
-                      </a:r>
-                      <a:r>
-                        <a:rPr lang="en-US" altLang="ko-KR" sz="900" kern="0" spc="0">
-                          <a:solidFill>
-                            <a:srgbClr val="000000"/>
-                          </a:solidFill>
-                          <a:effectLst/>
-                          <a:latin typeface="맑은 고딕" panose="020B0503020000020004" pitchFamily="50" charset="-127"/>
-                          <a:ea typeface="맑은 고딕" panose="020B0503020000020004" pitchFamily="50" charset="-127"/>
-                        </a:rPr>
-                        <a:t>api)</a:t>
-                      </a:r>
                       <a:endParaRPr lang="ko-KR" altLang="en-US" sz="900" kern="0" spc="0" dirty="0">
                         <a:solidFill>
                           <a:srgbClr val="000000"/>
@@ -39059,54 +38516,6 @@
                   <a:txBody>
                     <a:bodyPr/>
                     <a:lstStyle/>
-                    <a:p>
-                      <a:pPr marL="0" marR="0" lvl="0" indent="0" algn="just" defTabSz="914400" rtl="0" eaLnBrk="1" fontAlgn="base" latinLnBrk="1" hangingPunct="1">
-                        <a:lnSpc>
-                          <a:spcPct val="160000"/>
-                        </a:lnSpc>
-                        <a:spcBef>
-                          <a:spcPts val="0"/>
-                        </a:spcBef>
-                        <a:spcAft>
-                          <a:spcPts val="0"/>
-                        </a:spcAft>
-                        <a:buClrTx/>
-                        <a:buSzTx/>
-                        <a:buFontTx/>
-                        <a:buNone/>
-                        <a:tabLst/>
-                        <a:defRPr/>
-                      </a:pPr>
-                      <a:r>
-                        <a:rPr lang="en-US" altLang="ko-KR" sz="900" dirty="0"/>
-                        <a:t>8100</a:t>
-                      </a:r>
-                      <a:r>
-                        <a:rPr lang="ko-KR" altLang="en-US" sz="900" dirty="0"/>
-                        <a:t>번 버스와 </a:t>
-                      </a:r>
-                      <a:r>
-                        <a:rPr lang="en-US" altLang="ko-KR" sz="900" dirty="0"/>
-                        <a:t>M4102</a:t>
-                      </a:r>
-                      <a:r>
-                        <a:rPr lang="ko-KR" altLang="en-US" sz="900" dirty="0"/>
-                        <a:t>번 버스의 빈좌석을 </a:t>
-                      </a:r>
-                      <a:r>
-                        <a:rPr lang="ko-KR" altLang="en-US" sz="900" dirty="0" err="1"/>
-                        <a:t>공공데이터포털에서</a:t>
-                      </a:r>
-                      <a:r>
-                        <a:rPr lang="ko-KR" altLang="en-US" sz="900" dirty="0"/>
-                        <a:t> 받아온다</a:t>
-                      </a:r>
-                      <a:r>
-                        <a:rPr lang="en-US" altLang="ko-KR" sz="900" dirty="0"/>
-                        <a:t>.</a:t>
-                      </a:r>
-                      <a:endParaRPr lang="ko-KR" altLang="en-US" sz="900" dirty="0"/>
-                    </a:p>
                     <a:p>
                       <a:pPr marL="0" marR="0" indent="0" algn="just" fontAlgn="base" latinLnBrk="1">
                         <a:lnSpc>
@@ -39202,49 +38611,6 @@
                           <a:spcPts val="0"/>
                         </a:spcAft>
                       </a:pPr>
-                      <a:r>
-                        <a:rPr lang="ko-KR" altLang="en-US" sz="900" kern="0" spc="0">
-                          <a:solidFill>
-                            <a:srgbClr val="000000"/>
-                          </a:solidFill>
-                          <a:effectLst/>
-                          <a:latin typeface="맑은 고딕" panose="020B0503020000020004" pitchFamily="50" charset="-127"/>
-                          <a:ea typeface="맑은 고딕" panose="020B0503020000020004" pitchFamily="50" charset="-127"/>
-                        </a:rPr>
-                        <a:t>버스위치정보조회</a:t>
-                      </a:r>
-                      <a:endParaRPr lang="en-US" altLang="ko-KR" sz="900" kern="0" spc="0">
-                        <a:solidFill>
-                          <a:srgbClr val="000000"/>
-                        </a:solidFill>
-                        <a:effectLst/>
-                        <a:latin typeface="맑은 고딕" panose="020B0503020000020004" pitchFamily="50" charset="-127"/>
-                        <a:ea typeface="맑은 고딕" panose="020B0503020000020004" pitchFamily="50" charset="-127"/>
-                      </a:endParaRPr>
-                    </a:p>
-                    <a:p>
-                      <a:pPr marL="0" marR="0" indent="0" algn="ctr" fontAlgn="base" latinLnBrk="0">
-                        <a:lnSpc>
-                          <a:spcPct val="160000"/>
-                        </a:lnSpc>
-                        <a:spcBef>
-                          <a:spcPts val="0"/>
-                        </a:spcBef>
-                        <a:spcAft>
-                          <a:spcPts val="0"/>
-                        </a:spcAft>
-                      </a:pPr>
-                      <a:r>
-                        <a:rPr lang="en-US" altLang="ko-KR" sz="900" kern="0" spc="0">
-                          <a:solidFill>
-                            <a:srgbClr val="000000"/>
-                          </a:solidFill>
-                          <a:effectLst/>
-                          <a:latin typeface="맑은 고딕" panose="020B0503020000020004" pitchFamily="50" charset="-127"/>
-                          <a:ea typeface="맑은 고딕" panose="020B0503020000020004" pitchFamily="50" charset="-127"/>
-                        </a:rPr>
-                        <a:t>(open api)</a:t>
-                      </a:r>
                       <a:endParaRPr lang="ko-KR" altLang="en-US" sz="900" kern="0" spc="0" dirty="0">
                         <a:solidFill>
                           <a:srgbClr val="000000"/>
@@ -39298,54 +38664,6 @@
                   <a:txBody>
                     <a:bodyPr/>
                     <a:lstStyle/>
-                    <a:p>
-                      <a:pPr marL="0" marR="0" lvl="0" indent="0" algn="just" defTabSz="914400" rtl="0" eaLnBrk="1" fontAlgn="base" latinLnBrk="1" hangingPunct="1">
-                        <a:lnSpc>
-                          <a:spcPct val="160000"/>
-                        </a:lnSpc>
-                        <a:spcBef>
-                          <a:spcPts val="0"/>
-                        </a:spcBef>
-                        <a:spcAft>
-                          <a:spcPts val="0"/>
-                        </a:spcAft>
-                        <a:buClrTx/>
-                        <a:buSzTx/>
-                        <a:buFontTx/>
-                        <a:buNone/>
-                        <a:tabLst/>
-                        <a:defRPr/>
-                      </a:pPr>
-                      <a:r>
-                        <a:rPr lang="en-US" altLang="ko-KR" sz="900" dirty="0"/>
-                        <a:t>8100</a:t>
-                      </a:r>
-                      <a:r>
-                        <a:rPr lang="ko-KR" altLang="en-US" sz="900" dirty="0"/>
-                        <a:t>번 버스와 </a:t>
-                      </a:r>
-                      <a:r>
-                        <a:rPr lang="en-US" altLang="ko-KR" sz="900" dirty="0"/>
-                        <a:t>M4102</a:t>
-                      </a:r>
-                      <a:r>
-                        <a:rPr lang="ko-KR" altLang="en-US" sz="900" dirty="0"/>
-                        <a:t>번 버스의 현 위치정보를 </a:t>
-                      </a:r>
-                      <a:r>
-                        <a:rPr lang="ko-KR" altLang="en-US" sz="900" dirty="0" err="1"/>
-                        <a:t>공공데이터포털에서</a:t>
-                      </a:r>
-                      <a:r>
-                        <a:rPr lang="ko-KR" altLang="en-US" sz="900" dirty="0"/>
-                        <a:t> 받아온다</a:t>
-                      </a:r>
-                      <a:r>
-                        <a:rPr lang="en-US" altLang="ko-KR" sz="900" dirty="0"/>
-                        <a:t>.</a:t>
-                      </a:r>
-                      <a:endParaRPr lang="ko-KR" altLang="en-US" sz="900" dirty="0"/>
-                    </a:p>
                     <a:p>
                       <a:pPr marL="0" marR="0" indent="0" algn="just" fontAlgn="base" latinLnBrk="1">
                         <a:lnSpc>

--- a/중간보고서/중간보고서.pptx
+++ b/중간보고서/중간보고서.pptx
@@ -27,6 +27,8 @@
     <p:sldId id="390" r:id="rId21"/>
     <p:sldId id="389" r:id="rId22"/>
     <p:sldId id="391" r:id="rId23"/>
+    <p:sldId id="392" r:id="rId24"/>
+    <p:sldId id="393" r:id="rId25"/>
   </p:sldIdLst>
   <p:sldSz cx="9144000" cy="6858000" type="screen4x3"/>
   <p:notesSz cx="6858000" cy="9144000"/>
@@ -9806,55 +9808,6 @@
           </a:p>
         </p:txBody>
       </p:sp>
-      <p:sp>
-        <p:nvSpPr>
-          <p:cNvPr id="20" name="직사각형 19"/>
-          <p:cNvSpPr/>
-          <p:nvPr/>
-        </p:nvSpPr>
-        <p:spPr>
-          <a:xfrm>
-            <a:off x="3851920" y="548680"/>
-            <a:ext cx="5112568" cy="338554"/>
-          </a:xfrm>
-          <a:prstGeom prst="rect">
-            <a:avLst/>
-          </a:prstGeom>
-        </p:spPr>
-        <p:txBody>
-          <a:bodyPr wrap="square">
-            <a:spAutoFit/>
-          </a:bodyPr>
-          <a:lstStyle/>
-          <a:p>
-            <a:pPr marL="265113" indent="-265113" algn="r" latinLnBrk="0"/>
-            <a:r>
-              <a:rPr lang="ko-KR" altLang="en-US" sz="1600" b="1" i="1" dirty="0">
-                <a:solidFill>
-                  <a:srgbClr val="FF0000"/>
-                </a:solidFill>
-                <a:latin typeface="+mj-lt"/>
-              </a:rPr>
-              <a:t>샘플</a:t>
-            </a:r>
-            <a:r>
-              <a:rPr lang="en-US" altLang="ko-KR" sz="1600" b="1" i="1" dirty="0">
-                <a:solidFill>
-                  <a:srgbClr val="FF0000"/>
-                </a:solidFill>
-                <a:latin typeface="+mj-lt"/>
-              </a:rPr>
-              <a:t> 1</a:t>
-            </a:r>
-            <a:endParaRPr lang="ko-KR" altLang="en-US" sz="1600" b="1" i="1" dirty="0">
-              <a:solidFill>
-                <a:srgbClr val="FF0000"/>
-              </a:solidFill>
-              <a:latin typeface="+mj-lt"/>
-            </a:endParaRPr>
-          </a:p>
-        </p:txBody>
-      </p:sp>
       <p:pic>
         <p:nvPicPr>
           <p:cNvPr id="15" name="그림 14"/>
@@ -9871,8 +9824,8 @@
         </p:blipFill>
         <p:spPr>
           <a:xfrm>
-            <a:off x="-2628800" y="1352550"/>
-            <a:ext cx="8331200" cy="5003800"/>
+            <a:off x="-1576749" y="1556792"/>
+            <a:ext cx="7079883" cy="4252247"/>
           </a:xfrm>
           <a:prstGeom prst="rect">
             <a:avLst/>
@@ -15182,136 +15135,6 @@
           </a:p>
         </p:txBody>
       </p:sp>
-      <p:sp>
-        <p:nvSpPr>
-          <p:cNvPr id="14" name="바닥글 개체 틀 78">
-            <a:extLst>
-              <a:ext uri="{FF2B5EF4-FFF2-40B4-BE49-F238E27FC236}">
-                <a16:creationId xmlns:a16="http://schemas.microsoft.com/office/drawing/2014/main" id="{BC5CBDE0-C56C-4072-A650-ADB98F5BD973}"/>
-              </a:ext>
-            </a:extLst>
-          </p:cNvPr>
-          <p:cNvSpPr txBox="1">
-            <a:spLocks/>
-          </p:cNvSpPr>
-          <p:nvPr/>
-        </p:nvSpPr>
-        <p:spPr>
-          <a:xfrm>
-            <a:off x="2383353" y="5209119"/>
-            <a:ext cx="4114800" cy="365125"/>
-          </a:xfrm>
-          <a:prstGeom prst="rect">
-            <a:avLst/>
-          </a:prstGeom>
-        </p:spPr>
-        <p:txBody>
-          <a:bodyPr vert="horz" lIns="91440" tIns="45720" rIns="91440" bIns="45720" rtlCol="0" anchor="ctr"/>
-          <a:lstStyle>
-            <a:defPPr>
-              <a:defRPr lang="ko-KR"/>
-            </a:defPPr>
-            <a:lvl1pPr marL="0" algn="ctr" defTabSz="914400" rtl="0" eaLnBrk="1" latinLnBrk="1" hangingPunct="1">
-              <a:defRPr sz="1200" kern="1200">
-                <a:solidFill>
-                  <a:schemeClr val="tx1">
-                    <a:tint val="75000"/>
-                  </a:schemeClr>
-                </a:solidFill>
-                <a:latin typeface="+mn-lt"/>
-                <a:ea typeface="+mn-ea"/>
-                <a:cs typeface="+mn-cs"/>
-              </a:defRPr>
-            </a:lvl1pPr>
-            <a:lvl2pPr marL="457200" algn="l" defTabSz="914400" rtl="0" eaLnBrk="1" latinLnBrk="1" hangingPunct="1">
-              <a:defRPr sz="1800" kern="1200">
-                <a:solidFill>
-                  <a:schemeClr val="tx1"/>
-                </a:solidFill>
-                <a:latin typeface="+mn-lt"/>
-                <a:ea typeface="+mn-ea"/>
-                <a:cs typeface="+mn-cs"/>
-              </a:defRPr>
-            </a:lvl2pPr>
-            <a:lvl3pPr marL="914400" algn="l" defTabSz="914400" rtl="0" eaLnBrk="1" latinLnBrk="1" hangingPunct="1">
-              <a:defRPr sz="1800" kern="1200">
-                <a:solidFill>
-                  <a:schemeClr val="tx1"/>
-                </a:solidFill>
-                <a:latin typeface="+mn-lt"/>
-                <a:ea typeface="+mn-ea"/>
-                <a:cs typeface="+mn-cs"/>
-              </a:defRPr>
-            </a:lvl3pPr>
-            <a:lvl4pPr marL="1371600" algn="l" defTabSz="914400" rtl="0" eaLnBrk="1" latinLnBrk="1" hangingPunct="1">
-              <a:defRPr sz="1800" kern="1200">
-                <a:solidFill>
-                  <a:schemeClr val="tx1"/>
-                </a:solidFill>
-                <a:latin typeface="+mn-lt"/>
-                <a:ea typeface="+mn-ea"/>
-                <a:cs typeface="+mn-cs"/>
-              </a:defRPr>
-            </a:lvl4pPr>
-            <a:lvl5pPr marL="1828800" algn="l" defTabSz="914400" rtl="0" eaLnBrk="1" latinLnBrk="1" hangingPunct="1">
-              <a:defRPr sz="1800" kern="1200">
-                <a:solidFill>
-                  <a:schemeClr val="tx1"/>
-                </a:solidFill>
-                <a:latin typeface="+mn-lt"/>
-                <a:ea typeface="+mn-ea"/>
-                <a:cs typeface="+mn-cs"/>
-              </a:defRPr>
-            </a:lvl5pPr>
-            <a:lvl6pPr marL="2286000" algn="l" defTabSz="914400" rtl="0" eaLnBrk="1" latinLnBrk="1" hangingPunct="1">
-              <a:defRPr sz="1800" kern="1200">
-                <a:solidFill>
-                  <a:schemeClr val="tx1"/>
-                </a:solidFill>
-                <a:latin typeface="+mn-lt"/>
-                <a:ea typeface="+mn-ea"/>
-                <a:cs typeface="+mn-cs"/>
-              </a:defRPr>
-            </a:lvl6pPr>
-            <a:lvl7pPr marL="2743200" algn="l" defTabSz="914400" rtl="0" eaLnBrk="1" latinLnBrk="1" hangingPunct="1">
-              <a:defRPr sz="1800" kern="1200">
-                <a:solidFill>
-                  <a:schemeClr val="tx1"/>
-                </a:solidFill>
-                <a:latin typeface="+mn-lt"/>
-                <a:ea typeface="+mn-ea"/>
-                <a:cs typeface="+mn-cs"/>
-              </a:defRPr>
-            </a:lvl7pPr>
-            <a:lvl8pPr marL="3200400" algn="l" defTabSz="914400" rtl="0" eaLnBrk="1" latinLnBrk="1" hangingPunct="1">
-              <a:defRPr sz="1800" kern="1200">
-                <a:solidFill>
-                  <a:schemeClr val="tx1"/>
-                </a:solidFill>
-                <a:latin typeface="+mn-lt"/>
-                <a:ea typeface="+mn-ea"/>
-                <a:cs typeface="+mn-cs"/>
-              </a:defRPr>
-            </a:lvl8pPr>
-            <a:lvl9pPr marL="3657600" algn="l" defTabSz="914400" rtl="0" eaLnBrk="1" latinLnBrk="1" hangingPunct="1">
-              <a:defRPr sz="1800" kern="1200">
-                <a:solidFill>
-                  <a:schemeClr val="tx1"/>
-                </a:solidFill>
-                <a:latin typeface="+mn-lt"/>
-                <a:ea typeface="+mn-ea"/>
-                <a:cs typeface="+mn-cs"/>
-              </a:defRPr>
-            </a:lvl9pPr>
-          </a:lstStyle>
-          <a:p>
-            <a:r>
-              <a:rPr lang="ko-KR" altLang="en-US"/>
-              <a:t>한이음 ▶ 프로그램 설계서</a:t>
-            </a:r>
-          </a:p>
-        </p:txBody>
-      </p:sp>
       <p:graphicFrame>
         <p:nvGraphicFramePr>
           <p:cNvPr id="15" name="표 14">
@@ -15327,13 +15150,13 @@
           <p:nvPr>
             <p:extLst>
               <p:ext uri="{D42A27DB-BD31-4B8C-83A1-F6EECF244321}">
-                <p14:modId xmlns:p14="http://schemas.microsoft.com/office/powerpoint/2010/main" val="2443594535"/>
+                <p14:modId xmlns:p14="http://schemas.microsoft.com/office/powerpoint/2010/main" val="2175027721"/>
               </p:ext>
             </p:extLst>
           </p:nvPr>
         </p:nvGraphicFramePr>
         <p:xfrm>
-          <a:off x="22418" y="1214738"/>
+          <a:off x="107504" y="1241379"/>
           <a:ext cx="8876051" cy="5376563"/>
         </p:xfrm>
         <a:graphic>
@@ -15429,98 +15252,6 @@
                     <a:lstStyle/>
                     <a:p>
                       <a:pPr latinLnBrk="1"/>
-                      <a:endParaRPr lang="en-US" altLang="ko-KR" sz="1100" dirty="0"/>
-                    </a:p>
-                    <a:p>
-                      <a:pPr latinLnBrk="1"/>
-                      <a:endParaRPr lang="en-US" altLang="ko-KR" sz="1100" dirty="0"/>
-                    </a:p>
-                    <a:p>
-                      <a:pPr latinLnBrk="1"/>
-                      <a:endParaRPr lang="en-US" altLang="ko-KR" sz="1100" dirty="0"/>
-                    </a:p>
-                    <a:p>
-                      <a:pPr latinLnBrk="1"/>
-                      <a:endParaRPr lang="en-US" altLang="ko-KR" sz="1100" dirty="0"/>
-                    </a:p>
-                    <a:p>
-                      <a:pPr latinLnBrk="1"/>
-                      <a:endParaRPr lang="en-US" altLang="ko-KR" sz="1100" dirty="0"/>
-                    </a:p>
-                    <a:p>
-                      <a:pPr latinLnBrk="1"/>
-                      <a:endParaRPr lang="en-US" altLang="ko-KR" sz="1100" dirty="0"/>
-                    </a:p>
-                    <a:p>
-                      <a:pPr latinLnBrk="1"/>
-                      <a:endParaRPr lang="en-US" altLang="ko-KR" sz="1100" dirty="0"/>
-                    </a:p>
-                    <a:p>
-                      <a:pPr latinLnBrk="1"/>
-                      <a:endParaRPr lang="en-US" altLang="ko-KR" sz="1100" dirty="0"/>
-                    </a:p>
-                    <a:p>
-                      <a:pPr latinLnBrk="1"/>
-                      <a:endParaRPr lang="en-US" altLang="ko-KR" sz="1100" dirty="0"/>
-                    </a:p>
-                    <a:p>
-                      <a:pPr latinLnBrk="1"/>
-                      <a:endParaRPr lang="en-US" altLang="ko-KR" sz="1100" dirty="0"/>
-                    </a:p>
-                    <a:p>
-                      <a:pPr latinLnBrk="1"/>
-                      <a:endParaRPr lang="en-US" altLang="ko-KR" sz="1100" dirty="0"/>
-                    </a:p>
-                    <a:p>
-                      <a:pPr latinLnBrk="1"/>
-                      <a:endParaRPr lang="en-US" altLang="ko-KR" sz="1100" dirty="0"/>
-                    </a:p>
-                    <a:p>
-                      <a:pPr latinLnBrk="1"/>
-                      <a:endParaRPr lang="en-US" altLang="ko-KR" sz="900" dirty="0"/>
-                    </a:p>
-                    <a:p>
-                      <a:pPr latinLnBrk="1"/>
-                      <a:endParaRPr lang="en-US" altLang="ko-KR" sz="1100" dirty="0"/>
-                    </a:p>
-                    <a:p>
-                      <a:pPr latinLnBrk="1"/>
-                      <a:endParaRPr lang="en-US" altLang="ko-KR" sz="900" dirty="0"/>
-                    </a:p>
-                    <a:p>
-                      <a:pPr latinLnBrk="1"/>
-                      <a:endParaRPr lang="en-US" altLang="ko-KR" sz="1100" dirty="0"/>
-                    </a:p>
-                    <a:p>
-                      <a:pPr latinLnBrk="1"/>
-                      <a:endParaRPr lang="en-US" altLang="ko-KR" sz="1100" dirty="0"/>
-                    </a:p>
-                    <a:p>
-                      <a:pPr latinLnBrk="1"/>
-                      <a:endParaRPr lang="en-US" altLang="ko-KR" sz="1100" dirty="0"/>
-                    </a:p>
-                    <a:p>
-                      <a:pPr latinLnBrk="1"/>
-                      <a:endParaRPr lang="en-US" altLang="ko-KR" sz="1100" dirty="0"/>
-                    </a:p>
-                    <a:p>
-                      <a:pPr latinLnBrk="1"/>
-                      <a:endParaRPr lang="en-US" altLang="ko-KR" sz="1100" dirty="0"/>
-                    </a:p>
-                    <a:p>
-                      <a:pPr latinLnBrk="1"/>
-                      <a:endParaRPr lang="en-US" altLang="ko-KR" sz="1100" dirty="0"/>
-                    </a:p>
-                    <a:p>
-                      <a:pPr latinLnBrk="1"/>
-                      <a:endParaRPr lang="en-US" altLang="ko-KR" sz="1600" dirty="0"/>
-                    </a:p>
-                    <a:p>
-                      <a:pPr latinLnBrk="1"/>
-                      <a:endParaRPr lang="en-US" altLang="ko-KR" sz="1100" dirty="0"/>
-                    </a:p>
-                    <a:p>
-                      <a:pPr latinLnBrk="1"/>
                       <a:endParaRPr lang="en-US" altLang="ko-KR" sz="1600" dirty="0"/>
                     </a:p>
                   </a:txBody>
@@ -15577,10 +15308,70 @@
       </p:graphicFrame>
       <p:sp>
         <p:nvSpPr>
-          <p:cNvPr id="16" name="Text Box 62">
+          <p:cNvPr id="18" name="AutoShape 85">
             <a:extLst>
               <a:ext uri="{FF2B5EF4-FFF2-40B4-BE49-F238E27FC236}">
-                <a16:creationId xmlns:a16="http://schemas.microsoft.com/office/drawing/2014/main" id="{27707578-A953-48A0-911A-4E8992AE00D7}"/>
+                <a16:creationId xmlns:a16="http://schemas.microsoft.com/office/drawing/2014/main" id="{6E3BB00E-3751-4165-A2BB-BDA97276EE6B}"/>
+              </a:ext>
+            </a:extLst>
+          </p:cNvPr>
+          <p:cNvSpPr>
+            <a:spLocks noChangeArrowheads="1"/>
+          </p:cNvSpPr>
+          <p:nvPr/>
+        </p:nvSpPr>
+        <p:spPr bwMode="auto">
+          <a:xfrm>
+            <a:off x="603353" y="2192866"/>
+            <a:ext cx="7848600" cy="4291828"/>
+          </a:xfrm>
+          <a:prstGeom prst="roundRect">
+            <a:avLst>
+              <a:gd name="adj" fmla="val 2189"/>
+            </a:avLst>
+          </a:prstGeom>
+          <a:noFill/>
+          <a:ln w="19050">
+            <a:solidFill>
+              <a:srgbClr val="C40452"/>
+            </a:solidFill>
+            <a:prstDash val="dash"/>
+            <a:round/>
+            <a:headEnd/>
+            <a:tailEnd/>
+          </a:ln>
+          <a:extLst>
+            <a:ext uri="{909E8E84-426E-40DD-AFC4-6F175D3DCCD1}">
+              <a14:hiddenFill xmlns:a14="http://schemas.microsoft.com/office/drawing/2010/main">
+                <a:solidFill>
+                  <a:srgbClr val="FFFFFF"/>
+                </a:solidFill>
+              </a14:hiddenFill>
+            </a:ext>
+          </a:extLst>
+        </p:spPr>
+        <p:txBody>
+          <a:bodyPr/>
+          <a:lstStyle/>
+          <a:p>
+            <a:endParaRPr lang="ko-KR" altLang="en-US" sz="1000">
+              <a:ln w="1270">
+                <a:solidFill>
+                  <a:schemeClr val="tx1"/>
+                </a:solidFill>
+              </a:ln>
+              <a:latin typeface="맑은 고딕" pitchFamily="50" charset="-127"/>
+              <a:ea typeface="맑은 고딕" pitchFamily="50" charset="-127"/>
+            </a:endParaRPr>
+          </a:p>
+        </p:txBody>
+      </p:sp>
+      <p:sp>
+        <p:nvSpPr>
+          <p:cNvPr id="51" name="Text Box 62">
+            <a:extLst>
+              <a:ext uri="{FF2B5EF4-FFF2-40B4-BE49-F238E27FC236}">
+                <a16:creationId xmlns:a16="http://schemas.microsoft.com/office/drawing/2014/main" id="{66E4CCFB-554F-42F6-AEB4-836A0F197CF0}"/>
               </a:ext>
             </a:extLst>
           </p:cNvPr>
@@ -15591,7 +15382,7 @@
         </p:nvSpPr>
         <p:spPr bwMode="auto">
           <a:xfrm>
-            <a:off x="337449" y="1489035"/>
+            <a:off x="531646" y="1817442"/>
             <a:ext cx="4968875" cy="258789"/>
           </a:xfrm>
           <a:prstGeom prst="rect">
@@ -15752,2686 +15543,8 @@
                 <a:latin typeface="맑은 고딕" pitchFamily="50" charset="-127"/>
                 <a:ea typeface="맑은 고딕" pitchFamily="50" charset="-127"/>
               </a:rPr>
-              <a:t>&lt;</a:t>
-            </a:r>
-            <a:r>
-              <a:rPr lang="ko-KR" altLang="en-US" sz="1000" dirty="0">
-                <a:solidFill>
-                  <a:schemeClr val="tx1">
-                    <a:lumMod val="75000"/>
-                    <a:lumOff val="25000"/>
-                  </a:schemeClr>
-                </a:solidFill>
-                <a:latin typeface="맑은 고딕" pitchFamily="50" charset="-127"/>
-                <a:ea typeface="맑은 고딕" pitchFamily="50" charset="-127"/>
-              </a:rPr>
-              <a:t>서버 </a:t>
-            </a:r>
-            <a:r>
-              <a:rPr lang="en-US" altLang="ko-KR" sz="1000" dirty="0">
-                <a:solidFill>
-                  <a:schemeClr val="tx1">
-                    <a:lumMod val="75000"/>
-                    <a:lumOff val="25000"/>
-                  </a:schemeClr>
-                </a:solidFill>
-                <a:latin typeface="맑은 고딕" pitchFamily="50" charset="-127"/>
-                <a:ea typeface="맑은 고딕" pitchFamily="50" charset="-127"/>
-              </a:rPr>
-              <a:t>– </a:t>
-            </a:r>
-            <a:r>
-              <a:rPr lang="ko-KR" altLang="en-US" sz="1000" dirty="0">
-                <a:solidFill>
-                  <a:schemeClr val="tx1">
-                    <a:lumMod val="75000"/>
-                    <a:lumOff val="25000"/>
-                  </a:schemeClr>
-                </a:solidFill>
-                <a:latin typeface="맑은 고딕" pitchFamily="50" charset="-127"/>
-                <a:ea typeface="맑은 고딕" pitchFamily="50" charset="-127"/>
-              </a:rPr>
-              <a:t>클라우드 컴퓨터</a:t>
-            </a:r>
-            <a:r>
-              <a:rPr lang="en-US" altLang="ko-KR" sz="1000" dirty="0">
-                <a:solidFill>
-                  <a:schemeClr val="tx1">
-                    <a:lumMod val="75000"/>
-                    <a:lumOff val="25000"/>
-                  </a:schemeClr>
-                </a:solidFill>
-                <a:latin typeface="맑은 고딕" pitchFamily="50" charset="-127"/>
-                <a:ea typeface="맑은 고딕" pitchFamily="50" charset="-127"/>
-              </a:rPr>
-              <a:t>&gt;</a:t>
-            </a:r>
-          </a:p>
-        </p:txBody>
-      </p:sp>
-      <p:sp>
-        <p:nvSpPr>
-          <p:cNvPr id="18" name="AutoShape 85">
-            <a:extLst>
-              <a:ext uri="{FF2B5EF4-FFF2-40B4-BE49-F238E27FC236}">
-                <a16:creationId xmlns:a16="http://schemas.microsoft.com/office/drawing/2014/main" id="{6E3BB00E-3751-4165-A2BB-BDA97276EE6B}"/>
-              </a:ext>
-            </a:extLst>
-          </p:cNvPr>
-          <p:cNvSpPr>
-            <a:spLocks noChangeArrowheads="1"/>
-          </p:cNvSpPr>
-          <p:nvPr/>
-        </p:nvSpPr>
-        <p:spPr bwMode="auto">
-          <a:xfrm>
-            <a:off x="590685" y="1741308"/>
-            <a:ext cx="7848600" cy="4669019"/>
-          </a:xfrm>
-          <a:prstGeom prst="roundRect">
-            <a:avLst>
-              <a:gd name="adj" fmla="val 2189"/>
-            </a:avLst>
-          </a:prstGeom>
-          <a:noFill/>
-          <a:ln w="19050">
-            <a:solidFill>
-              <a:srgbClr val="C40452"/>
-            </a:solidFill>
-            <a:prstDash val="dash"/>
-            <a:round/>
-            <a:headEnd/>
-            <a:tailEnd/>
-          </a:ln>
-          <a:extLst>
-            <a:ext uri="{909E8E84-426E-40DD-AFC4-6F175D3DCCD1}">
-              <a14:hiddenFill xmlns:a14="http://schemas.microsoft.com/office/drawing/2010/main">
-                <a:solidFill>
-                  <a:srgbClr val="FFFFFF"/>
-                </a:solidFill>
-              </a14:hiddenFill>
-            </a:ext>
-          </a:extLst>
-        </p:spPr>
-        <p:txBody>
-          <a:bodyPr/>
-          <a:lstStyle/>
-          <a:p>
-            <a:endParaRPr lang="ko-KR" altLang="en-US" sz="1000">
-              <a:ln w="1270">
-                <a:solidFill>
-                  <a:schemeClr val="tx1"/>
-                </a:solidFill>
-              </a:ln>
-              <a:latin typeface="맑은 고딕" pitchFamily="50" charset="-127"/>
-              <a:ea typeface="맑은 고딕" pitchFamily="50" charset="-127"/>
-            </a:endParaRPr>
-          </a:p>
-        </p:txBody>
-      </p:sp>
-      <p:sp>
-        <p:nvSpPr>
-          <p:cNvPr id="19" name="Rectangle 41">
-            <a:extLst>
-              <a:ext uri="{FF2B5EF4-FFF2-40B4-BE49-F238E27FC236}">
-                <a16:creationId xmlns:a16="http://schemas.microsoft.com/office/drawing/2014/main" id="{01EC1624-1F3F-4DF0-B31F-8EBFE928E278}"/>
-              </a:ext>
-            </a:extLst>
-          </p:cNvPr>
-          <p:cNvSpPr>
-            <a:spLocks noChangeArrowheads="1"/>
-          </p:cNvSpPr>
-          <p:nvPr/>
-        </p:nvSpPr>
-        <p:spPr bwMode="auto">
-          <a:xfrm>
-            <a:off x="1370911" y="1982749"/>
-            <a:ext cx="1439863" cy="309563"/>
-          </a:xfrm>
-          <a:prstGeom prst="rect">
-            <a:avLst/>
-          </a:prstGeom>
-          <a:noFill/>
-          <a:ln w="6350" algn="ctr">
-            <a:solidFill>
-              <a:srgbClr val="00264C"/>
-            </a:solidFill>
-            <a:miter lim="800000"/>
-            <a:headEnd/>
-            <a:tailEnd/>
-          </a:ln>
-          <a:extLst>
-            <a:ext uri="{909E8E84-426E-40DD-AFC4-6F175D3DCCD1}">
-              <a14:hiddenFill xmlns:a14="http://schemas.microsoft.com/office/drawing/2010/main">
-                <a:solidFill>
-                  <a:srgbClr val="FFFFFF"/>
-                </a:solidFill>
-              </a14:hiddenFill>
-            </a:ext>
-          </a:extLst>
-        </p:spPr>
-        <p:txBody>
-          <a:bodyPr lIns="36000" tIns="36000" rIns="36000" bIns="36000" anchor="ctr"/>
-          <a:lstStyle/>
-          <a:p>
-            <a:pPr algn="ctr" latinLnBrk="0">
-              <a:defRPr/>
-            </a:pPr>
-            <a:r>
-              <a:rPr lang="ko-KR" altLang="en-US" sz="1000" b="1" kern="0" dirty="0" err="1">
-                <a:latin typeface="맑은 고딕" pitchFamily="50" charset="-127"/>
-                <a:ea typeface="맑은 고딕" pitchFamily="50" charset="-127"/>
-              </a:rPr>
-              <a:t>라즈베리파이</a:t>
-            </a:r>
-            <a:r>
-              <a:rPr lang="ko-KR" altLang="en-US" sz="1000" b="1" kern="0" dirty="0">
-                <a:latin typeface="맑은 고딕" pitchFamily="50" charset="-127"/>
-                <a:ea typeface="맑은 고딕" pitchFamily="50" charset="-127"/>
-              </a:rPr>
-              <a:t> 실행</a:t>
-            </a:r>
-          </a:p>
-        </p:txBody>
-      </p:sp>
-      <p:sp>
-        <p:nvSpPr>
-          <p:cNvPr id="20" name="AutoShape 46">
-            <a:extLst>
-              <a:ext uri="{FF2B5EF4-FFF2-40B4-BE49-F238E27FC236}">
-                <a16:creationId xmlns:a16="http://schemas.microsoft.com/office/drawing/2014/main" id="{AEC2A50C-633A-4656-9746-1997E035768B}"/>
-              </a:ext>
-            </a:extLst>
-          </p:cNvPr>
-          <p:cNvSpPr>
-            <a:spLocks noChangeArrowheads="1"/>
-          </p:cNvSpPr>
-          <p:nvPr/>
-        </p:nvSpPr>
-        <p:spPr bwMode="auto">
-          <a:xfrm>
-            <a:off x="1370911" y="3256743"/>
-            <a:ext cx="1439863" cy="756391"/>
-          </a:xfrm>
-          <a:prstGeom prst="can">
-            <a:avLst>
-              <a:gd name="adj" fmla="val 25000"/>
-            </a:avLst>
-          </a:prstGeom>
-          <a:solidFill>
-            <a:srgbClr val="EAEAEA"/>
-          </a:solidFill>
-          <a:ln w="6350">
-            <a:solidFill>
-              <a:srgbClr val="00264C"/>
-            </a:solidFill>
-            <a:round/>
-            <a:headEnd/>
-            <a:tailEnd/>
-          </a:ln>
-        </p:spPr>
-        <p:txBody>
-          <a:bodyPr lIns="36000" tIns="36000" rIns="36000" bIns="36000" anchor="ctr"/>
-          <a:lstStyle/>
-          <a:p>
-            <a:pPr algn="ctr" latinLnBrk="0">
-              <a:defRPr/>
-            </a:pPr>
-            <a:r>
-              <a:rPr lang="ko-KR" altLang="en-US" sz="1000" b="1" kern="0" dirty="0">
-                <a:latin typeface="맑은 고딕" pitchFamily="50" charset="-127"/>
-                <a:ea typeface="맑은 고딕" pitchFamily="50" charset="-127"/>
-              </a:rPr>
-              <a:t>사람 객체인식 </a:t>
-            </a:r>
-            <a:endParaRPr lang="en-US" altLang="ko-KR" sz="1000" b="1" kern="0" dirty="0">
-              <a:latin typeface="맑은 고딕" pitchFamily="50" charset="-127"/>
-              <a:ea typeface="맑은 고딕" pitchFamily="50" charset="-127"/>
-            </a:endParaRPr>
-          </a:p>
-          <a:p>
-            <a:pPr algn="ctr" latinLnBrk="0">
-              <a:defRPr/>
-            </a:pPr>
-            <a:r>
-              <a:rPr lang="en-US" altLang="ko-KR" sz="1000" b="1" kern="0" dirty="0">
-                <a:latin typeface="맑은 고딕" pitchFamily="50" charset="-127"/>
-                <a:ea typeface="맑은 고딕" pitchFamily="50" charset="-127"/>
-              </a:rPr>
-              <a:t>- </a:t>
-            </a:r>
-            <a:r>
-              <a:rPr lang="ko-KR" altLang="en-US" sz="1000" b="1" kern="0" dirty="0">
-                <a:latin typeface="맑은 고딕" pitchFamily="50" charset="-127"/>
-                <a:ea typeface="맑은 고딕" pitchFamily="50" charset="-127"/>
-              </a:rPr>
-              <a:t>대기줄을 파악 대기줄의 인원을 확인</a:t>
-            </a:r>
-            <a:endParaRPr lang="en-US" altLang="ko-KR" sz="1000" b="1" kern="0" dirty="0">
-              <a:latin typeface="맑은 고딕" pitchFamily="50" charset="-127"/>
-              <a:ea typeface="맑은 고딕" pitchFamily="50" charset="-127"/>
-            </a:endParaRPr>
-          </a:p>
-        </p:txBody>
-      </p:sp>
-      <p:sp>
-        <p:nvSpPr>
-          <p:cNvPr id="23" name="순서도: 판단 22">
-            <a:extLst>
-              <a:ext uri="{FF2B5EF4-FFF2-40B4-BE49-F238E27FC236}">
-                <a16:creationId xmlns:a16="http://schemas.microsoft.com/office/drawing/2014/main" id="{DE7032D5-3C94-41CF-BD01-4CC24992F980}"/>
-              </a:ext>
-            </a:extLst>
-          </p:cNvPr>
-          <p:cNvSpPr/>
-          <p:nvPr/>
-        </p:nvSpPr>
-        <p:spPr>
-          <a:xfrm>
-            <a:off x="1008208" y="2671553"/>
-            <a:ext cx="2064395" cy="357187"/>
-          </a:xfrm>
-          <a:prstGeom prst="flowChartDecision">
-            <a:avLst/>
-          </a:prstGeom>
-          <a:solidFill>
-            <a:srgbClr val="FFFFE9"/>
-          </a:solidFill>
-          <a:ln w="3175" cap="flat" cmpd="sng" algn="ctr">
-            <a:solidFill>
-              <a:srgbClr val="00264C"/>
-            </a:solidFill>
-            <a:prstDash val="solid"/>
-          </a:ln>
-          <a:effectLst/>
-        </p:spPr>
-        <p:txBody>
-          <a:bodyPr anchor="ctr"/>
-          <a:lstStyle/>
-          <a:p>
-            <a:pPr algn="ctr" latinLnBrk="0">
-              <a:defRPr/>
-            </a:pPr>
-            <a:r>
-              <a:rPr lang="ko-KR" altLang="en-US" sz="900" b="1" kern="0" dirty="0">
-                <a:latin typeface="맑은 고딕" pitchFamily="50" charset="-127"/>
-                <a:ea typeface="맑은 고딕" pitchFamily="50" charset="-127"/>
-              </a:rPr>
-              <a:t>카메라 모듈을 이용한 프로그램 실행</a:t>
-            </a:r>
-          </a:p>
-        </p:txBody>
-      </p:sp>
-      <p:cxnSp>
-        <p:nvCxnSpPr>
-          <p:cNvPr id="24" name="직선 화살표 연결선 23">
-            <a:extLst>
-              <a:ext uri="{FF2B5EF4-FFF2-40B4-BE49-F238E27FC236}">
-                <a16:creationId xmlns:a16="http://schemas.microsoft.com/office/drawing/2014/main" id="{A9397852-C28C-45C1-AB07-025ECA079B6A}"/>
-              </a:ext>
-            </a:extLst>
-          </p:cNvPr>
-          <p:cNvCxnSpPr/>
-          <p:nvPr/>
-        </p:nvCxnSpPr>
-        <p:spPr>
-          <a:xfrm rot="5400000">
-            <a:off x="1877324" y="2479637"/>
-            <a:ext cx="360363" cy="1587"/>
-          </a:xfrm>
-          <a:prstGeom prst="straightConnector1">
-            <a:avLst/>
-          </a:prstGeom>
-          <a:noFill/>
-          <a:ln w="9525" cap="flat" cmpd="sng" algn="ctr">
-            <a:solidFill>
-              <a:srgbClr val="00264C"/>
-            </a:solidFill>
-            <a:prstDash val="solid"/>
-            <a:headEnd type="none" w="med" len="med"/>
-            <a:tailEnd type="triangle" w="med" len="med"/>
-          </a:ln>
-          <a:effectLst/>
-        </p:spPr>
-      </p:cxnSp>
-      <p:cxnSp>
-        <p:nvCxnSpPr>
-          <p:cNvPr id="26" name="직선 화살표 연결선 25">
-            <a:extLst>
-              <a:ext uri="{FF2B5EF4-FFF2-40B4-BE49-F238E27FC236}">
-                <a16:creationId xmlns:a16="http://schemas.microsoft.com/office/drawing/2014/main" id="{7B0F1C92-F195-4C1E-9ABA-5902CB81FED3}"/>
-              </a:ext>
-            </a:extLst>
-          </p:cNvPr>
-          <p:cNvCxnSpPr/>
-          <p:nvPr/>
-        </p:nvCxnSpPr>
-        <p:spPr>
-          <a:xfrm rot="5400000">
-            <a:off x="1887643" y="3199568"/>
-            <a:ext cx="358775" cy="1587"/>
-          </a:xfrm>
-          <a:prstGeom prst="straightConnector1">
-            <a:avLst/>
-          </a:prstGeom>
-          <a:noFill/>
-          <a:ln w="9525" cap="flat" cmpd="sng" algn="ctr">
-            <a:solidFill>
-              <a:srgbClr val="00264C"/>
-            </a:solidFill>
-            <a:prstDash val="solid"/>
-            <a:headEnd type="none" w="med" len="med"/>
-            <a:tailEnd type="triangle" w="med" len="med"/>
-          </a:ln>
-          <a:effectLst/>
-        </p:spPr>
-      </p:cxnSp>
-      <p:cxnSp>
-        <p:nvCxnSpPr>
-          <p:cNvPr id="27" name="꺾인 연결선 88">
-            <a:extLst>
-              <a:ext uri="{FF2B5EF4-FFF2-40B4-BE49-F238E27FC236}">
-                <a16:creationId xmlns:a16="http://schemas.microsoft.com/office/drawing/2014/main" id="{0659E681-AAB1-48BC-A24A-DD334B30953E}"/>
-              </a:ext>
-            </a:extLst>
-          </p:cNvPr>
-          <p:cNvCxnSpPr>
-            <a:cxnSpLocks/>
-            <a:stCxn id="23" idx="3"/>
-            <a:endCxn id="19" idx="3"/>
-          </p:cNvCxnSpPr>
-          <p:nvPr/>
-        </p:nvCxnSpPr>
-        <p:spPr>
-          <a:xfrm flipH="1" flipV="1">
-            <a:off x="2810772" y="2137529"/>
-            <a:ext cx="261831" cy="712616"/>
-          </a:xfrm>
-          <a:prstGeom prst="bentConnector3">
-            <a:avLst>
-              <a:gd name="adj1" fmla="val -87309"/>
-            </a:avLst>
-          </a:prstGeom>
-          <a:noFill/>
-          <a:ln w="9525" cap="flat" cmpd="sng" algn="ctr">
-            <a:solidFill>
-              <a:srgbClr val="00264C"/>
-            </a:solidFill>
-            <a:prstDash val="solid"/>
-            <a:headEnd type="none" w="med" len="med"/>
-            <a:tailEnd type="triangle" w="med" len="med"/>
-          </a:ln>
-          <a:effectLst/>
-        </p:spPr>
-      </p:cxnSp>
-      <p:sp>
-        <p:nvSpPr>
-          <p:cNvPr id="31" name="TextBox 71">
-            <a:extLst>
-              <a:ext uri="{FF2B5EF4-FFF2-40B4-BE49-F238E27FC236}">
-                <a16:creationId xmlns:a16="http://schemas.microsoft.com/office/drawing/2014/main" id="{95E6D703-DC57-41DC-8480-1184671D476B}"/>
-              </a:ext>
-            </a:extLst>
-          </p:cNvPr>
-          <p:cNvSpPr txBox="1">
-            <a:spLocks noChangeArrowheads="1"/>
-          </p:cNvSpPr>
-          <p:nvPr/>
-        </p:nvSpPr>
-        <p:spPr bwMode="auto">
-          <a:xfrm>
-            <a:off x="1833854" y="3036124"/>
-            <a:ext cx="256801" cy="246221"/>
-          </a:xfrm>
-          <a:prstGeom prst="rect">
-            <a:avLst/>
-          </a:prstGeom>
-          <a:noFill/>
-          <a:ln>
-            <a:noFill/>
-          </a:ln>
-          <a:extLst>
-            <a:ext uri="{909E8E84-426E-40DD-AFC4-6F175D3DCCD1}">
-              <a14:hiddenFill xmlns:a14="http://schemas.microsoft.com/office/drawing/2010/main">
-                <a:solidFill>
-                  <a:srgbClr val="FFFFFF"/>
-                </a:solidFill>
-              </a14:hiddenFill>
-            </a:ext>
-            <a:ext uri="{91240B29-F687-4F45-9708-019B960494DF}">
-              <a14:hiddenLine xmlns:a14="http://schemas.microsoft.com/office/drawing/2010/main" w="9525">
-                <a:solidFill>
-                  <a:srgbClr val="000000"/>
-                </a:solidFill>
-                <a:miter lim="800000"/>
-                <a:headEnd/>
-                <a:tailEnd/>
-              </a14:hiddenLine>
-            </a:ext>
-          </a:extLst>
-        </p:spPr>
-        <p:txBody>
-          <a:bodyPr wrap="none">
-            <a:spAutoFit/>
-          </a:bodyPr>
-          <a:lstStyle>
-            <a:lvl1pPr eaLnBrk="0" hangingPunct="0">
-              <a:defRPr kumimoji="1" sz="2400" b="1">
-                <a:solidFill>
-                  <a:schemeClr val="tx1"/>
-                </a:solidFill>
-                <a:latin typeface="Arial" pitchFamily="34" charset="0"/>
-                <a:ea typeface="HY견고딕" pitchFamily="18" charset="-127"/>
-              </a:defRPr>
-            </a:lvl1pPr>
-            <a:lvl2pPr marL="742950" indent="-285750" eaLnBrk="0" hangingPunct="0">
-              <a:defRPr kumimoji="1" sz="2400" b="1">
-                <a:solidFill>
-                  <a:schemeClr val="tx1"/>
-                </a:solidFill>
-                <a:latin typeface="Arial" pitchFamily="34" charset="0"/>
-                <a:ea typeface="HY견고딕" pitchFamily="18" charset="-127"/>
-              </a:defRPr>
-            </a:lvl2pPr>
-            <a:lvl3pPr marL="1143000" indent="-228600" eaLnBrk="0" hangingPunct="0">
-              <a:defRPr kumimoji="1" sz="2400" b="1">
-                <a:solidFill>
-                  <a:schemeClr val="tx1"/>
-                </a:solidFill>
-                <a:latin typeface="Arial" pitchFamily="34" charset="0"/>
-                <a:ea typeface="HY견고딕" pitchFamily="18" charset="-127"/>
-              </a:defRPr>
-            </a:lvl3pPr>
-            <a:lvl4pPr marL="1600200" indent="-228600" eaLnBrk="0" hangingPunct="0">
-              <a:defRPr kumimoji="1" sz="2400" b="1">
-                <a:solidFill>
-                  <a:schemeClr val="tx1"/>
-                </a:solidFill>
-                <a:latin typeface="Arial" pitchFamily="34" charset="0"/>
-                <a:ea typeface="HY견고딕" pitchFamily="18" charset="-127"/>
-              </a:defRPr>
-            </a:lvl4pPr>
-            <a:lvl5pPr marL="2057400" indent="-228600" eaLnBrk="0" hangingPunct="0">
-              <a:defRPr kumimoji="1" sz="2400" b="1">
-                <a:solidFill>
-                  <a:schemeClr val="tx1"/>
-                </a:solidFill>
-                <a:latin typeface="Arial" pitchFamily="34" charset="0"/>
-                <a:ea typeface="HY견고딕" pitchFamily="18" charset="-127"/>
-              </a:defRPr>
-            </a:lvl5pPr>
-            <a:lvl6pPr marL="2514600" indent="-228600" algn="ctr" eaLnBrk="0" fontAlgn="base" hangingPunct="0">
-              <a:spcBef>
-                <a:spcPct val="0"/>
-              </a:spcBef>
-              <a:spcAft>
-                <a:spcPct val="0"/>
-              </a:spcAft>
-              <a:defRPr kumimoji="1" sz="2400" b="1">
-                <a:solidFill>
-                  <a:schemeClr val="tx1"/>
-                </a:solidFill>
-                <a:latin typeface="Arial" pitchFamily="34" charset="0"/>
-                <a:ea typeface="HY견고딕" pitchFamily="18" charset="-127"/>
-              </a:defRPr>
-            </a:lvl6pPr>
-            <a:lvl7pPr marL="2971800" indent="-228600" algn="ctr" eaLnBrk="0" fontAlgn="base" hangingPunct="0">
-              <a:spcBef>
-                <a:spcPct val="0"/>
-              </a:spcBef>
-              <a:spcAft>
-                <a:spcPct val="0"/>
-              </a:spcAft>
-              <a:defRPr kumimoji="1" sz="2400" b="1">
-                <a:solidFill>
-                  <a:schemeClr val="tx1"/>
-                </a:solidFill>
-                <a:latin typeface="Arial" pitchFamily="34" charset="0"/>
-                <a:ea typeface="HY견고딕" pitchFamily="18" charset="-127"/>
-              </a:defRPr>
-            </a:lvl7pPr>
-            <a:lvl8pPr marL="3429000" indent="-228600" algn="ctr" eaLnBrk="0" fontAlgn="base" hangingPunct="0">
-              <a:spcBef>
-                <a:spcPct val="0"/>
-              </a:spcBef>
-              <a:spcAft>
-                <a:spcPct val="0"/>
-              </a:spcAft>
-              <a:defRPr kumimoji="1" sz="2400" b="1">
-                <a:solidFill>
-                  <a:schemeClr val="tx1"/>
-                </a:solidFill>
-                <a:latin typeface="Arial" pitchFamily="34" charset="0"/>
-                <a:ea typeface="HY견고딕" pitchFamily="18" charset="-127"/>
-              </a:defRPr>
-            </a:lvl8pPr>
-            <a:lvl9pPr marL="3886200" indent="-228600" algn="ctr" eaLnBrk="0" fontAlgn="base" hangingPunct="0">
-              <a:spcBef>
-                <a:spcPct val="0"/>
-              </a:spcBef>
-              <a:spcAft>
-                <a:spcPct val="0"/>
-              </a:spcAft>
-              <a:defRPr kumimoji="1" sz="2400" b="1">
-                <a:solidFill>
-                  <a:schemeClr val="tx1"/>
-                </a:solidFill>
-                <a:latin typeface="Arial" pitchFamily="34" charset="0"/>
-                <a:ea typeface="HY견고딕" pitchFamily="18" charset="-127"/>
-              </a:defRPr>
-            </a:lvl9pPr>
-          </a:lstStyle>
-          <a:p>
-            <a:pPr algn="ctr" eaLnBrk="1" hangingPunct="1"/>
-            <a:r>
-              <a:rPr lang="en-US" altLang="ko-KR" sz="1000" b="0" dirty="0">
-                <a:latin typeface="맑은 고딕" pitchFamily="50" charset="-127"/>
-                <a:ea typeface="맑은 고딕" pitchFamily="50" charset="-127"/>
-              </a:rPr>
-              <a:t>Y</a:t>
-            </a:r>
-            <a:endParaRPr lang="ko-KR" altLang="en-US" sz="1000" b="0" dirty="0">
-              <a:latin typeface="맑은 고딕" pitchFamily="50" charset="-127"/>
-              <a:ea typeface="맑은 고딕" pitchFamily="50" charset="-127"/>
-            </a:endParaRPr>
-          </a:p>
-        </p:txBody>
-      </p:sp>
-      <p:sp>
-        <p:nvSpPr>
-          <p:cNvPr id="33" name="TextBox 71">
-            <a:extLst>
-              <a:ext uri="{FF2B5EF4-FFF2-40B4-BE49-F238E27FC236}">
-                <a16:creationId xmlns:a16="http://schemas.microsoft.com/office/drawing/2014/main" id="{559CE50B-BEBF-4EFE-A352-BF7AFF31A77D}"/>
-              </a:ext>
-            </a:extLst>
-          </p:cNvPr>
-          <p:cNvSpPr txBox="1">
-            <a:spLocks noChangeArrowheads="1"/>
-          </p:cNvSpPr>
-          <p:nvPr/>
-        </p:nvSpPr>
-        <p:spPr bwMode="auto">
-          <a:xfrm>
-            <a:off x="2881224" y="2290610"/>
-            <a:ext cx="282450" cy="246221"/>
-          </a:xfrm>
-          <a:prstGeom prst="rect">
-            <a:avLst/>
-          </a:prstGeom>
-          <a:noFill/>
-          <a:ln>
-            <a:noFill/>
-          </a:ln>
-          <a:extLst>
-            <a:ext uri="{909E8E84-426E-40DD-AFC4-6F175D3DCCD1}">
-              <a14:hiddenFill xmlns:a14="http://schemas.microsoft.com/office/drawing/2010/main">
-                <a:solidFill>
-                  <a:srgbClr val="FFFFFF"/>
-                </a:solidFill>
-              </a14:hiddenFill>
-            </a:ext>
-            <a:ext uri="{91240B29-F687-4F45-9708-019B960494DF}">
-              <a14:hiddenLine xmlns:a14="http://schemas.microsoft.com/office/drawing/2010/main" w="9525">
-                <a:solidFill>
-                  <a:srgbClr val="000000"/>
-                </a:solidFill>
-                <a:miter lim="800000"/>
-                <a:headEnd/>
-                <a:tailEnd/>
-              </a14:hiddenLine>
-            </a:ext>
-          </a:extLst>
-        </p:spPr>
-        <p:txBody>
-          <a:bodyPr wrap="none">
-            <a:spAutoFit/>
-          </a:bodyPr>
-          <a:lstStyle>
-            <a:lvl1pPr eaLnBrk="0" hangingPunct="0">
-              <a:defRPr kumimoji="1" sz="2400" b="1">
-                <a:solidFill>
-                  <a:schemeClr val="tx1"/>
-                </a:solidFill>
-                <a:latin typeface="Arial" pitchFamily="34" charset="0"/>
-                <a:ea typeface="HY견고딕" pitchFamily="18" charset="-127"/>
-              </a:defRPr>
-            </a:lvl1pPr>
-            <a:lvl2pPr marL="742950" indent="-285750" eaLnBrk="0" hangingPunct="0">
-              <a:defRPr kumimoji="1" sz="2400" b="1">
-                <a:solidFill>
-                  <a:schemeClr val="tx1"/>
-                </a:solidFill>
-                <a:latin typeface="Arial" pitchFamily="34" charset="0"/>
-                <a:ea typeface="HY견고딕" pitchFamily="18" charset="-127"/>
-              </a:defRPr>
-            </a:lvl2pPr>
-            <a:lvl3pPr marL="1143000" indent="-228600" eaLnBrk="0" hangingPunct="0">
-              <a:defRPr kumimoji="1" sz="2400" b="1">
-                <a:solidFill>
-                  <a:schemeClr val="tx1"/>
-                </a:solidFill>
-                <a:latin typeface="Arial" pitchFamily="34" charset="0"/>
-                <a:ea typeface="HY견고딕" pitchFamily="18" charset="-127"/>
-              </a:defRPr>
-            </a:lvl3pPr>
-            <a:lvl4pPr marL="1600200" indent="-228600" eaLnBrk="0" hangingPunct="0">
-              <a:defRPr kumimoji="1" sz="2400" b="1">
-                <a:solidFill>
-                  <a:schemeClr val="tx1"/>
-                </a:solidFill>
-                <a:latin typeface="Arial" pitchFamily="34" charset="0"/>
-                <a:ea typeface="HY견고딕" pitchFamily="18" charset="-127"/>
-              </a:defRPr>
-            </a:lvl4pPr>
-            <a:lvl5pPr marL="2057400" indent="-228600" eaLnBrk="0" hangingPunct="0">
-              <a:defRPr kumimoji="1" sz="2400" b="1">
-                <a:solidFill>
-                  <a:schemeClr val="tx1"/>
-                </a:solidFill>
-                <a:latin typeface="Arial" pitchFamily="34" charset="0"/>
-                <a:ea typeface="HY견고딕" pitchFamily="18" charset="-127"/>
-              </a:defRPr>
-            </a:lvl5pPr>
-            <a:lvl6pPr marL="2514600" indent="-228600" algn="ctr" eaLnBrk="0" fontAlgn="base" hangingPunct="0">
-              <a:spcBef>
-                <a:spcPct val="0"/>
-              </a:spcBef>
-              <a:spcAft>
-                <a:spcPct val="0"/>
-              </a:spcAft>
-              <a:defRPr kumimoji="1" sz="2400" b="1">
-                <a:solidFill>
-                  <a:schemeClr val="tx1"/>
-                </a:solidFill>
-                <a:latin typeface="Arial" pitchFamily="34" charset="0"/>
-                <a:ea typeface="HY견고딕" pitchFamily="18" charset="-127"/>
-              </a:defRPr>
-            </a:lvl6pPr>
-            <a:lvl7pPr marL="2971800" indent="-228600" algn="ctr" eaLnBrk="0" fontAlgn="base" hangingPunct="0">
-              <a:spcBef>
-                <a:spcPct val="0"/>
-              </a:spcBef>
-              <a:spcAft>
-                <a:spcPct val="0"/>
-              </a:spcAft>
-              <a:defRPr kumimoji="1" sz="2400" b="1">
-                <a:solidFill>
-                  <a:schemeClr val="tx1"/>
-                </a:solidFill>
-                <a:latin typeface="Arial" pitchFamily="34" charset="0"/>
-                <a:ea typeface="HY견고딕" pitchFamily="18" charset="-127"/>
-              </a:defRPr>
-            </a:lvl7pPr>
-            <a:lvl8pPr marL="3429000" indent="-228600" algn="ctr" eaLnBrk="0" fontAlgn="base" hangingPunct="0">
-              <a:spcBef>
-                <a:spcPct val="0"/>
-              </a:spcBef>
-              <a:spcAft>
-                <a:spcPct val="0"/>
-              </a:spcAft>
-              <a:defRPr kumimoji="1" sz="2400" b="1">
-                <a:solidFill>
-                  <a:schemeClr val="tx1"/>
-                </a:solidFill>
-                <a:latin typeface="Arial" pitchFamily="34" charset="0"/>
-                <a:ea typeface="HY견고딕" pitchFamily="18" charset="-127"/>
-              </a:defRPr>
-            </a:lvl8pPr>
-            <a:lvl9pPr marL="3886200" indent="-228600" algn="ctr" eaLnBrk="0" fontAlgn="base" hangingPunct="0">
-              <a:spcBef>
-                <a:spcPct val="0"/>
-              </a:spcBef>
-              <a:spcAft>
-                <a:spcPct val="0"/>
-              </a:spcAft>
-              <a:defRPr kumimoji="1" sz="2400" b="1">
-                <a:solidFill>
-                  <a:schemeClr val="tx1"/>
-                </a:solidFill>
-                <a:latin typeface="Arial" pitchFamily="34" charset="0"/>
-                <a:ea typeface="HY견고딕" pitchFamily="18" charset="-127"/>
-              </a:defRPr>
-            </a:lvl9pPr>
-          </a:lstStyle>
-          <a:p>
-            <a:pPr algn="ctr" eaLnBrk="1" hangingPunct="1"/>
-            <a:r>
-              <a:rPr lang="en-US" altLang="ko-KR" sz="1000" b="0" dirty="0">
-                <a:latin typeface="맑은 고딕" pitchFamily="50" charset="-127"/>
-                <a:ea typeface="맑은 고딕" pitchFamily="50" charset="-127"/>
-              </a:rPr>
-              <a:t>N</a:t>
-            </a:r>
-            <a:endParaRPr lang="ko-KR" altLang="en-US" sz="1000" b="0" dirty="0">
-              <a:latin typeface="맑은 고딕" pitchFamily="50" charset="-127"/>
-              <a:ea typeface="맑은 고딕" pitchFamily="50" charset="-127"/>
-            </a:endParaRPr>
-          </a:p>
-        </p:txBody>
-      </p:sp>
-      <p:sp>
-        <p:nvSpPr>
-          <p:cNvPr id="34" name="Rectangle 41">
-            <a:extLst>
-              <a:ext uri="{FF2B5EF4-FFF2-40B4-BE49-F238E27FC236}">
-                <a16:creationId xmlns:a16="http://schemas.microsoft.com/office/drawing/2014/main" id="{B0551889-7332-464B-97E8-96931067F992}"/>
-              </a:ext>
-            </a:extLst>
-          </p:cNvPr>
-          <p:cNvSpPr>
-            <a:spLocks noChangeArrowheads="1"/>
-          </p:cNvSpPr>
-          <p:nvPr/>
-        </p:nvSpPr>
-        <p:spPr bwMode="auto">
-          <a:xfrm>
-            <a:off x="3495429" y="1862098"/>
-            <a:ext cx="1334643" cy="490095"/>
-          </a:xfrm>
-          <a:prstGeom prst="rect">
-            <a:avLst/>
-          </a:prstGeom>
-          <a:noFill/>
-          <a:ln w="6350" algn="ctr">
-            <a:solidFill>
-              <a:srgbClr val="00264C"/>
-            </a:solidFill>
-            <a:miter lim="800000"/>
-            <a:headEnd/>
-            <a:tailEnd/>
-          </a:ln>
-          <a:extLst>
-            <a:ext uri="{909E8E84-426E-40DD-AFC4-6F175D3DCCD1}">
-              <a14:hiddenFill xmlns:a14="http://schemas.microsoft.com/office/drawing/2010/main">
-                <a:solidFill>
-                  <a:srgbClr val="FFFFFF"/>
-                </a:solidFill>
-              </a14:hiddenFill>
-            </a:ext>
-          </a:extLst>
-        </p:spPr>
-        <p:txBody>
-          <a:bodyPr lIns="36000" tIns="36000" rIns="36000" bIns="36000" anchor="ctr"/>
-          <a:lstStyle/>
-          <a:p>
-            <a:pPr algn="ctr" latinLnBrk="0">
-              <a:defRPr/>
-            </a:pPr>
-            <a:r>
-              <a:rPr lang="ko-KR" altLang="en-US" sz="1000" b="1" kern="0" dirty="0">
-                <a:latin typeface="맑은 고딕" pitchFamily="50" charset="-127"/>
-                <a:ea typeface="맑은 고딕" pitchFamily="50" charset="-127"/>
-              </a:rPr>
-              <a:t>정보 데이터를</a:t>
-            </a:r>
-            <a:endParaRPr lang="en-US" altLang="ko-KR" sz="1000" b="1" kern="0" dirty="0">
-              <a:latin typeface="맑은 고딕" pitchFamily="50" charset="-127"/>
-              <a:ea typeface="맑은 고딕" pitchFamily="50" charset="-127"/>
-            </a:endParaRPr>
-          </a:p>
-          <a:p>
-            <a:pPr algn="ctr" latinLnBrk="0">
-              <a:defRPr/>
-            </a:pPr>
-            <a:r>
-              <a:rPr lang="ko-KR" altLang="en-US" sz="1000" b="1" kern="0" dirty="0">
-                <a:latin typeface="맑은 고딕" pitchFamily="50" charset="-127"/>
-                <a:ea typeface="맑은 고딕" pitchFamily="50" charset="-127"/>
-              </a:rPr>
-              <a:t> 서버</a:t>
-            </a:r>
-            <a:r>
-              <a:rPr lang="en-US" altLang="ko-KR" sz="1000" b="1" kern="0" dirty="0">
-                <a:latin typeface="맑은 고딕" pitchFamily="50" charset="-127"/>
-                <a:ea typeface="맑은 고딕" pitchFamily="50" charset="-127"/>
-              </a:rPr>
-              <a:t>(</a:t>
-            </a:r>
-            <a:r>
-              <a:rPr lang="ko-KR" altLang="en-US" sz="1000" b="1" kern="0" dirty="0">
-                <a:latin typeface="맑은 고딕" pitchFamily="50" charset="-127"/>
-                <a:ea typeface="맑은 고딕" pitchFamily="50" charset="-127"/>
-              </a:rPr>
-              <a:t>클라우드 컴퓨터</a:t>
-            </a:r>
-            <a:r>
-              <a:rPr lang="en-US" altLang="ko-KR" sz="1000" b="1" kern="0" dirty="0">
-                <a:latin typeface="맑은 고딕" pitchFamily="50" charset="-127"/>
-                <a:ea typeface="맑은 고딕" pitchFamily="50" charset="-127"/>
-              </a:rPr>
-              <a:t>)</a:t>
-            </a:r>
-            <a:r>
-              <a:rPr lang="ko-KR" altLang="en-US" sz="1000" b="1" kern="0" dirty="0">
-                <a:latin typeface="맑은 고딕" pitchFamily="50" charset="-127"/>
-                <a:ea typeface="맑은 고딕" pitchFamily="50" charset="-127"/>
-              </a:rPr>
-              <a:t>로 전송</a:t>
-            </a:r>
-            <a:endParaRPr lang="en-US" altLang="ko-KR" sz="1000" b="1" kern="0" dirty="0">
-              <a:latin typeface="맑은 고딕" pitchFamily="50" charset="-127"/>
-              <a:ea typeface="맑은 고딕" pitchFamily="50" charset="-127"/>
-            </a:endParaRPr>
-          </a:p>
-        </p:txBody>
-      </p:sp>
-      <p:cxnSp>
-        <p:nvCxnSpPr>
-          <p:cNvPr id="35" name="직선 연결선 34">
-            <a:extLst>
-              <a:ext uri="{FF2B5EF4-FFF2-40B4-BE49-F238E27FC236}">
-                <a16:creationId xmlns:a16="http://schemas.microsoft.com/office/drawing/2014/main" id="{B5C9619A-504E-4086-A8F3-1844E1DD46FF}"/>
-              </a:ext>
-            </a:extLst>
-          </p:cNvPr>
-          <p:cNvCxnSpPr/>
-          <p:nvPr/>
-        </p:nvCxnSpPr>
-        <p:spPr>
-          <a:xfrm>
-            <a:off x="4965073" y="2553453"/>
-            <a:ext cx="215900" cy="0"/>
-          </a:xfrm>
-          <a:prstGeom prst="line">
-            <a:avLst/>
-          </a:prstGeom>
-          <a:noFill/>
-          <a:ln w="12700" cap="flat" cmpd="sng" algn="ctr">
-            <a:solidFill>
-              <a:srgbClr val="00264C"/>
-            </a:solidFill>
-            <a:prstDash val="solid"/>
-          </a:ln>
-          <a:effectLst/>
-        </p:spPr>
-      </p:cxnSp>
-      <p:cxnSp>
-        <p:nvCxnSpPr>
-          <p:cNvPr id="36" name="직선 연결선 35">
-            <a:extLst>
-              <a:ext uri="{FF2B5EF4-FFF2-40B4-BE49-F238E27FC236}">
-                <a16:creationId xmlns:a16="http://schemas.microsoft.com/office/drawing/2014/main" id="{EA54135E-E2DB-4EF3-A9D4-6EAD87550F97}"/>
-              </a:ext>
-            </a:extLst>
-          </p:cNvPr>
-          <p:cNvCxnSpPr/>
-          <p:nvPr/>
-        </p:nvCxnSpPr>
-        <p:spPr>
-          <a:xfrm>
-            <a:off x="4965073" y="3082885"/>
-            <a:ext cx="215900" cy="0"/>
-          </a:xfrm>
-          <a:prstGeom prst="line">
-            <a:avLst/>
-          </a:prstGeom>
-          <a:noFill/>
-          <a:ln w="12700" cap="flat" cmpd="sng" algn="ctr">
-            <a:solidFill>
-              <a:srgbClr val="00264C"/>
-            </a:solidFill>
-            <a:prstDash val="solid"/>
-          </a:ln>
-          <a:effectLst/>
-        </p:spPr>
-      </p:cxnSp>
-      <p:cxnSp>
-        <p:nvCxnSpPr>
-          <p:cNvPr id="37" name="직선 연결선 36">
-            <a:extLst>
-              <a:ext uri="{FF2B5EF4-FFF2-40B4-BE49-F238E27FC236}">
-                <a16:creationId xmlns:a16="http://schemas.microsoft.com/office/drawing/2014/main" id="{30744BCD-DCF5-428D-BF2D-2BC6D6C317D2}"/>
-              </a:ext>
-            </a:extLst>
-          </p:cNvPr>
-          <p:cNvCxnSpPr/>
-          <p:nvPr/>
-        </p:nvCxnSpPr>
-        <p:spPr>
-          <a:xfrm>
-            <a:off x="4954913" y="3613173"/>
-            <a:ext cx="215900" cy="0"/>
-          </a:xfrm>
-          <a:prstGeom prst="line">
-            <a:avLst/>
-          </a:prstGeom>
-          <a:noFill/>
-          <a:ln w="12700" cap="flat" cmpd="sng" algn="ctr">
-            <a:solidFill>
-              <a:srgbClr val="00264C"/>
-            </a:solidFill>
-            <a:prstDash val="solid"/>
-          </a:ln>
-          <a:effectLst/>
-        </p:spPr>
-      </p:cxnSp>
-      <p:cxnSp>
-        <p:nvCxnSpPr>
-          <p:cNvPr id="38" name="직선 연결선 37">
-            <a:extLst>
-              <a:ext uri="{FF2B5EF4-FFF2-40B4-BE49-F238E27FC236}">
-                <a16:creationId xmlns:a16="http://schemas.microsoft.com/office/drawing/2014/main" id="{D8E09906-E7BF-46C4-9CAB-92D7DC75372D}"/>
-              </a:ext>
-            </a:extLst>
-          </p:cNvPr>
-          <p:cNvCxnSpPr/>
-          <p:nvPr/>
-        </p:nvCxnSpPr>
-        <p:spPr>
-          <a:xfrm>
-            <a:off x="4965073" y="4171909"/>
-            <a:ext cx="215900" cy="0"/>
-          </a:xfrm>
-          <a:prstGeom prst="line">
-            <a:avLst/>
-          </a:prstGeom>
-          <a:noFill/>
-          <a:ln w="12700" cap="flat" cmpd="sng" algn="ctr">
-            <a:solidFill>
-              <a:srgbClr val="00264C"/>
-            </a:solidFill>
-            <a:prstDash val="solid"/>
-          </a:ln>
-          <a:effectLst/>
-        </p:spPr>
-      </p:cxnSp>
-      <p:cxnSp>
-        <p:nvCxnSpPr>
-          <p:cNvPr id="39" name="직선 화살표 연결선 38">
-            <a:extLst>
-              <a:ext uri="{FF2B5EF4-FFF2-40B4-BE49-F238E27FC236}">
-                <a16:creationId xmlns:a16="http://schemas.microsoft.com/office/drawing/2014/main" id="{625CD5D3-ACF5-4AEB-8AA3-A8A6BC57B169}"/>
-              </a:ext>
-            </a:extLst>
-          </p:cNvPr>
-          <p:cNvCxnSpPr/>
-          <p:nvPr/>
-        </p:nvCxnSpPr>
-        <p:spPr>
-          <a:xfrm>
-            <a:off x="6630297" y="2039897"/>
-            <a:ext cx="215900" cy="1588"/>
-          </a:xfrm>
-          <a:prstGeom prst="straightConnector1">
-            <a:avLst/>
-          </a:prstGeom>
-          <a:noFill/>
-          <a:ln w="9525" cap="flat" cmpd="sng" algn="ctr">
-            <a:solidFill>
-              <a:srgbClr val="00264C"/>
-            </a:solidFill>
-            <a:prstDash val="solid"/>
-            <a:headEnd type="triangle" w="med" len="med"/>
-            <a:tailEnd type="none" w="med" len="med"/>
-          </a:ln>
-          <a:effectLst/>
-        </p:spPr>
-      </p:cxnSp>
-      <p:cxnSp>
-        <p:nvCxnSpPr>
-          <p:cNvPr id="40" name="직선 화살표 연결선 39">
-            <a:extLst>
-              <a:ext uri="{FF2B5EF4-FFF2-40B4-BE49-F238E27FC236}">
-                <a16:creationId xmlns:a16="http://schemas.microsoft.com/office/drawing/2014/main" id="{8878DC62-AA53-45DB-A998-51F5F7983DAE}"/>
-              </a:ext>
-            </a:extLst>
-          </p:cNvPr>
-          <p:cNvCxnSpPr/>
-          <p:nvPr/>
-        </p:nvCxnSpPr>
-        <p:spPr>
-          <a:xfrm>
-            <a:off x="6639822" y="2555837"/>
-            <a:ext cx="215900" cy="1587"/>
-          </a:xfrm>
-          <a:prstGeom prst="straightConnector1">
-            <a:avLst/>
-          </a:prstGeom>
-          <a:noFill/>
-          <a:ln w="9525" cap="flat" cmpd="sng" algn="ctr">
-            <a:solidFill>
-              <a:srgbClr val="00264C"/>
-            </a:solidFill>
-            <a:prstDash val="solid"/>
-            <a:headEnd type="triangle" w="med" len="med"/>
-            <a:tailEnd type="none" w="med" len="med"/>
-          </a:ln>
-          <a:effectLst/>
-        </p:spPr>
-      </p:cxnSp>
-      <p:cxnSp>
-        <p:nvCxnSpPr>
-          <p:cNvPr id="41" name="직선 화살표 연결선 40">
-            <a:extLst>
-              <a:ext uri="{FF2B5EF4-FFF2-40B4-BE49-F238E27FC236}">
-                <a16:creationId xmlns:a16="http://schemas.microsoft.com/office/drawing/2014/main" id="{037DAD59-575B-4813-9065-0011CF325E93}"/>
-              </a:ext>
-            </a:extLst>
-          </p:cNvPr>
-          <p:cNvCxnSpPr/>
-          <p:nvPr/>
-        </p:nvCxnSpPr>
-        <p:spPr>
-          <a:xfrm>
-            <a:off x="6620771" y="3082886"/>
-            <a:ext cx="215900" cy="1587"/>
-          </a:xfrm>
-          <a:prstGeom prst="straightConnector1">
-            <a:avLst/>
-          </a:prstGeom>
-          <a:noFill/>
-          <a:ln w="9525" cap="flat" cmpd="sng" algn="ctr">
-            <a:solidFill>
-              <a:srgbClr val="00264C"/>
-            </a:solidFill>
-            <a:prstDash val="solid"/>
-            <a:headEnd type="triangle" w="med" len="med"/>
-            <a:tailEnd type="none" w="med" len="med"/>
-          </a:ln>
-          <a:effectLst/>
-        </p:spPr>
-      </p:cxnSp>
-      <p:cxnSp>
-        <p:nvCxnSpPr>
-          <p:cNvPr id="42" name="직선 화살표 연결선 41">
-            <a:extLst>
-              <a:ext uri="{FF2B5EF4-FFF2-40B4-BE49-F238E27FC236}">
-                <a16:creationId xmlns:a16="http://schemas.microsoft.com/office/drawing/2014/main" id="{26AEFD14-88AC-4AA5-B6FA-76819E80FB83}"/>
-              </a:ext>
-            </a:extLst>
-          </p:cNvPr>
-          <p:cNvCxnSpPr/>
-          <p:nvPr/>
-        </p:nvCxnSpPr>
-        <p:spPr>
-          <a:xfrm>
-            <a:off x="6620771" y="3614697"/>
-            <a:ext cx="215900" cy="1588"/>
-          </a:xfrm>
-          <a:prstGeom prst="straightConnector1">
-            <a:avLst/>
-          </a:prstGeom>
-          <a:noFill/>
-          <a:ln w="9525" cap="flat" cmpd="sng" algn="ctr">
-            <a:solidFill>
-              <a:srgbClr val="00264C"/>
-            </a:solidFill>
-            <a:prstDash val="solid"/>
-            <a:headEnd type="triangle" w="med" len="med"/>
-            <a:tailEnd type="none" w="med" len="med"/>
-          </a:ln>
-          <a:effectLst/>
-        </p:spPr>
-      </p:cxnSp>
-      <p:cxnSp>
-        <p:nvCxnSpPr>
-          <p:cNvPr id="43" name="직선 화살표 연결선 42">
-            <a:extLst>
-              <a:ext uri="{FF2B5EF4-FFF2-40B4-BE49-F238E27FC236}">
-                <a16:creationId xmlns:a16="http://schemas.microsoft.com/office/drawing/2014/main" id="{3706B6AC-4240-475E-8616-2E2A7DEBB9A4}"/>
-              </a:ext>
-            </a:extLst>
-          </p:cNvPr>
-          <p:cNvCxnSpPr/>
-          <p:nvPr/>
-        </p:nvCxnSpPr>
-        <p:spPr>
-          <a:xfrm>
-            <a:off x="6620771" y="4157622"/>
-            <a:ext cx="215900" cy="1588"/>
-          </a:xfrm>
-          <a:prstGeom prst="straightConnector1">
-            <a:avLst/>
-          </a:prstGeom>
-          <a:noFill/>
-          <a:ln w="9525" cap="flat" cmpd="sng" algn="ctr">
-            <a:solidFill>
-              <a:srgbClr val="00264C"/>
-            </a:solidFill>
-            <a:prstDash val="solid"/>
-            <a:headEnd type="triangle" w="med" len="med"/>
-            <a:tailEnd type="none" w="med" len="med"/>
-          </a:ln>
-          <a:effectLst/>
-        </p:spPr>
-      </p:cxnSp>
-      <p:sp>
-        <p:nvSpPr>
-          <p:cNvPr id="44" name="Rectangle 41">
-            <a:extLst>
-              <a:ext uri="{FF2B5EF4-FFF2-40B4-BE49-F238E27FC236}">
-                <a16:creationId xmlns:a16="http://schemas.microsoft.com/office/drawing/2014/main" id="{B062E29B-C077-4496-8214-CE9DF1B66C17}"/>
-              </a:ext>
-            </a:extLst>
-          </p:cNvPr>
-          <p:cNvSpPr>
-            <a:spLocks noChangeArrowheads="1"/>
-          </p:cNvSpPr>
-          <p:nvPr/>
-        </p:nvSpPr>
-        <p:spPr bwMode="auto">
-          <a:xfrm>
-            <a:off x="6862072" y="2917785"/>
-            <a:ext cx="1395107" cy="381101"/>
-          </a:xfrm>
-          <a:prstGeom prst="rect">
-            <a:avLst/>
-          </a:prstGeom>
-          <a:ln>
-            <a:headEnd/>
-            <a:tailEnd/>
-          </a:ln>
-        </p:spPr>
-        <p:style>
-          <a:lnRef idx="2">
-            <a:schemeClr val="accent3"/>
-          </a:lnRef>
-          <a:fillRef idx="1">
-            <a:schemeClr val="lt1"/>
-          </a:fillRef>
-          <a:effectRef idx="0">
-            <a:schemeClr val="accent3"/>
-          </a:effectRef>
-          <a:fontRef idx="minor">
-            <a:schemeClr val="dk1"/>
-          </a:fontRef>
-        </p:style>
-        <p:txBody>
-          <a:bodyPr lIns="36000" tIns="36000" rIns="36000" bIns="36000" anchor="ctr"/>
-          <a:lstStyle/>
-          <a:p>
-            <a:pPr algn="ctr" latinLnBrk="0">
-              <a:defRPr/>
-            </a:pPr>
-            <a:r>
-              <a:rPr lang="en-US" altLang="ko-KR" sz="800" b="1" kern="0" dirty="0">
-                <a:latin typeface="맑은 고딕" pitchFamily="50" charset="-127"/>
-                <a:ea typeface="맑은 고딕" pitchFamily="50" charset="-127"/>
-              </a:rPr>
-              <a:t>Python </a:t>
-            </a:r>
-            <a:r>
-              <a:rPr lang="en-US" altLang="ko-KR" sz="800" b="1" kern="0" dirty="0" err="1">
-                <a:latin typeface="맑은 고딕" pitchFamily="50" charset="-127"/>
-                <a:ea typeface="맑은 고딕" pitchFamily="50" charset="-127"/>
-              </a:rPr>
-              <a:t>Numpy</a:t>
-            </a:r>
-            <a:r>
-              <a:rPr lang="ko-KR" altLang="en-US" sz="800" b="1" kern="0" dirty="0">
-                <a:latin typeface="맑은 고딕" pitchFamily="50" charset="-127"/>
-                <a:ea typeface="맑은 고딕" pitchFamily="50" charset="-127"/>
-              </a:rPr>
-              <a:t>를 이용하여</a:t>
-            </a:r>
-            <a:r>
-              <a:rPr lang="en-US" altLang="ko-KR" sz="800" b="1" kern="0" dirty="0">
-                <a:latin typeface="맑은 고딕" pitchFamily="50" charset="-127"/>
-                <a:ea typeface="맑은 고딕" pitchFamily="50" charset="-127"/>
-              </a:rPr>
-              <a:t>, </a:t>
-            </a:r>
-            <a:r>
-              <a:rPr lang="ko-KR" altLang="en-US" sz="800" b="1" kern="0" dirty="0">
-                <a:latin typeface="맑은 고딕" pitchFamily="50" charset="-127"/>
-                <a:ea typeface="맑은 고딕" pitchFamily="50" charset="-127"/>
-              </a:rPr>
-              <a:t>각 객체사이의 거리를</a:t>
-            </a:r>
-            <a:endParaRPr lang="en-US" altLang="ko-KR" sz="800" b="1" kern="0" dirty="0">
-              <a:latin typeface="맑은 고딕" pitchFamily="50" charset="-127"/>
-              <a:ea typeface="맑은 고딕" pitchFamily="50" charset="-127"/>
-            </a:endParaRPr>
-          </a:p>
-          <a:p>
-            <a:pPr algn="ctr" latinLnBrk="0">
-              <a:defRPr/>
-            </a:pPr>
-            <a:r>
-              <a:rPr lang="ko-KR" altLang="en-US" sz="800" b="1" kern="0" dirty="0">
-                <a:latin typeface="맑은 고딕" pitchFamily="50" charset="-127"/>
-                <a:ea typeface="맑은 고딕" pitchFamily="50" charset="-127"/>
-              </a:rPr>
-              <a:t> 확인 후</a:t>
-            </a:r>
-            <a:r>
-              <a:rPr lang="en-US" altLang="ko-KR" sz="800" b="1" kern="0" dirty="0">
-                <a:latin typeface="맑은 고딕" pitchFamily="50" charset="-127"/>
-                <a:ea typeface="맑은 고딕" pitchFamily="50" charset="-127"/>
-              </a:rPr>
-              <a:t>, </a:t>
-            </a:r>
-            <a:r>
-              <a:rPr lang="ko-KR" altLang="en-US" sz="800" b="1" kern="0" dirty="0">
-                <a:latin typeface="맑은 고딕" pitchFamily="50" charset="-127"/>
-                <a:ea typeface="맑은 고딕" pitchFamily="50" charset="-127"/>
-              </a:rPr>
-              <a:t>줄 형성</a:t>
-            </a:r>
-          </a:p>
-        </p:txBody>
-      </p:sp>
-      <p:sp>
-        <p:nvSpPr>
-          <p:cNvPr id="45" name="AutoShape 46">
-            <a:extLst>
-              <a:ext uri="{FF2B5EF4-FFF2-40B4-BE49-F238E27FC236}">
-                <a16:creationId xmlns:a16="http://schemas.microsoft.com/office/drawing/2014/main" id="{3CB943FD-F073-43A7-AF82-B457EE369426}"/>
-              </a:ext>
-            </a:extLst>
-          </p:cNvPr>
-          <p:cNvSpPr>
-            <a:spLocks noChangeArrowheads="1"/>
-          </p:cNvSpPr>
-          <p:nvPr/>
-        </p:nvSpPr>
-        <p:spPr bwMode="auto">
-          <a:xfrm>
-            <a:off x="6850960" y="1768435"/>
-            <a:ext cx="1439863" cy="539751"/>
-          </a:xfrm>
-          <a:prstGeom prst="can">
-            <a:avLst>
-              <a:gd name="adj" fmla="val 25000"/>
-            </a:avLst>
-          </a:prstGeom>
-          <a:solidFill>
-            <a:srgbClr val="EAEAEA"/>
-          </a:solidFill>
-          <a:ln w="6350">
-            <a:solidFill>
-              <a:srgbClr val="00264C"/>
-            </a:solidFill>
-            <a:round/>
-            <a:headEnd/>
-            <a:tailEnd/>
-          </a:ln>
-        </p:spPr>
-        <p:txBody>
-          <a:bodyPr lIns="36000" tIns="36000" rIns="36000" bIns="36000" anchor="ctr"/>
-          <a:lstStyle/>
-          <a:p>
-            <a:pPr algn="ctr" latinLnBrk="0">
-              <a:defRPr/>
-            </a:pPr>
-            <a:r>
-              <a:rPr lang="ko-KR" altLang="en-US" sz="800" b="1" kern="0" dirty="0">
-                <a:latin typeface="맑은 고딕" pitchFamily="50" charset="-127"/>
-                <a:ea typeface="맑은 고딕" pitchFamily="50" charset="-127"/>
-              </a:rPr>
-              <a:t>미리 </a:t>
-            </a:r>
-            <a:r>
-              <a:rPr lang="ko-KR" altLang="en-US" sz="800" b="1" kern="0" dirty="0" err="1">
-                <a:latin typeface="맑은 고딕" pitchFamily="50" charset="-127"/>
-                <a:ea typeface="맑은 고딕" pitchFamily="50" charset="-127"/>
-              </a:rPr>
-              <a:t>파악후</a:t>
-            </a:r>
-            <a:r>
-              <a:rPr lang="en-US" altLang="ko-KR" sz="800" b="1" kern="0" dirty="0">
-                <a:latin typeface="맑은 고딕" pitchFamily="50" charset="-127"/>
-                <a:ea typeface="맑은 고딕" pitchFamily="50" charset="-127"/>
-              </a:rPr>
-              <a:t>, </a:t>
-            </a:r>
-            <a:r>
-              <a:rPr lang="ko-KR" altLang="en-US" sz="800" b="1" kern="0" dirty="0">
-                <a:latin typeface="맑은 고딕" pitchFamily="50" charset="-127"/>
-                <a:ea typeface="맑은 고딕" pitchFamily="50" charset="-127"/>
-              </a:rPr>
-              <a:t>데이터화 하거나</a:t>
-            </a:r>
-            <a:r>
-              <a:rPr lang="en-US" altLang="ko-KR" sz="800" b="1" kern="0" dirty="0">
-                <a:latin typeface="맑은 고딕" pitchFamily="50" charset="-127"/>
-                <a:ea typeface="맑은 고딕" pitchFamily="50" charset="-127"/>
-              </a:rPr>
-              <a:t>, </a:t>
-            </a:r>
-            <a:r>
-              <a:rPr lang="ko-KR" altLang="en-US" sz="800" b="1" kern="0" dirty="0">
-                <a:latin typeface="맑은 고딕" pitchFamily="50" charset="-127"/>
-                <a:ea typeface="맑은 고딕" pitchFamily="50" charset="-127"/>
-              </a:rPr>
-              <a:t>사용 와이파이를 통해 판별</a:t>
-            </a:r>
-            <a:r>
-              <a:rPr lang="en-US" altLang="ko-KR" sz="800" b="1" kern="0" dirty="0">
-                <a:latin typeface="맑은 고딕" pitchFamily="50" charset="-127"/>
-                <a:ea typeface="맑은 고딕" pitchFamily="50" charset="-127"/>
-              </a:rPr>
-              <a:t>.</a:t>
-            </a:r>
-          </a:p>
-        </p:txBody>
-      </p:sp>
-      <p:sp>
-        <p:nvSpPr>
-          <p:cNvPr id="46" name="AutoShape 46">
-            <a:extLst>
-              <a:ext uri="{FF2B5EF4-FFF2-40B4-BE49-F238E27FC236}">
-                <a16:creationId xmlns:a16="http://schemas.microsoft.com/office/drawing/2014/main" id="{962BBF19-E33B-4253-92D4-5FEEA47317CD}"/>
-              </a:ext>
-            </a:extLst>
-          </p:cNvPr>
-          <p:cNvSpPr>
-            <a:spLocks noChangeArrowheads="1"/>
-          </p:cNvSpPr>
-          <p:nvPr/>
-        </p:nvSpPr>
-        <p:spPr bwMode="auto">
-          <a:xfrm>
-            <a:off x="6850960" y="3336886"/>
-            <a:ext cx="1439863" cy="539751"/>
-          </a:xfrm>
-          <a:prstGeom prst="can">
-            <a:avLst>
-              <a:gd name="adj" fmla="val 25000"/>
-            </a:avLst>
-          </a:prstGeom>
-          <a:solidFill>
-            <a:srgbClr val="EAEAEA"/>
-          </a:solidFill>
-          <a:ln w="6350">
-            <a:solidFill>
-              <a:srgbClr val="00264C"/>
-            </a:solidFill>
-            <a:round/>
-            <a:headEnd/>
-            <a:tailEnd/>
-          </a:ln>
-        </p:spPr>
-        <p:txBody>
-          <a:bodyPr lIns="36000" tIns="36000" rIns="36000" bIns="36000" anchor="ctr"/>
-          <a:lstStyle/>
-          <a:p>
-            <a:pPr algn="ctr" latinLnBrk="0">
-              <a:defRPr/>
-            </a:pPr>
-            <a:r>
-              <a:rPr lang="en-US" altLang="ko-KR" sz="900" b="1" kern="0" dirty="0">
-                <a:latin typeface="맑은 고딕" pitchFamily="50" charset="-127"/>
-                <a:ea typeface="맑은 고딕" pitchFamily="50" charset="-127"/>
-              </a:rPr>
-              <a:t>HOG </a:t>
-            </a:r>
-            <a:r>
-              <a:rPr lang="ko-KR" altLang="en-US" sz="900" b="1" kern="0" dirty="0">
-                <a:latin typeface="맑은 고딕" pitchFamily="50" charset="-127"/>
-                <a:ea typeface="맑은 고딕" pitchFamily="50" charset="-127"/>
-              </a:rPr>
-              <a:t>알고리즘을 이용한 </a:t>
-            </a:r>
-            <a:r>
-              <a:rPr lang="en-US" altLang="ko-KR" sz="900" b="1" kern="0" dirty="0">
-                <a:latin typeface="맑은 고딕" pitchFamily="50" charset="-127"/>
-                <a:ea typeface="맑은 고딕" pitchFamily="50" charset="-127"/>
-              </a:rPr>
-              <a:t>open CV  </a:t>
-            </a:r>
-            <a:r>
-              <a:rPr lang="ko-KR" altLang="en-US" sz="900" b="1" kern="0" dirty="0">
-                <a:latin typeface="맑은 고딕" pitchFamily="50" charset="-127"/>
-                <a:ea typeface="맑은 고딕" pitchFamily="50" charset="-127"/>
-              </a:rPr>
-              <a:t>영상처리</a:t>
-            </a:r>
-            <a:endParaRPr lang="en-US" altLang="ko-KR" sz="900" b="1" kern="0" dirty="0">
-              <a:latin typeface="맑은 고딕" pitchFamily="50" charset="-127"/>
-              <a:ea typeface="맑은 고딕" pitchFamily="50" charset="-127"/>
-            </a:endParaRPr>
-          </a:p>
-        </p:txBody>
-      </p:sp>
-      <p:sp>
-        <p:nvSpPr>
-          <p:cNvPr id="47" name="AutoShape 46">
-            <a:extLst>
-              <a:ext uri="{FF2B5EF4-FFF2-40B4-BE49-F238E27FC236}">
-                <a16:creationId xmlns:a16="http://schemas.microsoft.com/office/drawing/2014/main" id="{1D996DF3-22FD-4A19-887D-464918A5ACD2}"/>
-              </a:ext>
-            </a:extLst>
-          </p:cNvPr>
-          <p:cNvSpPr>
-            <a:spLocks noChangeArrowheads="1"/>
-          </p:cNvSpPr>
-          <p:nvPr/>
-        </p:nvSpPr>
-        <p:spPr bwMode="auto">
-          <a:xfrm>
-            <a:off x="6850960" y="3902035"/>
-            <a:ext cx="1439863" cy="539751"/>
-          </a:xfrm>
-          <a:prstGeom prst="can">
-            <a:avLst>
-              <a:gd name="adj" fmla="val 25000"/>
-            </a:avLst>
-          </a:prstGeom>
-          <a:solidFill>
-            <a:srgbClr val="EAEAEA"/>
-          </a:solidFill>
-          <a:ln w="6350">
-            <a:solidFill>
-              <a:srgbClr val="00264C"/>
-            </a:solidFill>
-            <a:round/>
-            <a:headEnd/>
-            <a:tailEnd/>
-          </a:ln>
-        </p:spPr>
-        <p:txBody>
-          <a:bodyPr lIns="36000" tIns="36000" rIns="36000" bIns="36000" anchor="ctr"/>
-          <a:lstStyle/>
-          <a:p>
-            <a:pPr algn="ctr" latinLnBrk="0">
-              <a:defRPr/>
-            </a:pPr>
-            <a:r>
-              <a:rPr lang="en-US" altLang="ko-KR" sz="900" b="1" kern="0" dirty="0" err="1">
-                <a:latin typeface="맑은 고딕" pitchFamily="50" charset="-127"/>
-                <a:ea typeface="맑은 고딕" pitchFamily="50" charset="-127"/>
-              </a:rPr>
-              <a:t>Haar</a:t>
-            </a:r>
-            <a:r>
-              <a:rPr lang="en-US" altLang="ko-KR" sz="900" b="1" kern="0" dirty="0">
-                <a:latin typeface="맑은 고딕" pitchFamily="50" charset="-127"/>
-                <a:ea typeface="맑은 고딕" pitchFamily="50" charset="-127"/>
-              </a:rPr>
-              <a:t> </a:t>
-            </a:r>
-            <a:r>
-              <a:rPr lang="ko-KR" altLang="en-US" sz="900" b="1" kern="0" dirty="0" err="1">
-                <a:latin typeface="맑은 고딕" pitchFamily="50" charset="-127"/>
-                <a:ea typeface="맑은 고딕" pitchFamily="50" charset="-127"/>
-              </a:rPr>
-              <a:t>캐스캐이드를</a:t>
-            </a:r>
-            <a:r>
-              <a:rPr lang="ko-KR" altLang="en-US" sz="900" b="1" kern="0" dirty="0">
-                <a:latin typeface="맑은 고딕" pitchFamily="50" charset="-127"/>
-                <a:ea typeface="맑은 고딕" pitchFamily="50" charset="-127"/>
-              </a:rPr>
-              <a:t> 이용한 </a:t>
-            </a:r>
-            <a:r>
-              <a:rPr lang="en-US" altLang="ko-KR" sz="900" b="1" kern="0" dirty="0">
-                <a:latin typeface="맑은 고딕" pitchFamily="50" charset="-127"/>
-                <a:ea typeface="맑은 고딕" pitchFamily="50" charset="-127"/>
-              </a:rPr>
-              <a:t>open CV </a:t>
-            </a:r>
-            <a:r>
-              <a:rPr lang="ko-KR" altLang="en-US" sz="900" b="1" kern="0" dirty="0">
-                <a:latin typeface="맑은 고딕" pitchFamily="50" charset="-127"/>
-                <a:ea typeface="맑은 고딕" pitchFamily="50" charset="-127"/>
-              </a:rPr>
-              <a:t>영상처리</a:t>
-            </a:r>
-            <a:endParaRPr lang="en-US" altLang="ko-KR" sz="900" b="1" kern="0" dirty="0">
-              <a:latin typeface="맑은 고딕" pitchFamily="50" charset="-127"/>
-              <a:ea typeface="맑은 고딕" pitchFamily="50" charset="-127"/>
-            </a:endParaRPr>
-          </a:p>
-        </p:txBody>
-      </p:sp>
-      <p:sp>
-        <p:nvSpPr>
-          <p:cNvPr id="48" name="Oval 44">
-            <a:extLst>
-              <a:ext uri="{FF2B5EF4-FFF2-40B4-BE49-F238E27FC236}">
-                <a16:creationId xmlns:a16="http://schemas.microsoft.com/office/drawing/2014/main" id="{4A27948B-EF62-49B3-B38C-F00766877A39}"/>
-              </a:ext>
-            </a:extLst>
-          </p:cNvPr>
-          <p:cNvSpPr>
-            <a:spLocks noChangeArrowheads="1"/>
-          </p:cNvSpPr>
-          <p:nvPr/>
-        </p:nvSpPr>
-        <p:spPr bwMode="auto">
-          <a:xfrm>
-            <a:off x="4706247" y="1763671"/>
-            <a:ext cx="268288" cy="203200"/>
-          </a:xfrm>
-          <a:prstGeom prst="ellipse">
-            <a:avLst/>
-          </a:prstGeom>
-          <a:solidFill>
-            <a:srgbClr val="3B5AA8"/>
-          </a:solidFill>
-          <a:ln>
-            <a:noFill/>
-          </a:ln>
-        </p:spPr>
-        <p:txBody>
-          <a:bodyPr wrap="none" lIns="54000" tIns="54000" rIns="54000" bIns="54000" anchor="ctr"/>
-          <a:lstStyle/>
-          <a:p>
-            <a:pPr marL="85723" indent="-85723" algn="ctr" latinLnBrk="0">
-              <a:spcBef>
-                <a:spcPct val="50000"/>
-              </a:spcBef>
-              <a:defRPr/>
-            </a:pPr>
-            <a:r>
-              <a:rPr lang="en-US" altLang="ko-KR" sz="1000" kern="0" dirty="0">
-                <a:solidFill>
-                  <a:schemeClr val="bg1"/>
-                </a:solidFill>
-                <a:latin typeface="맑은 고딕" pitchFamily="50" charset="-127"/>
-                <a:ea typeface="맑은 고딕" pitchFamily="50" charset="-127"/>
-              </a:rPr>
-              <a:t>2</a:t>
-            </a:r>
-          </a:p>
-        </p:txBody>
-      </p:sp>
-      <p:sp>
-        <p:nvSpPr>
-          <p:cNvPr id="49" name="Oval 58">
-            <a:extLst>
-              <a:ext uri="{FF2B5EF4-FFF2-40B4-BE49-F238E27FC236}">
-                <a16:creationId xmlns:a16="http://schemas.microsoft.com/office/drawing/2014/main" id="{5366B746-1FBD-4ADF-89FF-AFC0E05CC522}"/>
-              </a:ext>
-            </a:extLst>
-          </p:cNvPr>
-          <p:cNvSpPr>
-            <a:spLocks noChangeArrowheads="1"/>
-          </p:cNvSpPr>
-          <p:nvPr/>
-        </p:nvSpPr>
-        <p:spPr bwMode="auto">
-          <a:xfrm>
-            <a:off x="797821" y="4510047"/>
-            <a:ext cx="268288" cy="203200"/>
-          </a:xfrm>
-          <a:prstGeom prst="ellipse">
-            <a:avLst/>
-          </a:prstGeom>
-          <a:solidFill>
-            <a:srgbClr val="77787B"/>
-          </a:solidFill>
-          <a:ln>
-            <a:noFill/>
-          </a:ln>
-        </p:spPr>
-        <p:txBody>
-          <a:bodyPr wrap="none" lIns="54000" tIns="54000" rIns="54000" bIns="54000" anchor="ctr"/>
-          <a:lstStyle/>
-          <a:p>
-            <a:pPr marL="85723" indent="-85723" algn="ctr" latinLnBrk="0">
-              <a:spcBef>
-                <a:spcPct val="50000"/>
-              </a:spcBef>
-              <a:defRPr/>
-            </a:pPr>
-            <a:r>
-              <a:rPr lang="en-US" altLang="ko-KR" sz="1000" kern="0">
-                <a:solidFill>
-                  <a:schemeClr val="bg1"/>
-                </a:solidFill>
-                <a:latin typeface="맑은 고딕" pitchFamily="50" charset="-127"/>
-                <a:ea typeface="맑은 고딕" pitchFamily="50" charset="-127"/>
-              </a:rPr>
-              <a:t>1</a:t>
-            </a:r>
-          </a:p>
-        </p:txBody>
-      </p:sp>
-      <p:sp>
-        <p:nvSpPr>
-          <p:cNvPr id="50" name="Text Box 59">
-            <a:extLst>
-              <a:ext uri="{FF2B5EF4-FFF2-40B4-BE49-F238E27FC236}">
-                <a16:creationId xmlns:a16="http://schemas.microsoft.com/office/drawing/2014/main" id="{F2B04C14-C938-4A9F-B5B3-4A8CA1385E71}"/>
-              </a:ext>
-            </a:extLst>
-          </p:cNvPr>
-          <p:cNvSpPr txBox="1">
-            <a:spLocks noChangeArrowheads="1"/>
-          </p:cNvSpPr>
-          <p:nvPr/>
-        </p:nvSpPr>
-        <p:spPr bwMode="auto">
-          <a:xfrm>
-            <a:off x="994944" y="4473538"/>
-            <a:ext cx="7420621" cy="258789"/>
-          </a:xfrm>
-          <a:prstGeom prst="rect">
-            <a:avLst/>
-          </a:prstGeom>
-          <a:noFill/>
-          <a:ln>
-            <a:noFill/>
-          </a:ln>
-          <a:extLst>
-            <a:ext uri="{909E8E84-426E-40DD-AFC4-6F175D3DCCD1}">
-              <a14:hiddenFill xmlns:a14="http://schemas.microsoft.com/office/drawing/2010/main">
-                <a:solidFill>
-                  <a:srgbClr val="FFFFFF"/>
-                </a:solidFill>
-              </a14:hiddenFill>
-            </a:ext>
-            <a:ext uri="{91240B29-F687-4F45-9708-019B960494DF}">
-              <a14:hiddenLine xmlns:a14="http://schemas.microsoft.com/office/drawing/2010/main" w="9525" algn="ctr">
-                <a:solidFill>
-                  <a:srgbClr val="000000"/>
-                </a:solidFill>
-                <a:miter lim="800000"/>
-                <a:headEnd/>
-                <a:tailEnd/>
-              </a14:hiddenLine>
-            </a:ext>
-          </a:extLst>
-        </p:spPr>
-        <p:txBody>
-          <a:bodyPr wrap="none">
-            <a:spAutoFit/>
-          </a:bodyPr>
-          <a:lstStyle>
-            <a:lvl1pPr eaLnBrk="0" hangingPunct="0">
-              <a:defRPr kumimoji="1" sz="2400" b="1">
-                <a:solidFill>
-                  <a:schemeClr val="tx1"/>
-                </a:solidFill>
-                <a:latin typeface="Arial" pitchFamily="34" charset="0"/>
-                <a:ea typeface="HY견고딕" pitchFamily="18" charset="-127"/>
-              </a:defRPr>
-            </a:lvl1pPr>
-            <a:lvl2pPr marL="742950" indent="-285750" eaLnBrk="0" hangingPunct="0">
-              <a:defRPr kumimoji="1" sz="2400" b="1">
-                <a:solidFill>
-                  <a:schemeClr val="tx1"/>
-                </a:solidFill>
-                <a:latin typeface="Arial" pitchFamily="34" charset="0"/>
-                <a:ea typeface="HY견고딕" pitchFamily="18" charset="-127"/>
-              </a:defRPr>
-            </a:lvl2pPr>
-            <a:lvl3pPr marL="1143000" indent="-228600" eaLnBrk="0" hangingPunct="0">
-              <a:defRPr kumimoji="1" sz="2400" b="1">
-                <a:solidFill>
-                  <a:schemeClr val="tx1"/>
-                </a:solidFill>
-                <a:latin typeface="Arial" pitchFamily="34" charset="0"/>
-                <a:ea typeface="HY견고딕" pitchFamily="18" charset="-127"/>
-              </a:defRPr>
-            </a:lvl3pPr>
-            <a:lvl4pPr marL="1600200" indent="-228600" eaLnBrk="0" hangingPunct="0">
-              <a:defRPr kumimoji="1" sz="2400" b="1">
-                <a:solidFill>
-                  <a:schemeClr val="tx1"/>
-                </a:solidFill>
-                <a:latin typeface="Arial" pitchFamily="34" charset="0"/>
-                <a:ea typeface="HY견고딕" pitchFamily="18" charset="-127"/>
-              </a:defRPr>
-            </a:lvl4pPr>
-            <a:lvl5pPr marL="2057400" indent="-228600" eaLnBrk="0" hangingPunct="0">
-              <a:defRPr kumimoji="1" sz="2400" b="1">
-                <a:solidFill>
-                  <a:schemeClr val="tx1"/>
-                </a:solidFill>
-                <a:latin typeface="Arial" pitchFamily="34" charset="0"/>
-                <a:ea typeface="HY견고딕" pitchFamily="18" charset="-127"/>
-              </a:defRPr>
-            </a:lvl5pPr>
-            <a:lvl6pPr marL="2514600" indent="-228600" algn="ctr" eaLnBrk="0" fontAlgn="base" hangingPunct="0">
-              <a:spcBef>
-                <a:spcPct val="0"/>
-              </a:spcBef>
-              <a:spcAft>
-                <a:spcPct val="0"/>
-              </a:spcAft>
-              <a:defRPr kumimoji="1" sz="2400" b="1">
-                <a:solidFill>
-                  <a:schemeClr val="tx1"/>
-                </a:solidFill>
-                <a:latin typeface="Arial" pitchFamily="34" charset="0"/>
-                <a:ea typeface="HY견고딕" pitchFamily="18" charset="-127"/>
-              </a:defRPr>
-            </a:lvl6pPr>
-            <a:lvl7pPr marL="2971800" indent="-228600" algn="ctr" eaLnBrk="0" fontAlgn="base" hangingPunct="0">
-              <a:spcBef>
-                <a:spcPct val="0"/>
-              </a:spcBef>
-              <a:spcAft>
-                <a:spcPct val="0"/>
-              </a:spcAft>
-              <a:defRPr kumimoji="1" sz="2400" b="1">
-                <a:solidFill>
-                  <a:schemeClr val="tx1"/>
-                </a:solidFill>
-                <a:latin typeface="Arial" pitchFamily="34" charset="0"/>
-                <a:ea typeface="HY견고딕" pitchFamily="18" charset="-127"/>
-              </a:defRPr>
-            </a:lvl7pPr>
-            <a:lvl8pPr marL="3429000" indent="-228600" algn="ctr" eaLnBrk="0" fontAlgn="base" hangingPunct="0">
-              <a:spcBef>
-                <a:spcPct val="0"/>
-              </a:spcBef>
-              <a:spcAft>
-                <a:spcPct val="0"/>
-              </a:spcAft>
-              <a:defRPr kumimoji="1" sz="2400" b="1">
-                <a:solidFill>
-                  <a:schemeClr val="tx1"/>
-                </a:solidFill>
-                <a:latin typeface="Arial" pitchFamily="34" charset="0"/>
-                <a:ea typeface="HY견고딕" pitchFamily="18" charset="-127"/>
-              </a:defRPr>
-            </a:lvl8pPr>
-            <a:lvl9pPr marL="3886200" indent="-228600" algn="ctr" eaLnBrk="0" fontAlgn="base" hangingPunct="0">
-              <a:spcBef>
-                <a:spcPct val="0"/>
-              </a:spcBef>
-              <a:spcAft>
-                <a:spcPct val="0"/>
-              </a:spcAft>
-              <a:defRPr kumimoji="1" sz="2400" b="1">
-                <a:solidFill>
-                  <a:schemeClr val="tx1"/>
-                </a:solidFill>
-                <a:latin typeface="Arial" pitchFamily="34" charset="0"/>
-                <a:ea typeface="HY견고딕" pitchFamily="18" charset="-127"/>
-              </a:defRPr>
-            </a:lvl9pPr>
-          </a:lstStyle>
-          <a:p>
-            <a:pPr algn="ctr" eaLnBrk="1" hangingPunct="1">
-              <a:lnSpc>
-                <a:spcPct val="120000"/>
-              </a:lnSpc>
-              <a:spcBef>
-                <a:spcPct val="20000"/>
-              </a:spcBef>
-            </a:pPr>
-            <a:r>
-              <a:rPr lang="ko-KR" altLang="en-US" sz="1000" b="0" dirty="0">
-                <a:latin typeface="맑은 고딕" pitchFamily="50" charset="-127"/>
-                <a:ea typeface="맑은 고딕" pitchFamily="50" charset="-127"/>
-              </a:rPr>
-              <a:t>사람 객체인식으로 인한 </a:t>
-            </a:r>
-            <a:r>
-              <a:rPr lang="ko-KR" altLang="en-US" sz="1000" b="0" dirty="0" err="1">
-                <a:latin typeface="맑은 고딕" pitchFamily="50" charset="-127"/>
-                <a:ea typeface="맑은 고딕" pitchFamily="50" charset="-127"/>
-              </a:rPr>
-              <a:t>대기줄파악</a:t>
-            </a:r>
-            <a:r>
-              <a:rPr lang="ko-KR" altLang="en-US" sz="1000" b="0" dirty="0">
-                <a:latin typeface="맑은 고딕" pitchFamily="50" charset="-127"/>
-                <a:ea typeface="맑은 고딕" pitchFamily="50" charset="-127"/>
-              </a:rPr>
-              <a:t> 프로그램을 실행하여</a:t>
-            </a:r>
-            <a:r>
-              <a:rPr lang="en-US" altLang="ko-KR" sz="1000" b="0" dirty="0">
-                <a:latin typeface="맑은 고딕" pitchFamily="50" charset="-127"/>
-                <a:ea typeface="맑은 고딕" pitchFamily="50" charset="-127"/>
-              </a:rPr>
-              <a:t>, </a:t>
-            </a:r>
-            <a:r>
-              <a:rPr lang="ko-KR" altLang="en-US" sz="1000" b="0" dirty="0">
-                <a:latin typeface="맑은 고딕" pitchFamily="50" charset="-127"/>
-                <a:ea typeface="맑은 고딕" pitchFamily="50" charset="-127"/>
-              </a:rPr>
-              <a:t>펌웨어에서 측정하는 정류장에서 실제 기다리는 대기인원을 알아냄</a:t>
-            </a:r>
-            <a:endParaRPr lang="en-US" altLang="ko-KR" sz="1000" b="0" dirty="0">
-              <a:latin typeface="맑은 고딕" pitchFamily="50" charset="-127"/>
-              <a:ea typeface="맑은 고딕" pitchFamily="50" charset="-127"/>
-            </a:endParaRPr>
-          </a:p>
-        </p:txBody>
-      </p:sp>
-      <p:sp>
-        <p:nvSpPr>
-          <p:cNvPr id="52" name="Oval 73">
-            <a:extLst>
-              <a:ext uri="{FF2B5EF4-FFF2-40B4-BE49-F238E27FC236}">
-                <a16:creationId xmlns:a16="http://schemas.microsoft.com/office/drawing/2014/main" id="{86DA2717-5249-449B-8D8B-99869D42F00B}"/>
-              </a:ext>
-            </a:extLst>
-          </p:cNvPr>
-          <p:cNvSpPr>
-            <a:spLocks noChangeArrowheads="1"/>
-          </p:cNvSpPr>
-          <p:nvPr/>
-        </p:nvSpPr>
-        <p:spPr bwMode="auto">
-          <a:xfrm>
-            <a:off x="797821" y="4751347"/>
-            <a:ext cx="268288" cy="203200"/>
-          </a:xfrm>
-          <a:prstGeom prst="ellipse">
-            <a:avLst/>
-          </a:prstGeom>
-          <a:solidFill>
-            <a:srgbClr val="77787B"/>
-          </a:solidFill>
-          <a:ln>
-            <a:noFill/>
-          </a:ln>
-        </p:spPr>
-        <p:txBody>
-          <a:bodyPr wrap="none" lIns="54000" tIns="54000" rIns="54000" bIns="54000" anchor="ctr"/>
-          <a:lstStyle/>
-          <a:p>
-            <a:pPr marL="85723" indent="-85723" latinLnBrk="0">
-              <a:spcBef>
-                <a:spcPct val="50000"/>
-              </a:spcBef>
-              <a:defRPr/>
-            </a:pPr>
-            <a:r>
-              <a:rPr lang="en-US" altLang="ko-KR" sz="1000" kern="0">
-                <a:solidFill>
-                  <a:schemeClr val="bg1"/>
-                </a:solidFill>
-                <a:latin typeface="맑은 고딕" pitchFamily="50" charset="-127"/>
-                <a:ea typeface="맑은 고딕" pitchFamily="50" charset="-127"/>
-              </a:rPr>
-              <a:t>2</a:t>
-            </a:r>
-          </a:p>
-        </p:txBody>
-      </p:sp>
-      <p:sp>
-        <p:nvSpPr>
-          <p:cNvPr id="53" name="Text Box 59">
-            <a:extLst>
-              <a:ext uri="{FF2B5EF4-FFF2-40B4-BE49-F238E27FC236}">
-                <a16:creationId xmlns:a16="http://schemas.microsoft.com/office/drawing/2014/main" id="{62150995-AFBA-45CE-8676-4C4AEB34F91F}"/>
-              </a:ext>
-            </a:extLst>
-          </p:cNvPr>
-          <p:cNvSpPr txBox="1">
-            <a:spLocks noChangeArrowheads="1"/>
-          </p:cNvSpPr>
-          <p:nvPr/>
-        </p:nvSpPr>
-        <p:spPr bwMode="auto">
-          <a:xfrm>
-            <a:off x="1008208" y="4726903"/>
-            <a:ext cx="7558479" cy="258789"/>
-          </a:xfrm>
-          <a:prstGeom prst="rect">
-            <a:avLst/>
-          </a:prstGeom>
-          <a:noFill/>
-          <a:ln>
-            <a:noFill/>
-          </a:ln>
-          <a:extLst>
-            <a:ext uri="{909E8E84-426E-40DD-AFC4-6F175D3DCCD1}">
-              <a14:hiddenFill xmlns:a14="http://schemas.microsoft.com/office/drawing/2010/main">
-                <a:solidFill>
-                  <a:srgbClr val="FFFFFF"/>
-                </a:solidFill>
-              </a14:hiddenFill>
-            </a:ext>
-            <a:ext uri="{91240B29-F687-4F45-9708-019B960494DF}">
-              <a14:hiddenLine xmlns:a14="http://schemas.microsoft.com/office/drawing/2010/main" w="9525" algn="ctr">
-                <a:solidFill>
-                  <a:srgbClr val="000000"/>
-                </a:solidFill>
-                <a:miter lim="800000"/>
-                <a:headEnd/>
-                <a:tailEnd/>
-              </a14:hiddenLine>
-            </a:ext>
-          </a:extLst>
-        </p:spPr>
-        <p:txBody>
-          <a:bodyPr wrap="none">
-            <a:spAutoFit/>
-          </a:bodyPr>
-          <a:lstStyle>
-            <a:lvl1pPr eaLnBrk="0" hangingPunct="0">
-              <a:defRPr kumimoji="1" sz="2400" b="1">
-                <a:solidFill>
-                  <a:schemeClr val="tx1"/>
-                </a:solidFill>
-                <a:latin typeface="Arial" pitchFamily="34" charset="0"/>
-                <a:ea typeface="HY견고딕" pitchFamily="18" charset="-127"/>
-              </a:defRPr>
-            </a:lvl1pPr>
-            <a:lvl2pPr marL="742950" indent="-285750" eaLnBrk="0" hangingPunct="0">
-              <a:defRPr kumimoji="1" sz="2400" b="1">
-                <a:solidFill>
-                  <a:schemeClr val="tx1"/>
-                </a:solidFill>
-                <a:latin typeface="Arial" pitchFamily="34" charset="0"/>
-                <a:ea typeface="HY견고딕" pitchFamily="18" charset="-127"/>
-              </a:defRPr>
-            </a:lvl2pPr>
-            <a:lvl3pPr marL="1143000" indent="-228600" eaLnBrk="0" hangingPunct="0">
-              <a:defRPr kumimoji="1" sz="2400" b="1">
-                <a:solidFill>
-                  <a:schemeClr val="tx1"/>
-                </a:solidFill>
-                <a:latin typeface="Arial" pitchFamily="34" charset="0"/>
-                <a:ea typeface="HY견고딕" pitchFamily="18" charset="-127"/>
-              </a:defRPr>
-            </a:lvl3pPr>
-            <a:lvl4pPr marL="1600200" indent="-228600" eaLnBrk="0" hangingPunct="0">
-              <a:defRPr kumimoji="1" sz="2400" b="1">
-                <a:solidFill>
-                  <a:schemeClr val="tx1"/>
-                </a:solidFill>
-                <a:latin typeface="Arial" pitchFamily="34" charset="0"/>
-                <a:ea typeface="HY견고딕" pitchFamily="18" charset="-127"/>
-              </a:defRPr>
-            </a:lvl4pPr>
-            <a:lvl5pPr marL="2057400" indent="-228600" eaLnBrk="0" hangingPunct="0">
-              <a:defRPr kumimoji="1" sz="2400" b="1">
-                <a:solidFill>
-                  <a:schemeClr val="tx1"/>
-                </a:solidFill>
-                <a:latin typeface="Arial" pitchFamily="34" charset="0"/>
-                <a:ea typeface="HY견고딕" pitchFamily="18" charset="-127"/>
-              </a:defRPr>
-            </a:lvl5pPr>
-            <a:lvl6pPr marL="2514600" indent="-228600" algn="ctr" eaLnBrk="0" fontAlgn="base" hangingPunct="0">
-              <a:spcBef>
-                <a:spcPct val="0"/>
-              </a:spcBef>
-              <a:spcAft>
-                <a:spcPct val="0"/>
-              </a:spcAft>
-              <a:defRPr kumimoji="1" sz="2400" b="1">
-                <a:solidFill>
-                  <a:schemeClr val="tx1"/>
-                </a:solidFill>
-                <a:latin typeface="Arial" pitchFamily="34" charset="0"/>
-                <a:ea typeface="HY견고딕" pitchFamily="18" charset="-127"/>
-              </a:defRPr>
-            </a:lvl6pPr>
-            <a:lvl7pPr marL="2971800" indent="-228600" algn="ctr" eaLnBrk="0" fontAlgn="base" hangingPunct="0">
-              <a:spcBef>
-                <a:spcPct val="0"/>
-              </a:spcBef>
-              <a:spcAft>
-                <a:spcPct val="0"/>
-              </a:spcAft>
-              <a:defRPr kumimoji="1" sz="2400" b="1">
-                <a:solidFill>
-                  <a:schemeClr val="tx1"/>
-                </a:solidFill>
-                <a:latin typeface="Arial" pitchFamily="34" charset="0"/>
-                <a:ea typeface="HY견고딕" pitchFamily="18" charset="-127"/>
-              </a:defRPr>
-            </a:lvl7pPr>
-            <a:lvl8pPr marL="3429000" indent="-228600" algn="ctr" eaLnBrk="0" fontAlgn="base" hangingPunct="0">
-              <a:spcBef>
-                <a:spcPct val="0"/>
-              </a:spcBef>
-              <a:spcAft>
-                <a:spcPct val="0"/>
-              </a:spcAft>
-              <a:defRPr kumimoji="1" sz="2400" b="1">
-                <a:solidFill>
-                  <a:schemeClr val="tx1"/>
-                </a:solidFill>
-                <a:latin typeface="Arial" pitchFamily="34" charset="0"/>
-                <a:ea typeface="HY견고딕" pitchFamily="18" charset="-127"/>
-              </a:defRPr>
-            </a:lvl8pPr>
-            <a:lvl9pPr marL="3886200" indent="-228600" algn="ctr" eaLnBrk="0" fontAlgn="base" hangingPunct="0">
-              <a:spcBef>
-                <a:spcPct val="0"/>
-              </a:spcBef>
-              <a:spcAft>
-                <a:spcPct val="0"/>
-              </a:spcAft>
-              <a:defRPr kumimoji="1" sz="2400" b="1">
-                <a:solidFill>
-                  <a:schemeClr val="tx1"/>
-                </a:solidFill>
-                <a:latin typeface="Arial" pitchFamily="34" charset="0"/>
-                <a:ea typeface="HY견고딕" pitchFamily="18" charset="-127"/>
-              </a:defRPr>
-            </a:lvl9pPr>
-          </a:lstStyle>
-          <a:p>
-            <a:pPr algn="l" eaLnBrk="1" hangingPunct="1">
-              <a:lnSpc>
-                <a:spcPct val="120000"/>
-              </a:lnSpc>
-              <a:spcBef>
-                <a:spcPct val="20000"/>
-              </a:spcBef>
-            </a:pPr>
-            <a:r>
-              <a:rPr lang="ko-KR" altLang="en-US" sz="1000" b="0" dirty="0">
-                <a:latin typeface="맑은 고딕" pitchFamily="50" charset="-127"/>
-                <a:ea typeface="맑은 고딕" pitchFamily="50" charset="-127"/>
-              </a:rPr>
-              <a:t>프로그램을 통해 알아낸</a:t>
-            </a:r>
-            <a:r>
-              <a:rPr lang="en-US" altLang="ko-KR" sz="1000" b="0" dirty="0">
-                <a:latin typeface="맑은 고딕" pitchFamily="50" charset="-127"/>
-                <a:ea typeface="맑은 고딕" pitchFamily="50" charset="-127"/>
-              </a:rPr>
-              <a:t>, </a:t>
-            </a:r>
-            <a:r>
-              <a:rPr lang="ko-KR" altLang="en-US" sz="1000" b="0" dirty="0">
-                <a:latin typeface="맑은 고딕" pitchFamily="50" charset="-127"/>
-                <a:ea typeface="맑은 고딕" pitchFamily="50" charset="-127"/>
-              </a:rPr>
-              <a:t>대기인원과 </a:t>
-            </a:r>
-            <a:r>
-              <a:rPr lang="en-US" altLang="ko-KR" sz="1000" b="0" dirty="0">
-                <a:latin typeface="맑은 고딕" pitchFamily="50" charset="-127"/>
-                <a:ea typeface="맑은 고딕" pitchFamily="50" charset="-127"/>
-              </a:rPr>
-              <a:t>, </a:t>
-            </a:r>
-            <a:r>
-              <a:rPr lang="ko-KR" altLang="en-US" sz="1000" b="0" dirty="0">
-                <a:latin typeface="맑은 고딕" pitchFamily="50" charset="-127"/>
-                <a:ea typeface="맑은 고딕" pitchFamily="50" charset="-127"/>
-              </a:rPr>
-              <a:t>해당 정거장의 아이디를 </a:t>
-            </a:r>
-            <a:r>
-              <a:rPr lang="ko-KR" altLang="en-US" sz="1000" b="0" dirty="0" err="1">
-                <a:latin typeface="맑은 고딕" pitchFamily="50" charset="-127"/>
-                <a:ea typeface="맑은 고딕" pitchFamily="50" charset="-127"/>
-              </a:rPr>
-              <a:t>데이터화하여</a:t>
-            </a:r>
-            <a:r>
-              <a:rPr lang="en-US" altLang="ko-KR" sz="1000" b="0" dirty="0">
-                <a:latin typeface="맑은 고딕" pitchFamily="50" charset="-127"/>
-                <a:ea typeface="맑은 고딕" pitchFamily="50" charset="-127"/>
-              </a:rPr>
-              <a:t>, </a:t>
-            </a:r>
-            <a:r>
-              <a:rPr lang="ko-KR" altLang="en-US" sz="1000" b="0" dirty="0">
-                <a:latin typeface="맑은 고딕" pitchFamily="50" charset="-127"/>
-                <a:ea typeface="맑은 고딕" pitchFamily="50" charset="-127"/>
-              </a:rPr>
-              <a:t>현재 시간과 함께 저장</a:t>
-            </a:r>
-            <a:r>
-              <a:rPr lang="en-US" altLang="ko-KR" sz="1000" b="0" dirty="0">
-                <a:latin typeface="맑은 고딕" pitchFamily="50" charset="-127"/>
-                <a:ea typeface="맑은 고딕" pitchFamily="50" charset="-127"/>
-              </a:rPr>
-              <a:t>, </a:t>
-            </a:r>
-            <a:r>
-              <a:rPr lang="ko-KR" altLang="en-US" sz="1000" b="0" dirty="0">
-                <a:latin typeface="맑은 고딕" pitchFamily="50" charset="-127"/>
-                <a:ea typeface="맑은 고딕" pitchFamily="50" charset="-127"/>
-              </a:rPr>
-              <a:t>이를 클라우드 서버에 전송</a:t>
-            </a:r>
-            <a:endParaRPr lang="en-US" altLang="ko-KR" sz="1000" b="0" dirty="0">
-              <a:latin typeface="맑은 고딕" pitchFamily="50" charset="-127"/>
-              <a:ea typeface="맑은 고딕" pitchFamily="50" charset="-127"/>
-            </a:endParaRPr>
-          </a:p>
-        </p:txBody>
-      </p:sp>
-      <p:sp>
-        <p:nvSpPr>
-          <p:cNvPr id="54" name="Oval 44">
-            <a:extLst>
-              <a:ext uri="{FF2B5EF4-FFF2-40B4-BE49-F238E27FC236}">
-                <a16:creationId xmlns:a16="http://schemas.microsoft.com/office/drawing/2014/main" id="{380C27B0-A652-4BCE-9CE5-5E62890C41F7}"/>
-              </a:ext>
-            </a:extLst>
-          </p:cNvPr>
-          <p:cNvSpPr>
-            <a:spLocks noChangeArrowheads="1"/>
-          </p:cNvSpPr>
-          <p:nvPr/>
-        </p:nvSpPr>
-        <p:spPr bwMode="auto">
-          <a:xfrm>
-            <a:off x="2645674" y="3342467"/>
-            <a:ext cx="268287" cy="203200"/>
-          </a:xfrm>
-          <a:prstGeom prst="ellipse">
-            <a:avLst/>
-          </a:prstGeom>
-          <a:solidFill>
-            <a:srgbClr val="3B5AA8"/>
-          </a:solidFill>
-          <a:ln>
-            <a:noFill/>
-          </a:ln>
-        </p:spPr>
-        <p:txBody>
-          <a:bodyPr wrap="none" lIns="54000" tIns="54000" rIns="54000" bIns="54000" anchor="ctr"/>
-          <a:lstStyle/>
-          <a:p>
-            <a:pPr marL="85723" indent="-85723" algn="ctr" latinLnBrk="0">
-              <a:spcBef>
-                <a:spcPct val="50000"/>
-              </a:spcBef>
-              <a:defRPr/>
-            </a:pPr>
-            <a:r>
-              <a:rPr lang="en-US" altLang="ko-KR" sz="1000" kern="0" dirty="0">
-                <a:solidFill>
-                  <a:schemeClr val="bg1"/>
-                </a:solidFill>
-                <a:latin typeface="맑은 고딕" pitchFamily="50" charset="-127"/>
-                <a:ea typeface="맑은 고딕" pitchFamily="50" charset="-127"/>
-              </a:rPr>
-              <a:t>1</a:t>
-            </a:r>
-          </a:p>
-        </p:txBody>
-      </p:sp>
-      <p:cxnSp>
-        <p:nvCxnSpPr>
-          <p:cNvPr id="55" name="연결선: 꺾임 54">
-            <a:extLst>
-              <a:ext uri="{FF2B5EF4-FFF2-40B4-BE49-F238E27FC236}">
-                <a16:creationId xmlns:a16="http://schemas.microsoft.com/office/drawing/2014/main" id="{8825156F-D595-441A-876A-0B5CFD81AE0C}"/>
-              </a:ext>
-            </a:extLst>
-          </p:cNvPr>
-          <p:cNvCxnSpPr>
-            <a:cxnSpLocks/>
-          </p:cNvCxnSpPr>
-          <p:nvPr/>
-        </p:nvCxnSpPr>
-        <p:spPr>
-          <a:xfrm>
-            <a:off x="2063997" y="3996069"/>
-            <a:ext cx="2896251" cy="387603"/>
-          </a:xfrm>
-          <a:prstGeom prst="bentConnector3">
-            <a:avLst>
-              <a:gd name="adj1" fmla="val 187"/>
-            </a:avLst>
-          </a:prstGeom>
-          <a:ln/>
-        </p:spPr>
-        <p:style>
-          <a:lnRef idx="2">
-            <a:schemeClr val="dk1"/>
-          </a:lnRef>
-          <a:fillRef idx="0">
-            <a:schemeClr val="dk1"/>
-          </a:fillRef>
-          <a:effectRef idx="1">
-            <a:schemeClr val="dk1"/>
-          </a:effectRef>
-          <a:fontRef idx="minor">
-            <a:schemeClr val="tx1"/>
-          </a:fontRef>
-        </p:style>
-      </p:cxnSp>
-      <p:cxnSp>
-        <p:nvCxnSpPr>
-          <p:cNvPr id="56" name="연결선: 꺾임 55">
-            <a:extLst>
-              <a:ext uri="{FF2B5EF4-FFF2-40B4-BE49-F238E27FC236}">
-                <a16:creationId xmlns:a16="http://schemas.microsoft.com/office/drawing/2014/main" id="{9D411D5B-A5DE-4ECB-821D-51D1E17923D2}"/>
-              </a:ext>
-            </a:extLst>
-          </p:cNvPr>
-          <p:cNvCxnSpPr/>
-          <p:nvPr/>
-        </p:nvCxnSpPr>
-        <p:spPr>
-          <a:xfrm rot="16200000" flipV="1">
-            <a:off x="3716440" y="3134585"/>
-            <a:ext cx="2343151" cy="134937"/>
-          </a:xfrm>
-          <a:prstGeom prst="bentConnector3">
-            <a:avLst>
-              <a:gd name="adj1" fmla="val 100081"/>
-            </a:avLst>
-          </a:prstGeom>
-          <a:ln>
-            <a:tailEnd type="triangle"/>
-          </a:ln>
-        </p:spPr>
-        <p:style>
-          <a:lnRef idx="2">
-            <a:schemeClr val="dk1"/>
-          </a:lnRef>
-          <a:fillRef idx="0">
-            <a:schemeClr val="dk1"/>
-          </a:fillRef>
-          <a:effectRef idx="1">
-            <a:schemeClr val="dk1"/>
-          </a:effectRef>
-          <a:fontRef idx="minor">
-            <a:schemeClr val="tx1"/>
-          </a:fontRef>
-        </p:style>
-      </p:cxnSp>
-      <p:cxnSp>
-        <p:nvCxnSpPr>
-          <p:cNvPr id="57" name="직선 연결선 56">
-            <a:extLst>
-              <a:ext uri="{FF2B5EF4-FFF2-40B4-BE49-F238E27FC236}">
-                <a16:creationId xmlns:a16="http://schemas.microsoft.com/office/drawing/2014/main" id="{747C7E31-A052-4578-A4BB-5422472AEB3B}"/>
-              </a:ext>
-            </a:extLst>
-          </p:cNvPr>
-          <p:cNvCxnSpPr/>
-          <p:nvPr/>
-        </p:nvCxnSpPr>
-        <p:spPr>
-          <a:xfrm>
-            <a:off x="4954913" y="2026943"/>
-            <a:ext cx="215900" cy="0"/>
-          </a:xfrm>
-          <a:prstGeom prst="line">
-            <a:avLst/>
-          </a:prstGeom>
-          <a:noFill/>
-          <a:ln w="12700" cap="flat" cmpd="sng" algn="ctr">
-            <a:solidFill>
-              <a:srgbClr val="00264C"/>
-            </a:solidFill>
-            <a:prstDash val="solid"/>
-          </a:ln>
-          <a:effectLst/>
-        </p:spPr>
-      </p:cxnSp>
-      <p:sp>
-        <p:nvSpPr>
-          <p:cNvPr id="58" name="사각형: 둥근 모서리 57">
-            <a:extLst>
-              <a:ext uri="{FF2B5EF4-FFF2-40B4-BE49-F238E27FC236}">
-                <a16:creationId xmlns:a16="http://schemas.microsoft.com/office/drawing/2014/main" id="{6A0ED780-F5BE-4A36-9074-9D4BFD8D6612}"/>
-              </a:ext>
-            </a:extLst>
-          </p:cNvPr>
-          <p:cNvSpPr/>
-          <p:nvPr/>
-        </p:nvSpPr>
-        <p:spPr>
-          <a:xfrm>
-            <a:off x="5165638" y="1830247"/>
-            <a:ext cx="1464659" cy="381101"/>
-          </a:xfrm>
-          <a:prstGeom prst="roundRect">
-            <a:avLst/>
-          </a:prstGeom>
-        </p:spPr>
-        <p:style>
-          <a:lnRef idx="2">
-            <a:schemeClr val="accent1"/>
-          </a:lnRef>
-          <a:fillRef idx="1">
-            <a:schemeClr val="lt1"/>
-          </a:fillRef>
-          <a:effectRef idx="0">
-            <a:schemeClr val="accent1"/>
-          </a:effectRef>
-          <a:fontRef idx="minor">
-            <a:schemeClr val="dk1"/>
-          </a:fontRef>
-        </p:style>
-        <p:txBody>
-          <a:bodyPr rtlCol="0" anchor="ctr"/>
-          <a:lstStyle/>
-          <a:p>
-            <a:pPr algn="ctr"/>
-            <a:r>
-              <a:rPr lang="ko-KR" altLang="en-US" sz="800" b="1" dirty="0"/>
-              <a:t>해당 정거장의</a:t>
-            </a:r>
-            <a:endParaRPr lang="en-US" altLang="ko-KR" sz="800" b="1" dirty="0"/>
-          </a:p>
-          <a:p>
-            <a:pPr algn="ctr"/>
-            <a:r>
-              <a:rPr lang="ko-KR" altLang="en-US" sz="800" b="1" dirty="0"/>
-              <a:t> 아이디를 데이터화</a:t>
-            </a:r>
-          </a:p>
-        </p:txBody>
-      </p:sp>
-      <p:sp>
-        <p:nvSpPr>
-          <p:cNvPr id="59" name="사각형: 둥근 모서리 58">
-            <a:extLst>
-              <a:ext uri="{FF2B5EF4-FFF2-40B4-BE49-F238E27FC236}">
-                <a16:creationId xmlns:a16="http://schemas.microsoft.com/office/drawing/2014/main" id="{1107E826-7B6A-4F77-9DCB-C8E93A31D0A4}"/>
-              </a:ext>
-            </a:extLst>
-          </p:cNvPr>
-          <p:cNvSpPr/>
-          <p:nvPr/>
-        </p:nvSpPr>
-        <p:spPr>
-          <a:xfrm>
-            <a:off x="5165638" y="2352191"/>
-            <a:ext cx="1464659" cy="381101"/>
-          </a:xfrm>
-          <a:prstGeom prst="roundRect">
-            <a:avLst/>
-          </a:prstGeom>
-        </p:spPr>
-        <p:style>
-          <a:lnRef idx="2">
-            <a:schemeClr val="accent1"/>
-          </a:lnRef>
-          <a:fillRef idx="1">
-            <a:schemeClr val="lt1"/>
-          </a:fillRef>
-          <a:effectRef idx="0">
-            <a:schemeClr val="accent1"/>
-          </a:effectRef>
-          <a:fontRef idx="minor">
-            <a:schemeClr val="dk1"/>
-          </a:fontRef>
-        </p:style>
-        <p:txBody>
-          <a:bodyPr rtlCol="0" anchor="ctr"/>
-          <a:lstStyle/>
-          <a:p>
-            <a:pPr algn="ctr"/>
-            <a:r>
-              <a:rPr lang="ko-KR" altLang="en-US" sz="800" b="1" dirty="0"/>
-              <a:t>형성 대기줄을 일정한</a:t>
-            </a:r>
-            <a:endParaRPr lang="en-US" altLang="ko-KR" sz="800" b="1" dirty="0"/>
-          </a:p>
-          <a:p>
-            <a:pPr algn="ctr"/>
-            <a:r>
-              <a:rPr lang="ko-KR" altLang="en-US" sz="800" b="1" dirty="0"/>
-              <a:t> 간격마다 데이터화</a:t>
-            </a:r>
-          </a:p>
-        </p:txBody>
-      </p:sp>
-      <p:sp>
-        <p:nvSpPr>
-          <p:cNvPr id="60" name="사각형: 둥근 모서리 59">
-            <a:extLst>
-              <a:ext uri="{FF2B5EF4-FFF2-40B4-BE49-F238E27FC236}">
-                <a16:creationId xmlns:a16="http://schemas.microsoft.com/office/drawing/2014/main" id="{DB2B01A9-387E-402A-8617-7FA3633F3C88}"/>
-              </a:ext>
-            </a:extLst>
-          </p:cNvPr>
-          <p:cNvSpPr/>
-          <p:nvPr/>
-        </p:nvSpPr>
-        <p:spPr>
-          <a:xfrm>
-            <a:off x="5165638" y="2898357"/>
-            <a:ext cx="1464659" cy="381101"/>
-          </a:xfrm>
-          <a:prstGeom prst="roundRect">
-            <a:avLst/>
-          </a:prstGeom>
-        </p:spPr>
-        <p:style>
-          <a:lnRef idx="2">
-            <a:schemeClr val="accent1"/>
-          </a:lnRef>
-          <a:fillRef idx="1">
-            <a:schemeClr val="lt1"/>
-          </a:fillRef>
-          <a:effectRef idx="0">
-            <a:schemeClr val="accent1"/>
-          </a:effectRef>
-          <a:fontRef idx="minor">
-            <a:schemeClr val="dk1"/>
-          </a:fontRef>
-        </p:style>
-        <p:txBody>
-          <a:bodyPr rtlCol="0" anchor="ctr"/>
-          <a:lstStyle/>
-          <a:p>
-            <a:pPr algn="ctr"/>
-            <a:r>
-              <a:rPr lang="ko-KR" altLang="en-US" sz="800" b="1" dirty="0"/>
-              <a:t>인식한 사람 객체사이의</a:t>
-            </a:r>
-            <a:endParaRPr lang="en-US" altLang="ko-KR" sz="800" b="1" dirty="0"/>
-          </a:p>
-          <a:p>
-            <a:pPr algn="ctr"/>
-            <a:r>
-              <a:rPr lang="ko-KR" altLang="en-US" sz="800" b="1" dirty="0"/>
-              <a:t> 간격을 이용하여</a:t>
-            </a:r>
-            <a:r>
-              <a:rPr lang="en-US" altLang="ko-KR" sz="800" b="1" dirty="0"/>
-              <a:t>,</a:t>
-            </a:r>
-          </a:p>
-          <a:p>
-            <a:pPr algn="ctr"/>
-            <a:r>
-              <a:rPr lang="en-US" altLang="ko-KR" sz="800" b="1" dirty="0"/>
-              <a:t> </a:t>
-            </a:r>
-            <a:r>
-              <a:rPr lang="ko-KR" altLang="en-US" sz="800" b="1" dirty="0"/>
-              <a:t>대기 줄의 형성 파악</a:t>
-            </a:r>
-          </a:p>
-        </p:txBody>
-      </p:sp>
-      <p:sp>
-        <p:nvSpPr>
-          <p:cNvPr id="61" name="사각형: 둥근 모서리 60">
-            <a:extLst>
-              <a:ext uri="{FF2B5EF4-FFF2-40B4-BE49-F238E27FC236}">
-                <a16:creationId xmlns:a16="http://schemas.microsoft.com/office/drawing/2014/main" id="{FDF2AAD5-B269-476D-8256-1460A049DBC6}"/>
-              </a:ext>
-            </a:extLst>
-          </p:cNvPr>
-          <p:cNvSpPr/>
-          <p:nvPr/>
-        </p:nvSpPr>
-        <p:spPr>
-          <a:xfrm>
-            <a:off x="5165638" y="3420301"/>
-            <a:ext cx="1464659" cy="381101"/>
-          </a:xfrm>
-          <a:prstGeom prst="roundRect">
-            <a:avLst/>
-          </a:prstGeom>
-        </p:spPr>
-        <p:style>
-          <a:lnRef idx="2">
-            <a:schemeClr val="accent1"/>
-          </a:lnRef>
-          <a:fillRef idx="1">
-            <a:schemeClr val="lt1"/>
-          </a:fillRef>
-          <a:effectRef idx="0">
-            <a:schemeClr val="accent1"/>
-          </a:effectRef>
-          <a:fontRef idx="minor">
-            <a:schemeClr val="dk1"/>
-          </a:fontRef>
-        </p:style>
-        <p:txBody>
-          <a:bodyPr rtlCol="0" anchor="ctr"/>
-          <a:lstStyle/>
-          <a:p>
-            <a:pPr algn="ctr"/>
-            <a:r>
-              <a:rPr lang="en-US" altLang="ko-KR" sz="800" b="1" dirty="0"/>
-              <a:t>HOG </a:t>
-            </a:r>
-            <a:r>
-              <a:rPr lang="ko-KR" altLang="en-US" sz="800" b="1" dirty="0"/>
-              <a:t>알고리즘을 이용한 사람 객체 인식</a:t>
-            </a:r>
-          </a:p>
-        </p:txBody>
-      </p:sp>
-      <p:sp>
-        <p:nvSpPr>
-          <p:cNvPr id="62" name="사각형: 둥근 모서리 61">
-            <a:extLst>
-              <a:ext uri="{FF2B5EF4-FFF2-40B4-BE49-F238E27FC236}">
-                <a16:creationId xmlns:a16="http://schemas.microsoft.com/office/drawing/2014/main" id="{BD591010-1DB2-4DFE-90D5-D181207DB621}"/>
-              </a:ext>
-            </a:extLst>
-          </p:cNvPr>
-          <p:cNvSpPr/>
-          <p:nvPr/>
-        </p:nvSpPr>
-        <p:spPr>
-          <a:xfrm>
-            <a:off x="5165638" y="3953787"/>
-            <a:ext cx="1464659" cy="381101"/>
-          </a:xfrm>
-          <a:prstGeom prst="roundRect">
-            <a:avLst/>
-          </a:prstGeom>
-        </p:spPr>
-        <p:style>
-          <a:lnRef idx="2">
-            <a:schemeClr val="accent1"/>
-          </a:lnRef>
-          <a:fillRef idx="1">
-            <a:schemeClr val="lt1"/>
-          </a:fillRef>
-          <a:effectRef idx="0">
-            <a:schemeClr val="accent1"/>
-          </a:effectRef>
-          <a:fontRef idx="minor">
-            <a:schemeClr val="dk1"/>
-          </a:fontRef>
-        </p:style>
-        <p:txBody>
-          <a:bodyPr rtlCol="0" anchor="ctr"/>
-          <a:lstStyle/>
-          <a:p>
-            <a:pPr algn="ctr"/>
-            <a:r>
-              <a:rPr lang="en-US" altLang="ko-KR" sz="800" b="1" dirty="0" err="1"/>
-              <a:t>Haar</a:t>
-            </a:r>
-            <a:r>
-              <a:rPr lang="en-US" altLang="ko-KR" sz="800" b="1" dirty="0"/>
-              <a:t> </a:t>
-            </a:r>
-            <a:r>
-              <a:rPr lang="ko-KR" altLang="en-US" sz="800" b="1" dirty="0" err="1"/>
-              <a:t>알고림즘을</a:t>
-            </a:r>
-            <a:r>
-              <a:rPr lang="ko-KR" altLang="en-US" sz="800" b="1" dirty="0"/>
-              <a:t> 이용한 사람 객체인식</a:t>
-            </a:r>
-          </a:p>
-        </p:txBody>
-      </p:sp>
-      <p:sp>
-        <p:nvSpPr>
-          <p:cNvPr id="63" name="Rectangle 41">
-            <a:extLst>
-              <a:ext uri="{FF2B5EF4-FFF2-40B4-BE49-F238E27FC236}">
-                <a16:creationId xmlns:a16="http://schemas.microsoft.com/office/drawing/2014/main" id="{4A3D969A-E13F-4AC9-9B54-521EFB6ABE4B}"/>
-              </a:ext>
-            </a:extLst>
-          </p:cNvPr>
-          <p:cNvSpPr>
-            <a:spLocks noChangeArrowheads="1"/>
-          </p:cNvSpPr>
-          <p:nvPr/>
-        </p:nvSpPr>
-        <p:spPr bwMode="auto">
-          <a:xfrm>
-            <a:off x="6862072" y="2369909"/>
-            <a:ext cx="1395107" cy="381101"/>
-          </a:xfrm>
-          <a:prstGeom prst="rect">
-            <a:avLst/>
-          </a:prstGeom>
-          <a:ln>
-            <a:headEnd/>
-            <a:tailEnd/>
-          </a:ln>
-        </p:spPr>
-        <p:style>
-          <a:lnRef idx="2">
-            <a:schemeClr val="accent3"/>
-          </a:lnRef>
-          <a:fillRef idx="1">
-            <a:schemeClr val="lt1"/>
-          </a:fillRef>
-          <a:effectRef idx="0">
-            <a:schemeClr val="accent3"/>
-          </a:effectRef>
-          <a:fontRef idx="minor">
-            <a:schemeClr val="dk1"/>
-          </a:fontRef>
-        </p:style>
-        <p:txBody>
-          <a:bodyPr lIns="36000" tIns="36000" rIns="36000" bIns="36000" anchor="ctr"/>
-          <a:lstStyle/>
-          <a:p>
-            <a:pPr algn="ctr" latinLnBrk="0">
-              <a:defRPr/>
-            </a:pPr>
-            <a:r>
-              <a:rPr lang="ko-KR" altLang="en-US" sz="800" b="1" kern="0" dirty="0">
-                <a:latin typeface="맑은 고딕" pitchFamily="50" charset="-127"/>
-                <a:ea typeface="맑은 고딕" pitchFamily="50" charset="-127"/>
-              </a:rPr>
-              <a:t>실시간 영상처리를 이용하여</a:t>
-            </a:r>
-            <a:r>
-              <a:rPr lang="en-US" altLang="ko-KR" sz="800" b="1" kern="0" dirty="0">
-                <a:latin typeface="맑은 고딕" pitchFamily="50" charset="-127"/>
-                <a:ea typeface="맑은 고딕" pitchFamily="50" charset="-127"/>
-              </a:rPr>
-              <a:t>, </a:t>
-            </a:r>
-            <a:r>
-              <a:rPr lang="ko-KR" altLang="en-US" sz="800" b="1" kern="0" dirty="0">
-                <a:latin typeface="맑은 고딕" pitchFamily="50" charset="-127"/>
-                <a:ea typeface="맑은 고딕" pitchFamily="50" charset="-127"/>
-              </a:rPr>
-              <a:t>객체인식을 하기때문에</a:t>
-            </a:r>
-            <a:r>
-              <a:rPr lang="en-US" altLang="ko-KR" sz="800" b="1" kern="0" dirty="0">
-                <a:latin typeface="맑은 고딕" pitchFamily="50" charset="-127"/>
-                <a:ea typeface="맑은 고딕" pitchFamily="50" charset="-127"/>
-              </a:rPr>
-              <a:t>, </a:t>
-            </a:r>
-            <a:r>
-              <a:rPr lang="ko-KR" altLang="en-US" sz="800" b="1" kern="0" dirty="0">
-                <a:latin typeface="맑은 고딕" pitchFamily="50" charset="-127"/>
-                <a:ea typeface="맑은 고딕" pitchFamily="50" charset="-127"/>
-              </a:rPr>
-              <a:t>일정한 프레임에 따라 계산</a:t>
-            </a:r>
-            <a:r>
-              <a:rPr lang="en-US" altLang="ko-KR" sz="800" b="1" kern="0" dirty="0">
-                <a:latin typeface="맑은 고딕" pitchFamily="50" charset="-127"/>
-                <a:ea typeface="맑은 고딕" pitchFamily="50" charset="-127"/>
-              </a:rPr>
-              <a:t>.</a:t>
-            </a:r>
-            <a:endParaRPr lang="ko-KR" altLang="en-US" sz="800" b="1" kern="0" dirty="0">
-              <a:latin typeface="맑은 고딕" pitchFamily="50" charset="-127"/>
-              <a:ea typeface="맑은 고딕" pitchFamily="50" charset="-127"/>
-            </a:endParaRPr>
+              <a:t>&lt;Server-Database&gt;</a:t>
+            </a:r>
           </a:p>
         </p:txBody>
       </p:sp>
@@ -19373,33 +16486,7 @@
                 <a:latin typeface="맑은 고딕" pitchFamily="50" charset="-127"/>
                 <a:ea typeface="맑은 고딕" pitchFamily="50" charset="-127"/>
               </a:rPr>
-              <a:t>&lt;</a:t>
-            </a:r>
-            <a:r>
-              <a:rPr lang="ko-KR" altLang="en-US" sz="1000" dirty="0">
-                <a:solidFill>
-                  <a:schemeClr val="tx1">
-                    <a:lumMod val="75000"/>
-                    <a:lumOff val="25000"/>
-                  </a:schemeClr>
-                </a:solidFill>
-                <a:latin typeface="맑은 고딕" pitchFamily="50" charset="-127"/>
-                <a:ea typeface="맑은 고딕" pitchFamily="50" charset="-127"/>
-              </a:rPr>
-              <a:t>어플리케이션</a:t>
-            </a:r>
-            <a:r>
-              <a:rPr lang="en-US" altLang="ko-KR" sz="1000" dirty="0">
-                <a:solidFill>
-                  <a:schemeClr val="tx1">
-                    <a:lumMod val="75000"/>
-                    <a:lumOff val="25000"/>
-                  </a:schemeClr>
-                </a:solidFill>
-                <a:latin typeface="맑은 고딕" pitchFamily="50" charset="-127"/>
-                <a:ea typeface="맑은 고딕" pitchFamily="50" charset="-127"/>
-              </a:rPr>
-              <a:t>&gt;</a:t>
+              <a:t>&lt;Application&gt;</a:t>
             </a:r>
           </a:p>
         </p:txBody>
@@ -29660,12 +26747,775 @@
         </p:blipFill>
         <p:spPr>
           <a:xfrm>
-            <a:off x="424356" y="1917491"/>
+            <a:off x="83308" y="2072681"/>
             <a:ext cx="3657947" cy="4607859"/>
           </a:xfrm>
           <a:prstGeom prst="rect">
             <a:avLst/>
           </a:prstGeom>
+        </p:spPr>
+      </p:pic>
+      <p:sp>
+        <p:nvSpPr>
+          <p:cNvPr id="10" name="TextBox 9">
+            <a:extLst>
+              <a:ext uri="{FF2B5EF4-FFF2-40B4-BE49-F238E27FC236}">
+                <a16:creationId xmlns:a16="http://schemas.microsoft.com/office/drawing/2014/main" id="{82DD8D53-5E3A-48FD-A2AE-1771796EA5A7}"/>
+              </a:ext>
+            </a:extLst>
+          </p:cNvPr>
+          <p:cNvSpPr txBox="1"/>
+          <p:nvPr/>
+        </p:nvSpPr>
+        <p:spPr>
+          <a:xfrm>
+            <a:off x="323528" y="1353064"/>
+            <a:ext cx="7887599" cy="523220"/>
+          </a:xfrm>
+          <a:prstGeom prst="rect">
+            <a:avLst/>
+          </a:prstGeom>
+          <a:noFill/>
+        </p:spPr>
+        <p:txBody>
+          <a:bodyPr wrap="square" rtlCol="0">
+            <a:spAutoFit/>
+          </a:bodyPr>
+          <a:lstStyle/>
+          <a:p>
+            <a:pPr marL="0" marR="0" lvl="0" indent="0" algn="l" defTabSz="914400" rtl="0" eaLnBrk="1" fontAlgn="auto" latinLnBrk="1" hangingPunct="1">
+              <a:lnSpc>
+                <a:spcPct val="100000"/>
+              </a:lnSpc>
+              <a:spcBef>
+                <a:spcPts val="0"/>
+              </a:spcBef>
+              <a:spcAft>
+                <a:spcPts val="0"/>
+              </a:spcAft>
+              <a:buClrTx/>
+              <a:buSzTx/>
+              <a:buFontTx/>
+              <a:buNone/>
+              <a:tabLst/>
+              <a:defRPr/>
+            </a:pPr>
+            <a:r>
+              <a:rPr kumimoji="0" lang="en-US" altLang="ko-KR" sz="1400" b="0" i="0" u="none" strike="noStrike" kern="1200" cap="none" spc="0" normalizeH="0" baseline="0" noProof="0" dirty="0" err="1">
+                <a:ln>
+                  <a:noFill/>
+                </a:ln>
+                <a:solidFill>
+                  <a:prstClr val="black"/>
+                </a:solidFill>
+                <a:effectLst/>
+                <a:uLnTx/>
+                <a:uFillTx/>
+                <a:latin typeface="맑은 고딕"/>
+                <a:ea typeface="맑은 고딕" panose="020B0503020000020004" pitchFamily="50" charset="-127"/>
+                <a:cs typeface="+mn-cs"/>
+              </a:rPr>
+              <a:t>FrameLayout</a:t>
+            </a:r>
+            <a:r>
+              <a:rPr kumimoji="0" lang="ko-KR" altLang="en-US" sz="1400" b="0" i="0" u="none" strike="noStrike" kern="1200" cap="none" spc="0" normalizeH="0" baseline="0" noProof="0" dirty="0">
+                <a:ln>
+                  <a:noFill/>
+                </a:ln>
+                <a:solidFill>
+                  <a:prstClr val="black"/>
+                </a:solidFill>
+                <a:effectLst/>
+                <a:uLnTx/>
+                <a:uFillTx/>
+                <a:latin typeface="맑은 고딕"/>
+                <a:ea typeface="맑은 고딕" panose="020B0503020000020004" pitchFamily="50" charset="-127"/>
+                <a:cs typeface="+mn-cs"/>
+              </a:rPr>
+              <a:t>과 </a:t>
+            </a:r>
+            <a:r>
+              <a:rPr kumimoji="0" lang="en-US" altLang="ko-KR" sz="1400" b="0" i="0" u="none" strike="noStrike" kern="1200" cap="none" spc="0" normalizeH="0" baseline="0" noProof="0" dirty="0" err="1">
+                <a:ln>
+                  <a:noFill/>
+                </a:ln>
+                <a:solidFill>
+                  <a:prstClr val="black"/>
+                </a:solidFill>
+                <a:effectLst/>
+                <a:uLnTx/>
+                <a:uFillTx/>
+                <a:latin typeface="맑은 고딕"/>
+                <a:ea typeface="맑은 고딕" panose="020B0503020000020004" pitchFamily="50" charset="-127"/>
+                <a:cs typeface="+mn-cs"/>
+              </a:rPr>
+              <a:t>bottomNavi</a:t>
+            </a:r>
+            <a:r>
+              <a:rPr kumimoji="0" lang="ko-KR" altLang="en-US" sz="1400" b="0" i="0" u="none" strike="noStrike" kern="1200" cap="none" spc="0" normalizeH="0" baseline="0" noProof="0" dirty="0">
+                <a:ln>
+                  <a:noFill/>
+                </a:ln>
+                <a:solidFill>
+                  <a:prstClr val="black"/>
+                </a:solidFill>
+                <a:effectLst/>
+                <a:uLnTx/>
+                <a:uFillTx/>
+                <a:latin typeface="맑은 고딕"/>
+                <a:ea typeface="맑은 고딕" panose="020B0503020000020004" pitchFamily="50" charset="-127"/>
+                <a:cs typeface="+mn-cs"/>
+              </a:rPr>
+              <a:t>로 이루어진 </a:t>
+            </a:r>
+            <a:r>
+              <a:rPr kumimoji="0" lang="en-US" altLang="ko-KR" sz="1400" b="0" i="0" u="none" strike="noStrike" kern="1200" cap="none" spc="0" normalizeH="0" baseline="0" noProof="0" dirty="0">
+                <a:ln>
+                  <a:noFill/>
+                </a:ln>
+                <a:solidFill>
+                  <a:prstClr val="black"/>
+                </a:solidFill>
+                <a:effectLst/>
+                <a:uLnTx/>
+                <a:uFillTx/>
+                <a:latin typeface="맑은 고딕"/>
+                <a:ea typeface="맑은 고딕" panose="020B0503020000020004" pitchFamily="50" charset="-127"/>
+                <a:cs typeface="+mn-cs"/>
+              </a:rPr>
+              <a:t>menu.xml</a:t>
+            </a:r>
+            <a:r>
+              <a:rPr kumimoji="0" lang="ko-KR" altLang="en-US" sz="1400" b="0" i="0" u="none" strike="noStrike" kern="1200" cap="none" spc="0" normalizeH="0" baseline="0" noProof="0" dirty="0">
+                <a:ln>
+                  <a:noFill/>
+                </a:ln>
+                <a:solidFill>
+                  <a:prstClr val="black"/>
+                </a:solidFill>
+                <a:effectLst/>
+                <a:uLnTx/>
+                <a:uFillTx/>
+                <a:latin typeface="맑은 고딕"/>
+                <a:ea typeface="맑은 고딕" panose="020B0503020000020004" pitchFamily="50" charset="-127"/>
+                <a:cs typeface="+mn-cs"/>
+              </a:rPr>
+              <a:t>에서 하단 메뉴 세 개 중 하나를 선택하면</a:t>
+            </a:r>
+            <a:endParaRPr kumimoji="0" lang="en-US" altLang="ko-KR" sz="1400" b="0" i="0" u="none" strike="noStrike" kern="1200" cap="none" spc="0" normalizeH="0" baseline="0" noProof="0" dirty="0">
+              <a:ln>
+                <a:noFill/>
+              </a:ln>
+              <a:solidFill>
+                <a:prstClr val="black"/>
+              </a:solidFill>
+              <a:effectLst/>
+              <a:uLnTx/>
+              <a:uFillTx/>
+              <a:latin typeface="맑은 고딕"/>
+              <a:ea typeface="맑은 고딕" panose="020B0503020000020004" pitchFamily="50" charset="-127"/>
+              <a:cs typeface="+mn-cs"/>
+            </a:endParaRPr>
+          </a:p>
+          <a:p>
+            <a:pPr marL="0" marR="0" lvl="0" indent="0" algn="l" defTabSz="914400" rtl="0" eaLnBrk="1" fontAlgn="auto" latinLnBrk="1" hangingPunct="1">
+              <a:lnSpc>
+                <a:spcPct val="100000"/>
+              </a:lnSpc>
+              <a:spcBef>
+                <a:spcPts val="0"/>
+              </a:spcBef>
+              <a:spcAft>
+                <a:spcPts val="0"/>
+              </a:spcAft>
+              <a:buClrTx/>
+              <a:buSzTx/>
+              <a:buFontTx/>
+              <a:buNone/>
+              <a:tabLst/>
+              <a:defRPr/>
+            </a:pPr>
+            <a:r>
+              <a:rPr kumimoji="0" lang="en-US" altLang="ko-KR" sz="1400" b="0" i="0" u="none" strike="noStrike" kern="1200" cap="none" spc="0" normalizeH="0" baseline="0" noProof="0" dirty="0" err="1">
+                <a:ln>
+                  <a:noFill/>
+                </a:ln>
+                <a:solidFill>
+                  <a:prstClr val="black"/>
+                </a:solidFill>
+                <a:effectLst/>
+                <a:uLnTx/>
+                <a:uFillTx/>
+                <a:latin typeface="맑은 고딕"/>
+                <a:ea typeface="맑은 고딕" panose="020B0503020000020004" pitchFamily="50" charset="-127"/>
+                <a:cs typeface="+mn-cs"/>
+              </a:rPr>
+              <a:t>FramgeLayout</a:t>
+            </a:r>
+            <a:r>
+              <a:rPr kumimoji="0" lang="ko-KR" altLang="en-US" sz="1400" b="0" i="0" u="none" strike="noStrike" kern="1200" cap="none" spc="0" normalizeH="0" baseline="0" noProof="0" dirty="0">
+                <a:ln>
+                  <a:noFill/>
+                </a:ln>
+                <a:solidFill>
+                  <a:prstClr val="black"/>
+                </a:solidFill>
+                <a:effectLst/>
+                <a:uLnTx/>
+                <a:uFillTx/>
+                <a:latin typeface="맑은 고딕"/>
+                <a:ea typeface="맑은 고딕" panose="020B0503020000020004" pitchFamily="50" charset="-127"/>
+                <a:cs typeface="+mn-cs"/>
+              </a:rPr>
+              <a:t>을 이루는 </a:t>
+            </a:r>
+            <a:r>
+              <a:rPr kumimoji="0" lang="en-US" altLang="ko-KR" sz="1400" b="0" i="0" u="none" strike="noStrike" kern="1200" cap="none" spc="0" normalizeH="0" baseline="0" noProof="0" dirty="0">
+                <a:ln>
+                  <a:noFill/>
+                </a:ln>
+                <a:solidFill>
+                  <a:prstClr val="black"/>
+                </a:solidFill>
+                <a:effectLst/>
+                <a:uLnTx/>
+                <a:uFillTx/>
+                <a:latin typeface="맑은 고딕"/>
+                <a:ea typeface="맑은 고딕" panose="020B0503020000020004" pitchFamily="50" charset="-127"/>
+                <a:cs typeface="+mn-cs"/>
+              </a:rPr>
+              <a:t>Fragment</a:t>
+            </a:r>
+            <a:r>
+              <a:rPr kumimoji="0" lang="ko-KR" altLang="en-US" sz="1400" b="0" i="0" u="none" strike="noStrike" kern="1200" cap="none" spc="0" normalizeH="0" baseline="0" noProof="0" dirty="0">
+                <a:ln>
+                  <a:noFill/>
+                </a:ln>
+                <a:solidFill>
+                  <a:prstClr val="black"/>
+                </a:solidFill>
+                <a:effectLst/>
+                <a:uLnTx/>
+                <a:uFillTx/>
+                <a:latin typeface="맑은 고딕"/>
+                <a:ea typeface="맑은 고딕" panose="020B0503020000020004" pitchFamily="50" charset="-127"/>
+                <a:cs typeface="+mn-cs"/>
+              </a:rPr>
+              <a:t>를 교체함</a:t>
+            </a:r>
+            <a:r>
+              <a:rPr kumimoji="0" lang="en-US" altLang="ko-KR" sz="1400" b="0" i="0" u="none" strike="noStrike" kern="1200" cap="none" spc="0" normalizeH="0" baseline="0" noProof="0" dirty="0">
+                <a:ln>
+                  <a:noFill/>
+                </a:ln>
+                <a:solidFill>
+                  <a:prstClr val="black"/>
+                </a:solidFill>
+                <a:effectLst/>
+                <a:uLnTx/>
+                <a:uFillTx/>
+                <a:latin typeface="맑은 고딕"/>
+                <a:ea typeface="맑은 고딕" panose="020B0503020000020004" pitchFamily="50" charset="-127"/>
+                <a:cs typeface="+mn-cs"/>
+              </a:rPr>
+              <a:t>.</a:t>
+            </a:r>
+            <a:endParaRPr kumimoji="0" lang="ko-KR" altLang="en-US" sz="1400" b="0" i="0" u="none" strike="noStrike" kern="1200" cap="none" spc="0" normalizeH="0" baseline="0" noProof="0" dirty="0">
+              <a:ln>
+                <a:noFill/>
+              </a:ln>
+              <a:solidFill>
+                <a:prstClr val="black"/>
+              </a:solidFill>
+              <a:effectLst/>
+              <a:uLnTx/>
+              <a:uFillTx/>
+              <a:latin typeface="맑은 고딕"/>
+              <a:ea typeface="맑은 고딕" panose="020B0503020000020004" pitchFamily="50" charset="-127"/>
+              <a:cs typeface="+mn-cs"/>
+            </a:endParaRPr>
+          </a:p>
+        </p:txBody>
+      </p:sp>
+      <p:pic>
+        <p:nvPicPr>
+          <p:cNvPr id="11" name="그림 10">
+            <a:extLst>
+              <a:ext uri="{FF2B5EF4-FFF2-40B4-BE49-F238E27FC236}">
+                <a16:creationId xmlns:a16="http://schemas.microsoft.com/office/drawing/2014/main" id="{2A294574-623C-4CE2-819D-4A7233670662}"/>
+              </a:ext>
+            </a:extLst>
+          </p:cNvPr>
+          <p:cNvPicPr>
+            <a:picLocks noChangeAspect="1"/>
+          </p:cNvPicPr>
+          <p:nvPr/>
+        </p:nvPicPr>
+        <p:blipFill>
+          <a:blip r:embed="rId5"/>
+          <a:stretch>
+            <a:fillRect/>
+          </a:stretch>
+        </p:blipFill>
+        <p:spPr>
+          <a:xfrm>
+            <a:off x="3774801" y="2220311"/>
+            <a:ext cx="5285891" cy="3633831"/>
+          </a:xfrm>
+          <a:prstGeom prst="rect">
+            <a:avLst/>
+          </a:prstGeom>
+        </p:spPr>
+      </p:pic>
+      <p:sp>
+        <p:nvSpPr>
+          <p:cNvPr id="12" name="TextBox 11">
+            <a:extLst>
+              <a:ext uri="{FF2B5EF4-FFF2-40B4-BE49-F238E27FC236}">
+                <a16:creationId xmlns:a16="http://schemas.microsoft.com/office/drawing/2014/main" id="{10FA8187-CDCC-42D4-A5AF-2793ECB98D1A}"/>
+              </a:ext>
+            </a:extLst>
+          </p:cNvPr>
+          <p:cNvSpPr txBox="1"/>
+          <p:nvPr/>
+        </p:nvSpPr>
+        <p:spPr>
+          <a:xfrm flipH="1">
+            <a:off x="7197690" y="5424887"/>
+            <a:ext cx="1946310" cy="369332"/>
+          </a:xfrm>
+          <a:prstGeom prst="rect">
+            <a:avLst/>
+          </a:prstGeom>
+          <a:noFill/>
+        </p:spPr>
+        <p:txBody>
+          <a:bodyPr wrap="square" rtlCol="0">
+            <a:spAutoFit/>
+          </a:bodyPr>
+          <a:lstStyle/>
+          <a:p>
+            <a:r>
+              <a:rPr lang="en-US" altLang="ko-KR" dirty="0">
+                <a:solidFill>
+                  <a:schemeClr val="bg1"/>
+                </a:solidFill>
+              </a:rPr>
+              <a:t>MainActivity.java</a:t>
+            </a:r>
+            <a:endParaRPr lang="ko-KR" altLang="en-US" dirty="0">
+              <a:solidFill>
+                <a:schemeClr val="bg1"/>
+              </a:solidFill>
+            </a:endParaRPr>
+          </a:p>
+        </p:txBody>
+      </p:sp>
+    </p:spTree>
+    <p:extLst>
+      <p:ext uri="{BB962C8B-B14F-4D97-AF65-F5344CB8AC3E}">
+        <p14:creationId xmlns:p14="http://schemas.microsoft.com/office/powerpoint/2010/main" val="2391547034"/>
+      </p:ext>
+    </p:extLst>
+  </p:cSld>
+  <p:clrMapOvr>
+    <a:masterClrMapping/>
+  </p:clrMapOvr>
+</p:sld>
+</file>
+
+<file path=ppt/slides/slide23.xml><?xml version="1.0" encoding="utf-8"?>
+<p:sld xmlns:a="http://schemas.openxmlformats.org/drawingml/2006/main" xmlns:r="http://schemas.openxmlformats.org/officeDocument/2006/relationships" xmlns:p="http://schemas.openxmlformats.org/presentationml/2006/main">
+  <p:cSld>
+    <p:spTree>
+      <p:nvGrpSpPr>
+        <p:cNvPr id="1" name=""/>
+        <p:cNvGrpSpPr/>
+        <p:nvPr/>
+      </p:nvGrpSpPr>
+      <p:grpSpPr>
+        <a:xfrm>
+          <a:off x="0" y="0"/>
+          <a:ext cx="0" cy="0"/>
+          <a:chOff x="0" y="0"/>
+          <a:chExt cx="0" cy="0"/>
+        </a:xfrm>
+      </p:grpSpPr>
+      <p:sp>
+        <p:nvSpPr>
+          <p:cNvPr id="30" name="직사각형 29">
+            <a:extLst>
+              <a:ext uri="{FF2B5EF4-FFF2-40B4-BE49-F238E27FC236}">
+                <a16:creationId xmlns:a16="http://schemas.microsoft.com/office/drawing/2014/main" id="{DAB3DC14-37DC-42D7-91B5-213AED6C214C}"/>
+              </a:ext>
+            </a:extLst>
+          </p:cNvPr>
+          <p:cNvSpPr/>
+          <p:nvPr/>
+        </p:nvSpPr>
+        <p:spPr>
+          <a:xfrm>
+            <a:off x="107504" y="0"/>
+            <a:ext cx="3096344" cy="1124744"/>
+          </a:xfrm>
+          <a:prstGeom prst="rect">
+            <a:avLst/>
+          </a:prstGeom>
+          <a:solidFill>
+            <a:srgbClr val="3B5AA8"/>
+          </a:solidFill>
+          <a:ln>
+            <a:noFill/>
+          </a:ln>
+        </p:spPr>
+        <p:style>
+          <a:lnRef idx="2">
+            <a:schemeClr val="accent1">
+              <a:shade val="50000"/>
+            </a:schemeClr>
+          </a:lnRef>
+          <a:fillRef idx="1">
+            <a:schemeClr val="accent1"/>
+          </a:fillRef>
+          <a:effectRef idx="0">
+            <a:schemeClr val="accent1"/>
+          </a:effectRef>
+          <a:fontRef idx="minor">
+            <a:schemeClr val="lt1"/>
+          </a:fontRef>
+        </p:style>
+        <p:txBody>
+          <a:bodyPr rtlCol="0" anchor="ctr"/>
+          <a:lstStyle/>
+          <a:p>
+            <a:pPr marL="0" marR="0" lvl="0" indent="0" algn="ctr" defTabSz="914400" rtl="0" eaLnBrk="1" fontAlgn="auto" latinLnBrk="1" hangingPunct="1">
+              <a:lnSpc>
+                <a:spcPct val="100000"/>
+              </a:lnSpc>
+              <a:spcBef>
+                <a:spcPts val="0"/>
+              </a:spcBef>
+              <a:spcAft>
+                <a:spcPts val="0"/>
+              </a:spcAft>
+              <a:buClrTx/>
+              <a:buSzTx/>
+              <a:buFontTx/>
+              <a:buNone/>
+              <a:tabLst/>
+              <a:defRPr/>
+            </a:pPr>
+            <a:endParaRPr kumimoji="0" lang="ko-KR" altLang="en-US" sz="1800" b="0" i="0" u="none" strike="noStrike" kern="1200" cap="none" spc="0" normalizeH="0" baseline="0" noProof="0">
+              <a:ln>
+                <a:noFill/>
+              </a:ln>
+              <a:solidFill>
+                <a:prstClr val="white"/>
+              </a:solidFill>
+              <a:effectLst/>
+              <a:uLnTx/>
+              <a:uFillTx/>
+              <a:latin typeface="맑은 고딕"/>
+              <a:ea typeface="맑은 고딕" panose="020B0503020000020004" pitchFamily="50" charset="-127"/>
+              <a:cs typeface="+mn-cs"/>
+            </a:endParaRPr>
+          </a:p>
+        </p:txBody>
+      </p:sp>
+      <p:cxnSp>
+        <p:nvCxnSpPr>
+          <p:cNvPr id="31" name="직선 연결선 30">
+            <a:extLst>
+              <a:ext uri="{FF2B5EF4-FFF2-40B4-BE49-F238E27FC236}">
+                <a16:creationId xmlns:a16="http://schemas.microsoft.com/office/drawing/2014/main" id="{73437C0B-6788-4A14-AA92-1C8740DB47AE}"/>
+              </a:ext>
+            </a:extLst>
+          </p:cNvPr>
+          <p:cNvCxnSpPr/>
+          <p:nvPr/>
+        </p:nvCxnSpPr>
+        <p:spPr>
+          <a:xfrm>
+            <a:off x="424356" y="541195"/>
+            <a:ext cx="2591728" cy="0"/>
+          </a:xfrm>
+          <a:prstGeom prst="line">
+            <a:avLst/>
+          </a:prstGeom>
+          <a:ln w="28575">
+            <a:solidFill>
+              <a:schemeClr val="bg1">
+                <a:lumMod val="95000"/>
+              </a:schemeClr>
+            </a:solidFill>
+          </a:ln>
+        </p:spPr>
+        <p:style>
+          <a:lnRef idx="1">
+            <a:schemeClr val="accent1"/>
+          </a:lnRef>
+          <a:fillRef idx="0">
+            <a:schemeClr val="accent1"/>
+          </a:fillRef>
+          <a:effectRef idx="0">
+            <a:schemeClr val="accent1"/>
+          </a:effectRef>
+          <a:fontRef idx="minor">
+            <a:schemeClr val="tx1"/>
+          </a:fontRef>
+        </p:style>
+      </p:cxnSp>
+      <p:cxnSp>
+        <p:nvCxnSpPr>
+          <p:cNvPr id="32" name="직선 연결선 31">
+            <a:extLst>
+              <a:ext uri="{FF2B5EF4-FFF2-40B4-BE49-F238E27FC236}">
+                <a16:creationId xmlns:a16="http://schemas.microsoft.com/office/drawing/2014/main" id="{C8D70542-86F0-4987-829F-BD17418C2675}"/>
+              </a:ext>
+            </a:extLst>
+          </p:cNvPr>
+          <p:cNvCxnSpPr/>
+          <p:nvPr/>
+        </p:nvCxnSpPr>
+        <p:spPr>
+          <a:xfrm>
+            <a:off x="3275856" y="548680"/>
+            <a:ext cx="5328592" cy="0"/>
+          </a:xfrm>
+          <a:prstGeom prst="line">
+            <a:avLst/>
+          </a:prstGeom>
+          <a:ln w="28575">
+            <a:solidFill>
+              <a:srgbClr val="3B5AA8"/>
+            </a:solidFill>
+          </a:ln>
+        </p:spPr>
+        <p:style>
+          <a:lnRef idx="1">
+            <a:schemeClr val="accent4"/>
+          </a:lnRef>
+          <a:fillRef idx="0">
+            <a:schemeClr val="accent4"/>
+          </a:fillRef>
+          <a:effectRef idx="0">
+            <a:schemeClr val="accent4"/>
+          </a:effectRef>
+          <a:fontRef idx="minor">
+            <a:schemeClr val="tx1"/>
+          </a:fontRef>
+        </p:style>
+      </p:cxnSp>
+      <p:sp>
+        <p:nvSpPr>
+          <p:cNvPr id="33" name="제목 12">
+            <a:extLst>
+              <a:ext uri="{FF2B5EF4-FFF2-40B4-BE49-F238E27FC236}">
+                <a16:creationId xmlns:a16="http://schemas.microsoft.com/office/drawing/2014/main" id="{7B7F16A0-DE67-46D7-AB49-9B59BEB770AD}"/>
+              </a:ext>
+            </a:extLst>
+          </p:cNvPr>
+          <p:cNvSpPr txBox="1">
+            <a:spLocks/>
+          </p:cNvSpPr>
+          <p:nvPr/>
+        </p:nvSpPr>
+        <p:spPr>
+          <a:xfrm>
+            <a:off x="323528" y="692696"/>
+            <a:ext cx="3791272" cy="332649"/>
+          </a:xfrm>
+          <a:prstGeom prst="rect">
+            <a:avLst/>
+          </a:prstGeom>
+        </p:spPr>
+        <p:txBody>
+          <a:bodyPr vert="horz" lIns="91440" tIns="45720" rIns="91440" bIns="45720" rtlCol="0" anchor="t">
+            <a:noAutofit/>
+          </a:bodyPr>
+          <a:lstStyle/>
+          <a:p>
+            <a:pPr marL="0" marR="0" lvl="0" indent="0" algn="l" defTabSz="914400" rtl="0" eaLnBrk="1" fontAlgn="auto" latinLnBrk="1" hangingPunct="1">
+              <a:lnSpc>
+                <a:spcPct val="100000"/>
+              </a:lnSpc>
+              <a:spcBef>
+                <a:spcPct val="0"/>
+              </a:spcBef>
+              <a:spcAft>
+                <a:spcPts val="0"/>
+              </a:spcAft>
+              <a:buClrTx/>
+              <a:buSzTx/>
+              <a:buFontTx/>
+              <a:buNone/>
+              <a:tabLst/>
+              <a:defRPr/>
+            </a:pPr>
+            <a:r>
+              <a:rPr kumimoji="0" lang="en-US" altLang="ko-KR" sz="1700" b="1" i="0" u="none" strike="noStrike" kern="1200" cap="none" spc="0" normalizeH="0" baseline="0" noProof="0" dirty="0">
+                <a:ln>
+                  <a:noFill/>
+                </a:ln>
+                <a:solidFill>
+                  <a:prstClr val="white"/>
+                </a:solidFill>
+                <a:effectLst/>
+                <a:uLnTx/>
+                <a:uFillTx/>
+                <a:latin typeface="맑은 고딕" panose="020B0503020000020004" pitchFamily="50" charset="-127"/>
+                <a:ea typeface="맑은 고딕" panose="020B0503020000020004" pitchFamily="50" charset="-127"/>
+                <a:cs typeface="+mn-cs"/>
+              </a:rPr>
+              <a:t>| </a:t>
+            </a:r>
+            <a:r>
+              <a:rPr kumimoji="0" lang="ko-KR" altLang="en-US" sz="1700" b="1" i="0" u="none" strike="noStrike" kern="1200" cap="none" spc="0" normalizeH="0" baseline="0" noProof="0" dirty="0" err="1">
+                <a:ln>
+                  <a:noFill/>
+                </a:ln>
+                <a:solidFill>
+                  <a:prstClr val="white"/>
+                </a:solidFill>
+                <a:effectLst/>
+                <a:uLnTx/>
+                <a:uFillTx/>
+                <a:latin typeface="맑은 고딕" panose="020B0503020000020004" pitchFamily="50" charset="-127"/>
+                <a:ea typeface="맑은 고딕" panose="020B0503020000020004" pitchFamily="50" charset="-127"/>
+                <a:cs typeface="+mn-cs"/>
+              </a:rPr>
+              <a:t>핵심소스코드</a:t>
+            </a:r>
+            <a:r>
+              <a:rPr kumimoji="0" lang="en-US" altLang="ko-KR" sz="1700" b="1" i="0" u="none" strike="noStrike" kern="1200" cap="none" spc="0" normalizeH="0" baseline="0" noProof="0" dirty="0">
+                <a:ln>
+                  <a:noFill/>
+                </a:ln>
+                <a:solidFill>
+                  <a:prstClr val="white"/>
+                </a:solidFill>
+                <a:effectLst/>
+                <a:uLnTx/>
+                <a:uFillTx/>
+                <a:latin typeface="맑은 고딕" panose="020B0503020000020004" pitchFamily="50" charset="-127"/>
+                <a:ea typeface="맑은 고딕" panose="020B0503020000020004" pitchFamily="50" charset="-127"/>
+                <a:cs typeface="+mn-cs"/>
+              </a:rPr>
+              <a:t>(App)(2)</a:t>
+            </a:r>
+            <a:endParaRPr kumimoji="0" lang="ko-KR" altLang="en-US" sz="1700" b="0" i="0" u="none" strike="noStrike" kern="1200" cap="none" spc="-50" normalizeH="0" baseline="0" noProof="0" dirty="0">
+              <a:ln>
+                <a:noFill/>
+              </a:ln>
+              <a:solidFill>
+                <a:prstClr val="white"/>
+              </a:solidFill>
+              <a:effectLst/>
+              <a:uLnTx/>
+              <a:uFillTx/>
+              <a:latin typeface="맑은 고딕" panose="020B0503020000020004" pitchFamily="50" charset="-127"/>
+              <a:ea typeface="맑은 고딕" panose="020B0503020000020004" pitchFamily="50" charset="-127"/>
+              <a:cs typeface="+mn-cs"/>
+            </a:endParaRPr>
+          </a:p>
+        </p:txBody>
+      </p:sp>
+      <p:pic>
+        <p:nvPicPr>
+          <p:cNvPr id="34" name="Picture 6">
+            <a:extLst>
+              <a:ext uri="{FF2B5EF4-FFF2-40B4-BE49-F238E27FC236}">
+                <a16:creationId xmlns:a16="http://schemas.microsoft.com/office/drawing/2014/main" id="{5A780C21-34A1-405C-B744-B5687E7D5062}"/>
+              </a:ext>
+            </a:extLst>
+          </p:cNvPr>
+          <p:cNvPicPr>
+            <a:picLocks noChangeAspect="1" noChangeArrowheads="1"/>
+          </p:cNvPicPr>
+          <p:nvPr/>
+        </p:nvPicPr>
+        <p:blipFill>
+          <a:blip r:embed="rId2" cstate="print">
+            <a:extLst>
+              <a:ext uri="{28A0092B-C50C-407E-A947-70E740481C1C}">
+                <a14:useLocalDpi xmlns:a14="http://schemas.microsoft.com/office/drawing/2010/main" val="0"/>
+              </a:ext>
+            </a:extLst>
+          </a:blip>
+          <a:srcRect/>
+          <a:stretch>
+            <a:fillRect/>
+          </a:stretch>
+        </p:blipFill>
+        <p:spPr bwMode="auto">
+          <a:xfrm>
+            <a:off x="8388424" y="78041"/>
+            <a:ext cx="677336" cy="398631"/>
+          </a:xfrm>
+          <a:prstGeom prst="rect">
+            <a:avLst/>
+          </a:prstGeom>
+          <a:noFill/>
+          <a:ln>
+            <a:noFill/>
+          </a:ln>
+          <a:extLst>
+            <a:ext uri="{909E8E84-426E-40DD-AFC4-6F175D3DCCD1}">
+              <a14:hiddenFill xmlns:a14="http://schemas.microsoft.com/office/drawing/2010/main">
+                <a:solidFill>
+                  <a:schemeClr val="accent1"/>
+                </a:solidFill>
+              </a14:hiddenFill>
+            </a:ext>
+            <a:ext uri="{91240B29-F687-4F45-9708-019B960494DF}">
+              <a14:hiddenLine xmlns:a14="http://schemas.microsoft.com/office/drawing/2010/main" w="9525">
+                <a:solidFill>
+                  <a:schemeClr val="tx1"/>
+                </a:solidFill>
+                <a:miter lim="800000"/>
+                <a:headEnd/>
+                <a:tailEnd/>
+              </a14:hiddenLine>
+            </a:ext>
+          </a:extLst>
+        </p:spPr>
+      </p:pic>
+      <p:pic>
+        <p:nvPicPr>
+          <p:cNvPr id="35" name="Picture 2">
+            <a:extLst>
+              <a:ext uri="{FF2B5EF4-FFF2-40B4-BE49-F238E27FC236}">
+                <a16:creationId xmlns:a16="http://schemas.microsoft.com/office/drawing/2014/main" id="{D0986A7D-8ACF-428C-8E71-3BB2434DC343}"/>
+              </a:ext>
+            </a:extLst>
+          </p:cNvPr>
+          <p:cNvPicPr>
+            <a:picLocks noChangeAspect="1" noChangeArrowheads="1"/>
+          </p:cNvPicPr>
+          <p:nvPr/>
+        </p:nvPicPr>
+        <p:blipFill>
+          <a:blip r:embed="rId3" cstate="print"/>
+          <a:srcRect/>
+          <a:stretch>
+            <a:fillRect/>
+          </a:stretch>
+        </p:blipFill>
+        <p:spPr bwMode="auto">
+          <a:xfrm>
+            <a:off x="8676456" y="476671"/>
+            <a:ext cx="454960" cy="158965"/>
+          </a:xfrm>
+          <a:prstGeom prst="rect">
+            <a:avLst/>
+          </a:prstGeom>
+          <a:noFill/>
+          <a:ln w="9525">
+            <a:noFill/>
+            <a:miter lim="800000"/>
+            <a:headEnd/>
+            <a:tailEnd/>
+          </a:ln>
         </p:spPr>
       </p:pic>
       <p:sp>
@@ -29714,14 +27564,68 @@
               <a:defRPr/>
             </a:pPr>
             <a:r>
-              <a:rPr lang="ko-KR" altLang="en-US" sz="1400" dirty="0" err="1">
+              <a:rPr lang="en-US" altLang="ko-KR" sz="1400" dirty="0">
                 <a:solidFill>
                   <a:prstClr val="black"/>
                 </a:solidFill>
                 <a:latin typeface="맑은 고딕"/>
                 <a:ea typeface="맑은 고딕" panose="020B0503020000020004" pitchFamily="50" charset="-127"/>
               </a:rPr>
-              <a:t>ㅜㅁ</a:t>
+              <a:t>m</a:t>
+            </a:r>
+            <a:r>
+              <a:rPr kumimoji="0" lang="en-US" altLang="ko-KR" sz="1400" b="0" i="0" u="none" strike="noStrike" kern="1200" cap="none" spc="0" normalizeH="0" baseline="0" noProof="0" dirty="0">
+                <a:ln>
+                  <a:noFill/>
+                </a:ln>
+                <a:solidFill>
+                  <a:prstClr val="black"/>
+                </a:solidFill>
+                <a:effectLst/>
+                <a:uLnTx/>
+                <a:uFillTx/>
+                <a:latin typeface="맑은 고딕"/>
+                <a:ea typeface="맑은 고딕" panose="020B0503020000020004" pitchFamily="50" charset="-127"/>
+                <a:cs typeface="+mn-cs"/>
+              </a:rPr>
+              <a:t>enu_right.xml</a:t>
+            </a:r>
+            <a:r>
+              <a:rPr kumimoji="0" lang="ko-KR" altLang="en-US" sz="1400" b="0" i="0" u="none" strike="noStrike" kern="1200" cap="none" spc="0" normalizeH="0" baseline="0" noProof="0" dirty="0">
+                <a:ln>
+                  <a:noFill/>
+                </a:ln>
+                <a:solidFill>
+                  <a:prstClr val="black"/>
+                </a:solidFill>
+                <a:effectLst/>
+                <a:uLnTx/>
+                <a:uFillTx/>
+                <a:latin typeface="맑은 고딕"/>
+                <a:ea typeface="맑은 고딕" panose="020B0503020000020004" pitchFamily="50" charset="-127"/>
+                <a:cs typeface="+mn-cs"/>
+              </a:rPr>
+              <a:t>을 만들어서</a:t>
+            </a:r>
+            <a:r>
+              <a:rPr lang="ko-KR" altLang="en-US" sz="1400" dirty="0">
+                <a:solidFill>
+                  <a:prstClr val="black"/>
+                </a:solidFill>
+                <a:latin typeface="맑은 고딕"/>
+                <a:ea typeface="맑은 고딕" panose="020B0503020000020004" pitchFamily="50" charset="-127"/>
+              </a:rPr>
+              <a:t> 우측 상단에 메뉴가 보이도록 설정함</a:t>
+            </a:r>
+            <a:r>
+              <a:rPr lang="en-US" altLang="ko-KR" sz="1400" dirty="0">
+                <a:solidFill>
+                  <a:prstClr val="black"/>
+                </a:solidFill>
+                <a:latin typeface="맑은 고딕"/>
+                <a:ea typeface="맑은 고딕" panose="020B0503020000020004" pitchFamily="50" charset="-127"/>
+              </a:rPr>
+              <a:t>.</a:t>
             </a:r>
             <a:endParaRPr kumimoji="0" lang="ko-KR" altLang="en-US" sz="1400" b="0" i="0" u="none" strike="noStrike" kern="1200" cap="none" spc="0" normalizeH="0" baseline="0" noProof="0" dirty="0">
               <a:ln>
@@ -29740,10 +27644,619 @@
           </a:p>
         </p:txBody>
       </p:sp>
+      <p:pic>
+        <p:nvPicPr>
+          <p:cNvPr id="13" name="그림 12">
+            <a:extLst>
+              <a:ext uri="{FF2B5EF4-FFF2-40B4-BE49-F238E27FC236}">
+                <a16:creationId xmlns:a16="http://schemas.microsoft.com/office/drawing/2014/main" id="{51F04F4E-CFF4-47A4-99E1-14D4DDE18DAC}"/>
+              </a:ext>
+            </a:extLst>
+          </p:cNvPr>
+          <p:cNvPicPr>
+            <a:picLocks noChangeAspect="1"/>
+          </p:cNvPicPr>
+          <p:nvPr/>
+        </p:nvPicPr>
+        <p:blipFill>
+          <a:blip r:embed="rId4"/>
+          <a:stretch>
+            <a:fillRect/>
+          </a:stretch>
+        </p:blipFill>
+        <p:spPr>
+          <a:xfrm>
+            <a:off x="138533" y="1889161"/>
+            <a:ext cx="8866934" cy="4609378"/>
+          </a:xfrm>
+          <a:prstGeom prst="rect">
+            <a:avLst/>
+          </a:prstGeom>
+        </p:spPr>
+      </p:pic>
     </p:spTree>
     <p:extLst>
       <p:ext uri="{BB962C8B-B14F-4D97-AF65-F5344CB8AC3E}">
-        <p14:creationId xmlns:p14="http://schemas.microsoft.com/office/powerpoint/2010/main" val="2391547034"/>
+        <p14:creationId xmlns:p14="http://schemas.microsoft.com/office/powerpoint/2010/main" val="2461565977"/>
+      </p:ext>
+    </p:extLst>
+  </p:cSld>
+  <p:clrMapOvr>
+    <a:masterClrMapping/>
+  </p:clrMapOvr>
+</p:sld>
+</file>
+
+<file path=ppt/slides/slide24.xml><?xml version="1.0" encoding="utf-8"?>
+<p:sld xmlns:a="http://schemas.openxmlformats.org/drawingml/2006/main" xmlns:r="http://schemas.openxmlformats.org/officeDocument/2006/relationships" xmlns:p="http://schemas.openxmlformats.org/presentationml/2006/main">
+  <p:cSld>
+    <p:spTree>
+      <p:nvGrpSpPr>
+        <p:cNvPr id="1" name=""/>
+        <p:cNvGrpSpPr/>
+        <p:nvPr/>
+      </p:nvGrpSpPr>
+      <p:grpSpPr>
+        <a:xfrm>
+          <a:off x="0" y="0"/>
+          <a:ext cx="0" cy="0"/>
+          <a:chOff x="0" y="0"/>
+          <a:chExt cx="0" cy="0"/>
+        </a:xfrm>
+      </p:grpSpPr>
+      <p:sp>
+        <p:nvSpPr>
+          <p:cNvPr id="30" name="직사각형 29">
+            <a:extLst>
+              <a:ext uri="{FF2B5EF4-FFF2-40B4-BE49-F238E27FC236}">
+                <a16:creationId xmlns:a16="http://schemas.microsoft.com/office/drawing/2014/main" id="{DAB3DC14-37DC-42D7-91B5-213AED6C214C}"/>
+              </a:ext>
+            </a:extLst>
+          </p:cNvPr>
+          <p:cNvSpPr/>
+          <p:nvPr/>
+        </p:nvSpPr>
+        <p:spPr>
+          <a:xfrm>
+            <a:off x="107504" y="0"/>
+            <a:ext cx="3096344" cy="1124744"/>
+          </a:xfrm>
+          <a:prstGeom prst="rect">
+            <a:avLst/>
+          </a:prstGeom>
+          <a:solidFill>
+            <a:srgbClr val="3B5AA8"/>
+          </a:solidFill>
+          <a:ln>
+            <a:noFill/>
+          </a:ln>
+        </p:spPr>
+        <p:style>
+          <a:lnRef idx="2">
+            <a:schemeClr val="accent1">
+              <a:shade val="50000"/>
+            </a:schemeClr>
+          </a:lnRef>
+          <a:fillRef idx="1">
+            <a:schemeClr val="accent1"/>
+          </a:fillRef>
+          <a:effectRef idx="0">
+            <a:schemeClr val="accent1"/>
+          </a:effectRef>
+          <a:fontRef idx="minor">
+            <a:schemeClr val="lt1"/>
+          </a:fontRef>
+        </p:style>
+        <p:txBody>
+          <a:bodyPr rtlCol="0" anchor="ctr"/>
+          <a:lstStyle/>
+          <a:p>
+            <a:pPr marL="0" marR="0" lvl="0" indent="0" algn="ctr" defTabSz="914400" rtl="0" eaLnBrk="1" fontAlgn="auto" latinLnBrk="1" hangingPunct="1">
+              <a:lnSpc>
+                <a:spcPct val="100000"/>
+              </a:lnSpc>
+              <a:spcBef>
+                <a:spcPts val="0"/>
+              </a:spcBef>
+              <a:spcAft>
+                <a:spcPts val="0"/>
+              </a:spcAft>
+              <a:buClrTx/>
+              <a:buSzTx/>
+              <a:buFontTx/>
+              <a:buNone/>
+              <a:tabLst/>
+              <a:defRPr/>
+            </a:pPr>
+            <a:endParaRPr kumimoji="0" lang="ko-KR" altLang="en-US" sz="1800" b="0" i="0" u="none" strike="noStrike" kern="1200" cap="none" spc="0" normalizeH="0" baseline="0" noProof="0">
+              <a:ln>
+                <a:noFill/>
+              </a:ln>
+              <a:solidFill>
+                <a:prstClr val="white"/>
+              </a:solidFill>
+              <a:effectLst/>
+              <a:uLnTx/>
+              <a:uFillTx/>
+              <a:latin typeface="맑은 고딕"/>
+              <a:ea typeface="맑은 고딕" panose="020B0503020000020004" pitchFamily="50" charset="-127"/>
+              <a:cs typeface="+mn-cs"/>
+            </a:endParaRPr>
+          </a:p>
+        </p:txBody>
+      </p:sp>
+      <p:cxnSp>
+        <p:nvCxnSpPr>
+          <p:cNvPr id="31" name="직선 연결선 30">
+            <a:extLst>
+              <a:ext uri="{FF2B5EF4-FFF2-40B4-BE49-F238E27FC236}">
+                <a16:creationId xmlns:a16="http://schemas.microsoft.com/office/drawing/2014/main" id="{73437C0B-6788-4A14-AA92-1C8740DB47AE}"/>
+              </a:ext>
+            </a:extLst>
+          </p:cNvPr>
+          <p:cNvCxnSpPr/>
+          <p:nvPr/>
+        </p:nvCxnSpPr>
+        <p:spPr>
+          <a:xfrm>
+            <a:off x="424356" y="541195"/>
+            <a:ext cx="2591728" cy="0"/>
+          </a:xfrm>
+          <a:prstGeom prst="line">
+            <a:avLst/>
+          </a:prstGeom>
+          <a:ln w="28575">
+            <a:solidFill>
+              <a:schemeClr val="bg1">
+                <a:lumMod val="95000"/>
+              </a:schemeClr>
+            </a:solidFill>
+          </a:ln>
+        </p:spPr>
+        <p:style>
+          <a:lnRef idx="1">
+            <a:schemeClr val="accent1"/>
+          </a:lnRef>
+          <a:fillRef idx="0">
+            <a:schemeClr val="accent1"/>
+          </a:fillRef>
+          <a:effectRef idx="0">
+            <a:schemeClr val="accent1"/>
+          </a:effectRef>
+          <a:fontRef idx="minor">
+            <a:schemeClr val="tx1"/>
+          </a:fontRef>
+        </p:style>
+      </p:cxnSp>
+      <p:cxnSp>
+        <p:nvCxnSpPr>
+          <p:cNvPr id="32" name="직선 연결선 31">
+            <a:extLst>
+              <a:ext uri="{FF2B5EF4-FFF2-40B4-BE49-F238E27FC236}">
+                <a16:creationId xmlns:a16="http://schemas.microsoft.com/office/drawing/2014/main" id="{C8D70542-86F0-4987-829F-BD17418C2675}"/>
+              </a:ext>
+            </a:extLst>
+          </p:cNvPr>
+          <p:cNvCxnSpPr/>
+          <p:nvPr/>
+        </p:nvCxnSpPr>
+        <p:spPr>
+          <a:xfrm>
+            <a:off x="3275856" y="548680"/>
+            <a:ext cx="5328592" cy="0"/>
+          </a:xfrm>
+          <a:prstGeom prst="line">
+            <a:avLst/>
+          </a:prstGeom>
+          <a:ln w="28575">
+            <a:solidFill>
+              <a:srgbClr val="3B5AA8"/>
+            </a:solidFill>
+          </a:ln>
+        </p:spPr>
+        <p:style>
+          <a:lnRef idx="1">
+            <a:schemeClr val="accent4"/>
+          </a:lnRef>
+          <a:fillRef idx="0">
+            <a:schemeClr val="accent4"/>
+          </a:fillRef>
+          <a:effectRef idx="0">
+            <a:schemeClr val="accent4"/>
+          </a:effectRef>
+          <a:fontRef idx="minor">
+            <a:schemeClr val="tx1"/>
+          </a:fontRef>
+        </p:style>
+      </p:cxnSp>
+      <p:sp>
+        <p:nvSpPr>
+          <p:cNvPr id="33" name="제목 12">
+            <a:extLst>
+              <a:ext uri="{FF2B5EF4-FFF2-40B4-BE49-F238E27FC236}">
+                <a16:creationId xmlns:a16="http://schemas.microsoft.com/office/drawing/2014/main" id="{7B7F16A0-DE67-46D7-AB49-9B59BEB770AD}"/>
+              </a:ext>
+            </a:extLst>
+          </p:cNvPr>
+          <p:cNvSpPr txBox="1">
+            <a:spLocks/>
+          </p:cNvSpPr>
+          <p:nvPr/>
+        </p:nvSpPr>
+        <p:spPr>
+          <a:xfrm>
+            <a:off x="323528" y="692696"/>
+            <a:ext cx="3791272" cy="332649"/>
+          </a:xfrm>
+          <a:prstGeom prst="rect">
+            <a:avLst/>
+          </a:prstGeom>
+        </p:spPr>
+        <p:txBody>
+          <a:bodyPr vert="horz" lIns="91440" tIns="45720" rIns="91440" bIns="45720" rtlCol="0" anchor="t">
+            <a:noAutofit/>
+          </a:bodyPr>
+          <a:lstStyle/>
+          <a:p>
+            <a:pPr marL="0" marR="0" lvl="0" indent="0" algn="l" defTabSz="914400" rtl="0" eaLnBrk="1" fontAlgn="auto" latinLnBrk="1" hangingPunct="1">
+              <a:lnSpc>
+                <a:spcPct val="100000"/>
+              </a:lnSpc>
+              <a:spcBef>
+                <a:spcPct val="0"/>
+              </a:spcBef>
+              <a:spcAft>
+                <a:spcPts val="0"/>
+              </a:spcAft>
+              <a:buClrTx/>
+              <a:buSzTx/>
+              <a:buFontTx/>
+              <a:buNone/>
+              <a:tabLst/>
+              <a:defRPr/>
+            </a:pPr>
+            <a:r>
+              <a:rPr kumimoji="0" lang="en-US" altLang="ko-KR" sz="1700" b="1" i="0" u="none" strike="noStrike" kern="1200" cap="none" spc="0" normalizeH="0" baseline="0" noProof="0" dirty="0">
+                <a:ln>
+                  <a:noFill/>
+                </a:ln>
+                <a:solidFill>
+                  <a:prstClr val="white"/>
+                </a:solidFill>
+                <a:effectLst/>
+                <a:uLnTx/>
+                <a:uFillTx/>
+                <a:latin typeface="맑은 고딕" panose="020B0503020000020004" pitchFamily="50" charset="-127"/>
+                <a:ea typeface="맑은 고딕" panose="020B0503020000020004" pitchFamily="50" charset="-127"/>
+                <a:cs typeface="+mn-cs"/>
+              </a:rPr>
+              <a:t>| </a:t>
+            </a:r>
+            <a:r>
+              <a:rPr kumimoji="0" lang="ko-KR" altLang="en-US" sz="1700" b="1" i="0" u="none" strike="noStrike" kern="1200" cap="none" spc="0" normalizeH="0" baseline="0" noProof="0" dirty="0" err="1">
+                <a:ln>
+                  <a:noFill/>
+                </a:ln>
+                <a:solidFill>
+                  <a:prstClr val="white"/>
+                </a:solidFill>
+                <a:effectLst/>
+                <a:uLnTx/>
+                <a:uFillTx/>
+                <a:latin typeface="맑은 고딕" panose="020B0503020000020004" pitchFamily="50" charset="-127"/>
+                <a:ea typeface="맑은 고딕" panose="020B0503020000020004" pitchFamily="50" charset="-127"/>
+                <a:cs typeface="+mn-cs"/>
+              </a:rPr>
+              <a:t>핵심소스코드</a:t>
+            </a:r>
+            <a:r>
+              <a:rPr kumimoji="0" lang="en-US" altLang="ko-KR" sz="1700" b="1" i="0" u="none" strike="noStrike" kern="1200" cap="none" spc="0" normalizeH="0" baseline="0" noProof="0" dirty="0">
+                <a:ln>
+                  <a:noFill/>
+                </a:ln>
+                <a:solidFill>
+                  <a:prstClr val="white"/>
+                </a:solidFill>
+                <a:effectLst/>
+                <a:uLnTx/>
+                <a:uFillTx/>
+                <a:latin typeface="맑은 고딕" panose="020B0503020000020004" pitchFamily="50" charset="-127"/>
+                <a:ea typeface="맑은 고딕" panose="020B0503020000020004" pitchFamily="50" charset="-127"/>
+                <a:cs typeface="+mn-cs"/>
+              </a:rPr>
+              <a:t>(App)(3)</a:t>
+            </a:r>
+            <a:endParaRPr kumimoji="0" lang="ko-KR" altLang="en-US" sz="1700" b="0" i="0" u="none" strike="noStrike" kern="1200" cap="none" spc="-50" normalizeH="0" baseline="0" noProof="0" dirty="0">
+              <a:ln>
+                <a:noFill/>
+              </a:ln>
+              <a:solidFill>
+                <a:prstClr val="white"/>
+              </a:solidFill>
+              <a:effectLst/>
+              <a:uLnTx/>
+              <a:uFillTx/>
+              <a:latin typeface="맑은 고딕" panose="020B0503020000020004" pitchFamily="50" charset="-127"/>
+              <a:ea typeface="맑은 고딕" panose="020B0503020000020004" pitchFamily="50" charset="-127"/>
+              <a:cs typeface="+mn-cs"/>
+            </a:endParaRPr>
+          </a:p>
+        </p:txBody>
+      </p:sp>
+      <p:pic>
+        <p:nvPicPr>
+          <p:cNvPr id="34" name="Picture 6">
+            <a:extLst>
+              <a:ext uri="{FF2B5EF4-FFF2-40B4-BE49-F238E27FC236}">
+                <a16:creationId xmlns:a16="http://schemas.microsoft.com/office/drawing/2014/main" id="{5A780C21-34A1-405C-B744-B5687E7D5062}"/>
+              </a:ext>
+            </a:extLst>
+          </p:cNvPr>
+          <p:cNvPicPr>
+            <a:picLocks noChangeAspect="1" noChangeArrowheads="1"/>
+          </p:cNvPicPr>
+          <p:nvPr/>
+        </p:nvPicPr>
+        <p:blipFill>
+          <a:blip r:embed="rId2" cstate="print">
+            <a:extLst>
+              <a:ext uri="{28A0092B-C50C-407E-A947-70E740481C1C}">
+                <a14:useLocalDpi xmlns:a14="http://schemas.microsoft.com/office/drawing/2010/main" val="0"/>
+              </a:ext>
+            </a:extLst>
+          </a:blip>
+          <a:srcRect/>
+          <a:stretch>
+            <a:fillRect/>
+          </a:stretch>
+        </p:blipFill>
+        <p:spPr bwMode="auto">
+          <a:xfrm>
+            <a:off x="8388424" y="78041"/>
+            <a:ext cx="677336" cy="398631"/>
+          </a:xfrm>
+          <a:prstGeom prst="rect">
+            <a:avLst/>
+          </a:prstGeom>
+          <a:noFill/>
+          <a:ln>
+            <a:noFill/>
+          </a:ln>
+          <a:extLst>
+            <a:ext uri="{909E8E84-426E-40DD-AFC4-6F175D3DCCD1}">
+              <a14:hiddenFill xmlns:a14="http://schemas.microsoft.com/office/drawing/2010/main">
+                <a:solidFill>
+                  <a:schemeClr val="accent1"/>
+                </a:solidFill>
+              </a14:hiddenFill>
+            </a:ext>
+            <a:ext uri="{91240B29-F687-4F45-9708-019B960494DF}">
+              <a14:hiddenLine xmlns:a14="http://schemas.microsoft.com/office/drawing/2010/main" w="9525">
+                <a:solidFill>
+                  <a:schemeClr val="tx1"/>
+                </a:solidFill>
+                <a:miter lim="800000"/>
+                <a:headEnd/>
+                <a:tailEnd/>
+              </a14:hiddenLine>
+            </a:ext>
+          </a:extLst>
+        </p:spPr>
+      </p:pic>
+      <p:pic>
+        <p:nvPicPr>
+          <p:cNvPr id="35" name="Picture 2">
+            <a:extLst>
+              <a:ext uri="{FF2B5EF4-FFF2-40B4-BE49-F238E27FC236}">
+                <a16:creationId xmlns:a16="http://schemas.microsoft.com/office/drawing/2014/main" id="{D0986A7D-8ACF-428C-8E71-3BB2434DC343}"/>
+              </a:ext>
+            </a:extLst>
+          </p:cNvPr>
+          <p:cNvPicPr>
+            <a:picLocks noChangeAspect="1" noChangeArrowheads="1"/>
+          </p:cNvPicPr>
+          <p:nvPr/>
+        </p:nvPicPr>
+        <p:blipFill>
+          <a:blip r:embed="rId3" cstate="print"/>
+          <a:srcRect/>
+          <a:stretch>
+            <a:fillRect/>
+          </a:stretch>
+        </p:blipFill>
+        <p:spPr bwMode="auto">
+          <a:xfrm>
+            <a:off x="8676456" y="476671"/>
+            <a:ext cx="454960" cy="158965"/>
+          </a:xfrm>
+          <a:prstGeom prst="rect">
+            <a:avLst/>
+          </a:prstGeom>
+          <a:noFill/>
+          <a:ln w="9525">
+            <a:noFill/>
+            <a:miter lim="800000"/>
+            <a:headEnd/>
+            <a:tailEnd/>
+          </a:ln>
+        </p:spPr>
+      </p:pic>
+      <p:sp>
+        <p:nvSpPr>
+          <p:cNvPr id="10" name="TextBox 9">
+            <a:extLst>
+              <a:ext uri="{FF2B5EF4-FFF2-40B4-BE49-F238E27FC236}">
+                <a16:creationId xmlns:a16="http://schemas.microsoft.com/office/drawing/2014/main" id="{82DD8D53-5E3A-48FD-A2AE-1771796EA5A7}"/>
+              </a:ext>
+            </a:extLst>
+          </p:cNvPr>
+          <p:cNvSpPr txBox="1"/>
+          <p:nvPr/>
+        </p:nvSpPr>
+        <p:spPr>
+          <a:xfrm>
+            <a:off x="323528" y="1353064"/>
+            <a:ext cx="7887599" cy="307777"/>
+          </a:xfrm>
+          <a:prstGeom prst="rect">
+            <a:avLst/>
+          </a:prstGeom>
+          <a:noFill/>
+        </p:spPr>
+        <p:txBody>
+          <a:bodyPr wrap="square" rtlCol="0">
+            <a:spAutoFit/>
+          </a:bodyPr>
+          <a:lstStyle/>
+          <a:p>
+            <a:pPr marL="0" marR="0" lvl="0" indent="0" algn="l" defTabSz="914400" rtl="0" eaLnBrk="1" fontAlgn="auto" latinLnBrk="1" hangingPunct="1">
+              <a:lnSpc>
+                <a:spcPct val="100000"/>
+              </a:lnSpc>
+              <a:spcBef>
+                <a:spcPts val="0"/>
+              </a:spcBef>
+              <a:spcAft>
+                <a:spcPts val="0"/>
+              </a:spcAft>
+              <a:buClrTx/>
+              <a:buSzTx/>
+              <a:buFontTx/>
+              <a:buNone/>
+              <a:tabLst/>
+              <a:defRPr/>
+            </a:pPr>
+            <a:r>
+              <a:rPr lang="ko-KR" altLang="en-US" sz="1400" dirty="0">
+                <a:solidFill>
+                  <a:prstClr val="black"/>
+                </a:solidFill>
+                <a:latin typeface="맑은 고딕"/>
+                <a:ea typeface="맑은 고딕" panose="020B0503020000020004" pitchFamily="50" charset="-127"/>
+              </a:rPr>
+              <a:t>버스 번호</a:t>
+            </a:r>
+            <a:r>
+              <a:rPr lang="en-US" altLang="ko-KR" sz="1400" dirty="0">
+                <a:solidFill>
+                  <a:prstClr val="black"/>
+                </a:solidFill>
+                <a:latin typeface="맑은 고딕"/>
+                <a:ea typeface="맑은 고딕" panose="020B0503020000020004" pitchFamily="50" charset="-127"/>
+              </a:rPr>
+              <a:t>(8100, M4102) </a:t>
+            </a:r>
+            <a:r>
+              <a:rPr lang="ko-KR" altLang="en-US" sz="1400" dirty="0">
+                <a:solidFill>
+                  <a:prstClr val="black"/>
+                </a:solidFill>
+                <a:latin typeface="맑은 고딕"/>
+                <a:ea typeface="맑은 고딕" panose="020B0503020000020004" pitchFamily="50" charset="-127"/>
+              </a:rPr>
+              <a:t>클릭 시 </a:t>
+            </a:r>
+            <a:r>
+              <a:rPr lang="en-US" altLang="ko-KR" sz="1400" dirty="0" err="1">
+                <a:solidFill>
+                  <a:prstClr val="black"/>
+                </a:solidFill>
+                <a:latin typeface="맑은 고딕"/>
+                <a:ea typeface="맑은 고딕" panose="020B0503020000020004" pitchFamily="50" charset="-127"/>
+              </a:rPr>
+              <a:t>subActivity</a:t>
+            </a:r>
+            <a:r>
+              <a:rPr lang="en-US" altLang="ko-KR" sz="1400" dirty="0">
+                <a:solidFill>
+                  <a:prstClr val="black"/>
+                </a:solidFill>
+                <a:latin typeface="맑은 고딕"/>
+                <a:ea typeface="맑은 고딕" panose="020B0503020000020004" pitchFamily="50" charset="-127"/>
+              </a:rPr>
+              <a:t>, </a:t>
+            </a:r>
+            <a:r>
+              <a:rPr lang="en-US" altLang="ko-KR" sz="1400" dirty="0" err="1">
+                <a:solidFill>
+                  <a:prstClr val="black"/>
+                </a:solidFill>
+                <a:latin typeface="맑은 고딕"/>
+                <a:ea typeface="맑은 고딕" panose="020B0503020000020004" pitchFamily="50" charset="-127"/>
+              </a:rPr>
+              <a:t>showActivity</a:t>
+            </a:r>
+            <a:r>
+              <a:rPr lang="ko-KR" altLang="en-US" sz="1400" dirty="0">
+                <a:solidFill>
+                  <a:prstClr val="black"/>
+                </a:solidFill>
+                <a:latin typeface="맑은 고딕"/>
+                <a:ea typeface="맑은 고딕" panose="020B0503020000020004" pitchFamily="50" charset="-127"/>
+              </a:rPr>
+              <a:t>가 각각 실행되도록 함</a:t>
+            </a:r>
+            <a:r>
+              <a:rPr lang="en-US" altLang="ko-KR" sz="1400" dirty="0">
+                <a:solidFill>
+                  <a:prstClr val="black"/>
+                </a:solidFill>
+                <a:latin typeface="맑은 고딕"/>
+                <a:ea typeface="맑은 고딕" panose="020B0503020000020004" pitchFamily="50" charset="-127"/>
+              </a:rPr>
+              <a:t>.</a:t>
+            </a:r>
+            <a:endParaRPr kumimoji="0" lang="ko-KR" altLang="en-US" sz="1400" b="0" i="0" u="none" strike="noStrike" kern="1200" cap="none" spc="0" normalizeH="0" baseline="0" noProof="0" dirty="0">
+              <a:ln>
+                <a:noFill/>
+              </a:ln>
+              <a:solidFill>
+                <a:prstClr val="black"/>
+              </a:solidFill>
+              <a:effectLst/>
+              <a:uLnTx/>
+              <a:uFillTx/>
+              <a:latin typeface="맑은 고딕"/>
+              <a:ea typeface="맑은 고딕" panose="020B0503020000020004" pitchFamily="50" charset="-127"/>
+              <a:cs typeface="+mn-cs"/>
+            </a:endParaRPr>
+          </a:p>
+        </p:txBody>
+      </p:sp>
+      <p:pic>
+        <p:nvPicPr>
+          <p:cNvPr id="13" name="그림 12">
+            <a:extLst>
+              <a:ext uri="{FF2B5EF4-FFF2-40B4-BE49-F238E27FC236}">
+                <a16:creationId xmlns:a16="http://schemas.microsoft.com/office/drawing/2014/main" id="{BDB2A7BD-A018-4A12-8A67-16C7238AACB9}"/>
+              </a:ext>
+            </a:extLst>
+          </p:cNvPr>
+          <p:cNvPicPr>
+            <a:picLocks noChangeAspect="1"/>
+          </p:cNvPicPr>
+          <p:nvPr/>
+        </p:nvPicPr>
+        <p:blipFill>
+          <a:blip r:embed="rId4"/>
+          <a:stretch>
+            <a:fillRect/>
+          </a:stretch>
+        </p:blipFill>
+        <p:spPr>
+          <a:xfrm>
+            <a:off x="678614" y="1718041"/>
+            <a:ext cx="7786771" cy="4899606"/>
+          </a:xfrm>
+          <a:prstGeom prst="rect">
+            <a:avLst/>
+          </a:prstGeom>
+        </p:spPr>
+      </p:pic>
+    </p:spTree>
+    <p:extLst>
+      <p:ext uri="{BB962C8B-B14F-4D97-AF65-F5344CB8AC3E}">
+        <p14:creationId xmlns:p14="http://schemas.microsoft.com/office/powerpoint/2010/main" val="1617995920"/>
       </p:ext>
     </p:extLst>
   </p:cSld>
@@ -30256,18 +28769,11 @@
               <a:t>, </a:t>
             </a:r>
             <a:r>
-              <a:rPr lang="ko-KR" altLang="en-US" sz="1400" dirty="0" err="1">
-                <a:latin typeface="+mj-ea"/>
-                <a:ea typeface="+mj-ea"/>
-              </a:rPr>
-              <a:t>이로인해</a:t>
-            </a:r>
-            <a:r>
               <a:rPr lang="ko-KR" altLang="en-US" sz="1400" dirty="0">
                 <a:latin typeface="+mj-ea"/>
                 <a:ea typeface="+mj-ea"/>
               </a:rPr>
-              <a:t> 어느 순간 이러한 거리두기의 수칙들은 일상이 된 상황이다</a:t>
+              <a:t>이로 인해 어느 순간 이러한 거리두기의 수칙들은 일상이 된 상황이다</a:t>
             </a:r>
             <a:r>
               <a:rPr lang="en-US" altLang="ko-KR" sz="1400" dirty="0">
@@ -35273,7 +33779,7 @@
           <p:nvPr>
             <p:extLst>
               <p:ext uri="{D42A27DB-BD31-4B8C-83A1-F6EECF244321}">
-                <p14:modId xmlns:p14="http://schemas.microsoft.com/office/powerpoint/2010/main" val="2308298677"/>
+                <p14:modId xmlns:p14="http://schemas.microsoft.com/office/powerpoint/2010/main" val="2606463888"/>
               </p:ext>
             </p:extLst>
           </p:nvPr>
@@ -35556,7 +34062,7 @@
                         </a:spcAft>
                       </a:pPr>
                       <a:r>
-                        <a:rPr lang="en-US" sz="900" kern="0" spc="0">
+                        <a:rPr lang="en-US" sz="900" kern="0" spc="0" dirty="0">
                           <a:solidFill>
                             <a:srgbClr val="000000"/>
                           </a:solidFill>
@@ -35755,7 +34261,7 @@
                           <a:latin typeface="맑은 고딕" panose="020B0503020000020004" pitchFamily="50" charset="-127"/>
                           <a:ea typeface="맑은 고딕" panose="020B0503020000020004" pitchFamily="50" charset="-127"/>
                         </a:rPr>
-                        <a:t>실시간으로 버스정류장의 대기인원을 파악한다</a:t>
+                        <a:t>실시간으로 버스정류장의 대기인원을 파악함</a:t>
                       </a:r>
                       <a:r>
                         <a:rPr lang="en-US" altLang="ko-KR" sz="900" kern="0" spc="0" dirty="0">
@@ -36910,15 +35416,7 @@
                       </a:r>
                       <a:r>
                         <a:rPr lang="ko-KR" altLang="en-US" sz="900" dirty="0"/>
-                        <a:t>번 버스의 빈좌석을 </a:t>
-                      </a:r>
-                      <a:r>
-                        <a:rPr lang="ko-KR" altLang="en-US" sz="900" dirty="0" err="1"/>
-                        <a:t>공공데이터포털에서</a:t>
-                      </a:r>
-                      <a:r>
-                        <a:rPr lang="ko-KR" altLang="en-US" sz="900" dirty="0"/>
-                        <a:t> 받아온다</a:t>
+                        <a:t>번 버스의 빈좌석을 공공데이터 포털에서 받아 옴</a:t>
                       </a:r>
                       <a:r>
                         <a:rPr lang="en-US" altLang="ko-KR" sz="900" dirty="0"/>
@@ -37171,15 +35669,7 @@
                       </a:r>
                       <a:r>
                         <a:rPr lang="ko-KR" altLang="en-US" sz="900" dirty="0"/>
-                        <a:t>번 버스의 현 위치정보를 </a:t>
-                      </a:r>
-                      <a:r>
-                        <a:rPr lang="ko-KR" altLang="en-US" sz="900" dirty="0" err="1"/>
-                        <a:t>공공데이터포털에서</a:t>
-                      </a:r>
-                      <a:r>
-                        <a:rPr lang="ko-KR" altLang="en-US" sz="900" dirty="0"/>
-                        <a:t> 받아온다</a:t>
+                        <a:t>번 버스의 현 위치정보를 공공데이터 포털에서 받아 옴</a:t>
                       </a:r>
                       <a:r>
                         <a:rPr lang="en-US" altLang="ko-KR" sz="900" dirty="0"/>
@@ -37273,14 +35763,14 @@
           <p:nvPr>
             <p:extLst>
               <p:ext uri="{D42A27DB-BD31-4B8C-83A1-F6EECF244321}">
-                <p14:modId xmlns:p14="http://schemas.microsoft.com/office/powerpoint/2010/main" val="2084968093"/>
+                <p14:modId xmlns:p14="http://schemas.microsoft.com/office/powerpoint/2010/main" val="4077557004"/>
               </p:ext>
             </p:extLst>
           </p:nvPr>
         </p:nvGraphicFramePr>
         <p:xfrm>
           <a:off x="4583456" y="1268762"/>
-          <a:ext cx="4320480" cy="3524630"/>
+          <a:ext cx="4320480" cy="3061778"/>
         </p:xfrm>
         <a:graphic>
           <a:graphicData uri="http://schemas.openxmlformats.org/drawingml/2006/table">
@@ -37539,7 +36029,7 @@
                 </a:extLst>
               </a:tr>
               <a:tr h="494739">
-                <a:tc rowSpan="7">
+                <a:tc rowSpan="5">
                   <a:txBody>
                     <a:bodyPr/>
                     <a:lstStyle/>
@@ -37702,23 +36192,7 @@
                       </a:pPr>
                       <a:r>
                         <a:rPr lang="ko-KR" altLang="en-US" sz="900" dirty="0"/>
-                        <a:t>출발지와 목적지를 기준으로 </a:t>
-                      </a:r>
-                      <a:r>
-                        <a:rPr lang="ko-KR" altLang="en-US" sz="900" dirty="0" err="1"/>
-                        <a:t>환승경로를</a:t>
-                      </a:r>
-                      <a:r>
-                        <a:rPr lang="ko-KR" altLang="en-US" sz="900" dirty="0"/>
-                        <a:t> </a:t>
-                      </a:r>
-                      <a:r>
-                        <a:rPr lang="ko-KR" altLang="en-US" sz="900" dirty="0" err="1"/>
-                        <a:t>공공데이터포털에서</a:t>
-                      </a:r>
-                      <a:r>
-                        <a:rPr lang="ko-KR" altLang="en-US" sz="900" dirty="0"/>
-                        <a:t> 받아온다</a:t>
+                        <a:t>출발지와 목적지를 기준으로 환승 경로를 공공데이터 포털에서 받아 옴</a:t>
                       </a:r>
                       <a:r>
                         <a:rPr lang="en-US" altLang="ko-KR" sz="900" dirty="0"/>
@@ -37885,15 +36359,7 @@
                       </a:r>
                       <a:r>
                         <a:rPr lang="ko-KR" altLang="en-US" sz="900" dirty="0"/>
-                        <a:t>내에 있는 정류소 목록을 </a:t>
-                      </a:r>
-                      <a:r>
-                        <a:rPr lang="ko-KR" altLang="en-US" sz="900" dirty="0" err="1"/>
-                        <a:t>공공데이터포털에서</a:t>
-                      </a:r>
-                      <a:r>
-                        <a:rPr lang="ko-KR" altLang="en-US" sz="900" dirty="0"/>
-                        <a:t> 받아온다</a:t>
+                        <a:t>내에 있는 정류소 목록을 공공데이터 포털에서 받아 옴</a:t>
                       </a:r>
                       <a:r>
                         <a:rPr lang="en-US" altLang="ko-KR" sz="900" dirty="0"/>
@@ -38062,7 +36528,7 @@
                           <a:latin typeface="+mn-ea"/>
                           <a:ea typeface="+mn-ea"/>
                         </a:rPr>
-                        <a:t>영상처리한 데이터를 서버를 통해 앱으로 전달한다</a:t>
+                        <a:t>영상처리한 데이터를 서버를 통해 앱으로 전달함</a:t>
                       </a:r>
                       <a:r>
                         <a:rPr lang="en-US" altLang="ko-KR" sz="900" dirty="0">
@@ -38315,14 +36781,17 @@
                           <a:spcPts val="0"/>
                         </a:spcAft>
                       </a:pPr>
-                      <a:endParaRPr lang="ko-KR" altLang="en-US" sz="900" kern="0" spc="0" dirty="0">
-                        <a:solidFill>
-                          <a:srgbClr val="000000"/>
-                        </a:solidFill>
-                        <a:effectLst/>
-                        <a:latin typeface="맑은 고딕" panose="020B0503020000020004" pitchFamily="50" charset="-127"/>
-                        <a:ea typeface="맑은 고딕" panose="020B0503020000020004" pitchFamily="50" charset="-127"/>
-                      </a:endParaRPr>
+                      <a:r>
+                        <a:rPr lang="ko-KR" altLang="en-US" sz="900" kern="0" spc="0" dirty="0">
+                          <a:solidFill>
+                            <a:srgbClr val="000000"/>
+                          </a:solidFill>
+                          <a:effectLst/>
+                          <a:latin typeface="맑은 고딕" panose="020B0503020000020004" pitchFamily="50" charset="-127"/>
+                          <a:ea typeface="맑은 고딕" panose="020B0503020000020004" pitchFamily="50" charset="-127"/>
+                        </a:rPr>
+                        <a:t>대체 경로 안내</a:t>
+                      </a:r>
                     </a:p>
                   </a:txBody>
                   <a:tcPr marL="36000" marR="36000" marT="8571" marB="8571" anchor="ctr">
@@ -38380,6 +36849,50 @@
                           <a:spcPts val="0"/>
                         </a:spcAft>
                       </a:pPr>
+                      <a:r>
+                        <a:rPr lang="ko-KR" altLang="en-US" sz="900" kern="0" spc="0" dirty="0">
+                          <a:solidFill>
+                            <a:srgbClr val="000000"/>
+                          </a:solidFill>
+                          <a:effectLst/>
+                          <a:latin typeface="맑은 고딕" panose="020B0503020000020004" pitchFamily="50" charset="-127"/>
+                          <a:ea typeface="맑은 고딕" panose="020B0503020000020004" pitchFamily="50" charset="-127"/>
+                        </a:rPr>
+                        <a:t>서버에 데이터 요청하여 이전 정류장들의 대기인원수</a:t>
+                      </a:r>
+                      <a:r>
+                        <a:rPr lang="en-US" altLang="ko-KR" sz="900" kern="0" spc="0" dirty="0">
+                          <a:solidFill>
+                            <a:srgbClr val="000000"/>
+                          </a:solidFill>
+                          <a:effectLst/>
+                          <a:latin typeface="맑은 고딕" panose="020B0503020000020004" pitchFamily="50" charset="-127"/>
+                          <a:ea typeface="맑은 고딕" panose="020B0503020000020004" pitchFamily="50" charset="-127"/>
+                        </a:rPr>
+                        <a:t>, </a:t>
+                      </a:r>
+                      <a:r>
+                        <a:rPr lang="ko-KR" altLang="en-US" sz="900" kern="0" spc="0" dirty="0">
+                          <a:solidFill>
+                            <a:srgbClr val="000000"/>
+                          </a:solidFill>
+                          <a:effectLst/>
+                          <a:latin typeface="맑은 고딕" panose="020B0503020000020004" pitchFamily="50" charset="-127"/>
+                          <a:ea typeface="맑은 고딕" panose="020B0503020000020004" pitchFamily="50" charset="-127"/>
+                        </a:rPr>
+                        <a:t>버스의 잔여 좌석수 등을 고려하여 추천 경로를 안내함</a:t>
+                      </a:r>
+                      <a:r>
+                        <a:rPr lang="en-US" altLang="ko-KR" sz="900" kern="0" spc="0" dirty="0">
+                          <a:solidFill>
+                            <a:srgbClr val="000000"/>
+                          </a:solidFill>
+                          <a:effectLst/>
+                          <a:latin typeface="맑은 고딕" panose="020B0503020000020004" pitchFamily="50" charset="-127"/>
+                          <a:ea typeface="맑은 고딕" panose="020B0503020000020004" pitchFamily="50" charset="-127"/>
+                        </a:rPr>
+                        <a:t>.</a:t>
+                      </a:r>
                       <a:endParaRPr lang="ko-KR" altLang="en-US" sz="900" kern="0" spc="0" dirty="0">
                         <a:solidFill>
                           <a:srgbClr val="000000"/>
@@ -38432,302 +36945,6 @@
                 <a:extLst>
                   <a:ext uri="{0D108BD9-81ED-4DB2-BD59-A6C34878D82A}">
                     <a16:rowId xmlns:a16="http://schemas.microsoft.com/office/drawing/2014/main" val="10005"/>
-                  </a:ext>
-                </a:extLst>
-              </a:tr>
-              <a:tr h="222933">
-                <a:tc vMerge="1">
-                  <a:txBody>
-                    <a:bodyPr/>
-                    <a:lstStyle/>
-                    <a:p>
-                      <a:pPr latinLnBrk="1"/>
-                      <a:endParaRPr lang="ko-KR" altLang="en-US"/>
-                    </a:p>
-                  </a:txBody>
-                  <a:tcPr/>
-                </a:tc>
-                <a:tc>
-                  <a:txBody>
-                    <a:bodyPr/>
-                    <a:lstStyle/>
-                    <a:p>
-                      <a:pPr marL="0" marR="0" indent="0" algn="ctr" fontAlgn="base" latinLnBrk="0">
-                        <a:lnSpc>
-                          <a:spcPct val="160000"/>
-                        </a:lnSpc>
-                        <a:spcBef>
-                          <a:spcPts val="0"/>
-                        </a:spcBef>
-                        <a:spcAft>
-                          <a:spcPts val="0"/>
-                        </a:spcAft>
-                      </a:pPr>
-                      <a:endParaRPr lang="ko-KR" altLang="en-US" sz="900" kern="0" spc="0" dirty="0">
-                        <a:solidFill>
-                          <a:srgbClr val="000000"/>
-                        </a:solidFill>
-                        <a:effectLst/>
-                        <a:latin typeface="맑은 고딕" panose="020B0503020000020004" pitchFamily="50" charset="-127"/>
-                        <a:ea typeface="맑은 고딕" panose="020B0503020000020004" pitchFamily="50" charset="-127"/>
-                      </a:endParaRPr>
-                    </a:p>
-                  </a:txBody>
-                  <a:tcPr marL="36000" marR="36000" marT="8571" marB="8571" anchor="ctr">
-                    <a:lnL w="3556" cap="flat" cmpd="sng" algn="ctr">
-                      <a:solidFill>
-                        <a:srgbClr val="000000"/>
-                      </a:solidFill>
-                      <a:prstDash val="solid"/>
-                      <a:round/>
-                      <a:headEnd type="none" w="med" len="med"/>
-                      <a:tailEnd type="none" w="med" len="med"/>
-                    </a:lnL>
-                    <a:lnR w="3556" cap="flat" cmpd="sng" algn="ctr">
-                      <a:solidFill>
-                        <a:srgbClr val="000000"/>
-                      </a:solidFill>
-                      <a:prstDash val="solid"/>
-                      <a:round/>
-                      <a:headEnd type="none" w="med" len="med"/>
-                      <a:tailEnd type="none" w="med" len="med"/>
-                    </a:lnR>
-                    <a:lnT w="3556" cap="flat" cmpd="sng" algn="ctr">
-                      <a:solidFill>
-                        <a:srgbClr val="000000"/>
-                      </a:solidFill>
-                      <a:prstDash val="solid"/>
-                      <a:round/>
-                      <a:headEnd type="none" w="med" len="med"/>
-                      <a:tailEnd type="none" w="med" len="med"/>
-                    </a:lnT>
-                    <a:lnB w="3556" cap="flat" cmpd="sng" algn="ctr">
-                      <a:solidFill>
-                        <a:srgbClr val="000000"/>
-                      </a:solidFill>
-                      <a:prstDash val="solid"/>
-                      <a:round/>
-                      <a:headEnd type="none" w="med" len="med"/>
-                      <a:tailEnd type="none" w="med" len="med"/>
-                    </a:lnB>
-                  </a:tcPr>
-                </a:tc>
-                <a:tc>
-                  <a:txBody>
-                    <a:bodyPr/>
-                    <a:lstStyle/>
-                    <a:p>
-                      <a:pPr marL="0" marR="0" indent="0" algn="just" fontAlgn="base" latinLnBrk="1">
-                        <a:lnSpc>
-                          <a:spcPct val="160000"/>
-                        </a:lnSpc>
-                        <a:spcBef>
-                          <a:spcPts val="0"/>
-                        </a:spcBef>
-                        <a:spcAft>
-                          <a:spcPts val="0"/>
-                        </a:spcAft>
-                      </a:pPr>
-                      <a:endParaRPr lang="ko-KR" altLang="en-US" sz="900" kern="0" spc="0" dirty="0">
-                        <a:solidFill>
-                          <a:srgbClr val="000000"/>
-                        </a:solidFill>
-                        <a:effectLst/>
-                        <a:latin typeface="맑은 고딕" panose="020B0503020000020004" pitchFamily="50" charset="-127"/>
-                        <a:ea typeface="맑은 고딕" panose="020B0503020000020004" pitchFamily="50" charset="-127"/>
-                      </a:endParaRPr>
-                    </a:p>
-                  </a:txBody>
-                  <a:tcPr marL="36000" marR="36000" marT="8571" marB="8571" anchor="ctr">
-                    <a:lnL w="3556" cap="flat" cmpd="sng" algn="ctr">
-                      <a:solidFill>
-                        <a:srgbClr val="000000"/>
-                      </a:solidFill>
-                      <a:prstDash val="solid"/>
-                      <a:round/>
-                      <a:headEnd type="none" w="med" len="med"/>
-                      <a:tailEnd type="none" w="med" len="med"/>
-                    </a:lnL>
-                    <a:lnR w="3556" cap="flat" cmpd="sng" algn="ctr">
-                      <a:solidFill>
-                        <a:srgbClr val="000000"/>
-                      </a:solidFill>
-                      <a:prstDash val="solid"/>
-                      <a:round/>
-                      <a:headEnd type="none" w="med" len="med"/>
-                      <a:tailEnd type="none" w="med" len="med"/>
-                    </a:lnR>
-                    <a:lnT w="3556" cap="flat" cmpd="sng" algn="ctr">
-                      <a:solidFill>
-                        <a:srgbClr val="000000"/>
-                      </a:solidFill>
-                      <a:prstDash val="solid"/>
-                      <a:round/>
-                      <a:headEnd type="none" w="med" len="med"/>
-                      <a:tailEnd type="none" w="med" len="med"/>
-                    </a:lnT>
-                    <a:lnB w="3556" cap="flat" cmpd="sng" algn="ctr">
-                      <a:solidFill>
-                        <a:srgbClr val="000000"/>
-                      </a:solidFill>
-                      <a:prstDash val="solid"/>
-                      <a:round/>
-                      <a:headEnd type="none" w="med" len="med"/>
-                      <a:tailEnd type="none" w="med" len="med"/>
-                    </a:lnB>
-                  </a:tcPr>
-                </a:tc>
-                <a:extLst>
-                  <a:ext uri="{0D108BD9-81ED-4DB2-BD59-A6C34878D82A}">
-                    <a16:rowId xmlns:a16="http://schemas.microsoft.com/office/drawing/2014/main" val="10006"/>
-                  </a:ext>
-                </a:extLst>
-              </a:tr>
-              <a:tr h="239919">
-                <a:tc vMerge="1">
-                  <a:txBody>
-                    <a:bodyPr/>
-                    <a:lstStyle/>
-                    <a:p>
-                      <a:pPr latinLnBrk="1"/>
-                      <a:endParaRPr lang="ko-KR" altLang="en-US"/>
-                    </a:p>
-                  </a:txBody>
-                  <a:tcPr/>
-                </a:tc>
-                <a:tc>
-                  <a:txBody>
-                    <a:bodyPr/>
-                    <a:lstStyle/>
-                    <a:p>
-                      <a:pPr marL="0" marR="0" indent="0" algn="ctr" fontAlgn="base" latinLnBrk="0">
-                        <a:lnSpc>
-                          <a:spcPct val="160000"/>
-                        </a:lnSpc>
-                        <a:spcBef>
-                          <a:spcPts val="0"/>
-                        </a:spcBef>
-                        <a:spcAft>
-                          <a:spcPts val="0"/>
-                        </a:spcAft>
-                      </a:pPr>
-                      <a:endParaRPr lang="ko-KR" altLang="en-US" sz="900" kern="0" spc="0" dirty="0">
-                        <a:solidFill>
-                          <a:srgbClr val="000000"/>
-                        </a:solidFill>
-                        <a:effectLst/>
-                        <a:latin typeface="맑은 고딕" panose="020B0503020000020004" pitchFamily="50" charset="-127"/>
-                        <a:ea typeface="맑은 고딕" panose="020B0503020000020004" pitchFamily="50" charset="-127"/>
-                      </a:endParaRPr>
-                    </a:p>
-                  </a:txBody>
-                  <a:tcPr marL="36000" marR="36000" marT="8571" marB="8571" anchor="ctr">
-                    <a:lnL w="3556" cap="flat" cmpd="sng" algn="ctr">
-                      <a:solidFill>
-                        <a:srgbClr val="000000"/>
-                      </a:solidFill>
-                      <a:prstDash val="solid"/>
-                      <a:round/>
-                      <a:headEnd type="none" w="med" len="med"/>
-                      <a:tailEnd type="none" w="med" len="med"/>
-                    </a:lnL>
-                    <a:lnR w="3556" cap="flat" cmpd="sng" algn="ctr">
-                      <a:solidFill>
-                        <a:srgbClr val="000000"/>
-                      </a:solidFill>
-                      <a:prstDash val="solid"/>
-                      <a:round/>
-                      <a:headEnd type="none" w="med" len="med"/>
-                      <a:tailEnd type="none" w="med" len="med"/>
-                    </a:lnR>
-                    <a:lnT w="3556" cap="flat" cmpd="sng" algn="ctr">
-                      <a:solidFill>
-                        <a:srgbClr val="000000"/>
-                      </a:solidFill>
-                      <a:prstDash val="solid"/>
-                      <a:round/>
-                      <a:headEnd type="none" w="med" len="med"/>
-                      <a:tailEnd type="none" w="med" len="med"/>
-                    </a:lnT>
-                    <a:lnB w="3556" cap="flat" cmpd="sng" algn="ctr">
-                      <a:solidFill>
-                        <a:srgbClr val="000000"/>
-                      </a:solidFill>
-                      <a:prstDash val="solid"/>
-                      <a:round/>
-                      <a:headEnd type="none" w="med" len="med"/>
-                      <a:tailEnd type="none" w="med" len="med"/>
-                    </a:lnB>
-                  </a:tcPr>
-                </a:tc>
-                <a:tc>
-                  <a:txBody>
-                    <a:bodyPr/>
-                    <a:lstStyle/>
-                    <a:p>
-                      <a:pPr marL="0" marR="0" indent="0" algn="just" fontAlgn="base" latinLnBrk="1">
-                        <a:lnSpc>
-                          <a:spcPct val="160000"/>
-                        </a:lnSpc>
-                        <a:spcBef>
-                          <a:spcPts val="0"/>
-                        </a:spcBef>
-                        <a:spcAft>
-                          <a:spcPts val="0"/>
-                        </a:spcAft>
-                      </a:pPr>
-                      <a:endParaRPr lang="ko-KR" altLang="en-US" sz="900" kern="0" spc="0" dirty="0">
-                        <a:solidFill>
-                          <a:srgbClr val="000000"/>
-                        </a:solidFill>
-                        <a:effectLst/>
-                        <a:latin typeface="맑은 고딕" panose="020B0503020000020004" pitchFamily="50" charset="-127"/>
-                        <a:ea typeface="맑은 고딕" panose="020B0503020000020004" pitchFamily="50" charset="-127"/>
-                      </a:endParaRPr>
-                    </a:p>
-                  </a:txBody>
-                  <a:tcPr marL="36000" marR="36000" marT="8571" marB="8571" anchor="ctr">
-                    <a:lnL w="3556" cap="flat" cmpd="sng" algn="ctr">
-                      <a:solidFill>
-                        <a:srgbClr val="000000"/>
-                      </a:solidFill>
-                      <a:prstDash val="solid"/>
-                      <a:round/>
-                      <a:headEnd type="none" w="med" len="med"/>
-                      <a:tailEnd type="none" w="med" len="med"/>
-                    </a:lnL>
-                    <a:lnR w="3556" cap="flat" cmpd="sng" algn="ctr">
-                      <a:solidFill>
-                        <a:srgbClr val="000000"/>
-                      </a:solidFill>
-                      <a:prstDash val="solid"/>
-                      <a:round/>
-                      <a:headEnd type="none" w="med" len="med"/>
-                      <a:tailEnd type="none" w="med" len="med"/>
-                    </a:lnR>
-                    <a:lnT w="3556" cap="flat" cmpd="sng" algn="ctr">
-                      <a:solidFill>
-                        <a:srgbClr val="000000"/>
-                      </a:solidFill>
-                      <a:prstDash val="solid"/>
-                      <a:round/>
-                      <a:headEnd type="none" w="med" len="med"/>
-                      <a:tailEnd type="none" w="med" len="med"/>
-                    </a:lnT>
-                    <a:lnB w="3556" cap="flat" cmpd="sng" algn="ctr">
-                      <a:solidFill>
-                        <a:srgbClr val="000000"/>
-                      </a:solidFill>
-                      <a:prstDash val="solid"/>
-                      <a:round/>
-                      <a:headEnd type="none" w="med" len="med"/>
-                      <a:tailEnd type="none" w="med" len="med"/>
-                    </a:lnB>
-                  </a:tcPr>
-                </a:tc>
-                <a:extLst>
-                  <a:ext uri="{0D108BD9-81ED-4DB2-BD59-A6C34878D82A}">
-                    <a16:rowId xmlns:a16="http://schemas.microsoft.com/office/drawing/2014/main" val="10007"/>
                   </a:ext>
                 </a:extLst>
               </a:tr>
@@ -39099,35 +37316,35 @@
           <p:nvPr>
             <p:extLst>
               <p:ext uri="{D42A27DB-BD31-4B8C-83A1-F6EECF244321}">
-                <p14:modId xmlns:p14="http://schemas.microsoft.com/office/powerpoint/2010/main" val="2084111542"/>
+                <p14:modId xmlns:p14="http://schemas.microsoft.com/office/powerpoint/2010/main" val="1285381821"/>
               </p:ext>
             </p:extLst>
           </p:nvPr>
         </p:nvGraphicFramePr>
         <p:xfrm>
-          <a:off x="107503" y="1268762"/>
-          <a:ext cx="4993885" cy="4590615"/>
+          <a:off x="221804" y="1283912"/>
+          <a:ext cx="5102673" cy="4590615"/>
         </p:xfrm>
         <a:graphic>
           <a:graphicData uri="http://schemas.openxmlformats.org/drawingml/2006/table">
             <a:tbl>
               <a:tblPr/>
               <a:tblGrid>
-                <a:gridCol w="574309">
+                <a:gridCol w="586820">
                   <a:extLst>
                     <a:ext uri="{9D8B030D-6E8A-4147-A177-3AD203B41FA5}">
                       <a16:colId xmlns:a16="http://schemas.microsoft.com/office/drawing/2014/main" val="20000"/>
                     </a:ext>
                   </a:extLst>
                 </a:gridCol>
-                <a:gridCol w="1469851">
+                <a:gridCol w="1501871">
                   <a:extLst>
                     <a:ext uri="{9D8B030D-6E8A-4147-A177-3AD203B41FA5}">
                       <a16:colId xmlns:a16="http://schemas.microsoft.com/office/drawing/2014/main" val="20001"/>
                     </a:ext>
                   </a:extLst>
                 </a:gridCol>
-                <a:gridCol w="2949725">
+                <a:gridCol w="3013982">
                   <a:extLst>
                     <a:ext uri="{9D8B030D-6E8A-4147-A177-3AD203B41FA5}">
                       <a16:colId xmlns:a16="http://schemas.microsoft.com/office/drawing/2014/main" val="20002"/>
@@ -39198,9 +37415,11 @@
                       <a:headEnd type="none" w="med" len="med"/>
                       <a:tailEnd type="none" w="med" len="med"/>
                     </a:lnT>
-                    <a:lnB w="3556" cap="flat" cmpd="sng" algn="ctr">
-                      <a:solidFill>
-                        <a:srgbClr val="000000"/>
+                    <a:lnB w="12700" cap="flat" cmpd="sng" algn="ctr">
+                      <a:solidFill>
+                        <a:schemeClr val="bg1">
+                          <a:lumMod val="75000"/>
+                        </a:schemeClr>
                       </a:solidFill>
                       <a:prstDash val="solid"/>
                       <a:round/>
@@ -39277,9 +37496,11 @@
                       <a:headEnd type="none" w="med" len="med"/>
                       <a:tailEnd type="none" w="med" len="med"/>
                     </a:lnT>
-                    <a:lnB w="3556" cap="flat" cmpd="sng" algn="ctr">
-                      <a:solidFill>
-                        <a:srgbClr val="000000"/>
+                    <a:lnB w="12700" cap="flat" cmpd="sng" algn="ctr">
+                      <a:solidFill>
+                        <a:schemeClr val="bg1">
+                          <a:lumMod val="75000"/>
+                        </a:schemeClr>
                       </a:solidFill>
                       <a:prstDash val="solid"/>
                       <a:round/>
@@ -39356,9 +37577,11 @@
                       <a:headEnd type="none" w="med" len="med"/>
                       <a:tailEnd type="none" w="med" len="med"/>
                     </a:lnT>
-                    <a:lnB w="3556" cap="flat" cmpd="sng" algn="ctr">
-                      <a:solidFill>
-                        <a:srgbClr val="000000"/>
+                    <a:lnB w="12700" cap="flat" cmpd="sng" algn="ctr">
+                      <a:solidFill>
+                        <a:schemeClr val="bg1">
+                          <a:lumMod val="75000"/>
+                        </a:schemeClr>
                       </a:solidFill>
                       <a:prstDash val="solid"/>
                       <a:round/>
@@ -39385,30 +37608,73 @@
                     <a:bodyPr/>
                     <a:lstStyle/>
                     <a:p>
-                      <a:pPr latinLnBrk="1"/>
+                      <a:pPr algn="ctr" latinLnBrk="1"/>
                       <a:r>
-                        <a:rPr lang="en-US" altLang="ko-KR" sz="1100" dirty="0">
+                        <a:rPr lang="en-US" altLang="ko-KR" sz="900" dirty="0">
                           <a:latin typeface="+mn-ea"/>
                           <a:ea typeface="+mn-ea"/>
                         </a:rPr>
                         <a:t>H/W</a:t>
                       </a:r>
-                      <a:endParaRPr lang="ko-KR" altLang="en-US" sz="1100" dirty="0">
+                      <a:endParaRPr lang="ko-KR" altLang="en-US" sz="900" dirty="0">
                         <a:latin typeface="+mn-ea"/>
                         <a:ea typeface="+mn-ea"/>
                       </a:endParaRPr>
                     </a:p>
                   </a:txBody>
                   <a:tcPr anchor="ctr">
-                    <a:lnT w="3556" cap="flat" cmpd="sng" algn="ctr">
-                      <a:solidFill>
-                        <a:srgbClr val="000000"/>
+                    <a:lnL w="12700" cap="flat" cmpd="sng" algn="ctr">
+                      <a:solidFill>
+                        <a:schemeClr val="bg1">
+                          <a:lumMod val="75000"/>
+                        </a:schemeClr>
+                      </a:solidFill>
+                      <a:prstDash val="solid"/>
+                      <a:round/>
+                      <a:headEnd type="none" w="med" len="med"/>
+                      <a:tailEnd type="none" w="med" len="med"/>
+                    </a:lnL>
+                    <a:lnR w="12700" cap="flat" cmpd="sng" algn="ctr">
+                      <a:solidFill>
+                        <a:schemeClr val="bg1">
+                          <a:lumMod val="75000"/>
+                        </a:schemeClr>
+                      </a:solidFill>
+                      <a:prstDash val="solid"/>
+                      <a:round/>
+                      <a:headEnd type="none" w="med" len="med"/>
+                      <a:tailEnd type="none" w="med" len="med"/>
+                    </a:lnR>
+                    <a:lnT w="12700" cap="flat" cmpd="sng" algn="ctr">
+                      <a:solidFill>
+                        <a:schemeClr val="bg1">
+                          <a:lumMod val="75000"/>
+                        </a:schemeClr>
                       </a:solidFill>
                       <a:prstDash val="solid"/>
                       <a:round/>
                       <a:headEnd type="none" w="med" len="med"/>
                       <a:tailEnd type="none" w="med" len="med"/>
                     </a:lnT>
+                    <a:lnB w="12700" cap="flat" cmpd="sng" algn="ctr">
+                      <a:solidFill>
+                        <a:schemeClr val="bg1">
+                          <a:lumMod val="75000"/>
+                        </a:schemeClr>
+                      </a:solidFill>
+                      <a:prstDash val="solid"/>
+                      <a:round/>
+                      <a:headEnd type="none" w="med" len="med"/>
+                      <a:tailEnd type="none" w="med" len="med"/>
+                    </a:lnB>
+                    <a:lnTlToBr w="12700" cmpd="sng">
+                      <a:noFill/>
+                      <a:prstDash val="solid"/>
+                    </a:lnTlToBr>
+                    <a:lnBlToTr w="12700" cmpd="sng">
+                      <a:noFill/>
+                      <a:prstDash val="solid"/>
+                    </a:lnBlToTr>
                   </a:tcPr>
                 </a:tc>
                 <a:tc>
@@ -39428,7 +37694,7 @@
                         </a:spcAft>
                       </a:pPr>
                       <a:r>
-                        <a:rPr lang="ko-KR" altLang="en-US" sz="1100" kern="0" spc="0" dirty="0" err="1">
+                        <a:rPr lang="ko-KR" altLang="en-US" sz="900" kern="0" spc="0" dirty="0" err="1">
                           <a:solidFill>
                             <a:srgbClr val="000000"/>
                           </a:solidFill>
@@ -39438,7 +37704,7 @@
                         </a:rPr>
                         <a:t>라즈베리파이</a:t>
                       </a:r>
-                      <a:endParaRPr lang="ko-KR" altLang="en-US" sz="1100" kern="0" spc="0" dirty="0">
+                      <a:endParaRPr lang="ko-KR" altLang="en-US" sz="900" kern="0" spc="0" dirty="0">
                         <a:solidFill>
                           <a:srgbClr val="000000"/>
                         </a:solidFill>
@@ -39449,33 +37715,58 @@
                     </a:p>
                   </a:txBody>
                   <a:tcPr marL="30996" marR="30996" marT="8571" marB="8571" anchor="ctr">
-                    <a:lnR w="3556" cap="flat" cmpd="sng" algn="ctr">
-                      <a:solidFill>
-                        <a:srgbClr val="000000"/>
+                    <a:lnL w="12700" cap="flat" cmpd="sng" algn="ctr">
+                      <a:solidFill>
+                        <a:schemeClr val="bg1">
+                          <a:lumMod val="75000"/>
+                        </a:schemeClr>
+                      </a:solidFill>
+                      <a:prstDash val="solid"/>
+                      <a:round/>
+                      <a:headEnd type="none" w="med" len="med"/>
+                      <a:tailEnd type="none" w="med" len="med"/>
+                    </a:lnL>
+                    <a:lnR w="12700" cap="flat" cmpd="sng" algn="ctr">
+                      <a:solidFill>
+                        <a:schemeClr val="bg1">
+                          <a:lumMod val="75000"/>
+                        </a:schemeClr>
                       </a:solidFill>
                       <a:prstDash val="solid"/>
                       <a:round/>
                       <a:headEnd type="none" w="med" len="med"/>
                       <a:tailEnd type="none" w="med" len="med"/>
                     </a:lnR>
-                    <a:lnT w="3556" cap="flat" cmpd="sng" algn="ctr">
-                      <a:solidFill>
-                        <a:srgbClr val="000000"/>
+                    <a:lnT w="12700" cap="flat" cmpd="sng" algn="ctr">
+                      <a:solidFill>
+                        <a:schemeClr val="bg1">
+                          <a:lumMod val="75000"/>
+                        </a:schemeClr>
                       </a:solidFill>
                       <a:prstDash val="solid"/>
                       <a:round/>
                       <a:headEnd type="none" w="med" len="med"/>
                       <a:tailEnd type="none" w="med" len="med"/>
                     </a:lnT>
-                    <a:lnB w="3556" cap="flat" cmpd="sng" algn="ctr">
-                      <a:solidFill>
-                        <a:srgbClr val="000000"/>
+                    <a:lnB w="12700" cap="flat" cmpd="sng" algn="ctr">
+                      <a:solidFill>
+                        <a:schemeClr val="bg1">
+                          <a:lumMod val="75000"/>
+                        </a:schemeClr>
                       </a:solidFill>
                       <a:prstDash val="solid"/>
                       <a:round/>
                       <a:headEnd type="none" w="med" len="med"/>
                       <a:tailEnd type="none" w="med" len="med"/>
                     </a:lnB>
+                    <a:lnTlToBr w="12700" cmpd="sng">
+                      <a:noFill/>
+                      <a:prstDash val="solid"/>
+                    </a:lnTlToBr>
+                    <a:lnBlToTr w="12700" cmpd="sng">
+                      <a:noFill/>
+                      <a:prstDash val="solid"/>
+                    </a:lnBlToTr>
                   </a:tcPr>
                 </a:tc>
                 <a:tc>
@@ -39501,7 +37792,7 @@
                         <a:defRPr/>
                       </a:pPr>
                       <a:r>
-                        <a:rPr lang="ko-KR" altLang="en-US" sz="1100" kern="0" spc="0" dirty="0">
+                        <a:rPr lang="ko-KR" altLang="en-US" sz="900" kern="0" spc="0" dirty="0">
                           <a:solidFill>
                             <a:srgbClr val="000000"/>
                           </a:solidFill>
@@ -39512,7 +37803,7 @@
                         <a:t>영상 처리를 진행하는데</a:t>
                       </a:r>
                       <a:r>
-                        <a:rPr lang="en-US" altLang="ko-KR" sz="1100" kern="0" spc="0" dirty="0">
+                        <a:rPr lang="en-US" altLang="ko-KR" sz="900" kern="0" spc="0" dirty="0">
                           <a:solidFill>
                             <a:srgbClr val="000000"/>
                           </a:solidFill>
@@ -39523,7 +37814,7 @@
                         <a:t>, </a:t>
                       </a:r>
                       <a:r>
-                        <a:rPr lang="ko-KR" altLang="en-US" sz="1100" kern="0" spc="0" dirty="0">
+                        <a:rPr lang="ko-KR" altLang="en-US" sz="900" kern="0" spc="0" dirty="0">
                           <a:solidFill>
                             <a:srgbClr val="000000"/>
                           </a:solidFill>
@@ -39531,10 +37822,10 @@
                           <a:latin typeface="+mn-ea"/>
                           <a:ea typeface="+mn-ea"/>
                         </a:rPr>
-                        <a:t>필요한 연산처리를 진행하는 컴퓨터의 역할을 한다</a:t>
+                        <a:t>필요한 연산처리를 진행하는 컴퓨터의 역할을 함</a:t>
                       </a:r>
                       <a:r>
-                        <a:rPr lang="en-US" altLang="ko-KR" sz="1100" kern="0" spc="0" dirty="0">
+                        <a:rPr lang="en-US" altLang="ko-KR" sz="900" kern="0" spc="0" dirty="0">
                           <a:solidFill>
                             <a:srgbClr val="000000"/>
                           </a:solidFill>
@@ -39544,7 +37835,7 @@
                         </a:rPr>
                         <a:t>.</a:t>
                       </a:r>
-                      <a:endParaRPr lang="ko-KR" altLang="en-US" sz="1100" kern="0" spc="0" dirty="0">
+                      <a:endParaRPr lang="ko-KR" altLang="en-US" sz="900" kern="0" spc="0" dirty="0">
                         <a:solidFill>
                           <a:srgbClr val="000000"/>
                         </a:solidFill>
@@ -39555,42 +37846,58 @@
                     </a:p>
                   </a:txBody>
                   <a:tcPr marL="30996" marR="30996" marT="8571" marB="8571" anchor="ctr">
-                    <a:lnL w="3556" cap="flat" cmpd="sng" algn="ctr">
-                      <a:solidFill>
-                        <a:srgbClr val="000000"/>
+                    <a:lnL w="12700" cap="flat" cmpd="sng" algn="ctr">
+                      <a:solidFill>
+                        <a:schemeClr val="bg1">
+                          <a:lumMod val="75000"/>
+                        </a:schemeClr>
                       </a:solidFill>
                       <a:prstDash val="solid"/>
                       <a:round/>
                       <a:headEnd type="none" w="med" len="med"/>
                       <a:tailEnd type="none" w="med" len="med"/>
                     </a:lnL>
-                    <a:lnR w="3556" cap="flat" cmpd="sng" algn="ctr">
-                      <a:solidFill>
-                        <a:srgbClr val="000000"/>
+                    <a:lnR w="12700" cap="flat" cmpd="sng" algn="ctr">
+                      <a:solidFill>
+                        <a:schemeClr val="bg1">
+                          <a:lumMod val="75000"/>
+                        </a:schemeClr>
                       </a:solidFill>
                       <a:prstDash val="solid"/>
                       <a:round/>
                       <a:headEnd type="none" w="med" len="med"/>
                       <a:tailEnd type="none" w="med" len="med"/>
                     </a:lnR>
-                    <a:lnT w="3556" cap="flat" cmpd="sng" algn="ctr">
-                      <a:solidFill>
-                        <a:srgbClr val="000000"/>
+                    <a:lnT w="12700" cap="flat" cmpd="sng" algn="ctr">
+                      <a:solidFill>
+                        <a:schemeClr val="bg1">
+                          <a:lumMod val="75000"/>
+                        </a:schemeClr>
                       </a:solidFill>
                       <a:prstDash val="solid"/>
                       <a:round/>
                       <a:headEnd type="none" w="med" len="med"/>
                       <a:tailEnd type="none" w="med" len="med"/>
                     </a:lnT>
-                    <a:lnB w="3556" cap="flat" cmpd="sng" algn="ctr">
-                      <a:solidFill>
-                        <a:srgbClr val="000000"/>
+                    <a:lnB w="12700" cap="flat" cmpd="sng" algn="ctr">
+                      <a:solidFill>
+                        <a:schemeClr val="bg1">
+                          <a:lumMod val="75000"/>
+                        </a:schemeClr>
                       </a:solidFill>
                       <a:prstDash val="solid"/>
                       <a:round/>
                       <a:headEnd type="none" w="med" len="med"/>
                       <a:tailEnd type="none" w="med" len="med"/>
                     </a:lnB>
+                    <a:lnTlToBr w="12700" cmpd="sng">
+                      <a:noFill/>
+                      <a:prstDash val="solid"/>
+                    </a:lnTlToBr>
+                    <a:lnBlToTr w="12700" cmpd="sng">
+                      <a:noFill/>
+                      <a:prstDash val="solid"/>
+                    </a:lnBlToTr>
                   </a:tcPr>
                 </a:tc>
                 <a:extLst>
@@ -39641,7 +37948,7 @@
                         </a:spcAft>
                       </a:pPr>
                       <a:r>
-                        <a:rPr lang="ko-KR" altLang="en-US" sz="1100" kern="0" spc="0" dirty="0">
+                        <a:rPr lang="ko-KR" altLang="en-US" sz="900" kern="0" spc="0" dirty="0">
                           <a:solidFill>
                             <a:srgbClr val="000000"/>
                           </a:solidFill>
@@ -39654,42 +37961,58 @@
                     </a:p>
                   </a:txBody>
                   <a:tcPr marL="30996" marR="30996" marT="8571" marB="8571" anchor="ctr">
-                    <a:lnL w="3556" cap="flat" cmpd="sng" algn="ctr">
-                      <a:solidFill>
-                        <a:srgbClr val="000000"/>
+                    <a:lnL w="12700" cap="flat" cmpd="sng" algn="ctr">
+                      <a:solidFill>
+                        <a:schemeClr val="bg1">
+                          <a:lumMod val="75000"/>
+                        </a:schemeClr>
                       </a:solidFill>
                       <a:prstDash val="solid"/>
                       <a:round/>
                       <a:headEnd type="none" w="med" len="med"/>
                       <a:tailEnd type="none" w="med" len="med"/>
                     </a:lnL>
-                    <a:lnR w="3556" cap="flat" cmpd="sng" algn="ctr">
-                      <a:solidFill>
-                        <a:srgbClr val="000000"/>
+                    <a:lnR w="12700" cap="flat" cmpd="sng" algn="ctr">
+                      <a:solidFill>
+                        <a:schemeClr val="bg1">
+                          <a:lumMod val="75000"/>
+                        </a:schemeClr>
                       </a:solidFill>
                       <a:prstDash val="solid"/>
                       <a:round/>
                       <a:headEnd type="none" w="med" len="med"/>
                       <a:tailEnd type="none" w="med" len="med"/>
                     </a:lnR>
-                    <a:lnT w="3556" cap="flat" cmpd="sng" algn="ctr">
-                      <a:solidFill>
-                        <a:srgbClr val="000000"/>
+                    <a:lnT w="12700" cap="flat" cmpd="sng" algn="ctr">
+                      <a:solidFill>
+                        <a:schemeClr val="bg1">
+                          <a:lumMod val="75000"/>
+                        </a:schemeClr>
                       </a:solidFill>
                       <a:prstDash val="solid"/>
                       <a:round/>
                       <a:headEnd type="none" w="med" len="med"/>
                       <a:tailEnd type="none" w="med" len="med"/>
                     </a:lnT>
-                    <a:lnB w="3556" cap="flat" cmpd="sng" algn="ctr">
-                      <a:solidFill>
-                        <a:srgbClr val="000000"/>
+                    <a:lnB w="12700" cap="flat" cmpd="sng" algn="ctr">
+                      <a:solidFill>
+                        <a:schemeClr val="bg1">
+                          <a:lumMod val="75000"/>
+                        </a:schemeClr>
                       </a:solidFill>
                       <a:prstDash val="solid"/>
                       <a:round/>
                       <a:headEnd type="none" w="med" len="med"/>
                       <a:tailEnd type="none" w="med" len="med"/>
                     </a:lnB>
+                    <a:lnTlToBr w="12700" cmpd="sng">
+                      <a:noFill/>
+                      <a:prstDash val="solid"/>
+                    </a:lnTlToBr>
+                    <a:lnBlToTr w="12700" cmpd="sng">
+                      <a:noFill/>
+                      <a:prstDash val="solid"/>
+                    </a:lnBlToTr>
                   </a:tcPr>
                 </a:tc>
                 <a:tc>
@@ -39709,7 +38032,7 @@
                         </a:spcAft>
                       </a:pPr>
                       <a:r>
-                        <a:rPr lang="ko-KR" altLang="en-US" sz="1100" kern="0" spc="0" dirty="0">
+                        <a:rPr lang="ko-KR" altLang="en-US" sz="900" kern="0" spc="0" dirty="0">
                           <a:solidFill>
                             <a:srgbClr val="000000"/>
                           </a:solidFill>
@@ -39720,7 +38043,7 @@
                         <a:t>버스 정거장의 </a:t>
                       </a:r>
                       <a:r>
-                        <a:rPr lang="en-US" altLang="ko-KR" sz="1100" kern="0" spc="0" dirty="0">
+                        <a:rPr lang="en-US" altLang="ko-KR" sz="900" kern="0" spc="0" dirty="0">
                           <a:solidFill>
                             <a:srgbClr val="000000"/>
                           </a:solidFill>
@@ -39731,7 +38054,7 @@
                         <a:t>CCTV</a:t>
                       </a:r>
                       <a:r>
-                        <a:rPr lang="ko-KR" altLang="en-US" sz="1100" kern="0" spc="0" dirty="0">
+                        <a:rPr lang="ko-KR" altLang="en-US" sz="900" kern="0" spc="0" dirty="0">
                           <a:solidFill>
                             <a:srgbClr val="000000"/>
                           </a:solidFill>
@@ -39742,7 +38065,7 @@
                         <a:t>를 대신하는 구현으로</a:t>
                       </a:r>
                       <a:r>
-                        <a:rPr lang="en-US" altLang="ko-KR" sz="1100" kern="0" spc="0" dirty="0">
+                        <a:rPr lang="en-US" altLang="ko-KR" sz="900" kern="0" spc="0" dirty="0">
                           <a:solidFill>
                             <a:srgbClr val="000000"/>
                           </a:solidFill>
@@ -39753,7 +38076,7 @@
                         <a:t> </a:t>
                       </a:r>
                       <a:r>
-                        <a:rPr lang="ko-KR" altLang="en-US" sz="1100" kern="0" spc="0" dirty="0">
+                        <a:rPr lang="ko-KR" altLang="en-US" sz="900" kern="0" spc="0" dirty="0">
                           <a:solidFill>
                             <a:srgbClr val="000000"/>
                           </a:solidFill>
@@ -39764,7 +38087,7 @@
                         <a:t>재료로서</a:t>
                       </a:r>
                       <a:r>
-                        <a:rPr lang="en-US" altLang="ko-KR" sz="1100" kern="0" spc="0" dirty="0">
+                        <a:rPr lang="en-US" altLang="ko-KR" sz="900" kern="0" spc="0" dirty="0">
                           <a:solidFill>
                             <a:srgbClr val="000000"/>
                           </a:solidFill>
@@ -39775,7 +38098,7 @@
                         <a:t>, </a:t>
                       </a:r>
                       <a:r>
-                        <a:rPr lang="ko-KR" altLang="en-US" sz="1100" kern="0" spc="0" dirty="0">
+                        <a:rPr lang="ko-KR" altLang="en-US" sz="900" kern="0" spc="0" dirty="0">
                           <a:solidFill>
                             <a:srgbClr val="000000"/>
                           </a:solidFill>
@@ -39786,7 +38109,7 @@
                         <a:t>대기인원을 측정</a:t>
                       </a:r>
                       <a:r>
-                        <a:rPr lang="en-US" altLang="ko-KR" sz="1100" kern="0" spc="0" dirty="0">
+                        <a:rPr lang="en-US" altLang="ko-KR" sz="900" kern="0" spc="0" dirty="0">
                           <a:solidFill>
                             <a:srgbClr val="000000"/>
                           </a:solidFill>
@@ -39797,7 +38120,7 @@
                         <a:t>, </a:t>
                       </a:r>
                       <a:r>
-                        <a:rPr lang="ko-KR" altLang="en-US" sz="1100" kern="0" spc="0" dirty="0">
+                        <a:rPr lang="ko-KR" altLang="en-US" sz="900" kern="0" spc="0" dirty="0">
                           <a:solidFill>
                             <a:srgbClr val="000000"/>
                           </a:solidFill>
@@ -39808,7 +38131,7 @@
                         <a:t>그 인원의 파악을 도움</a:t>
                       </a:r>
                       <a:r>
-                        <a:rPr lang="en-US" altLang="ko-KR" sz="1100" kern="0" spc="0" dirty="0">
+                        <a:rPr lang="en-US" altLang="ko-KR" sz="900" kern="0" spc="0" dirty="0">
                           <a:solidFill>
                             <a:srgbClr val="000000"/>
                           </a:solidFill>
@@ -39818,7 +38141,7 @@
                         </a:rPr>
                         <a:t>.</a:t>
                       </a:r>
-                      <a:endParaRPr lang="ko-KR" altLang="en-US" sz="1100" kern="0" spc="0" dirty="0">
+                      <a:endParaRPr lang="ko-KR" altLang="en-US" sz="900" kern="0" spc="0" dirty="0">
                         <a:solidFill>
                           <a:srgbClr val="000000"/>
                         </a:solidFill>
@@ -39829,42 +38152,58 @@
                     </a:p>
                   </a:txBody>
                   <a:tcPr marL="30996" marR="30996" marT="8571" marB="8571" anchor="ctr">
-                    <a:lnL w="3556" cap="flat" cmpd="sng" algn="ctr">
-                      <a:solidFill>
-                        <a:srgbClr val="000000"/>
+                    <a:lnL w="12700" cap="flat" cmpd="sng" algn="ctr">
+                      <a:solidFill>
+                        <a:schemeClr val="bg1">
+                          <a:lumMod val="75000"/>
+                        </a:schemeClr>
                       </a:solidFill>
                       <a:prstDash val="solid"/>
                       <a:round/>
                       <a:headEnd type="none" w="med" len="med"/>
                       <a:tailEnd type="none" w="med" len="med"/>
                     </a:lnL>
-                    <a:lnR w="3556" cap="flat" cmpd="sng" algn="ctr">
-                      <a:solidFill>
-                        <a:srgbClr val="000000"/>
+                    <a:lnR w="12700" cap="flat" cmpd="sng" algn="ctr">
+                      <a:solidFill>
+                        <a:schemeClr val="bg1">
+                          <a:lumMod val="75000"/>
+                        </a:schemeClr>
                       </a:solidFill>
                       <a:prstDash val="solid"/>
                       <a:round/>
                       <a:headEnd type="none" w="med" len="med"/>
                       <a:tailEnd type="none" w="med" len="med"/>
                     </a:lnR>
-                    <a:lnT w="3556" cap="flat" cmpd="sng" algn="ctr">
-                      <a:solidFill>
-                        <a:srgbClr val="000000"/>
+                    <a:lnT w="12700" cap="flat" cmpd="sng" algn="ctr">
+                      <a:solidFill>
+                        <a:schemeClr val="bg1">
+                          <a:lumMod val="75000"/>
+                        </a:schemeClr>
                       </a:solidFill>
                       <a:prstDash val="solid"/>
                       <a:round/>
                       <a:headEnd type="none" w="med" len="med"/>
                       <a:tailEnd type="none" w="med" len="med"/>
                     </a:lnT>
-                    <a:lnB w="3556" cap="flat" cmpd="sng" algn="ctr">
-                      <a:solidFill>
-                        <a:srgbClr val="000000"/>
+                    <a:lnB w="12700" cap="flat" cmpd="sng" algn="ctr">
+                      <a:solidFill>
+                        <a:schemeClr val="bg1">
+                          <a:lumMod val="75000"/>
+                        </a:schemeClr>
                       </a:solidFill>
                       <a:prstDash val="solid"/>
                       <a:round/>
                       <a:headEnd type="none" w="med" len="med"/>
                       <a:tailEnd type="none" w="med" len="med"/>
                     </a:lnB>
+                    <a:lnTlToBr w="12700" cmpd="sng">
+                      <a:noFill/>
+                      <a:prstDash val="solid"/>
+                    </a:lnTlToBr>
+                    <a:lnBlToTr w="12700" cmpd="sng">
+                      <a:noFill/>
+                      <a:prstDash val="solid"/>
+                    </a:lnBlToTr>
                   </a:tcPr>
                 </a:tc>
                 <a:extLst>
@@ -39902,7 +38241,7 @@
                         </a:spcAft>
                       </a:pPr>
                       <a:r>
-                        <a:rPr lang="ko-KR" altLang="en-US" sz="1100" kern="0" spc="0" dirty="0" err="1">
+                        <a:rPr lang="ko-KR" altLang="en-US" sz="900" kern="0" spc="0" dirty="0" err="1">
                           <a:solidFill>
                             <a:srgbClr val="000000"/>
                           </a:solidFill>
@@ -39913,7 +38252,7 @@
                         <a:t>라즈베리파이</a:t>
                       </a:r>
                       <a:r>
-                        <a:rPr lang="ko-KR" altLang="en-US" sz="1100" kern="0" spc="0" dirty="0">
+                        <a:rPr lang="ko-KR" altLang="en-US" sz="900" kern="0" spc="0" dirty="0">
                           <a:solidFill>
                             <a:srgbClr val="000000"/>
                           </a:solidFill>
@@ -39926,42 +38265,58 @@
                     </a:p>
                   </a:txBody>
                   <a:tcPr marL="30996" marR="30996" marT="8571" marB="8571" anchor="ctr">
-                    <a:lnL w="3556" cap="flat" cmpd="sng" algn="ctr">
-                      <a:solidFill>
-                        <a:srgbClr val="000000"/>
+                    <a:lnL w="12700" cap="flat" cmpd="sng" algn="ctr">
+                      <a:solidFill>
+                        <a:schemeClr val="bg1">
+                          <a:lumMod val="75000"/>
+                        </a:schemeClr>
                       </a:solidFill>
                       <a:prstDash val="solid"/>
                       <a:round/>
                       <a:headEnd type="none" w="med" len="med"/>
                       <a:tailEnd type="none" w="med" len="med"/>
                     </a:lnL>
-                    <a:lnR w="3556" cap="flat" cmpd="sng" algn="ctr">
-                      <a:solidFill>
-                        <a:srgbClr val="000000"/>
+                    <a:lnR w="12700" cap="flat" cmpd="sng" algn="ctr">
+                      <a:solidFill>
+                        <a:schemeClr val="bg1">
+                          <a:lumMod val="75000"/>
+                        </a:schemeClr>
                       </a:solidFill>
                       <a:prstDash val="solid"/>
                       <a:round/>
                       <a:headEnd type="none" w="med" len="med"/>
                       <a:tailEnd type="none" w="med" len="med"/>
                     </a:lnR>
-                    <a:lnT w="3556" cap="flat" cmpd="sng" algn="ctr">
-                      <a:solidFill>
-                        <a:srgbClr val="000000"/>
+                    <a:lnT w="12700" cap="flat" cmpd="sng" algn="ctr">
+                      <a:solidFill>
+                        <a:schemeClr val="bg1">
+                          <a:lumMod val="75000"/>
+                        </a:schemeClr>
                       </a:solidFill>
                       <a:prstDash val="solid"/>
                       <a:round/>
                       <a:headEnd type="none" w="med" len="med"/>
                       <a:tailEnd type="none" w="med" len="med"/>
                     </a:lnT>
-                    <a:lnB w="3556" cap="flat" cmpd="sng" algn="ctr">
-                      <a:solidFill>
-                        <a:srgbClr val="000000"/>
+                    <a:lnB w="12700" cap="flat" cmpd="sng" algn="ctr">
+                      <a:solidFill>
+                        <a:schemeClr val="bg1">
+                          <a:lumMod val="75000"/>
+                        </a:schemeClr>
                       </a:solidFill>
                       <a:prstDash val="solid"/>
                       <a:round/>
                       <a:headEnd type="none" w="med" len="med"/>
                       <a:tailEnd type="none" w="med" len="med"/>
                     </a:lnB>
+                    <a:lnTlToBr w="12700" cmpd="sng">
+                      <a:noFill/>
+                      <a:prstDash val="solid"/>
+                    </a:lnTlToBr>
+                    <a:lnBlToTr w="12700" cmpd="sng">
+                      <a:noFill/>
+                      <a:prstDash val="solid"/>
+                    </a:lnBlToTr>
                   </a:tcPr>
                 </a:tc>
                 <a:tc>
@@ -39981,7 +38336,7 @@
                         </a:spcAft>
                       </a:pPr>
                       <a:r>
-                        <a:rPr lang="ko-KR" altLang="en-US" sz="1100" kern="0" spc="0" dirty="0">
+                        <a:rPr lang="ko-KR" altLang="en-US" sz="900" kern="0" spc="0" dirty="0">
                           <a:solidFill>
                             <a:srgbClr val="000000"/>
                           </a:solidFill>
@@ -39992,7 +38347,7 @@
                         <a:t>야외에서 하드웨어를 설치하는것과 더불어</a:t>
                       </a:r>
                       <a:r>
-                        <a:rPr lang="en-US" altLang="ko-KR" sz="1100" kern="0" spc="0" dirty="0">
+                        <a:rPr lang="en-US" altLang="ko-KR" sz="900" kern="0" spc="0" dirty="0">
                           <a:solidFill>
                             <a:srgbClr val="000000"/>
                           </a:solidFill>
@@ -40003,7 +38358,7 @@
                         <a:t>, </a:t>
                       </a:r>
                       <a:r>
-                        <a:rPr lang="ko-KR" altLang="en-US" sz="1100" kern="0" spc="0" dirty="0">
+                        <a:rPr lang="ko-KR" altLang="en-US" sz="900" kern="0" spc="0" dirty="0">
                           <a:solidFill>
                             <a:srgbClr val="000000"/>
                           </a:solidFill>
@@ -40011,42 +38366,10 @@
                           <a:latin typeface="+mn-ea"/>
                           <a:ea typeface="+mn-ea"/>
                         </a:rPr>
-                        <a:t>여름의 기온이 높은 날씨에 측정을 </a:t>
-                      </a:r>
-                      <a:endParaRPr lang="en-US" altLang="ko-KR" sz="1100" kern="0" spc="0" dirty="0">
-                        <a:solidFill>
-                          <a:srgbClr val="000000"/>
-                        </a:solidFill>
-                        <a:effectLst/>
-                        <a:latin typeface="+mn-ea"/>
-                        <a:ea typeface="+mn-ea"/>
-                      </a:endParaRPr>
-                    </a:p>
-                    <a:p>
-                      <a:pPr marL="0" marR="0" indent="0" algn="just" fontAlgn="base" latinLnBrk="1">
-                        <a:lnSpc>
-                          <a:spcPct val="160000"/>
-                        </a:lnSpc>
-                        <a:spcBef>
-                          <a:spcPts val="0"/>
-                        </a:spcBef>
-                        <a:spcAft>
-                          <a:spcPts val="0"/>
-                        </a:spcAft>
-                      </a:pPr>
-                      <a:r>
-                        <a:rPr lang="ko-KR" altLang="en-US" sz="1100" kern="0" spc="0" dirty="0">
-                          <a:solidFill>
-                            <a:srgbClr val="000000"/>
-                          </a:solidFill>
-                          <a:effectLst/>
-                          <a:latin typeface="+mn-ea"/>
-                          <a:ea typeface="+mn-ea"/>
-                        </a:rPr>
-                        <a:t>진행함으로써 전자기기의 발열을 줄이기위해 이용</a:t>
+                        <a:t>여름의 기온이 높은 날씨에 측정을 진행함으로써 전자기기의 발열을 줄이기위해 이용</a:t>
                       </a:r>
                       <a:r>
-                        <a:rPr lang="en-US" altLang="ko-KR" sz="1100" kern="0" spc="0" dirty="0">
+                        <a:rPr lang="en-US" altLang="ko-KR" sz="900" kern="0" spc="0" dirty="0">
                           <a:solidFill>
                             <a:srgbClr val="000000"/>
                           </a:solidFill>
@@ -40056,7 +38379,7 @@
                         </a:rPr>
                         <a:t>.</a:t>
                       </a:r>
-                      <a:endParaRPr lang="ko-KR" altLang="en-US" sz="1100" kern="0" spc="0" dirty="0">
+                      <a:endParaRPr lang="ko-KR" altLang="en-US" sz="900" kern="0" spc="0" dirty="0">
                         <a:solidFill>
                           <a:srgbClr val="000000"/>
                         </a:solidFill>
@@ -40067,42 +38390,58 @@
                     </a:p>
                   </a:txBody>
                   <a:tcPr marL="30996" marR="30996" marT="8571" marB="8571" anchor="ctr">
-                    <a:lnL w="3556" cap="flat" cmpd="sng" algn="ctr">
-                      <a:solidFill>
-                        <a:srgbClr val="000000"/>
+                    <a:lnL w="12700" cap="flat" cmpd="sng" algn="ctr">
+                      <a:solidFill>
+                        <a:schemeClr val="bg1">
+                          <a:lumMod val="75000"/>
+                        </a:schemeClr>
                       </a:solidFill>
                       <a:prstDash val="solid"/>
                       <a:round/>
                       <a:headEnd type="none" w="med" len="med"/>
                       <a:tailEnd type="none" w="med" len="med"/>
                     </a:lnL>
-                    <a:lnR w="3556" cap="flat" cmpd="sng" algn="ctr">
-                      <a:solidFill>
-                        <a:srgbClr val="000000"/>
+                    <a:lnR w="12700" cap="flat" cmpd="sng" algn="ctr">
+                      <a:solidFill>
+                        <a:schemeClr val="bg1">
+                          <a:lumMod val="75000"/>
+                        </a:schemeClr>
                       </a:solidFill>
                       <a:prstDash val="solid"/>
                       <a:round/>
                       <a:headEnd type="none" w="med" len="med"/>
                       <a:tailEnd type="none" w="med" len="med"/>
                     </a:lnR>
-                    <a:lnT w="3556" cap="flat" cmpd="sng" algn="ctr">
-                      <a:solidFill>
-                        <a:srgbClr val="000000"/>
+                    <a:lnT w="12700" cap="flat" cmpd="sng" algn="ctr">
+                      <a:solidFill>
+                        <a:schemeClr val="bg1">
+                          <a:lumMod val="75000"/>
+                        </a:schemeClr>
                       </a:solidFill>
                       <a:prstDash val="solid"/>
                       <a:round/>
                       <a:headEnd type="none" w="med" len="med"/>
                       <a:tailEnd type="none" w="med" len="med"/>
                     </a:lnT>
-                    <a:lnB w="3556" cap="flat" cmpd="sng" algn="ctr">
-                      <a:solidFill>
-                        <a:srgbClr val="000000"/>
+                    <a:lnB w="12700" cap="flat" cmpd="sng" algn="ctr">
+                      <a:solidFill>
+                        <a:schemeClr val="bg1">
+                          <a:lumMod val="75000"/>
+                        </a:schemeClr>
                       </a:solidFill>
                       <a:prstDash val="solid"/>
                       <a:round/>
                       <a:headEnd type="none" w="med" len="med"/>
                       <a:tailEnd type="none" w="med" len="med"/>
                     </a:lnB>
+                    <a:lnTlToBr w="12700" cmpd="sng">
+                      <a:noFill/>
+                      <a:prstDash val="solid"/>
+                    </a:lnTlToBr>
+                    <a:lnBlToTr w="12700" cmpd="sng">
+                      <a:noFill/>
+                      <a:prstDash val="solid"/>
+                    </a:lnBlToTr>
                   </a:tcPr>
                 </a:tc>
                 <a:extLst>
@@ -40140,7 +38479,7 @@
                         </a:spcAft>
                       </a:pPr>
                       <a:r>
-                        <a:rPr lang="ko-KR" altLang="en-US" sz="1100" kern="0" spc="0" dirty="0">
+                        <a:rPr lang="ko-KR" altLang="en-US" sz="900" kern="0" spc="0" dirty="0">
                           <a:solidFill>
                             <a:srgbClr val="000000"/>
                           </a:solidFill>
@@ -40153,42 +38492,58 @@
                     </a:p>
                   </a:txBody>
                   <a:tcPr marL="30996" marR="30996" marT="8571" marB="8571" anchor="ctr">
-                    <a:lnL w="3556" cap="flat" cmpd="sng" algn="ctr">
-                      <a:solidFill>
-                        <a:srgbClr val="000000"/>
+                    <a:lnL w="12700" cap="flat" cmpd="sng" algn="ctr">
+                      <a:solidFill>
+                        <a:schemeClr val="bg1">
+                          <a:lumMod val="75000"/>
+                        </a:schemeClr>
                       </a:solidFill>
                       <a:prstDash val="solid"/>
                       <a:round/>
                       <a:headEnd type="none" w="med" len="med"/>
                       <a:tailEnd type="none" w="med" len="med"/>
                     </a:lnL>
-                    <a:lnR w="3556" cap="flat" cmpd="sng" algn="ctr">
-                      <a:solidFill>
-                        <a:srgbClr val="000000"/>
+                    <a:lnR w="12700" cap="flat" cmpd="sng" algn="ctr">
+                      <a:solidFill>
+                        <a:schemeClr val="bg1">
+                          <a:lumMod val="75000"/>
+                        </a:schemeClr>
                       </a:solidFill>
                       <a:prstDash val="solid"/>
                       <a:round/>
                       <a:headEnd type="none" w="med" len="med"/>
                       <a:tailEnd type="none" w="med" len="med"/>
                     </a:lnR>
-                    <a:lnT w="3556" cap="flat" cmpd="sng" algn="ctr">
-                      <a:solidFill>
-                        <a:srgbClr val="000000"/>
+                    <a:lnT w="12700" cap="flat" cmpd="sng" algn="ctr">
+                      <a:solidFill>
+                        <a:schemeClr val="bg1">
+                          <a:lumMod val="75000"/>
+                        </a:schemeClr>
                       </a:solidFill>
                       <a:prstDash val="solid"/>
                       <a:round/>
                       <a:headEnd type="none" w="med" len="med"/>
                       <a:tailEnd type="none" w="med" len="med"/>
                     </a:lnT>
-                    <a:lnB w="3556" cap="flat" cmpd="sng" algn="ctr">
-                      <a:solidFill>
-                        <a:srgbClr val="000000"/>
+                    <a:lnB w="12700" cap="flat" cmpd="sng" algn="ctr">
+                      <a:solidFill>
+                        <a:schemeClr val="bg1">
+                          <a:lumMod val="75000"/>
+                        </a:schemeClr>
                       </a:solidFill>
                       <a:prstDash val="solid"/>
                       <a:round/>
                       <a:headEnd type="none" w="med" len="med"/>
                       <a:tailEnd type="none" w="med" len="med"/>
                     </a:lnB>
+                    <a:lnTlToBr w="12700" cmpd="sng">
+                      <a:noFill/>
+                      <a:prstDash val="solid"/>
+                    </a:lnTlToBr>
+                    <a:lnBlToTr w="12700" cmpd="sng">
+                      <a:noFill/>
+                      <a:prstDash val="solid"/>
+                    </a:lnBlToTr>
                   </a:tcPr>
                 </a:tc>
                 <a:tc>
@@ -40208,7 +38563,7 @@
                         </a:spcAft>
                       </a:pPr>
                       <a:r>
-                        <a:rPr lang="ko-KR" altLang="en-US" sz="1100" kern="0" spc="0" dirty="0">
+                        <a:rPr lang="ko-KR" altLang="en-US" sz="900" kern="0" spc="0" dirty="0">
                           <a:solidFill>
                             <a:srgbClr val="000000"/>
                           </a:solidFill>
@@ -40219,7 +38574,7 @@
                         <a:t>사용되는 하드웨어 제품들의 전력을 프로젝트의 구현화 상황에서는 따로 공공 전력을 이용할 수가 없으므로 이를 해결하기위해</a:t>
                       </a:r>
                       <a:r>
-                        <a:rPr lang="en-US" altLang="ko-KR" sz="1100" kern="0" spc="0" dirty="0">
+                        <a:rPr lang="en-US" altLang="ko-KR" sz="900" kern="0" spc="0" dirty="0">
                           <a:solidFill>
                             <a:srgbClr val="000000"/>
                           </a:solidFill>
@@ -40230,7 +38585,7 @@
                         <a:t>, </a:t>
                       </a:r>
                       <a:r>
-                        <a:rPr lang="ko-KR" altLang="en-US" sz="1100" kern="0" spc="0" dirty="0">
+                        <a:rPr lang="ko-KR" altLang="en-US" sz="900" kern="0" spc="0" dirty="0">
                           <a:solidFill>
                             <a:srgbClr val="000000"/>
                           </a:solidFill>
@@ -40241,7 +38596,7 @@
                         <a:t>보조적인 전력원을 이용</a:t>
                       </a:r>
                       <a:r>
-                        <a:rPr lang="en-US" altLang="ko-KR" sz="1100" kern="0" spc="0" dirty="0">
+                        <a:rPr lang="en-US" altLang="ko-KR" sz="900" kern="0" spc="0" dirty="0">
                           <a:solidFill>
                             <a:srgbClr val="000000"/>
                           </a:solidFill>
@@ -40251,7 +38606,7 @@
                         </a:rPr>
                         <a:t>.</a:t>
                       </a:r>
-                      <a:endParaRPr lang="ko-KR" altLang="en-US" sz="1100" kern="0" spc="0" dirty="0">
+                      <a:endParaRPr lang="ko-KR" altLang="en-US" sz="900" kern="0" spc="0" dirty="0">
                         <a:solidFill>
                           <a:srgbClr val="000000"/>
                         </a:solidFill>
@@ -40262,42 +38617,58 @@
                     </a:p>
                   </a:txBody>
                   <a:tcPr marL="30996" marR="30996" marT="8571" marB="8571" anchor="ctr">
-                    <a:lnL w="3556" cap="flat" cmpd="sng" algn="ctr">
-                      <a:solidFill>
-                        <a:srgbClr val="000000"/>
+                    <a:lnL w="12700" cap="flat" cmpd="sng" algn="ctr">
+                      <a:solidFill>
+                        <a:schemeClr val="bg1">
+                          <a:lumMod val="75000"/>
+                        </a:schemeClr>
                       </a:solidFill>
                       <a:prstDash val="solid"/>
                       <a:round/>
                       <a:headEnd type="none" w="med" len="med"/>
                       <a:tailEnd type="none" w="med" len="med"/>
                     </a:lnL>
-                    <a:lnR w="3556" cap="flat" cmpd="sng" algn="ctr">
-                      <a:solidFill>
-                        <a:srgbClr val="000000"/>
+                    <a:lnR w="12700" cap="flat" cmpd="sng" algn="ctr">
+                      <a:solidFill>
+                        <a:schemeClr val="bg1">
+                          <a:lumMod val="75000"/>
+                        </a:schemeClr>
                       </a:solidFill>
                       <a:prstDash val="solid"/>
                       <a:round/>
                       <a:headEnd type="none" w="med" len="med"/>
                       <a:tailEnd type="none" w="med" len="med"/>
                     </a:lnR>
-                    <a:lnT w="3556" cap="flat" cmpd="sng" algn="ctr">
-                      <a:solidFill>
-                        <a:srgbClr val="000000"/>
+                    <a:lnT w="12700" cap="flat" cmpd="sng" algn="ctr">
+                      <a:solidFill>
+                        <a:schemeClr val="bg1">
+                          <a:lumMod val="75000"/>
+                        </a:schemeClr>
                       </a:solidFill>
                       <a:prstDash val="solid"/>
                       <a:round/>
                       <a:headEnd type="none" w="med" len="med"/>
                       <a:tailEnd type="none" w="med" len="med"/>
                     </a:lnT>
-                    <a:lnB w="3556" cap="flat" cmpd="sng" algn="ctr">
-                      <a:solidFill>
-                        <a:srgbClr val="000000"/>
+                    <a:lnB w="12700" cap="flat" cmpd="sng" algn="ctr">
+                      <a:solidFill>
+                        <a:schemeClr val="bg1">
+                          <a:lumMod val="75000"/>
+                        </a:schemeClr>
                       </a:solidFill>
                       <a:prstDash val="solid"/>
                       <a:round/>
                       <a:headEnd type="none" w="med" len="med"/>
                       <a:tailEnd type="none" w="med" len="med"/>
                     </a:lnB>
+                    <a:lnTlToBr w="12700" cmpd="sng">
+                      <a:noFill/>
+                      <a:prstDash val="solid"/>
+                    </a:lnTlToBr>
+                    <a:lnBlToTr w="12700" cmpd="sng">
+                      <a:noFill/>
+                      <a:prstDash val="solid"/>
+                    </a:lnBlToTr>
                   </a:tcPr>
                 </a:tc>
                 <a:extLst>
@@ -40334,7 +38705,7 @@
                           <a:spcPts val="0"/>
                         </a:spcAft>
                       </a:pPr>
-                      <a:endParaRPr lang="ko-KR" altLang="en-US" sz="1100" kern="0" spc="0" dirty="0">
+                      <a:endParaRPr lang="ko-KR" altLang="en-US" sz="900" kern="0" spc="0" dirty="0">
                         <a:solidFill>
                           <a:srgbClr val="000000"/>
                         </a:solidFill>
@@ -40345,42 +38716,58 @@
                     </a:p>
                   </a:txBody>
                   <a:tcPr marL="30996" marR="30996" marT="8571" marB="8571" anchor="ctr">
-                    <a:lnL w="3556" cap="flat" cmpd="sng" algn="ctr">
-                      <a:solidFill>
-                        <a:srgbClr val="000000"/>
+                    <a:lnL w="12700" cap="flat" cmpd="sng" algn="ctr">
+                      <a:solidFill>
+                        <a:schemeClr val="bg1">
+                          <a:lumMod val="75000"/>
+                        </a:schemeClr>
                       </a:solidFill>
                       <a:prstDash val="solid"/>
                       <a:round/>
                       <a:headEnd type="none" w="med" len="med"/>
                       <a:tailEnd type="none" w="med" len="med"/>
                     </a:lnL>
-                    <a:lnR w="3556" cap="flat" cmpd="sng" algn="ctr">
-                      <a:solidFill>
-                        <a:srgbClr val="000000"/>
+                    <a:lnR w="12700" cap="flat" cmpd="sng" algn="ctr">
+                      <a:solidFill>
+                        <a:schemeClr val="bg1">
+                          <a:lumMod val="75000"/>
+                        </a:schemeClr>
                       </a:solidFill>
                       <a:prstDash val="solid"/>
                       <a:round/>
                       <a:headEnd type="none" w="med" len="med"/>
                       <a:tailEnd type="none" w="med" len="med"/>
                     </a:lnR>
-                    <a:lnT w="3556" cap="flat" cmpd="sng" algn="ctr">
-                      <a:solidFill>
-                        <a:srgbClr val="000000"/>
+                    <a:lnT w="12700" cap="flat" cmpd="sng" algn="ctr">
+                      <a:solidFill>
+                        <a:schemeClr val="bg1">
+                          <a:lumMod val="75000"/>
+                        </a:schemeClr>
                       </a:solidFill>
                       <a:prstDash val="solid"/>
                       <a:round/>
                       <a:headEnd type="none" w="med" len="med"/>
                       <a:tailEnd type="none" w="med" len="med"/>
                     </a:lnT>
-                    <a:lnB w="3556" cap="flat" cmpd="sng" algn="ctr">
-                      <a:solidFill>
-                        <a:srgbClr val="000000"/>
+                    <a:lnB w="12700" cap="flat" cmpd="sng" algn="ctr">
+                      <a:solidFill>
+                        <a:schemeClr val="bg1">
+                          <a:lumMod val="75000"/>
+                        </a:schemeClr>
                       </a:solidFill>
                       <a:prstDash val="solid"/>
                       <a:round/>
                       <a:headEnd type="none" w="med" len="med"/>
                       <a:tailEnd type="none" w="med" len="med"/>
                     </a:lnB>
+                    <a:lnTlToBr w="12700" cmpd="sng">
+                      <a:noFill/>
+                      <a:prstDash val="solid"/>
+                    </a:lnTlToBr>
+                    <a:lnBlToTr w="12700" cmpd="sng">
+                      <a:noFill/>
+                      <a:prstDash val="solid"/>
+                    </a:lnBlToTr>
                   </a:tcPr>
                 </a:tc>
                 <a:tc>
@@ -40399,7 +38786,7 @@
                           <a:spcPts val="0"/>
                         </a:spcAft>
                       </a:pPr>
-                      <a:endParaRPr lang="ko-KR" altLang="en-US" sz="1100" kern="0" spc="0" dirty="0">
+                      <a:endParaRPr lang="ko-KR" altLang="en-US" sz="900" kern="0" spc="0" dirty="0">
                         <a:solidFill>
                           <a:srgbClr val="000000"/>
                         </a:solidFill>
@@ -40410,42 +38797,58 @@
                     </a:p>
                   </a:txBody>
                   <a:tcPr marL="30996" marR="30996" marT="8571" marB="8571" anchor="ctr">
-                    <a:lnL w="3556" cap="flat" cmpd="sng" algn="ctr">
-                      <a:solidFill>
-                        <a:srgbClr val="000000"/>
+                    <a:lnL w="12700" cap="flat" cmpd="sng" algn="ctr">
+                      <a:solidFill>
+                        <a:schemeClr val="bg1">
+                          <a:lumMod val="75000"/>
+                        </a:schemeClr>
                       </a:solidFill>
                       <a:prstDash val="solid"/>
                       <a:round/>
                       <a:headEnd type="none" w="med" len="med"/>
                       <a:tailEnd type="none" w="med" len="med"/>
                     </a:lnL>
-                    <a:lnR w="3556" cap="flat" cmpd="sng" algn="ctr">
-                      <a:solidFill>
-                        <a:srgbClr val="000000"/>
+                    <a:lnR w="12700" cap="flat" cmpd="sng" algn="ctr">
+                      <a:solidFill>
+                        <a:schemeClr val="bg1">
+                          <a:lumMod val="75000"/>
+                        </a:schemeClr>
                       </a:solidFill>
                       <a:prstDash val="solid"/>
                       <a:round/>
                       <a:headEnd type="none" w="med" len="med"/>
                       <a:tailEnd type="none" w="med" len="med"/>
                     </a:lnR>
-                    <a:lnT w="3556" cap="flat" cmpd="sng" algn="ctr">
-                      <a:solidFill>
-                        <a:srgbClr val="000000"/>
+                    <a:lnT w="12700" cap="flat" cmpd="sng" algn="ctr">
+                      <a:solidFill>
+                        <a:schemeClr val="bg1">
+                          <a:lumMod val="75000"/>
+                        </a:schemeClr>
                       </a:solidFill>
                       <a:prstDash val="solid"/>
                       <a:round/>
                       <a:headEnd type="none" w="med" len="med"/>
                       <a:tailEnd type="none" w="med" len="med"/>
                     </a:lnT>
-                    <a:lnB w="3556" cap="flat" cmpd="sng" algn="ctr">
-                      <a:solidFill>
-                        <a:srgbClr val="000000"/>
+                    <a:lnB w="12700" cap="flat" cmpd="sng" algn="ctr">
+                      <a:solidFill>
+                        <a:schemeClr val="bg1">
+                          <a:lumMod val="75000"/>
+                        </a:schemeClr>
                       </a:solidFill>
                       <a:prstDash val="solid"/>
                       <a:round/>
                       <a:headEnd type="none" w="med" len="med"/>
                       <a:tailEnd type="none" w="med" len="med"/>
                     </a:lnB>
+                    <a:lnTlToBr w="12700" cmpd="sng">
+                      <a:noFill/>
+                      <a:prstDash val="solid"/>
+                    </a:lnTlToBr>
+                    <a:lnBlToTr w="12700" cmpd="sng">
+                      <a:noFill/>
+                      <a:prstDash val="solid"/>
+                    </a:lnBlToTr>
                   </a:tcPr>
                 </a:tc>
                 <a:extLst>
@@ -40482,7 +38885,7 @@
                           <a:spcPts val="0"/>
                         </a:spcAft>
                       </a:pPr>
-                      <a:endParaRPr lang="ko-KR" altLang="en-US" sz="1100" kern="0" spc="0" dirty="0">
+                      <a:endParaRPr lang="ko-KR" altLang="en-US" sz="900" kern="0" spc="0" dirty="0">
                         <a:solidFill>
                           <a:srgbClr val="000000"/>
                         </a:solidFill>
@@ -40493,42 +38896,58 @@
                     </a:p>
                   </a:txBody>
                   <a:tcPr marL="30996" marR="30996" marT="8571" marB="8571" anchor="ctr">
-                    <a:lnL w="3556" cap="flat" cmpd="sng" algn="ctr">
-                      <a:solidFill>
-                        <a:srgbClr val="000000"/>
+                    <a:lnL w="12700" cap="flat" cmpd="sng" algn="ctr">
+                      <a:solidFill>
+                        <a:schemeClr val="bg1">
+                          <a:lumMod val="75000"/>
+                        </a:schemeClr>
                       </a:solidFill>
                       <a:prstDash val="solid"/>
                       <a:round/>
                       <a:headEnd type="none" w="med" len="med"/>
                       <a:tailEnd type="none" w="med" len="med"/>
                     </a:lnL>
-                    <a:lnR w="3556" cap="flat" cmpd="sng" algn="ctr">
-                      <a:solidFill>
-                        <a:srgbClr val="000000"/>
+                    <a:lnR w="12700" cap="flat" cmpd="sng" algn="ctr">
+                      <a:solidFill>
+                        <a:schemeClr val="bg1">
+                          <a:lumMod val="75000"/>
+                        </a:schemeClr>
                       </a:solidFill>
                       <a:prstDash val="solid"/>
                       <a:round/>
                       <a:headEnd type="none" w="med" len="med"/>
                       <a:tailEnd type="none" w="med" len="med"/>
                     </a:lnR>
-                    <a:lnT w="3556" cap="flat" cmpd="sng" algn="ctr">
-                      <a:solidFill>
-                        <a:srgbClr val="000000"/>
+                    <a:lnT w="12700" cap="flat" cmpd="sng" algn="ctr">
+                      <a:solidFill>
+                        <a:schemeClr val="bg1">
+                          <a:lumMod val="75000"/>
+                        </a:schemeClr>
                       </a:solidFill>
                       <a:prstDash val="solid"/>
                       <a:round/>
                       <a:headEnd type="none" w="med" len="med"/>
                       <a:tailEnd type="none" w="med" len="med"/>
                     </a:lnT>
-                    <a:lnB w="3556" cap="flat" cmpd="sng" algn="ctr">
-                      <a:solidFill>
-                        <a:srgbClr val="000000"/>
+                    <a:lnB w="12700" cap="flat" cmpd="sng" algn="ctr">
+                      <a:solidFill>
+                        <a:schemeClr val="bg1">
+                          <a:lumMod val="75000"/>
+                        </a:schemeClr>
                       </a:solidFill>
                       <a:prstDash val="solid"/>
                       <a:round/>
                       <a:headEnd type="none" w="med" len="med"/>
                       <a:tailEnd type="none" w="med" len="med"/>
                     </a:lnB>
+                    <a:lnTlToBr w="12700" cmpd="sng">
+                      <a:noFill/>
+                      <a:prstDash val="solid"/>
+                    </a:lnTlToBr>
+                    <a:lnBlToTr w="12700" cmpd="sng">
+                      <a:noFill/>
+                      <a:prstDash val="solid"/>
+                    </a:lnBlToTr>
                   </a:tcPr>
                 </a:tc>
                 <a:tc>
@@ -40547,7 +38966,7 @@
                           <a:spcPts val="0"/>
                         </a:spcAft>
                       </a:pPr>
-                      <a:endParaRPr lang="ko-KR" altLang="en-US" sz="1100" kern="0" spc="0" dirty="0">
+                      <a:endParaRPr lang="ko-KR" altLang="en-US" sz="900" kern="0" spc="0" dirty="0">
                         <a:solidFill>
                           <a:srgbClr val="000000"/>
                         </a:solidFill>
@@ -40558,42 +38977,58 @@
                     </a:p>
                   </a:txBody>
                   <a:tcPr marL="30996" marR="30996" marT="8571" marB="8571" anchor="ctr">
-                    <a:lnL w="3556" cap="flat" cmpd="sng" algn="ctr">
-                      <a:solidFill>
-                        <a:srgbClr val="000000"/>
+                    <a:lnL w="12700" cap="flat" cmpd="sng" algn="ctr">
+                      <a:solidFill>
+                        <a:schemeClr val="bg1">
+                          <a:lumMod val="75000"/>
+                        </a:schemeClr>
                       </a:solidFill>
                       <a:prstDash val="solid"/>
                       <a:round/>
                       <a:headEnd type="none" w="med" len="med"/>
                       <a:tailEnd type="none" w="med" len="med"/>
                     </a:lnL>
-                    <a:lnR w="3556" cap="flat" cmpd="sng" algn="ctr">
-                      <a:solidFill>
-                        <a:srgbClr val="000000"/>
+                    <a:lnR w="12700" cap="flat" cmpd="sng" algn="ctr">
+                      <a:solidFill>
+                        <a:schemeClr val="bg1">
+                          <a:lumMod val="75000"/>
+                        </a:schemeClr>
                       </a:solidFill>
                       <a:prstDash val="solid"/>
                       <a:round/>
                       <a:headEnd type="none" w="med" len="med"/>
                       <a:tailEnd type="none" w="med" len="med"/>
                     </a:lnR>
-                    <a:lnT w="3556" cap="flat" cmpd="sng" algn="ctr">
-                      <a:solidFill>
-                        <a:srgbClr val="000000"/>
+                    <a:lnT w="12700" cap="flat" cmpd="sng" algn="ctr">
+                      <a:solidFill>
+                        <a:schemeClr val="bg1">
+                          <a:lumMod val="75000"/>
+                        </a:schemeClr>
                       </a:solidFill>
                       <a:prstDash val="solid"/>
                       <a:round/>
                       <a:headEnd type="none" w="med" len="med"/>
                       <a:tailEnd type="none" w="med" len="med"/>
                     </a:lnT>
-                    <a:lnB w="3556" cap="flat" cmpd="sng" algn="ctr">
-                      <a:solidFill>
-                        <a:srgbClr val="000000"/>
+                    <a:lnB w="12700" cap="flat" cmpd="sng" algn="ctr">
+                      <a:solidFill>
+                        <a:schemeClr val="bg1">
+                          <a:lumMod val="75000"/>
+                        </a:schemeClr>
                       </a:solidFill>
                       <a:prstDash val="solid"/>
                       <a:round/>
                       <a:headEnd type="none" w="med" len="med"/>
                       <a:tailEnd type="none" w="med" len="med"/>
                     </a:lnB>
+                    <a:lnTlToBr w="12700" cmpd="sng">
+                      <a:noFill/>
+                      <a:prstDash val="solid"/>
+                    </a:lnTlToBr>
+                    <a:lnBlToTr w="12700" cmpd="sng">
+                      <a:noFill/>
+                      <a:prstDash val="solid"/>
+                    </a:lnBlToTr>
                   </a:tcPr>
                 </a:tc>
                 <a:extLst>

--- a/중간보고서/중간보고서.pptx
+++ b/중간보고서/중간보고서.pptx
@@ -1840,7 +1840,7 @@
           <a:p>
             <a:fld id="{A586DD9E-CBA2-4CC8-AA80-6840ED2F7CD9}" type="datetimeFigureOut">
               <a:rPr lang="ko-KR" altLang="en-US" smtClean="0"/>
-              <a:t>2020-07-24</a:t>
+              <a:t>2020-07-25</a:t>
             </a:fld>
             <a:endParaRPr lang="ko-KR" altLang="en-US"/>
           </a:p>
@@ -2010,7 +2010,7 @@
           <a:p>
             <a:fld id="{A586DD9E-CBA2-4CC8-AA80-6840ED2F7CD9}" type="datetimeFigureOut">
               <a:rPr lang="ko-KR" altLang="en-US" smtClean="0"/>
-              <a:t>2020-07-24</a:t>
+              <a:t>2020-07-25</a:t>
             </a:fld>
             <a:endParaRPr lang="ko-KR" altLang="en-US"/>
           </a:p>
@@ -2190,7 +2190,7 @@
           <a:p>
             <a:fld id="{A586DD9E-CBA2-4CC8-AA80-6840ED2F7CD9}" type="datetimeFigureOut">
               <a:rPr lang="ko-KR" altLang="en-US" smtClean="0"/>
-              <a:t>2020-07-24</a:t>
+              <a:t>2020-07-25</a:t>
             </a:fld>
             <a:endParaRPr lang="ko-KR" altLang="en-US"/>
           </a:p>
@@ -2360,7 +2360,7 @@
           <a:p>
             <a:fld id="{A586DD9E-CBA2-4CC8-AA80-6840ED2F7CD9}" type="datetimeFigureOut">
               <a:rPr lang="ko-KR" altLang="en-US" smtClean="0"/>
-              <a:t>2020-07-24</a:t>
+              <a:t>2020-07-25</a:t>
             </a:fld>
             <a:endParaRPr lang="ko-KR" altLang="en-US"/>
           </a:p>
@@ -2604,7 +2604,7 @@
           <a:p>
             <a:fld id="{A586DD9E-CBA2-4CC8-AA80-6840ED2F7CD9}" type="datetimeFigureOut">
               <a:rPr lang="ko-KR" altLang="en-US" smtClean="0"/>
-              <a:t>2020-07-24</a:t>
+              <a:t>2020-07-25</a:t>
             </a:fld>
             <a:endParaRPr lang="ko-KR" altLang="en-US"/>
           </a:p>
@@ -2836,7 +2836,7 @@
           <a:p>
             <a:fld id="{A586DD9E-CBA2-4CC8-AA80-6840ED2F7CD9}" type="datetimeFigureOut">
               <a:rPr lang="ko-KR" altLang="en-US" smtClean="0"/>
-              <a:t>2020-07-24</a:t>
+              <a:t>2020-07-25</a:t>
             </a:fld>
             <a:endParaRPr lang="ko-KR" altLang="en-US"/>
           </a:p>
@@ -3203,7 +3203,7 @@
           <a:p>
             <a:fld id="{A586DD9E-CBA2-4CC8-AA80-6840ED2F7CD9}" type="datetimeFigureOut">
               <a:rPr lang="ko-KR" altLang="en-US" smtClean="0"/>
-              <a:t>2020-07-24</a:t>
+              <a:t>2020-07-25</a:t>
             </a:fld>
             <a:endParaRPr lang="ko-KR" altLang="en-US"/>
           </a:p>
@@ -3321,7 +3321,7 @@
           <a:p>
             <a:fld id="{A586DD9E-CBA2-4CC8-AA80-6840ED2F7CD9}" type="datetimeFigureOut">
               <a:rPr lang="ko-KR" altLang="en-US" smtClean="0"/>
-              <a:t>2020-07-24</a:t>
+              <a:t>2020-07-25</a:t>
             </a:fld>
             <a:endParaRPr lang="ko-KR" altLang="en-US"/>
           </a:p>
@@ -3416,7 +3416,7 @@
           <a:p>
             <a:fld id="{A586DD9E-CBA2-4CC8-AA80-6840ED2F7CD9}" type="datetimeFigureOut">
               <a:rPr lang="ko-KR" altLang="en-US" smtClean="0"/>
-              <a:t>2020-07-24</a:t>
+              <a:t>2020-07-25</a:t>
             </a:fld>
             <a:endParaRPr lang="ko-KR" altLang="en-US"/>
           </a:p>
@@ -3693,7 +3693,7 @@
           <a:p>
             <a:fld id="{A586DD9E-CBA2-4CC8-AA80-6840ED2F7CD9}" type="datetimeFigureOut">
               <a:rPr lang="ko-KR" altLang="en-US" smtClean="0"/>
-              <a:t>2020-07-24</a:t>
+              <a:t>2020-07-25</a:t>
             </a:fld>
             <a:endParaRPr lang="ko-KR" altLang="en-US"/>
           </a:p>
@@ -3950,7 +3950,7 @@
           <a:p>
             <a:fld id="{A586DD9E-CBA2-4CC8-AA80-6840ED2F7CD9}" type="datetimeFigureOut">
               <a:rPr lang="ko-KR" altLang="en-US" smtClean="0"/>
-              <a:t>2020-07-24</a:t>
+              <a:t>2020-07-25</a:t>
             </a:fld>
             <a:endParaRPr lang="ko-KR" altLang="en-US"/>
           </a:p>
@@ -4163,7 +4163,7 @@
           <a:p>
             <a:fld id="{A586DD9E-CBA2-4CC8-AA80-6840ED2F7CD9}" type="datetimeFigureOut">
               <a:rPr lang="ko-KR" altLang="en-US" smtClean="0"/>
-              <a:t>2020-07-24</a:t>
+              <a:t>2020-07-25</a:t>
             </a:fld>
             <a:endParaRPr lang="ko-KR" altLang="en-US"/>
           </a:p>
@@ -10529,13 +10529,13 @@
           <p:nvPr>
             <p:extLst>
               <p:ext uri="{D42A27DB-BD31-4B8C-83A1-F6EECF244321}">
-                <p14:modId xmlns:p14="http://schemas.microsoft.com/office/powerpoint/2010/main" val="4155850382"/>
+                <p14:modId xmlns:p14="http://schemas.microsoft.com/office/powerpoint/2010/main" val="1900428248"/>
               </p:ext>
             </p:extLst>
           </p:nvPr>
         </p:nvGraphicFramePr>
         <p:xfrm>
-          <a:off x="133278" y="2477210"/>
+          <a:off x="133278" y="2477198"/>
           <a:ext cx="8849855" cy="4465344"/>
         </p:xfrm>
         <a:graphic>
@@ -12980,7 +12980,7 @@
           <p:nvPr>
             <p:extLst>
               <p:ext uri="{D42A27DB-BD31-4B8C-83A1-F6EECF244321}">
-                <p14:modId xmlns:p14="http://schemas.microsoft.com/office/powerpoint/2010/main" val="2493088878"/>
+                <p14:modId xmlns:p14="http://schemas.microsoft.com/office/powerpoint/2010/main" val="2302939991"/>
               </p:ext>
             </p:extLst>
           </p:nvPr>
@@ -13727,7 +13727,7 @@
                   </a:ext>
                 </a:extLst>
               </a:tr>
-              <a:tr h="479777">
+              <a:tr h="509158">
                 <a:tc>
                   <a:txBody>
                     <a:bodyPr/>
@@ -15533,13 +15533,13 @@
           <p:nvPr>
             <p:extLst>
               <p:ext uri="{D42A27DB-BD31-4B8C-83A1-F6EECF244321}">
-                <p14:modId xmlns:p14="http://schemas.microsoft.com/office/powerpoint/2010/main" val="2443594535"/>
+                <p14:modId xmlns:p14="http://schemas.microsoft.com/office/powerpoint/2010/main" val="399797964"/>
               </p:ext>
             </p:extLst>
           </p:nvPr>
         </p:nvGraphicFramePr>
         <p:xfrm>
-          <a:off x="22418" y="1214738"/>
+          <a:off x="27885" y="1213753"/>
           <a:ext cx="8876051" cy="5376563"/>
         </p:xfrm>
         <a:graphic>
@@ -16124,11 +16124,25 @@
               <a:defRPr/>
             </a:pPr>
             <a:r>
-              <a:rPr lang="ko-KR" altLang="en-US" sz="1000" b="1" kern="0" dirty="0" err="1">
+              <a:rPr lang="en-US" altLang="ko-KR" sz="1000" b="1" kern="0" dirty="0">
                 <a:latin typeface="맑은 고딕" pitchFamily="50" charset="-127"/>
                 <a:ea typeface="맑은 고딕" pitchFamily="50" charset="-127"/>
               </a:rPr>
-              <a:t>라즈베리파이</a:t>
+              <a:t>AWS(</a:t>
+            </a:r>
+            <a:r>
+              <a:rPr lang="ko-KR" altLang="en-US" sz="1000" b="1" kern="0" dirty="0">
+                <a:latin typeface="맑은 고딕" pitchFamily="50" charset="-127"/>
+                <a:ea typeface="맑은 고딕" pitchFamily="50" charset="-127"/>
+              </a:rPr>
+              <a:t>클라우드 컴퓨터</a:t>
+            </a:r>
+            <a:r>
+              <a:rPr lang="en-US" altLang="ko-KR" sz="1000" b="1" kern="0" dirty="0">
+                <a:latin typeface="맑은 고딕" pitchFamily="50" charset="-127"/>
+                <a:ea typeface="맑은 고딕" pitchFamily="50" charset="-127"/>
+              </a:rPr>
+              <a:t>)</a:t>
             </a:r>
             <a:r>
               <a:rPr lang="ko-KR" altLang="en-US" sz="1000" b="1" kern="0" dirty="0">
@@ -16184,39 +16198,40 @@
               <a:defRPr/>
             </a:pPr>
             <a:r>
+              <a:rPr lang="en-US" altLang="ko-KR" sz="1000" b="1" kern="0" dirty="0">
+                <a:latin typeface="맑은 고딕" pitchFamily="50" charset="-127"/>
+                <a:ea typeface="맑은 고딕" pitchFamily="50" charset="-127"/>
+              </a:rPr>
+              <a:t>S3(DB)</a:t>
+            </a:r>
+            <a:r>
               <a:rPr lang="ko-KR" altLang="en-US" sz="1000" b="1" kern="0" dirty="0">
                 <a:latin typeface="맑은 고딕" pitchFamily="50" charset="-127"/>
                 <a:ea typeface="맑은 고딕" pitchFamily="50" charset="-127"/>
               </a:rPr>
-              <a:t>사람 객체인식 </a:t>
-            </a:r>
-            <a:endParaRPr lang="en-US" altLang="ko-KR" sz="1000" b="1" kern="0" dirty="0">
-              <a:latin typeface="맑은 고딕" pitchFamily="50" charset="-127"/>
-              <a:ea typeface="맑은 고딕" pitchFamily="50" charset="-127"/>
-            </a:endParaRPr>
-          </a:p>
-          <a:p>
-            <a:pPr algn="ctr" latinLnBrk="0">
-              <a:defRPr/>
-            </a:pPr>
+              <a:t>를 통해 영상처리한 파일을 </a:t>
+            </a:r>
+            <a:r>
+              <a:rPr lang="ko-KR" altLang="en-US" sz="1000" b="1" kern="0" dirty="0" err="1">
+                <a:latin typeface="맑은 고딕" pitchFamily="50" charset="-127"/>
+                <a:ea typeface="맑은 고딕" pitchFamily="50" charset="-127"/>
+              </a:rPr>
+              <a:t>라즈베리파이를</a:t>
+            </a:r>
+            <a:r>
+              <a:rPr lang="ko-KR" altLang="en-US" sz="1000" b="1" kern="0" dirty="0">
+                <a:latin typeface="맑은 고딕" pitchFamily="50" charset="-127"/>
+                <a:ea typeface="맑은 고딕" pitchFamily="50" charset="-127"/>
+              </a:rPr>
+              <a:t> 통해 받는다</a:t>
+            </a:r>
             <a:r>
               <a:rPr lang="en-US" altLang="ko-KR" sz="1000" b="1" kern="0" dirty="0">
                 <a:latin typeface="맑은 고딕" pitchFamily="50" charset="-127"/>
                 <a:ea typeface="맑은 고딕" pitchFamily="50" charset="-127"/>
               </a:rPr>
-              <a:t>- </a:t>
-            </a:r>
-            <a:r>
-              <a:rPr lang="ko-KR" altLang="en-US" sz="1000" b="1" kern="0" dirty="0">
-                <a:latin typeface="맑은 고딕" pitchFamily="50" charset="-127"/>
-                <a:ea typeface="맑은 고딕" pitchFamily="50" charset="-127"/>
-              </a:rPr>
-              <a:t>대기줄을 파악 대기줄의 인원을 확인</a:t>
-            </a:r>
-            <a:endParaRPr lang="en-US" altLang="ko-KR" sz="1000" b="1" kern="0" dirty="0">
-              <a:latin typeface="맑은 고딕" pitchFamily="50" charset="-127"/>
-              <a:ea typeface="맑은 고딕" pitchFamily="50" charset="-127"/>
-            </a:endParaRPr>
+              <a:t>.</a:t>
+            </a:r>
           </a:p>
         </p:txBody>
       </p:sp>
@@ -16259,11 +16274,39 @@
               <a:defRPr/>
             </a:pPr>
             <a:r>
+              <a:rPr lang="en-US" altLang="ko-KR" sz="900" b="1" kern="0" dirty="0" err="1">
+                <a:latin typeface="맑은 고딕" pitchFamily="50" charset="-127"/>
+                <a:ea typeface="맑은 고딕" pitchFamily="50" charset="-127"/>
+              </a:rPr>
+              <a:t>Xshell</a:t>
+            </a:r>
+            <a:r>
+              <a:rPr lang="en-US" altLang="ko-KR" sz="900" b="1" kern="0" dirty="0">
+                <a:latin typeface="맑은 고딕" pitchFamily="50" charset="-127"/>
+                <a:ea typeface="맑은 고딕" pitchFamily="50" charset="-127"/>
+              </a:rPr>
+              <a:t> </a:t>
+            </a:r>
+            <a:r>
               <a:rPr lang="ko-KR" altLang="en-US" sz="900" b="1" kern="0" dirty="0">
                 <a:latin typeface="맑은 고딕" pitchFamily="50" charset="-127"/>
                 <a:ea typeface="맑은 고딕" pitchFamily="50" charset="-127"/>
               </a:rPr>
-              <a:t>카메라 모듈을 이용한 프로그램 실행</a:t>
+              <a:t>을 이용한 </a:t>
+            </a:r>
+            <a:r>
+              <a:rPr lang="en-US" altLang="ko-KR" sz="900" b="1" kern="0" dirty="0">
+                <a:latin typeface="맑은 고딕" pitchFamily="50" charset="-127"/>
+                <a:ea typeface="맑은 고딕" pitchFamily="50" charset="-127"/>
+              </a:rPr>
+              <a:t>Apache </a:t>
+            </a:r>
+            <a:r>
+              <a:rPr lang="ko-KR" altLang="en-US" sz="900" b="1" kern="0" dirty="0">
+                <a:latin typeface="맑은 고딕" pitchFamily="50" charset="-127"/>
+                <a:ea typeface="맑은 고딕" pitchFamily="50" charset="-127"/>
+              </a:rPr>
+              <a:t>서버 구축</a:t>
             </a:r>
           </a:p>
         </p:txBody>
@@ -16732,7 +16775,7 @@
         </p:nvSpPr>
         <p:spPr bwMode="auto">
           <a:xfrm>
-            <a:off x="3495429" y="1862098"/>
+            <a:off x="3459617" y="1792815"/>
             <a:ext cx="1334643" cy="490095"/>
           </a:xfrm>
           <a:prstGeom prst="rect">
@@ -16785,35 +16828,7 @@
                 <a:latin typeface="맑은 고딕" pitchFamily="50" charset="-127"/>
                 <a:ea typeface="맑은 고딕" pitchFamily="50" charset="-127"/>
               </a:rPr>
-              <a:t> 서버</a:t>
-            </a:r>
-            <a:r>
-              <a:rPr lang="en-US" altLang="ko-KR" sz="1000" b="1" kern="0" dirty="0">
-                <a:latin typeface="맑은 고딕" pitchFamily="50" charset="-127"/>
-                <a:ea typeface="맑은 고딕" pitchFamily="50" charset="-127"/>
-              </a:rPr>
-              <a:t>(</a:t>
-            </a:r>
-            <a:r>
-              <a:rPr lang="ko-KR" altLang="en-US" sz="1000" b="1" kern="0" dirty="0">
-                <a:latin typeface="맑은 고딕" pitchFamily="50" charset="-127"/>
-                <a:ea typeface="맑은 고딕" pitchFamily="50" charset="-127"/>
-              </a:rPr>
-              <a:t>클라우드 컴퓨터</a:t>
-            </a:r>
-            <a:r>
-              <a:rPr lang="en-US" altLang="ko-KR" sz="1000" b="1" kern="0" dirty="0">
-                <a:latin typeface="맑은 고딕" pitchFamily="50" charset="-127"/>
-                <a:ea typeface="맑은 고딕" pitchFamily="50" charset="-127"/>
-              </a:rPr>
-              <a:t>)</a:t>
-            </a:r>
-            <a:r>
-              <a:rPr lang="ko-KR" altLang="en-US" sz="1000" b="1" kern="0" dirty="0">
-                <a:latin typeface="맑은 고딕" pitchFamily="50" charset="-127"/>
-                <a:ea typeface="맑은 고딕" pitchFamily="50" charset="-127"/>
-              </a:rPr>
-              <a:t>로 전송</a:t>
+              <a:t>서버에서 앱으로 전송</a:t>
             </a:r>
             <a:endParaRPr lang="en-US" altLang="ko-KR" sz="1000" b="1" kern="0" dirty="0">
               <a:latin typeface="맑은 고딕" pitchFamily="50" charset="-127"/>
@@ -16854,96 +16869,6 @@
       </p:cxnSp>
       <p:cxnSp>
         <p:nvCxnSpPr>
-          <p:cNvPr id="36" name="직선 연결선 35">
-            <a:extLst>
-              <a:ext uri="{FF2B5EF4-FFF2-40B4-BE49-F238E27FC236}">
-                <a16:creationId xmlns:a16="http://schemas.microsoft.com/office/drawing/2014/main" id="{EA54135E-E2DB-4EF3-A9D4-6EAD87550F97}"/>
-              </a:ext>
-            </a:extLst>
-          </p:cNvPr>
-          <p:cNvCxnSpPr/>
-          <p:nvPr/>
-        </p:nvCxnSpPr>
-        <p:spPr>
-          <a:xfrm>
-            <a:off x="4965073" y="3082885"/>
-            <a:ext cx="215900" cy="0"/>
-          </a:xfrm>
-          <a:prstGeom prst="line">
-            <a:avLst/>
-          </a:prstGeom>
-          <a:noFill/>
-          <a:ln w="12700" cap="flat" cmpd="sng" algn="ctr">
-            <a:solidFill>
-              <a:srgbClr val="00264C"/>
-            </a:solidFill>
-            <a:prstDash val="solid"/>
-          </a:ln>
-          <a:effectLst/>
-        </p:spPr>
-      </p:cxnSp>
-      <p:cxnSp>
-        <p:nvCxnSpPr>
-          <p:cNvPr id="37" name="직선 연결선 36">
-            <a:extLst>
-              <a:ext uri="{FF2B5EF4-FFF2-40B4-BE49-F238E27FC236}">
-                <a16:creationId xmlns:a16="http://schemas.microsoft.com/office/drawing/2014/main" id="{30744BCD-DCF5-428D-BF2D-2BC6D6C317D2}"/>
-              </a:ext>
-            </a:extLst>
-          </p:cNvPr>
-          <p:cNvCxnSpPr/>
-          <p:nvPr/>
-        </p:nvCxnSpPr>
-        <p:spPr>
-          <a:xfrm>
-            <a:off x="4954913" y="3613173"/>
-            <a:ext cx="215900" cy="0"/>
-          </a:xfrm>
-          <a:prstGeom prst="line">
-            <a:avLst/>
-          </a:prstGeom>
-          <a:noFill/>
-          <a:ln w="12700" cap="flat" cmpd="sng" algn="ctr">
-            <a:solidFill>
-              <a:srgbClr val="00264C"/>
-            </a:solidFill>
-            <a:prstDash val="solid"/>
-          </a:ln>
-          <a:effectLst/>
-        </p:spPr>
-      </p:cxnSp>
-      <p:cxnSp>
-        <p:nvCxnSpPr>
-          <p:cNvPr id="38" name="직선 연결선 37">
-            <a:extLst>
-              <a:ext uri="{FF2B5EF4-FFF2-40B4-BE49-F238E27FC236}">
-                <a16:creationId xmlns:a16="http://schemas.microsoft.com/office/drawing/2014/main" id="{D8E09906-E7BF-46C4-9CAB-92D7DC75372D}"/>
-              </a:ext>
-            </a:extLst>
-          </p:cNvPr>
-          <p:cNvCxnSpPr/>
-          <p:nvPr/>
-        </p:nvCxnSpPr>
-        <p:spPr>
-          <a:xfrm>
-            <a:off x="4965073" y="4171909"/>
-            <a:ext cx="215900" cy="0"/>
-          </a:xfrm>
-          <a:prstGeom prst="line">
-            <a:avLst/>
-          </a:prstGeom>
-          <a:noFill/>
-          <a:ln w="12700" cap="flat" cmpd="sng" algn="ctr">
-            <a:solidFill>
-              <a:srgbClr val="00264C"/>
-            </a:solidFill>
-            <a:prstDash val="solid"/>
-          </a:ln>
-          <a:effectLst/>
-        </p:spPr>
-      </p:cxnSp>
-      <p:cxnSp>
-        <p:nvCxnSpPr>
           <p:cNvPr id="39" name="직선 화살표 연결선 38">
             <a:extLst>
               <a:ext uri="{FF2B5EF4-FFF2-40B4-BE49-F238E27FC236}">
@@ -16956,7 +16881,7 @@
         </p:nvCxnSpPr>
         <p:spPr>
           <a:xfrm>
-            <a:off x="6630297" y="2039897"/>
+            <a:off x="6630297" y="2037863"/>
             <a:ext cx="215900" cy="1588"/>
           </a:xfrm>
           <a:prstGeom prst="straightConnector1">
@@ -17006,218 +16931,6 @@
           <a:effectLst/>
         </p:spPr>
       </p:cxnSp>
-      <p:cxnSp>
-        <p:nvCxnSpPr>
-          <p:cNvPr id="41" name="직선 화살표 연결선 40">
-            <a:extLst>
-              <a:ext uri="{FF2B5EF4-FFF2-40B4-BE49-F238E27FC236}">
-                <a16:creationId xmlns:a16="http://schemas.microsoft.com/office/drawing/2014/main" id="{037DAD59-575B-4813-9065-0011CF325E93}"/>
-              </a:ext>
-            </a:extLst>
-          </p:cNvPr>
-          <p:cNvCxnSpPr/>
-          <p:nvPr/>
-        </p:nvCxnSpPr>
-        <p:spPr>
-          <a:xfrm>
-            <a:off x="6620771" y="3082886"/>
-            <a:ext cx="215900" cy="1587"/>
-          </a:xfrm>
-          <a:prstGeom prst="straightConnector1">
-            <a:avLst/>
-          </a:prstGeom>
-          <a:noFill/>
-          <a:ln w="9525" cap="flat" cmpd="sng" algn="ctr">
-            <a:solidFill>
-              <a:srgbClr val="00264C"/>
-            </a:solidFill>
-            <a:prstDash val="solid"/>
-            <a:headEnd type="triangle" w="med" len="med"/>
-            <a:tailEnd type="none" w="med" len="med"/>
-          </a:ln>
-          <a:effectLst/>
-        </p:spPr>
-      </p:cxnSp>
-      <p:cxnSp>
-        <p:nvCxnSpPr>
-          <p:cNvPr id="42" name="직선 화살표 연결선 41">
-            <a:extLst>
-              <a:ext uri="{FF2B5EF4-FFF2-40B4-BE49-F238E27FC236}">
-                <a16:creationId xmlns:a16="http://schemas.microsoft.com/office/drawing/2014/main" id="{26AEFD14-88AC-4AA5-B6FA-76819E80FB83}"/>
-              </a:ext>
-            </a:extLst>
-          </p:cNvPr>
-          <p:cNvCxnSpPr/>
-          <p:nvPr/>
-        </p:nvCxnSpPr>
-        <p:spPr>
-          <a:xfrm>
-            <a:off x="6620771" y="3614697"/>
-            <a:ext cx="215900" cy="1588"/>
-          </a:xfrm>
-          <a:prstGeom prst="straightConnector1">
-            <a:avLst/>
-          </a:prstGeom>
-          <a:noFill/>
-          <a:ln w="9525" cap="flat" cmpd="sng" algn="ctr">
-            <a:solidFill>
-              <a:srgbClr val="00264C"/>
-            </a:solidFill>
-            <a:prstDash val="solid"/>
-            <a:headEnd type="triangle" w="med" len="med"/>
-            <a:tailEnd type="none" w="med" len="med"/>
-          </a:ln>
-          <a:effectLst/>
-        </p:spPr>
-      </p:cxnSp>
-      <p:cxnSp>
-        <p:nvCxnSpPr>
-          <p:cNvPr id="43" name="직선 화살표 연결선 42">
-            <a:extLst>
-              <a:ext uri="{FF2B5EF4-FFF2-40B4-BE49-F238E27FC236}">
-                <a16:creationId xmlns:a16="http://schemas.microsoft.com/office/drawing/2014/main" id="{3706B6AC-4240-475E-8616-2E2A7DEBB9A4}"/>
-              </a:ext>
-            </a:extLst>
-          </p:cNvPr>
-          <p:cNvCxnSpPr/>
-          <p:nvPr/>
-        </p:nvCxnSpPr>
-        <p:spPr>
-          <a:xfrm>
-            <a:off x="6620771" y="4157622"/>
-            <a:ext cx="215900" cy="1588"/>
-          </a:xfrm>
-          <a:prstGeom prst="straightConnector1">
-            <a:avLst/>
-          </a:prstGeom>
-          <a:noFill/>
-          <a:ln w="9525" cap="flat" cmpd="sng" algn="ctr">
-            <a:solidFill>
-              <a:srgbClr val="00264C"/>
-            </a:solidFill>
-            <a:prstDash val="solid"/>
-            <a:headEnd type="triangle" w="med" len="med"/>
-            <a:tailEnd type="none" w="med" len="med"/>
-          </a:ln>
-          <a:effectLst/>
-        </p:spPr>
-      </p:cxnSp>
-      <p:sp>
-        <p:nvSpPr>
-          <p:cNvPr id="44" name="Rectangle 41">
-            <a:extLst>
-              <a:ext uri="{FF2B5EF4-FFF2-40B4-BE49-F238E27FC236}">
-                <a16:creationId xmlns:a16="http://schemas.microsoft.com/office/drawing/2014/main" id="{B062E29B-C077-4496-8214-CE9DF1B66C17}"/>
-              </a:ext>
-            </a:extLst>
-          </p:cNvPr>
-          <p:cNvSpPr>
-            <a:spLocks noChangeArrowheads="1"/>
-          </p:cNvSpPr>
-          <p:nvPr/>
-        </p:nvSpPr>
-        <p:spPr bwMode="auto">
-          <a:xfrm>
-            <a:off x="6862072" y="2917785"/>
-            <a:ext cx="1395107" cy="381101"/>
-          </a:xfrm>
-          <a:prstGeom prst="rect">
-            <a:avLst/>
-          </a:prstGeom>
-          <a:ln>
-            <a:headEnd/>
-            <a:tailEnd/>
-          </a:ln>
-        </p:spPr>
-        <p:style>
-          <a:lnRef idx="2">
-            <a:schemeClr val="accent3"/>
-          </a:lnRef>
-          <a:fillRef idx="1">
-            <a:schemeClr val="lt1"/>
-          </a:fillRef>
-          <a:effectRef idx="0">
-            <a:schemeClr val="accent3"/>
-          </a:effectRef>
-          <a:fontRef idx="minor">
-            <a:schemeClr val="dk1"/>
-          </a:fontRef>
-        </p:style>
-        <p:txBody>
-          <a:bodyPr lIns="36000" tIns="36000" rIns="36000" bIns="36000" anchor="ctr"/>
-          <a:lstStyle/>
-          <a:p>
-            <a:pPr algn="ctr" latinLnBrk="0">
-              <a:defRPr/>
-            </a:pPr>
-            <a:r>
-              <a:rPr lang="en-US" altLang="ko-KR" sz="800" b="1" kern="0" dirty="0">
-                <a:latin typeface="맑은 고딕" pitchFamily="50" charset="-127"/>
-                <a:ea typeface="맑은 고딕" pitchFamily="50" charset="-127"/>
-              </a:rPr>
-              <a:t>Python </a:t>
-            </a:r>
-            <a:r>
-              <a:rPr lang="en-US" altLang="ko-KR" sz="800" b="1" kern="0" dirty="0" err="1">
-                <a:latin typeface="맑은 고딕" pitchFamily="50" charset="-127"/>
-                <a:ea typeface="맑은 고딕" pitchFamily="50" charset="-127"/>
-              </a:rPr>
-              <a:t>Numpy</a:t>
-            </a:r>
-            <a:r>
-              <a:rPr lang="ko-KR" altLang="en-US" sz="800" b="1" kern="0" dirty="0">
-                <a:latin typeface="맑은 고딕" pitchFamily="50" charset="-127"/>
-                <a:ea typeface="맑은 고딕" pitchFamily="50" charset="-127"/>
-              </a:rPr>
-              <a:t>를 이용하여</a:t>
-            </a:r>
-            <a:r>
-              <a:rPr lang="en-US" altLang="ko-KR" sz="800" b="1" kern="0" dirty="0">
-                <a:latin typeface="맑은 고딕" pitchFamily="50" charset="-127"/>
-                <a:ea typeface="맑은 고딕" pitchFamily="50" charset="-127"/>
-              </a:rPr>
-              <a:t>, </a:t>
-            </a:r>
-            <a:r>
-              <a:rPr lang="ko-KR" altLang="en-US" sz="800" b="1" kern="0" dirty="0">
-                <a:latin typeface="맑은 고딕" pitchFamily="50" charset="-127"/>
-                <a:ea typeface="맑은 고딕" pitchFamily="50" charset="-127"/>
-              </a:rPr>
-              <a:t>각 객체사이의 거리를</a:t>
-            </a:r>
-            <a:endParaRPr lang="en-US" altLang="ko-KR" sz="800" b="1" kern="0" dirty="0">
-              <a:latin typeface="맑은 고딕" pitchFamily="50" charset="-127"/>
-              <a:ea typeface="맑은 고딕" pitchFamily="50" charset="-127"/>
-            </a:endParaRPr>
-          </a:p>
-          <a:p>
-            <a:pPr algn="ctr" latinLnBrk="0">
-              <a:defRPr/>
-            </a:pPr>
-            <a:r>
-              <a:rPr lang="ko-KR" altLang="en-US" sz="800" b="1" kern="0" dirty="0">
-                <a:latin typeface="맑은 고딕" pitchFamily="50" charset="-127"/>
-                <a:ea typeface="맑은 고딕" pitchFamily="50" charset="-127"/>
-              </a:rPr>
-              <a:t> 확인 후</a:t>
-            </a:r>
-            <a:r>
-              <a:rPr lang="en-US" altLang="ko-KR" sz="800" b="1" kern="0" dirty="0">
-                <a:latin typeface="맑은 고딕" pitchFamily="50" charset="-127"/>
-                <a:ea typeface="맑은 고딕" pitchFamily="50" charset="-127"/>
-              </a:rPr>
-              <a:t>, </a:t>
-            </a:r>
-            <a:r>
-              <a:rPr lang="ko-KR" altLang="en-US" sz="800" b="1" kern="0" dirty="0">
-                <a:latin typeface="맑은 고딕" pitchFamily="50" charset="-127"/>
-                <a:ea typeface="맑은 고딕" pitchFamily="50" charset="-127"/>
-              </a:rPr>
-              <a:t>줄 형성</a:t>
-            </a:r>
-          </a:p>
-        </p:txBody>
-      </p:sp>
       <p:sp>
         <p:nvSpPr>
           <p:cNvPr id="45" name="AutoShape 46">
@@ -17262,221 +16975,34 @@
               <a:defRPr/>
             </a:pPr>
             <a:r>
+              <a:rPr lang="en-US" altLang="ko-KR" sz="800" b="1" kern="0" dirty="0">
+                <a:latin typeface="맑은 고딕" pitchFamily="50" charset="-127"/>
+                <a:ea typeface="맑은 고딕" pitchFamily="50" charset="-127"/>
+              </a:rPr>
+              <a:t>FTP </a:t>
+            </a:r>
+            <a:r>
               <a:rPr lang="ko-KR" altLang="en-US" sz="800" b="1" kern="0" dirty="0">
                 <a:latin typeface="맑은 고딕" pitchFamily="50" charset="-127"/>
                 <a:ea typeface="맑은 고딕" pitchFamily="50" charset="-127"/>
               </a:rPr>
-              <a:t>미리 </a:t>
-            </a:r>
-            <a:r>
-              <a:rPr lang="ko-KR" altLang="en-US" sz="800" b="1" kern="0" dirty="0" err="1">
-                <a:latin typeface="맑은 고딕" pitchFamily="50" charset="-127"/>
-                <a:ea typeface="맑은 고딕" pitchFamily="50" charset="-127"/>
-              </a:rPr>
-              <a:t>파악후</a:t>
+              <a:t>또는 </a:t>
             </a:r>
             <a:r>
               <a:rPr lang="en-US" altLang="ko-KR" sz="800" b="1" kern="0" dirty="0">
                 <a:latin typeface="맑은 고딕" pitchFamily="50" charset="-127"/>
                 <a:ea typeface="맑은 고딕" pitchFamily="50" charset="-127"/>
               </a:rPr>
-              <a:t>, </a:t>
+              <a:t>HTTP </a:t>
             </a:r>
             <a:r>
               <a:rPr lang="ko-KR" altLang="en-US" sz="800" b="1" kern="0" dirty="0">
                 <a:latin typeface="맑은 고딕" pitchFamily="50" charset="-127"/>
                 <a:ea typeface="맑은 고딕" pitchFamily="50" charset="-127"/>
               </a:rPr>
-              <a:t>데이터화 하거나</a:t>
-            </a:r>
-            <a:r>
-              <a:rPr lang="en-US" altLang="ko-KR" sz="800" b="1" kern="0" dirty="0">
-                <a:latin typeface="맑은 고딕" pitchFamily="50" charset="-127"/>
-                <a:ea typeface="맑은 고딕" pitchFamily="50" charset="-127"/>
-              </a:rPr>
-              <a:t>, </a:t>
-            </a:r>
-            <a:r>
-              <a:rPr lang="ko-KR" altLang="en-US" sz="800" b="1" kern="0" dirty="0">
-                <a:latin typeface="맑은 고딕" pitchFamily="50" charset="-127"/>
-                <a:ea typeface="맑은 고딕" pitchFamily="50" charset="-127"/>
-              </a:rPr>
-              <a:t>사용 와이파이를 통해 판별</a:t>
-            </a:r>
-            <a:r>
-              <a:rPr lang="en-US" altLang="ko-KR" sz="800" b="1" kern="0" dirty="0">
-                <a:latin typeface="맑은 고딕" pitchFamily="50" charset="-127"/>
-                <a:ea typeface="맑은 고딕" pitchFamily="50" charset="-127"/>
-              </a:rPr>
-              <a:t>.</a:t>
-            </a:r>
-          </a:p>
-        </p:txBody>
-      </p:sp>
-      <p:sp>
-        <p:nvSpPr>
-          <p:cNvPr id="46" name="AutoShape 46">
-            <a:extLst>
-              <a:ext uri="{FF2B5EF4-FFF2-40B4-BE49-F238E27FC236}">
-                <a16:creationId xmlns:a16="http://schemas.microsoft.com/office/drawing/2014/main" id="{962BBF19-E33B-4253-92D4-5FEEA47317CD}"/>
-              </a:ext>
-            </a:extLst>
-          </p:cNvPr>
-          <p:cNvSpPr>
-            <a:spLocks noChangeArrowheads="1"/>
-          </p:cNvSpPr>
-          <p:nvPr/>
-        </p:nvSpPr>
-        <p:spPr bwMode="auto">
-          <a:xfrm>
-            <a:off x="6850960" y="3336886"/>
-            <a:ext cx="1439863" cy="539751"/>
-          </a:xfrm>
-          <a:prstGeom prst="can">
-            <a:avLst>
-              <a:gd name="adj" fmla="val 25000"/>
-            </a:avLst>
-          </a:prstGeom>
-          <a:solidFill>
-            <a:srgbClr val="EAEAEA"/>
-          </a:solidFill>
-          <a:ln w="6350">
-            <a:solidFill>
-              <a:srgbClr val="00264C"/>
-            </a:solidFill>
-            <a:round/>
-            <a:headEnd/>
-            <a:tailEnd/>
-          </a:ln>
-        </p:spPr>
-        <p:txBody>
-          <a:bodyPr lIns="36000" tIns="36000" rIns="36000" bIns="36000" anchor="ctr"/>
-          <a:lstStyle/>
-          <a:p>
-            <a:pPr algn="ctr" latinLnBrk="0">
-              <a:defRPr/>
-            </a:pPr>
-            <a:r>
-              <a:rPr lang="en-US" altLang="ko-KR" sz="900" b="1" kern="0" dirty="0">
-                <a:latin typeface="맑은 고딕" pitchFamily="50" charset="-127"/>
-                <a:ea typeface="맑은 고딕" pitchFamily="50" charset="-127"/>
-              </a:rPr>
-              <a:t>HOG </a:t>
-            </a:r>
-            <a:r>
-              <a:rPr lang="ko-KR" altLang="en-US" sz="900" b="1" kern="0" dirty="0">
-                <a:latin typeface="맑은 고딕" pitchFamily="50" charset="-127"/>
-                <a:ea typeface="맑은 고딕" pitchFamily="50" charset="-127"/>
-              </a:rPr>
-              <a:t>알고리즘을 이용한 </a:t>
-            </a:r>
-            <a:r>
-              <a:rPr lang="en-US" altLang="ko-KR" sz="900" b="1" kern="0" dirty="0">
-                <a:latin typeface="맑은 고딕" pitchFamily="50" charset="-127"/>
-                <a:ea typeface="맑은 고딕" pitchFamily="50" charset="-127"/>
-              </a:rPr>
-              <a:t>open CV  </a:t>
-            </a:r>
-            <a:r>
-              <a:rPr lang="ko-KR" altLang="en-US" sz="900" b="1" kern="0" dirty="0">
-                <a:latin typeface="맑은 고딕" pitchFamily="50" charset="-127"/>
-                <a:ea typeface="맑은 고딕" pitchFamily="50" charset="-127"/>
-              </a:rPr>
-              <a:t>영상처리</a:t>
-            </a:r>
-            <a:endParaRPr lang="en-US" altLang="ko-KR" sz="900" b="1" kern="0" dirty="0">
-              <a:latin typeface="맑은 고딕" pitchFamily="50" charset="-127"/>
-              <a:ea typeface="맑은 고딕" pitchFamily="50" charset="-127"/>
-            </a:endParaRPr>
-          </a:p>
-        </p:txBody>
-      </p:sp>
-      <p:sp>
-        <p:nvSpPr>
-          <p:cNvPr id="47" name="AutoShape 46">
-            <a:extLst>
-              <a:ext uri="{FF2B5EF4-FFF2-40B4-BE49-F238E27FC236}">
-                <a16:creationId xmlns:a16="http://schemas.microsoft.com/office/drawing/2014/main" id="{1D996DF3-22FD-4A19-887D-464918A5ACD2}"/>
-              </a:ext>
-            </a:extLst>
-          </p:cNvPr>
-          <p:cNvSpPr>
-            <a:spLocks noChangeArrowheads="1"/>
-          </p:cNvSpPr>
-          <p:nvPr/>
-        </p:nvSpPr>
-        <p:spPr bwMode="auto">
-          <a:xfrm>
-            <a:off x="6850960" y="3902035"/>
-            <a:ext cx="1439863" cy="539751"/>
-          </a:xfrm>
-          <a:prstGeom prst="can">
-            <a:avLst>
-              <a:gd name="adj" fmla="val 25000"/>
-            </a:avLst>
-          </a:prstGeom>
-          <a:solidFill>
-            <a:srgbClr val="EAEAEA"/>
-          </a:solidFill>
-          <a:ln w="6350">
-            <a:solidFill>
-              <a:srgbClr val="00264C"/>
-            </a:solidFill>
-            <a:round/>
-            <a:headEnd/>
-            <a:tailEnd/>
-          </a:ln>
-        </p:spPr>
-        <p:txBody>
-          <a:bodyPr lIns="36000" tIns="36000" rIns="36000" bIns="36000" anchor="ctr"/>
-          <a:lstStyle/>
-          <a:p>
-            <a:pPr algn="ctr" latinLnBrk="0">
-              <a:defRPr/>
-            </a:pPr>
-            <a:r>
-              <a:rPr lang="en-US" altLang="ko-KR" sz="900" b="1" kern="0" dirty="0" err="1">
-                <a:latin typeface="맑은 고딕" pitchFamily="50" charset="-127"/>
-                <a:ea typeface="맑은 고딕" pitchFamily="50" charset="-127"/>
-              </a:rPr>
-              <a:t>Haar</a:t>
-            </a:r>
-            <a:r>
-              <a:rPr lang="en-US" altLang="ko-KR" sz="900" b="1" kern="0" dirty="0">
-                <a:latin typeface="맑은 고딕" pitchFamily="50" charset="-127"/>
-                <a:ea typeface="맑은 고딕" pitchFamily="50" charset="-127"/>
-              </a:rPr>
-              <a:t> </a:t>
-            </a:r>
-            <a:r>
-              <a:rPr lang="ko-KR" altLang="en-US" sz="900" b="1" kern="0" dirty="0" err="1">
-                <a:latin typeface="맑은 고딕" pitchFamily="50" charset="-127"/>
-                <a:ea typeface="맑은 고딕" pitchFamily="50" charset="-127"/>
-              </a:rPr>
-              <a:t>캐스캐이드를</a:t>
-            </a:r>
-            <a:r>
-              <a:rPr lang="ko-KR" altLang="en-US" sz="900" b="1" kern="0" dirty="0">
-                <a:latin typeface="맑은 고딕" pitchFamily="50" charset="-127"/>
-                <a:ea typeface="맑은 고딕" pitchFamily="50" charset="-127"/>
-              </a:rPr>
-              <a:t> 이용한 </a:t>
-            </a:r>
-            <a:r>
-              <a:rPr lang="en-US" altLang="ko-KR" sz="900" b="1" kern="0" dirty="0">
-                <a:latin typeface="맑은 고딕" pitchFamily="50" charset="-127"/>
-                <a:ea typeface="맑은 고딕" pitchFamily="50" charset="-127"/>
-              </a:rPr>
-              <a:t>open CV </a:t>
-            </a:r>
-            <a:r>
-              <a:rPr lang="ko-KR" altLang="en-US" sz="900" b="1" kern="0" dirty="0">
-                <a:latin typeface="맑은 고딕" pitchFamily="50" charset="-127"/>
-                <a:ea typeface="맑은 고딕" pitchFamily="50" charset="-127"/>
-              </a:rPr>
-              <a:t>영상처리</a:t>
-            </a:r>
-            <a:endParaRPr lang="en-US" altLang="ko-KR" sz="900" b="1" kern="0" dirty="0">
+              <a:t>프로토콜을 사용하여 정보 전달</a:t>
+            </a:r>
+            <a:endParaRPr lang="en-US" altLang="ko-KR" sz="800" b="1" kern="0" dirty="0">
               <a:latin typeface="맑은 고딕" pitchFamily="50" charset="-127"/>
               <a:ea typeface="맑은 고딕" pitchFamily="50" charset="-127"/>
             </a:endParaRPr>
@@ -17603,8 +17129,8 @@
         </p:nvSpPr>
         <p:spPr bwMode="auto">
           <a:xfrm>
-            <a:off x="994944" y="4473538"/>
-            <a:ext cx="7420621" cy="258789"/>
+            <a:off x="1008208" y="4461413"/>
+            <a:ext cx="4036682" cy="258789"/>
           </a:xfrm>
           <a:prstGeom prst="rect">
             <a:avLst/>
@@ -17754,39 +17280,60 @@
               </a:spcBef>
             </a:pPr>
             <a:r>
+              <a:rPr lang="ko-KR" altLang="en-US" sz="1000" b="0" dirty="0" err="1">
+                <a:latin typeface="맑은 고딕" pitchFamily="50" charset="-127"/>
+                <a:ea typeface="맑은 고딕" pitchFamily="50" charset="-127"/>
+              </a:rPr>
+              <a:t>라즈베리파이로</a:t>
+            </a:r>
+            <a:r>
               <a:rPr lang="ko-KR" altLang="en-US" sz="1000" b="0" dirty="0">
                 <a:latin typeface="맑은 고딕" pitchFamily="50" charset="-127"/>
                 <a:ea typeface="맑은 고딕" pitchFamily="50" charset="-127"/>
               </a:rPr>
-              <a:t>사람 객체인식으로 인한 </a:t>
+              <a:t> </a:t>
             </a:r>
             <a:r>
               <a:rPr lang="ko-KR" altLang="en-US" sz="1000" b="0" dirty="0" err="1">
                 <a:latin typeface="맑은 고딕" pitchFamily="50" charset="-127"/>
                 <a:ea typeface="맑은 고딕" pitchFamily="50" charset="-127"/>
               </a:rPr>
-              <a:t>대기줄파악</a:t>
+              <a:t>영상처리하여</a:t>
             </a:r>
             <a:r>
               <a:rPr lang="ko-KR" altLang="en-US" sz="1000" b="0" dirty="0">
                 <a:latin typeface="맑은 고딕" pitchFamily="50" charset="-127"/>
                 <a:ea typeface="맑은 고딕" pitchFamily="50" charset="-127"/>
               </a:rPr>
-              <a:t> 프로그램을 실행하여</a:t>
+              <a:t> 받은 정보들을 </a:t>
             </a:r>
             <a:r>
               <a:rPr lang="en-US" altLang="ko-KR" sz="1000" b="0" dirty="0">
                 <a:latin typeface="맑은 고딕" pitchFamily="50" charset="-127"/>
                 <a:ea typeface="맑은 고딕" pitchFamily="50" charset="-127"/>
               </a:rPr>
-              <a:t>, </a:t>
+              <a:t>AWS S3 </a:t>
             </a:r>
             <a:r>
               <a:rPr lang="ko-KR" altLang="en-US" sz="1000" b="0" dirty="0">
                 <a:latin typeface="맑은 고딕" pitchFamily="50" charset="-127"/>
                 <a:ea typeface="맑은 고딕" pitchFamily="50" charset="-127"/>
               </a:rPr>
-              <a:t>펌웨어에서 측정하는 정류장에서 실제 기다리는 대기인원을 알아냄</a:t>
+              <a:t>에 전달한다</a:t>
+            </a:r>
+            <a:r>
+              <a:rPr lang="en-US" altLang="ko-KR" sz="1000" b="0" dirty="0">
+                <a:latin typeface="맑은 고딕" pitchFamily="50" charset="-127"/>
+                <a:ea typeface="맑은 고딕" pitchFamily="50" charset="-127"/>
+              </a:rPr>
+              <a:t>.</a:t>
+            </a:r>
+            <a:r>
+              <a:rPr lang="ko-KR" altLang="en-US" sz="1000" b="0" dirty="0">
+                <a:latin typeface="맑은 고딕" pitchFamily="50" charset="-127"/>
+                <a:ea typeface="맑은 고딕" pitchFamily="50" charset="-127"/>
+              </a:rPr>
+              <a:t> </a:t>
             </a:r>
             <a:endParaRPr lang="en-US" altLang="ko-KR" sz="1000" b="0" dirty="0">
               <a:latin typeface="맑은 고딕" pitchFamily="50" charset="-127"/>
@@ -17864,7 +17411,7 @@
         <p:spPr bwMode="auto">
           <a:xfrm>
             <a:off x="1008208" y="4726903"/>
-            <a:ext cx="7558479" cy="258789"/>
+            <a:ext cx="3778599" cy="258789"/>
           </a:xfrm>
           <a:prstGeom prst="rect">
             <a:avLst/>
@@ -18018,7 +17565,7 @@
                 <a:latin typeface="맑은 고딕" pitchFamily="50" charset="-127"/>
                 <a:ea typeface="맑은 고딕" pitchFamily="50" charset="-127"/>
               </a:rPr>
-              <a:t>프로그램을 통해 알아낸</a:t>
+              <a:t>데이터화 한 사람의 인원수와</a:t>
             </a:r>
             <a:r>
               <a:rPr lang="en-US" altLang="ko-KR" sz="1000" b="0" dirty="0">
@@ -18032,56 +17579,7 @@
                 <a:latin typeface="맑은 고딕" pitchFamily="50" charset="-127"/>
                 <a:ea typeface="맑은 고딕" pitchFamily="50" charset="-127"/>
               </a:rPr>
-              <a:t>대기인원과 </a:t>
-            </a:r>
-            <a:r>
-              <a:rPr lang="en-US" altLang="ko-KR" sz="1000" b="0" dirty="0">
-                <a:latin typeface="맑은 고딕" pitchFamily="50" charset="-127"/>
-                <a:ea typeface="맑은 고딕" pitchFamily="50" charset="-127"/>
-              </a:rPr>
-              <a:t>, </a:t>
-            </a:r>
-            <a:r>
-              <a:rPr lang="ko-KR" altLang="en-US" sz="1000" b="0" dirty="0">
-                <a:latin typeface="맑은 고딕" pitchFamily="50" charset="-127"/>
-                <a:ea typeface="맑은 고딕" pitchFamily="50" charset="-127"/>
-              </a:rPr>
-              <a:t>해당 정거장의 아이디를 </a:t>
-            </a:r>
-            <a:r>
-              <a:rPr lang="ko-KR" altLang="en-US" sz="1000" b="0" dirty="0" err="1">
-                <a:latin typeface="맑은 고딕" pitchFamily="50" charset="-127"/>
-                <a:ea typeface="맑은 고딕" pitchFamily="50" charset="-127"/>
-              </a:rPr>
-              <a:t>데이터화하여</a:t>
-            </a:r>
-            <a:r>
-              <a:rPr lang="en-US" altLang="ko-KR" sz="1000" b="0" dirty="0">
-                <a:latin typeface="맑은 고딕" pitchFamily="50" charset="-127"/>
-                <a:ea typeface="맑은 고딕" pitchFamily="50" charset="-127"/>
-              </a:rPr>
-              <a:t>, </a:t>
-            </a:r>
-            <a:r>
-              <a:rPr lang="ko-KR" altLang="en-US" sz="1000" b="0" dirty="0">
-                <a:latin typeface="맑은 고딕" pitchFamily="50" charset="-127"/>
-                <a:ea typeface="맑은 고딕" pitchFamily="50" charset="-127"/>
-              </a:rPr>
-              <a:t>현재 시간과 함께 저장</a:t>
-            </a:r>
-            <a:r>
-              <a:rPr lang="en-US" altLang="ko-KR" sz="1000" b="0" dirty="0">
-                <a:latin typeface="맑은 고딕" pitchFamily="50" charset="-127"/>
-                <a:ea typeface="맑은 고딕" pitchFamily="50" charset="-127"/>
-              </a:rPr>
-              <a:t>, </a:t>
-            </a:r>
-            <a:r>
-              <a:rPr lang="ko-KR" altLang="en-US" sz="1000" b="0" dirty="0">
-                <a:latin typeface="맑은 고딕" pitchFamily="50" charset="-127"/>
-                <a:ea typeface="맑은 고딕" pitchFamily="50" charset="-127"/>
-              </a:rPr>
-              <a:t>이를 클라우드 서버에 전송</a:t>
+              <a:t>그 시각을 서버에서 앱으로 전송</a:t>
             </a:r>
             <a:endParaRPr lang="en-US" altLang="ko-KR" sz="1000" b="0" dirty="0">
               <a:latin typeface="맑은 고딕" pitchFamily="50" charset="-127"/>
@@ -18268,7 +17766,7 @@
         </p:nvSpPr>
         <p:spPr>
           <a:xfrm>
-            <a:off x="5165638" y="1830247"/>
+            <a:off x="5165638" y="1830700"/>
             <a:ext cx="1464659" cy="381101"/>
           </a:xfrm>
           <a:prstGeom prst="roundRect">
@@ -18296,15 +17794,7 @@
             <a:pPr algn="ctr"/>
             <a:r>
               <a:rPr lang="ko-KR" altLang="en-US" sz="800" b="1" dirty="0"/>
-              <a:t>해당 정거장의</a:t>
-            </a:r>
-            <a:endParaRPr lang="en-US" altLang="ko-KR" sz="800" b="1" dirty="0"/>
-          </a:p>
-          <a:p>
-            <a:pPr algn="ctr"/>
-            <a:r>
-              <a:rPr lang="ko-KR" altLang="en-US" sz="800" b="1" dirty="0"/>
-              <a:t> 아이디를 데이터화</a:t>
+              <a:t>사람의 인원수를 프로토콜을 이용하여 전달</a:t>
             </a:r>
           </a:p>
         </p:txBody>
@@ -18351,195 +17841,7 @@
             <a:pPr algn="ctr"/>
             <a:r>
               <a:rPr lang="ko-KR" altLang="en-US" sz="800" b="1" dirty="0"/>
-              <a:t>형성 대기줄을 일정한</a:t>
-            </a:r>
-            <a:endParaRPr lang="en-US" altLang="ko-KR" sz="800" b="1" dirty="0"/>
-          </a:p>
-          <a:p>
-            <a:pPr algn="ctr"/>
-            <a:r>
-              <a:rPr lang="ko-KR" altLang="en-US" sz="800" b="1" dirty="0"/>
-              <a:t> 간격마다 데이터화</a:t>
-            </a:r>
-          </a:p>
-        </p:txBody>
-      </p:sp>
-      <p:sp>
-        <p:nvSpPr>
-          <p:cNvPr id="60" name="사각형: 둥근 모서리 59">
-            <a:extLst>
-              <a:ext uri="{FF2B5EF4-FFF2-40B4-BE49-F238E27FC236}">
-                <a16:creationId xmlns:a16="http://schemas.microsoft.com/office/drawing/2014/main" id="{DB2B01A9-387E-402A-8617-7FA3633F3C88}"/>
-              </a:ext>
-            </a:extLst>
-          </p:cNvPr>
-          <p:cNvSpPr/>
-          <p:nvPr/>
-        </p:nvSpPr>
-        <p:spPr>
-          <a:xfrm>
-            <a:off x="5165638" y="2898357"/>
-            <a:ext cx="1464659" cy="381101"/>
-          </a:xfrm>
-          <a:prstGeom prst="roundRect">
-            <a:avLst/>
-          </a:prstGeom>
-        </p:spPr>
-        <p:style>
-          <a:lnRef idx="2">
-            <a:schemeClr val="accent1"/>
-          </a:lnRef>
-          <a:fillRef idx="1">
-            <a:schemeClr val="lt1"/>
-          </a:fillRef>
-          <a:effectRef idx="0">
-            <a:schemeClr val="accent1"/>
-          </a:effectRef>
-          <a:fontRef idx="minor">
-            <a:schemeClr val="dk1"/>
-          </a:fontRef>
-        </p:style>
-        <p:txBody>
-          <a:bodyPr rtlCol="0" anchor="ctr"/>
-          <a:lstStyle/>
-          <a:p>
-            <a:pPr algn="ctr"/>
-            <a:r>
-              <a:rPr lang="ko-KR" altLang="en-US" sz="800" b="1" dirty="0"/>
-              <a:t>인식한 사람 객체사이의</a:t>
-            </a:r>
-            <a:endParaRPr lang="en-US" altLang="ko-KR" sz="800" b="1" dirty="0"/>
-          </a:p>
-          <a:p>
-            <a:pPr algn="ctr"/>
-            <a:r>
-              <a:rPr lang="ko-KR" altLang="en-US" sz="800" b="1" dirty="0"/>
-              <a:t> 간격을 이용하여</a:t>
-            </a:r>
-            <a:r>
-              <a:rPr lang="en-US" altLang="ko-KR" sz="800" b="1" dirty="0"/>
-              <a:t>,</a:t>
-            </a:r>
-          </a:p>
-          <a:p>
-            <a:pPr algn="ctr"/>
-            <a:r>
-              <a:rPr lang="en-US" altLang="ko-KR" sz="800" b="1" dirty="0"/>
-              <a:t> </a:t>
-            </a:r>
-            <a:r>
-              <a:rPr lang="ko-KR" altLang="en-US" sz="800" b="1" dirty="0"/>
-              <a:t>대기 줄의 형성 파악</a:t>
-            </a:r>
-          </a:p>
-        </p:txBody>
-      </p:sp>
-      <p:sp>
-        <p:nvSpPr>
-          <p:cNvPr id="61" name="사각형: 둥근 모서리 60">
-            <a:extLst>
-              <a:ext uri="{FF2B5EF4-FFF2-40B4-BE49-F238E27FC236}">
-                <a16:creationId xmlns:a16="http://schemas.microsoft.com/office/drawing/2014/main" id="{FDF2AAD5-B269-476D-8256-1460A049DBC6}"/>
-              </a:ext>
-            </a:extLst>
-          </p:cNvPr>
-          <p:cNvSpPr/>
-          <p:nvPr/>
-        </p:nvSpPr>
-        <p:spPr>
-          <a:xfrm>
-            <a:off x="5165638" y="3420301"/>
-            <a:ext cx="1464659" cy="381101"/>
-          </a:xfrm>
-          <a:prstGeom prst="roundRect">
-            <a:avLst/>
-          </a:prstGeom>
-        </p:spPr>
-        <p:style>
-          <a:lnRef idx="2">
-            <a:schemeClr val="accent1"/>
-          </a:lnRef>
-          <a:fillRef idx="1">
-            <a:schemeClr val="lt1"/>
-          </a:fillRef>
-          <a:effectRef idx="0">
-            <a:schemeClr val="accent1"/>
-          </a:effectRef>
-          <a:fontRef idx="minor">
-            <a:schemeClr val="dk1"/>
-          </a:fontRef>
-        </p:style>
-        <p:txBody>
-          <a:bodyPr rtlCol="0" anchor="ctr"/>
-          <a:lstStyle/>
-          <a:p>
-            <a:pPr algn="ctr"/>
-            <a:r>
-              <a:rPr lang="en-US" altLang="ko-KR" sz="800" b="1" dirty="0"/>
-              <a:t>HOG </a:t>
-            </a:r>
-            <a:r>
-              <a:rPr lang="ko-KR" altLang="en-US" sz="800" b="1" dirty="0"/>
-              <a:t>알고리즘을 이용한 사람 객체 인식</a:t>
-            </a:r>
-          </a:p>
-        </p:txBody>
-      </p:sp>
-      <p:sp>
-        <p:nvSpPr>
-          <p:cNvPr id="62" name="사각형: 둥근 모서리 61">
-            <a:extLst>
-              <a:ext uri="{FF2B5EF4-FFF2-40B4-BE49-F238E27FC236}">
-                <a16:creationId xmlns:a16="http://schemas.microsoft.com/office/drawing/2014/main" id="{BD591010-1DB2-4DFE-90D5-D181207DB621}"/>
-              </a:ext>
-            </a:extLst>
-          </p:cNvPr>
-          <p:cNvSpPr/>
-          <p:nvPr/>
-        </p:nvSpPr>
-        <p:spPr>
-          <a:xfrm>
-            <a:off x="5165638" y="3953787"/>
-            <a:ext cx="1464659" cy="381101"/>
-          </a:xfrm>
-          <a:prstGeom prst="roundRect">
-            <a:avLst/>
-          </a:prstGeom>
-        </p:spPr>
-        <p:style>
-          <a:lnRef idx="2">
-            <a:schemeClr val="accent1"/>
-          </a:lnRef>
-          <a:fillRef idx="1">
-            <a:schemeClr val="lt1"/>
-          </a:fillRef>
-          <a:effectRef idx="0">
-            <a:schemeClr val="accent1"/>
-          </a:effectRef>
-          <a:fontRef idx="minor">
-            <a:schemeClr val="dk1"/>
-          </a:fontRef>
-        </p:style>
-        <p:txBody>
-          <a:bodyPr rtlCol="0" anchor="ctr"/>
-          <a:lstStyle/>
-          <a:p>
-            <a:pPr algn="ctr"/>
-            <a:r>
-              <a:rPr lang="en-US" altLang="ko-KR" sz="800" b="1" dirty="0" err="1"/>
-              <a:t>Haar</a:t>
-            </a:r>
-            <a:r>
-              <a:rPr lang="en-US" altLang="ko-KR" sz="800" b="1" dirty="0"/>
-              <a:t> </a:t>
-            </a:r>
-            <a:r>
-              <a:rPr lang="ko-KR" altLang="en-US" sz="800" b="1" dirty="0" err="1"/>
-              <a:t>알고림즘을</a:t>
-            </a:r>
-            <a:r>
-              <a:rPr lang="ko-KR" altLang="en-US" sz="800" b="1" dirty="0"/>
-              <a:t> 이용한 사람 객체인식</a:t>
+              <a:t>인원수 체크 시간을 프로토콜을 이용하여 전달 </a:t>
             </a:r>
           </a:p>
         </p:txBody>
@@ -18593,51 +17895,33 @@
               <a:defRPr/>
             </a:pPr>
             <a:r>
+              <a:rPr lang="en-US" altLang="ko-KR" sz="800" b="1" kern="0" dirty="0">
+                <a:latin typeface="맑은 고딕" pitchFamily="50" charset="-127"/>
+                <a:ea typeface="맑은 고딕" pitchFamily="50" charset="-127"/>
+              </a:rPr>
+              <a:t>FTP </a:t>
+            </a:r>
+            <a:r>
               <a:rPr lang="ko-KR" altLang="en-US" sz="800" b="1" kern="0" dirty="0">
                 <a:latin typeface="맑은 고딕" pitchFamily="50" charset="-127"/>
                 <a:ea typeface="맑은 고딕" pitchFamily="50" charset="-127"/>
               </a:rPr>
-              <a:t>실시간 영상처리를 이용하여</a:t>
+              <a:t>또는 </a:t>
             </a:r>
             <a:r>
               <a:rPr lang="en-US" altLang="ko-KR" sz="800" b="1" kern="0" dirty="0">
                 <a:latin typeface="맑은 고딕" pitchFamily="50" charset="-127"/>
                 <a:ea typeface="맑은 고딕" pitchFamily="50" charset="-127"/>
               </a:rPr>
-              <a:t>, </a:t>
+              <a:t>HTTP </a:t>
             </a:r>
             <a:r>
               <a:rPr lang="ko-KR" altLang="en-US" sz="800" b="1" kern="0" dirty="0">
                 <a:latin typeface="맑은 고딕" pitchFamily="50" charset="-127"/>
                 <a:ea typeface="맑은 고딕" pitchFamily="50" charset="-127"/>
               </a:rPr>
-              <a:t>객체인식을 하기때문에</a:t>
-            </a:r>
-            <a:r>
-              <a:rPr lang="en-US" altLang="ko-KR" sz="800" b="1" kern="0" dirty="0">
-                <a:latin typeface="맑은 고딕" pitchFamily="50" charset="-127"/>
-                <a:ea typeface="맑은 고딕" pitchFamily="50" charset="-127"/>
-              </a:rPr>
-              <a:t>, </a:t>
-            </a:r>
-            <a:r>
-              <a:rPr lang="ko-KR" altLang="en-US" sz="800" b="1" kern="0" dirty="0">
-                <a:latin typeface="맑은 고딕" pitchFamily="50" charset="-127"/>
-                <a:ea typeface="맑은 고딕" pitchFamily="50" charset="-127"/>
-              </a:rPr>
-              <a:t>일정한 프레임에 따라 계산</a:t>
-            </a:r>
-            <a:r>
-              <a:rPr lang="en-US" altLang="ko-KR" sz="800" b="1" kern="0" dirty="0">
-                <a:latin typeface="맑은 고딕" pitchFamily="50" charset="-127"/>
-                <a:ea typeface="맑은 고딕" pitchFamily="50" charset="-127"/>
-              </a:rPr>
-              <a:t>.</a:t>
-            </a:r>
-            <a:endParaRPr lang="ko-KR" altLang="en-US" sz="800" b="1" kern="0" dirty="0">
-              <a:latin typeface="맑은 고딕" pitchFamily="50" charset="-127"/>
-              <a:ea typeface="맑은 고딕" pitchFamily="50" charset="-127"/>
-            </a:endParaRPr>
+              <a:t>프로토콜을 사용하여 정보 전달</a:t>
+            </a:r>
           </a:p>
         </p:txBody>
       </p:sp>
